--- a/Lectures/Lecture12.pptx
+++ b/Lectures/Lecture12.pptx
@@ -305,7 +305,7 @@
           <a:p>
             <a:fld id="{CBA08D16-15DC-4E25-BDC3-F25146157B16}" type="datetimeFigureOut">
               <a:rPr lang="ru-RU" smtClean="0"/>
-              <a:t>06.12.2018</a:t>
+              <a:t>07.12.2018</a:t>
             </a:fld>
             <a:endParaRPr lang="ru-RU"/>
           </a:p>
@@ -890,7 +890,7 @@
           <a:p>
             <a:fld id="{FCEC8293-DB51-454A-BE81-EC8FCB31EBA2}" type="datetime1">
               <a:rPr lang="ru-RU" smtClean="0"/>
-              <a:t>06.12.2018</a:t>
+              <a:t>07.12.2018</a:t>
             </a:fld>
             <a:endParaRPr lang="ru-RU"/>
           </a:p>
@@ -1064,7 +1064,7 @@
           <a:p>
             <a:fld id="{241C87B1-1C35-4DBD-BC18-2BC72E776603}" type="datetime1">
               <a:rPr lang="ru-RU" smtClean="0"/>
-              <a:t>06.12.2018</a:t>
+              <a:t>07.12.2018</a:t>
             </a:fld>
             <a:endParaRPr lang="ru-RU"/>
           </a:p>
@@ -1248,7 +1248,7 @@
           <a:p>
             <a:fld id="{3134C275-26C0-42CD-9111-9ADE65922AF9}" type="datetime1">
               <a:rPr lang="ru-RU" smtClean="0"/>
-              <a:t>06.12.2018</a:t>
+              <a:t>07.12.2018</a:t>
             </a:fld>
             <a:endParaRPr lang="ru-RU"/>
           </a:p>
@@ -1422,7 +1422,7 @@
           <a:p>
             <a:fld id="{C1A9A50B-C350-45F5-8AAB-ADB9E670AF2E}" type="datetime1">
               <a:rPr lang="ru-RU" smtClean="0"/>
-              <a:t>06.12.2018</a:t>
+              <a:t>07.12.2018</a:t>
             </a:fld>
             <a:endParaRPr lang="ru-RU"/>
           </a:p>
@@ -1672,7 +1672,7 @@
           <a:p>
             <a:fld id="{089688C9-348F-42F9-B6C0-5990DDE0C5B2}" type="datetime1">
               <a:rPr lang="ru-RU" smtClean="0"/>
-              <a:t>06.12.2018</a:t>
+              <a:t>07.12.2018</a:t>
             </a:fld>
             <a:endParaRPr lang="ru-RU"/>
           </a:p>
@@ -1908,7 +1908,7 @@
           <a:p>
             <a:fld id="{684AFD8F-6DD9-4AD3-A505-FDC3F5C5F3F6}" type="datetime1">
               <a:rPr lang="ru-RU" smtClean="0"/>
-              <a:t>06.12.2018</a:t>
+              <a:t>07.12.2018</a:t>
             </a:fld>
             <a:endParaRPr lang="ru-RU"/>
           </a:p>
@@ -2279,7 +2279,7 @@
           <a:p>
             <a:fld id="{63551EFE-4D02-45EB-A747-8B6F047B5AA0}" type="datetime1">
               <a:rPr lang="ru-RU" smtClean="0"/>
-              <a:t>06.12.2018</a:t>
+              <a:t>07.12.2018</a:t>
             </a:fld>
             <a:endParaRPr lang="ru-RU"/>
           </a:p>
@@ -2401,7 +2401,7 @@
           <a:p>
             <a:fld id="{813A9F34-E5CD-4B8F-AA9E-889C84372B20}" type="datetime1">
               <a:rPr lang="ru-RU" smtClean="0"/>
-              <a:t>06.12.2018</a:t>
+              <a:t>07.12.2018</a:t>
             </a:fld>
             <a:endParaRPr lang="ru-RU"/>
           </a:p>
@@ -2500,7 +2500,7 @@
           <a:p>
             <a:fld id="{51224D22-9B29-44A6-8E82-95FC492DEDC1}" type="datetime1">
               <a:rPr lang="ru-RU" smtClean="0"/>
-              <a:t>06.12.2018</a:t>
+              <a:t>07.12.2018</a:t>
             </a:fld>
             <a:endParaRPr lang="ru-RU"/>
           </a:p>
@@ -2781,7 +2781,7 @@
           <a:p>
             <a:fld id="{91D1034F-4441-48A1-BDC0-25EA1022324A}" type="datetime1">
               <a:rPr lang="ru-RU" smtClean="0"/>
-              <a:t>06.12.2018</a:t>
+              <a:t>07.12.2018</a:t>
             </a:fld>
             <a:endParaRPr lang="ru-RU"/>
           </a:p>
@@ -3038,7 +3038,7 @@
           <a:p>
             <a:fld id="{B0FFDE79-B627-473B-AE17-4C65BD2495F7}" type="datetime1">
               <a:rPr lang="ru-RU" smtClean="0"/>
-              <a:t>06.12.2018</a:t>
+              <a:t>07.12.2018</a:t>
             </a:fld>
             <a:endParaRPr lang="ru-RU"/>
           </a:p>
@@ -3255,7 +3255,7 @@
           <a:p>
             <a:fld id="{11CA537A-1B8C-47BA-9BA6-7CE3FAFDA8BE}" type="datetime1">
               <a:rPr lang="ru-RU" smtClean="0"/>
-              <a:t>06.12.2018</a:t>
+              <a:t>07.12.2018</a:t>
             </a:fld>
             <a:endParaRPr lang="ru-RU"/>
           </a:p>
@@ -3823,8 +3823,8 @@
           </a:p>
         </p:txBody>
       </p:sp>
-      <mc:AlternateContent xmlns:mc="http://schemas.openxmlformats.org/markup-compatibility/2006">
-        <mc:Choice xmlns:a14="http://schemas.microsoft.com/office/drawing/2010/main" Requires="a14">
+      <mc:AlternateContent xmlns:mc="http://schemas.openxmlformats.org/markup-compatibility/2006" xmlns:a14="http://schemas.microsoft.com/office/drawing/2010/main">
+        <mc:Choice Requires="a14">
           <p:sp>
             <p:nvSpPr>
               <p:cNvPr id="3" name="Объект 2"/>
@@ -4171,7 +4171,7 @@
             </p:txBody>
           </p:sp>
         </mc:Choice>
-        <mc:Fallback>
+        <mc:Fallback xmlns="">
           <p:sp>
             <p:nvSpPr>
               <p:cNvPr id="3" name="Объект 2"/>
@@ -5222,8 +5222,8 @@
           </a:p>
         </p:txBody>
       </p:sp>
-      <mc:AlternateContent xmlns:mc="http://schemas.openxmlformats.org/markup-compatibility/2006">
-        <mc:Choice xmlns:a14="http://schemas.microsoft.com/office/drawing/2010/main" Requires="a14">
+      <mc:AlternateContent xmlns:mc="http://schemas.openxmlformats.org/markup-compatibility/2006" xmlns:a14="http://schemas.microsoft.com/office/drawing/2010/main">
+        <mc:Choice Requires="a14">
           <p:sp>
             <p:nvSpPr>
               <p:cNvPr id="3" name="Объект 2"/>
@@ -5364,7 +5364,7 @@
             </p:txBody>
           </p:sp>
         </mc:Choice>
-        <mc:Fallback>
+        <mc:Fallback xmlns="">
           <p:sp>
             <p:nvSpPr>
               <p:cNvPr id="3" name="Объект 2"/>
@@ -6024,8 +6024,8 @@
             <a:chExt cx="2515497" cy="1436132"/>
           </a:xfrm>
         </p:grpSpPr>
-        <mc:AlternateContent xmlns:mc="http://schemas.openxmlformats.org/markup-compatibility/2006">
-          <mc:Choice xmlns:a14="http://schemas.microsoft.com/office/drawing/2010/main" Requires="a14">
+        <mc:AlternateContent xmlns:mc="http://schemas.openxmlformats.org/markup-compatibility/2006" xmlns:a14="http://schemas.microsoft.com/office/drawing/2010/main">
+          <mc:Choice Requires="a14">
             <p:sp>
               <p:nvSpPr>
                 <p:cNvPr id="20" name="TextBox 19"/>
@@ -6062,11 +6062,7 @@
                   </a:br>
                   <a:r>
                     <a:rPr lang="en-US" sz="2400" dirty="0" smtClean="0"/>
-                    <a:t>c </a:t>
-                  </a:r>
-                  <a:r>
-                    <a:rPr lang="en-US" sz="2400" dirty="0" smtClean="0"/>
-                    <a:t>∉ { c</a:t>
+                    <a:t>c ∉ { c</a:t>
                   </a:r>
                   <a:r>
                     <a:rPr lang="en-US" sz="2400" baseline="-25000" dirty="0" smtClean="0"/>
@@ -6107,7 +6103,7 @@
               </p:txBody>
             </p:sp>
           </mc:Choice>
-          <mc:Fallback>
+          <mc:Fallback xmlns="">
             <p:sp>
               <p:nvSpPr>
                 <p:cNvPr id="20" name="TextBox 19"/>
@@ -6683,8 +6679,8 @@
           </a:p>
         </p:txBody>
       </p:sp>
-      <mc:AlternateContent xmlns:mc="http://schemas.openxmlformats.org/markup-compatibility/2006">
-        <mc:Choice xmlns:a14="http://schemas.microsoft.com/office/drawing/2010/main" Requires="a14">
+      <mc:AlternateContent xmlns:mc="http://schemas.openxmlformats.org/markup-compatibility/2006" xmlns:a14="http://schemas.microsoft.com/office/drawing/2010/main">
+        <mc:Choice Requires="a14">
           <p:sp>
             <p:nvSpPr>
               <p:cNvPr id="3" name="Объект 2"/>
@@ -7140,7 +7136,7 @@
             </p:txBody>
           </p:sp>
         </mc:Choice>
-        <mc:Fallback>
+        <mc:Fallback xmlns="">
           <p:sp>
             <p:nvSpPr>
               <p:cNvPr id="3" name="Объект 2"/>
@@ -7257,8 +7253,8 @@
           </a:p>
         </p:txBody>
       </p:sp>
-      <mc:AlternateContent xmlns:mc="http://schemas.openxmlformats.org/markup-compatibility/2006">
-        <mc:Choice xmlns:a14="http://schemas.microsoft.com/office/drawing/2010/main" Requires="a14">
+      <mc:AlternateContent xmlns:mc="http://schemas.openxmlformats.org/markup-compatibility/2006" xmlns:a14="http://schemas.microsoft.com/office/drawing/2010/main">
+        <mc:Choice Requires="a14">
           <p:sp>
             <p:nvSpPr>
               <p:cNvPr id="3" name="Объект 2"/>
@@ -7344,7 +7340,7 @@
             </p:txBody>
           </p:sp>
         </mc:Choice>
-        <mc:Fallback>
+        <mc:Fallback xmlns="">
           <p:sp>
             <p:nvSpPr>
               <p:cNvPr id="3" name="Объект 2"/>
@@ -7865,8 +7861,8 @@
             <a:chExt cx="2515497" cy="1436132"/>
           </a:xfrm>
         </p:grpSpPr>
-        <mc:AlternateContent xmlns:mc="http://schemas.openxmlformats.org/markup-compatibility/2006">
-          <mc:Choice xmlns:a14="http://schemas.microsoft.com/office/drawing/2010/main" Requires="a14">
+        <mc:AlternateContent xmlns:mc="http://schemas.openxmlformats.org/markup-compatibility/2006" xmlns:a14="http://schemas.microsoft.com/office/drawing/2010/main">
+          <mc:Choice Requires="a14">
             <p:sp>
               <p:nvSpPr>
                 <p:cNvPr id="20" name="TextBox 19"/>
@@ -7903,11 +7899,7 @@
                   </a:br>
                   <a:r>
                     <a:rPr lang="en-US" sz="2400" dirty="0" smtClean="0"/>
-                    <a:t>c </a:t>
-                  </a:r>
-                  <a:r>
-                    <a:rPr lang="en-US" sz="2400" dirty="0" smtClean="0"/>
-                    <a:t>∉ { c</a:t>
+                    <a:t>c ∉ { c</a:t>
                   </a:r>
                   <a:r>
                     <a:rPr lang="en-US" sz="2400" baseline="-25000" dirty="0" smtClean="0"/>
@@ -7948,7 +7940,7 @@
               </p:txBody>
             </p:sp>
           </mc:Choice>
-          <mc:Fallback>
+          <mc:Fallback xmlns="">
             <p:sp>
               <p:nvSpPr>
                 <p:cNvPr id="20" name="TextBox 19"/>
@@ -8086,8 +8078,8 @@
           </a:p>
         </p:txBody>
       </p:sp>
-      <mc:AlternateContent xmlns:mc="http://schemas.openxmlformats.org/markup-compatibility/2006">
-        <mc:Choice xmlns:a14="http://schemas.microsoft.com/office/drawing/2010/main" Requires="a14">
+      <mc:AlternateContent xmlns:mc="http://schemas.openxmlformats.org/markup-compatibility/2006" xmlns:a14="http://schemas.microsoft.com/office/drawing/2010/main">
+        <mc:Choice Requires="a14">
           <p:sp>
             <p:nvSpPr>
               <p:cNvPr id="3" name="Объект 2"/>
@@ -8270,7 +8262,7 @@
             </p:txBody>
           </p:sp>
         </mc:Choice>
-        <mc:Fallback>
+        <mc:Fallback xmlns="">
           <p:sp>
             <p:nvSpPr>
               <p:cNvPr id="3" name="Объект 2"/>
@@ -8410,8 +8402,8 @@
           </a:p>
         </p:txBody>
       </p:sp>
-      <mc:AlternateContent xmlns:mc="http://schemas.openxmlformats.org/markup-compatibility/2006">
-        <mc:Choice xmlns:a14="http://schemas.microsoft.com/office/drawing/2010/main" Requires="a14">
+      <mc:AlternateContent xmlns:mc="http://schemas.openxmlformats.org/markup-compatibility/2006" xmlns:a14="http://schemas.microsoft.com/office/drawing/2010/main">
+        <mc:Choice Requires="a14">
           <p:sp>
             <p:nvSpPr>
               <p:cNvPr id="6" name="Rectangle 7"/>
@@ -8465,7 +8457,7 @@
             </p:txBody>
           </p:sp>
         </mc:Choice>
-        <mc:Fallback>
+        <mc:Fallback xmlns="">
           <p:sp>
             <p:nvSpPr>
               <p:cNvPr id="6" name="Rectangle 7"/>
@@ -8564,8 +8556,8 @@
             </a:p>
           </p:txBody>
         </p:sp>
-        <mc:AlternateContent xmlns:mc="http://schemas.openxmlformats.org/markup-compatibility/2006">
-          <mc:Choice xmlns:a14="http://schemas.microsoft.com/office/drawing/2010/main" Requires="a14">
+        <mc:AlternateContent xmlns:mc="http://schemas.openxmlformats.org/markup-compatibility/2006" xmlns:a14="http://schemas.microsoft.com/office/drawing/2010/main">
+          <mc:Choice Requires="a14">
             <p:sp>
               <p:nvSpPr>
                 <p:cNvPr id="9" name="Text Box 11"/>
@@ -8597,7 +8589,6 @@
                 </a:bodyPr>
                 <a:lstStyle/>
                 <a:p>
-                  <a:pPr/>
                   <a14:m>
                     <m:oMath xmlns:m="http://schemas.openxmlformats.org/officeDocument/2006/math">
                       <m:sSub>
@@ -8780,7 +8771,7 @@
               </p:txBody>
             </p:sp>
           </mc:Choice>
-          <mc:Fallback>
+          <mc:Fallback xmlns="">
             <p:sp>
               <p:nvSpPr>
                 <p:cNvPr id="9" name="Text Box 11"/>
@@ -8878,8 +8869,8 @@
             </a:p>
           </p:txBody>
         </p:sp>
-        <mc:AlternateContent xmlns:mc="http://schemas.openxmlformats.org/markup-compatibility/2006">
-          <mc:Choice xmlns:a14="http://schemas.microsoft.com/office/drawing/2010/main" Requires="a14">
+        <mc:AlternateContent xmlns:mc="http://schemas.openxmlformats.org/markup-compatibility/2006" xmlns:a14="http://schemas.microsoft.com/office/drawing/2010/main">
+          <mc:Choice Requires="a14">
             <p:sp>
               <p:nvSpPr>
                 <p:cNvPr id="12" name="Text Box 14"/>
@@ -9024,7 +9015,7 @@
               </p:txBody>
             </p:sp>
           </mc:Choice>
-          <mc:Fallback>
+          <mc:Fallback xmlns="">
             <p:sp>
               <p:nvSpPr>
                 <p:cNvPr id="12" name="Text Box 14"/>
@@ -9171,8 +9162,8 @@
           </a:p>
         </p:txBody>
       </p:sp>
-      <mc:AlternateContent xmlns:mc="http://schemas.openxmlformats.org/markup-compatibility/2006">
-        <mc:Choice xmlns:a14="http://schemas.microsoft.com/office/drawing/2010/main" Requires="a14">
+      <mc:AlternateContent xmlns:mc="http://schemas.openxmlformats.org/markup-compatibility/2006" xmlns:a14="http://schemas.microsoft.com/office/drawing/2010/main">
+        <mc:Choice Requires="a14">
           <p:sp>
             <p:nvSpPr>
               <p:cNvPr id="16" name="Text Box 6"/>
@@ -9250,7 +9241,7 @@
             </p:txBody>
           </p:sp>
         </mc:Choice>
-        <mc:Fallback>
+        <mc:Fallback xmlns="">
           <p:sp>
             <p:nvSpPr>
               <p:cNvPr id="16" name="Text Box 6"/>
@@ -9456,8 +9447,8 @@
             </a:p>
           </p:txBody>
         </p:sp>
-        <mc:AlternateContent xmlns:mc="http://schemas.openxmlformats.org/markup-compatibility/2006">
-          <mc:Choice xmlns:a14="http://schemas.microsoft.com/office/drawing/2010/main" Requires="a14">
+        <mc:AlternateContent xmlns:mc="http://schemas.openxmlformats.org/markup-compatibility/2006" xmlns:a14="http://schemas.microsoft.com/office/drawing/2010/main">
+          <mc:Choice Requires="a14">
             <p:sp>
               <p:nvSpPr>
                 <p:cNvPr id="22" name="Text Box 11"/>
@@ -9667,7 +9658,7 @@
               </p:txBody>
             </p:sp>
           </mc:Choice>
-          <mc:Fallback>
+          <mc:Fallback xmlns="">
             <p:sp>
               <p:nvSpPr>
                 <p:cNvPr id="22" name="Text Box 11"/>
@@ -9765,8 +9756,8 @@
             </a:p>
           </p:txBody>
         </p:sp>
-        <mc:AlternateContent xmlns:mc="http://schemas.openxmlformats.org/markup-compatibility/2006">
-          <mc:Choice xmlns:a14="http://schemas.microsoft.com/office/drawing/2010/main" Requires="a14">
+        <mc:AlternateContent xmlns:mc="http://schemas.openxmlformats.org/markup-compatibility/2006" xmlns:a14="http://schemas.microsoft.com/office/drawing/2010/main">
+          <mc:Choice Requires="a14">
             <p:sp>
               <p:nvSpPr>
                 <p:cNvPr id="25" name="Text Box 14"/>
@@ -9899,7 +9890,7 @@
               </p:txBody>
             </p:sp>
           </mc:Choice>
-          <mc:Fallback>
+          <mc:Fallback xmlns="">
             <p:sp>
               <p:nvSpPr>
                 <p:cNvPr id="25" name="Text Box 14"/>
@@ -9981,8 +9972,8 @@
           </a:p>
         </p:txBody>
       </p:sp>
-      <mc:AlternateContent xmlns:mc="http://schemas.openxmlformats.org/markup-compatibility/2006">
-        <mc:Choice xmlns:a14="http://schemas.microsoft.com/office/drawing/2010/main" Requires="a14">
+      <mc:AlternateContent xmlns:mc="http://schemas.openxmlformats.org/markup-compatibility/2006" xmlns:a14="http://schemas.microsoft.com/office/drawing/2010/main">
+        <mc:Choice Requires="a14">
           <p:sp>
             <p:nvSpPr>
               <p:cNvPr id="28" name="Text Box 6"/>
@@ -10041,7 +10032,7 @@
             </p:txBody>
           </p:sp>
         </mc:Choice>
-        <mc:Fallback>
+        <mc:Fallback xmlns="">
           <p:sp>
             <p:nvSpPr>
               <p:cNvPr id="28" name="Text Box 6"/>
@@ -10151,8 +10142,8 @@
           </a:p>
         </p:txBody>
       </p:sp>
-      <mc:AlternateContent xmlns:mc="http://schemas.openxmlformats.org/markup-compatibility/2006">
-        <mc:Choice xmlns:a14="http://schemas.microsoft.com/office/drawing/2010/main" Requires="a14">
+      <mc:AlternateContent xmlns:mc="http://schemas.openxmlformats.org/markup-compatibility/2006" xmlns:a14="http://schemas.microsoft.com/office/drawing/2010/main">
+        <mc:Choice Requires="a14">
           <p:sp>
             <p:nvSpPr>
               <p:cNvPr id="3" name="Объект 2"/>
@@ -10378,7 +10369,7 @@
                         <m:begChr m:val="["/>
                         <m:endChr m:val="]"/>
                         <m:ctrlPr>
-                          <a:rPr lang="en-US" b="0" i="0" smtClean="0">
+                          <a:rPr lang="en-US" b="0" i="1" smtClean="0">
                             <a:latin typeface="Cambria Math" panose="02040503050406030204" pitchFamily="18" charset="0"/>
                           </a:rPr>
                         </m:ctrlPr>
@@ -10431,7 +10422,7 @@
                         <m:begChr m:val="["/>
                         <m:endChr m:val="]"/>
                         <m:ctrlPr>
-                          <a:rPr lang="en-US" b="0" i="0" smtClean="0">
+                          <a:rPr lang="en-US" b="0" i="1" smtClean="0">
                             <a:latin typeface="Cambria Math" panose="02040503050406030204" pitchFamily="18" charset="0"/>
                           </a:rPr>
                         </m:ctrlPr>
@@ -10713,7 +10704,7 @@
             </p:txBody>
           </p:sp>
         </mc:Choice>
-        <mc:Fallback>
+        <mc:Fallback xmlns="">
           <p:sp>
             <p:nvSpPr>
               <p:cNvPr id="3" name="Объект 2"/>
@@ -10876,8 +10867,8 @@
           </a:p>
         </p:txBody>
       </p:sp>
-      <mc:AlternateContent xmlns:mc="http://schemas.openxmlformats.org/markup-compatibility/2006">
-        <mc:Choice xmlns:a14="http://schemas.microsoft.com/office/drawing/2010/main" Requires="a14">
+      <mc:AlternateContent xmlns:mc="http://schemas.openxmlformats.org/markup-compatibility/2006" xmlns:a14="http://schemas.microsoft.com/office/drawing/2010/main">
+        <mc:Choice Requires="a14">
           <p:sp>
             <p:nvSpPr>
               <p:cNvPr id="3" name="Объект 2"/>
@@ -11589,7 +11580,7 @@
             </p:txBody>
           </p:sp>
         </mc:Choice>
-        <mc:Fallback>
+        <mc:Fallback xmlns="">
           <p:sp>
             <p:nvSpPr>
               <p:cNvPr id="3" name="Объект 2"/>
@@ -12087,11 +12078,7 @@
               </a:r>
               <a:r>
                 <a:rPr lang="en-US" sz="2667" baseline="-25000" dirty="0"/>
-                <a:t>i</a:t>
-              </a:r>
-              <a:r>
-                <a:rPr lang="en-US" sz="2667" baseline="-25000" dirty="0"/>
-                <a:t>,0</a:t>
+                <a:t>i,0</a:t>
               </a:r>
               <a:r>
                 <a:rPr lang="en-US" sz="2667" dirty="0"/>
@@ -12252,7 +12239,6 @@
                 <a:rPr lang="en-US" sz="2400" dirty="0"/>
                 <a:t>)</a:t>
               </a:r>
-              <a:endParaRPr lang="en-US" sz="2400" dirty="0"/>
             </a:p>
           </p:txBody>
         </p:sp>
@@ -12352,11 +12338,7 @@
             <a:p>
               <a:r>
                 <a:rPr lang="en-US" sz="2400" dirty="0"/>
-                <a:t>D</a:t>
-              </a:r>
-              <a:r>
-                <a:rPr lang="en-US" sz="2400" dirty="0"/>
-                <a:t>(</a:t>
+                <a:t>D(</a:t>
               </a:r>
               <a:r>
                 <a:rPr lang="en-US" sz="2400" dirty="0" err="1"/>
@@ -12370,7 +12352,6 @@
                 <a:rPr lang="en-US" sz="2400" dirty="0"/>
                 <a:t>)</a:t>
               </a:r>
-              <a:endParaRPr lang="en-US" sz="2400" dirty="0"/>
             </a:p>
           </p:txBody>
         </p:sp>
@@ -12591,11 +12572,7 @@
               </a:r>
               <a:r>
                 <a:rPr lang="en-US" sz="2667" baseline="-25000" dirty="0"/>
-                <a:t>i</a:t>
-              </a:r>
-              <a:r>
-                <a:rPr lang="en-US" sz="2667" baseline="-25000" dirty="0"/>
-                <a:t>,0</a:t>
+                <a:t>i,0</a:t>
               </a:r>
               <a:r>
                 <a:rPr lang="en-US" sz="2667" dirty="0"/>
@@ -12756,7 +12733,6 @@
                 <a:rPr lang="en-US" sz="2400" dirty="0"/>
                 <a:t>)</a:t>
               </a:r>
-              <a:endParaRPr lang="en-US" sz="2400" dirty="0"/>
             </a:p>
           </p:txBody>
         </p:sp>
@@ -12856,11 +12832,7 @@
             <a:p>
               <a:r>
                 <a:rPr lang="en-US" sz="2400" dirty="0"/>
-                <a:t>D</a:t>
-              </a:r>
-              <a:r>
-                <a:rPr lang="en-US" sz="2400" dirty="0"/>
-                <a:t>(</a:t>
+                <a:t>D(</a:t>
               </a:r>
               <a:r>
                 <a:rPr lang="en-US" sz="2400" dirty="0" err="1"/>
@@ -12874,7 +12846,6 @@
                 <a:rPr lang="en-US" sz="2400" dirty="0"/>
                 <a:t>)</a:t>
               </a:r>
-              <a:endParaRPr lang="en-US" sz="2400" dirty="0"/>
             </a:p>
           </p:txBody>
         </p:sp>
@@ -12930,11 +12901,7 @@
               </a:r>
               <a:r>
                 <a:rPr lang="en-US" sz="2667" baseline="-25000" dirty="0"/>
-                <a:t>i</a:t>
-              </a:r>
-              <a:r>
-                <a:rPr lang="en-US" sz="2667" baseline="-25000" dirty="0"/>
-                <a:t>,0</a:t>
+                <a:t>i,0</a:t>
               </a:r>
               <a:r>
                 <a:rPr lang="en-US" sz="2667" dirty="0"/>
@@ -13245,7 +13212,6 @@
                   <a:rPr lang="en-US" sz="2400" dirty="0"/>
                   <a:t>)</a:t>
                 </a:r>
-                <a:endParaRPr lang="en-US" sz="2400" dirty="0"/>
               </a:p>
             </p:txBody>
           </p:sp>
@@ -13467,11 +13433,7 @@
               </a:r>
               <a:r>
                 <a:rPr lang="en-US" sz="2667" baseline="-25000" dirty="0"/>
-                <a:t>i</a:t>
-              </a:r>
-              <a:r>
-                <a:rPr lang="en-US" sz="2667" baseline="-25000" dirty="0"/>
-                <a:t>,0</a:t>
+                <a:t>i,0</a:t>
               </a:r>
               <a:r>
                 <a:rPr lang="en-US" sz="2667" dirty="0"/>
@@ -13603,7 +13565,6 @@
                 <a:rPr lang="en-US" sz="2400" dirty="0"/>
                 <a:t>)</a:t>
               </a:r>
-              <a:endParaRPr lang="en-US" sz="2400" dirty="0"/>
             </a:p>
           </p:txBody>
         </p:sp>
@@ -13720,7 +13681,6 @@
                 <a:rPr lang="en-US" sz="3200" b="1" dirty="0"/>
                 <a:t>⊥</a:t>
               </a:r>
-              <a:endParaRPr lang="en-US" sz="3200" b="1" dirty="0"/>
             </a:p>
           </p:txBody>
         </p:sp>
@@ -13748,11 +13708,7 @@
             <a:p>
               <a:r>
                 <a:rPr lang="en-US" sz="2400" b="1" dirty="0"/>
-                <a:t>CCA </a:t>
-              </a:r>
-              <a:r>
-                <a:rPr lang="en-US" sz="2400" b="1" dirty="0"/>
-                <a:t>query:  </a:t>
+                <a:t>CCA query:  </a:t>
               </a:r>
               <a:r>
                 <a:rPr lang="en-US" sz="2667" dirty="0"/>
@@ -13885,7 +13841,6 @@
                 <a:rPr lang="en-US" sz="3200" b="1" dirty="0"/>
                 <a:t>⊥</a:t>
               </a:r>
-              <a:endParaRPr lang="en-US" sz="3200" b="1" dirty="0"/>
             </a:p>
           </p:txBody>
         </p:sp>
@@ -13913,11 +13868,7 @@
             <a:p>
               <a:r>
                 <a:rPr lang="en-US" sz="2400" b="1" dirty="0"/>
-                <a:t>CCA </a:t>
-              </a:r>
-              <a:r>
-                <a:rPr lang="en-US" sz="2400" b="1" dirty="0"/>
-                <a:t>query:  </a:t>
+                <a:t>CCA query:  </a:t>
               </a:r>
               <a:r>
                 <a:rPr lang="en-US" sz="2667" dirty="0"/>
@@ -14667,11 +14618,7 @@
                 </a:r>
                 <a:r>
                   <a:rPr lang="ru-RU" dirty="0"/>
-                  <a:t>шифр. </a:t>
-                </a:r>
-                <a:r>
-                  <a:rPr lang="ru-RU" dirty="0"/>
-                  <a:t>Если </a:t>
+                  <a:t>шифр. Если </a:t>
                 </a:r>
                 <a:r>
                   <a:rPr lang="ru-RU" dirty="0" smtClean="0"/>
@@ -14683,11 +14630,23 @@
                 </a:r>
                 <a:r>
                   <a:rPr lang="ru-RU" dirty="0" smtClean="0"/>
-                  <a:t> стойкий</a:t>
+                  <a:t> </a:t>
+                </a:r>
+                <a:r>
+                  <a:rPr lang="ru-RU" dirty="0" smtClean="0"/>
+                  <a:t>стойкий </a:t>
+                </a:r>
+                <a:r>
+                  <a:rPr lang="ru-RU" b="1" dirty="0" smtClean="0"/>
+                  <a:t>и обеспечивает целостность открытых текстов</a:t>
+                </a:r>
+                <a:r>
+                  <a:rPr lang="ru-RU" dirty="0" smtClean="0"/>
+                  <a:t>, </a:t>
                 </a:r>
                 <a:r>
                   <a:rPr lang="ru-RU" dirty="0"/>
-                  <a:t>, то </a:t>
+                  <a:t>то </a:t>
                 </a:r>
                 <a:r>
                   <a:rPr lang="ru-RU" dirty="0" smtClean="0"/>
@@ -14773,7 +14732,11 @@
                 </a:r>
                 <a:r>
                   <a:rPr lang="ru-RU" dirty="0" smtClean="0"/>
-                  <a:t>стойкость одно и тоже.</a:t>
+                  <a:t>стойкость *почти* </a:t>
+                </a:r>
+                <a:r>
+                  <a:rPr lang="ru-RU" dirty="0" smtClean="0"/>
+                  <a:t>одно и тоже.</a:t>
                 </a:r>
               </a:p>
               <a:p>
@@ -14797,7 +14760,7 @@
               </p:nvPr>
             </p:nvSpPr>
             <p:spPr>
-              <a:blipFill rotWithShape="0">
+              <a:blipFill>
                 <a:blip r:embed="rId2"/>
                 <a:stretch>
                   <a:fillRect l="-1043" t="-2101"/>
@@ -15093,11 +15056,7 @@
             <a:pPr eaLnBrk="1" hangingPunct="1"/>
             <a:r>
               <a:rPr lang="en-US" dirty="0" smtClean="0"/>
-              <a:t>Combining MAC </a:t>
-            </a:r>
-            <a:r>
-              <a:rPr lang="en-US" dirty="0" smtClean="0"/>
-              <a:t>and ENC   (CCA)</a:t>
+              <a:t>Combining MAC and ENC   (CCA)</a:t>
             </a:r>
           </a:p>
         </p:txBody>
@@ -15293,25 +15252,13 @@
               <a:rPr lang="en-US" sz="2400" dirty="0" err="1">
                 <a:latin typeface="Tahoma" pitchFamily="34" charset="0"/>
               </a:rPr>
-              <a:t>m</a:t>
-            </a:r>
-            <a:r>
-              <a:rPr lang="en-US" sz="2400" dirty="0" err="1">
-                <a:latin typeface="Tahoma" pitchFamily="34" charset="0"/>
-              </a:rPr>
-              <a:t>sg</a:t>
+              <a:t>msg</a:t>
             </a:r>
             <a:r>
               <a:rPr lang="en-US" sz="2400" dirty="0">
                 <a:latin typeface="Tahoma" pitchFamily="34" charset="0"/>
               </a:rPr>
-              <a:t>  </a:t>
-            </a:r>
-            <a:r>
-              <a:rPr lang="en-US" sz="2400" dirty="0">
-                <a:latin typeface="Tahoma" pitchFamily="34" charset="0"/>
-              </a:rPr>
-              <a:t>m</a:t>
+              <a:t>  m</a:t>
             </a:r>
           </a:p>
         </p:txBody>
@@ -15394,25 +15341,13 @@
               <a:rPr lang="en-US" sz="2400" dirty="0" err="1">
                 <a:latin typeface="Tahoma" pitchFamily="34" charset="0"/>
               </a:rPr>
-              <a:t>m</a:t>
-            </a:r>
-            <a:r>
-              <a:rPr lang="en-US" sz="2400" dirty="0" err="1">
-                <a:latin typeface="Tahoma" pitchFamily="34" charset="0"/>
-              </a:rPr>
-              <a:t>sg</a:t>
+              <a:t>msg</a:t>
             </a:r>
             <a:r>
               <a:rPr lang="en-US" sz="2400" dirty="0">
                 <a:latin typeface="Tahoma" pitchFamily="34" charset="0"/>
               </a:rPr>
-              <a:t>  </a:t>
-            </a:r>
-            <a:r>
-              <a:rPr lang="en-US" sz="2400" dirty="0">
-                <a:latin typeface="Tahoma" pitchFamily="34" charset="0"/>
-              </a:rPr>
-              <a:t>m</a:t>
+              <a:t>  m</a:t>
             </a:r>
           </a:p>
         </p:txBody>
@@ -15462,9 +15397,6 @@
               </a:rPr>
               <a:t>tag</a:t>
             </a:r>
-            <a:endParaRPr lang="en-US" sz="2667" dirty="0">
-              <a:latin typeface="Tahoma" pitchFamily="34" charset="0"/>
-            </a:endParaRPr>
           </a:p>
         </p:txBody>
       </p:sp>
@@ -15716,25 +15648,13 @@
               <a:rPr lang="en-US" sz="2400" dirty="0" err="1">
                 <a:latin typeface="Tahoma" pitchFamily="34" charset="0"/>
               </a:rPr>
-              <a:t>m</a:t>
-            </a:r>
-            <a:r>
-              <a:rPr lang="en-US" sz="2400" dirty="0" err="1">
-                <a:latin typeface="Tahoma" pitchFamily="34" charset="0"/>
-              </a:rPr>
-              <a:t>sg</a:t>
+              <a:t>msg</a:t>
             </a:r>
             <a:r>
               <a:rPr lang="en-US" sz="2400" dirty="0">
                 <a:latin typeface="Tahoma" pitchFamily="34" charset="0"/>
               </a:rPr>
-              <a:t>  </a:t>
-            </a:r>
-            <a:r>
-              <a:rPr lang="en-US" sz="2400" dirty="0">
-                <a:latin typeface="Tahoma" pitchFamily="34" charset="0"/>
-              </a:rPr>
-              <a:t>m</a:t>
+              <a:t>  m</a:t>
             </a:r>
           </a:p>
         </p:txBody>
@@ -15954,9 +15874,6 @@
               </a:rPr>
               <a:t>tag</a:t>
             </a:r>
-            <a:endParaRPr lang="en-US" sz="2667" dirty="0">
-              <a:latin typeface="Tahoma" pitchFamily="34" charset="0"/>
-            </a:endParaRPr>
           </a:p>
         </p:txBody>
       </p:sp>
@@ -16107,25 +16024,13 @@
               <a:rPr lang="en-US" sz="2400" dirty="0" err="1">
                 <a:latin typeface="Tahoma" pitchFamily="34" charset="0"/>
               </a:rPr>
-              <a:t>m</a:t>
-            </a:r>
-            <a:r>
-              <a:rPr lang="en-US" sz="2400" dirty="0" err="1">
-                <a:latin typeface="Tahoma" pitchFamily="34" charset="0"/>
-              </a:rPr>
-              <a:t>sg</a:t>
+              <a:t>msg</a:t>
             </a:r>
             <a:r>
               <a:rPr lang="en-US" sz="2400" dirty="0">
                 <a:latin typeface="Tahoma" pitchFamily="34" charset="0"/>
               </a:rPr>
-              <a:t>  </a:t>
-            </a:r>
-            <a:r>
-              <a:rPr lang="en-US" sz="2400" dirty="0">
-                <a:latin typeface="Tahoma" pitchFamily="34" charset="0"/>
-              </a:rPr>
-              <a:t>m</a:t>
+              <a:t>  m</a:t>
             </a:r>
           </a:p>
         </p:txBody>
@@ -16345,9 +16250,6 @@
               </a:rPr>
               <a:t>tag</a:t>
             </a:r>
-            <a:endParaRPr lang="en-US" sz="2667" dirty="0">
-              <a:latin typeface="Tahoma" pitchFamily="34" charset="0"/>
-            </a:endParaRPr>
           </a:p>
         </p:txBody>
       </p:sp>
@@ -16485,15 +16387,7 @@
                   <a:srgbClr val="008000"/>
                 </a:solidFill>
               </a:rPr>
-              <a:t>a</a:t>
-            </a:r>
-            <a:r>
-              <a:rPr lang="en-US" sz="3200" b="1" dirty="0">
-                <a:solidFill>
-                  <a:srgbClr val="008000"/>
-                </a:solidFill>
-              </a:rPr>
-              <a:t>lways</a:t>
+              <a:t>always</a:t>
             </a:r>
             <a:br>
               <a:rPr lang="en-US" sz="3200" b="1" dirty="0">
@@ -16510,11 +16404,6 @@
               </a:rPr>
               <a:t>correct</a:t>
             </a:r>
-            <a:endParaRPr lang="en-US" sz="3200" b="1" dirty="0">
-              <a:solidFill>
-                <a:srgbClr val="008000"/>
-              </a:solidFill>
-            </a:endParaRPr>
           </a:p>
         </p:txBody>
       </p:sp>
@@ -16677,8 +16566,8 @@
           </a:p>
         </p:txBody>
       </p:sp>
-      <mc:AlternateContent xmlns:mc="http://schemas.openxmlformats.org/markup-compatibility/2006">
-        <mc:Choice xmlns:a14="http://schemas.microsoft.com/office/drawing/2010/main" Requires="a14">
+      <mc:AlternateContent xmlns:mc="http://schemas.openxmlformats.org/markup-compatibility/2006" xmlns:a14="http://schemas.microsoft.com/office/drawing/2010/main">
+        <mc:Choice Requires="a14">
           <p:sp>
             <p:nvSpPr>
               <p:cNvPr id="3" name="Объект 2"/>
@@ -17814,7 +17703,7 @@
             </p:txBody>
           </p:sp>
         </mc:Choice>
-        <mc:Fallback>
+        <mc:Fallback xmlns="">
           <p:sp>
             <p:nvSpPr>
               <p:cNvPr id="3" name="Объект 2"/>
@@ -17993,8 +17882,8 @@
           </a:p>
         </p:txBody>
       </p:sp>
-      <mc:AlternateContent xmlns:mc="http://schemas.openxmlformats.org/markup-compatibility/2006">
-        <mc:Choice xmlns:a14="http://schemas.microsoft.com/office/drawing/2010/main" Requires="a14">
+      <mc:AlternateContent xmlns:mc="http://schemas.openxmlformats.org/markup-compatibility/2006" xmlns:a14="http://schemas.microsoft.com/office/drawing/2010/main">
+        <mc:Choice Requires="a14">
           <p:sp>
             <p:nvSpPr>
               <p:cNvPr id="3" name="Объект 2"/>
@@ -18617,7 +18506,7 @@
             </p:txBody>
           </p:sp>
         </mc:Choice>
-        <mc:Fallback>
+        <mc:Fallback xmlns="">
           <p:sp>
             <p:nvSpPr>
               <p:cNvPr id="3" name="Объект 2"/>
@@ -18734,8 +18623,8 @@
           </a:p>
         </p:txBody>
       </p:sp>
-      <mc:AlternateContent xmlns:mc="http://schemas.openxmlformats.org/markup-compatibility/2006">
-        <mc:Choice xmlns:a14="http://schemas.microsoft.com/office/drawing/2010/main" Requires="a14">
+      <mc:AlternateContent xmlns:mc="http://schemas.openxmlformats.org/markup-compatibility/2006" xmlns:a14="http://schemas.microsoft.com/office/drawing/2010/main">
+        <mc:Choice Requires="a14">
           <p:sp>
             <p:nvSpPr>
               <p:cNvPr id="3" name="Объект 2"/>
@@ -19933,7 +19822,7 @@
             </p:txBody>
           </p:sp>
         </mc:Choice>
-        <mc:Fallback>
+        <mc:Fallback xmlns="">
           <p:sp>
             <p:nvSpPr>
               <p:cNvPr id="3" name="Объект 2"/>
@@ -20285,8 +20174,8 @@
           </a:p>
         </p:txBody>
       </p:sp>
-      <mc:AlternateContent xmlns:mc="http://schemas.openxmlformats.org/markup-compatibility/2006">
-        <mc:Choice xmlns:a14="http://schemas.microsoft.com/office/drawing/2010/main" Requires="a14">
+      <mc:AlternateContent xmlns:mc="http://schemas.openxmlformats.org/markup-compatibility/2006" xmlns:a14="http://schemas.microsoft.com/office/drawing/2010/main">
+        <mc:Choice Requires="a14">
           <p:sp>
             <p:nvSpPr>
               <p:cNvPr id="3" name="Объект 2"/>
@@ -21442,7 +21331,7 @@
             </p:txBody>
           </p:sp>
         </mc:Choice>
-        <mc:Fallback>
+        <mc:Fallback xmlns="">
           <p:sp>
             <p:nvSpPr>
               <p:cNvPr id="3" name="Объект 2"/>
@@ -22145,7 +22034,6 @@
               <a:rPr lang="en-US" dirty="0" smtClean="0"/>
               <a:t>OCB</a:t>
             </a:r>
-            <a:endParaRPr lang="en-US" dirty="0" smtClean="0"/>
           </a:p>
         </p:txBody>
       </p:sp>
@@ -22186,13 +22074,7 @@
               <a:rPr lang="en-US" sz="2667" b="1" dirty="0">
                 <a:latin typeface="Arial" charset="0"/>
               </a:rPr>
-              <a:t> More efficient authenticated </a:t>
-            </a:r>
-            <a:r>
-              <a:rPr lang="en-US" sz="2667" b="1" dirty="0">
-                <a:latin typeface="Arial" charset="0"/>
-              </a:rPr>
-              <a:t>encryption:  </a:t>
+              <a:t> More efficient authenticated encryption:  </a:t>
             </a:r>
             <a:r>
               <a:rPr lang="en-US" sz="2667" dirty="0">
@@ -22200,9 +22082,6 @@
               </a:rPr>
               <a:t>one E() op. per block. </a:t>
             </a:r>
-            <a:endParaRPr lang="en-US" sz="2667" dirty="0">
-              <a:latin typeface="Arial" charset="0"/>
-            </a:endParaRPr>
           </a:p>
         </p:txBody>
       </p:sp>
@@ -25534,11 +25413,7 @@
           <a:p>
             <a:r>
               <a:rPr lang="ru-RU" dirty="0" smtClean="0"/>
-              <a:t>Построение </a:t>
-            </a:r>
-            <a:r>
-              <a:rPr lang="ru-RU" dirty="0" smtClean="0"/>
-              <a:t>аутентифицированного шифровани</a:t>
+              <a:t>Построение аутентифицированного шифровани</a:t>
             </a:r>
             <a:r>
               <a:rPr lang="ru-RU" dirty="0"/>
@@ -28967,8 +28842,8 @@
           </a:p>
         </p:txBody>
       </p:sp>
-      <mc:AlternateContent xmlns:mc="http://schemas.openxmlformats.org/markup-compatibility/2006">
-        <mc:Choice xmlns:a14="http://schemas.microsoft.com/office/drawing/2010/main" Requires="a14">
+      <mc:AlternateContent xmlns:mc="http://schemas.openxmlformats.org/markup-compatibility/2006" xmlns:a14="http://schemas.microsoft.com/office/drawing/2010/main">
+        <mc:Choice Requires="a14">
           <p:sp>
             <p:nvSpPr>
               <p:cNvPr id="3" name="Объект 2"/>
@@ -29283,7 +29158,7 @@
             </p:txBody>
           </p:sp>
         </mc:Choice>
-        <mc:Fallback>
+        <mc:Fallback xmlns="">
           <p:sp>
             <p:nvSpPr>
               <p:cNvPr id="3" name="Объект 2"/>
@@ -29400,8 +29275,8 @@
           </a:p>
         </p:txBody>
       </p:sp>
-      <mc:AlternateContent xmlns:mc="http://schemas.openxmlformats.org/markup-compatibility/2006">
-        <mc:Choice xmlns:a14="http://schemas.microsoft.com/office/drawing/2010/main" Requires="a14">
+      <mc:AlternateContent xmlns:mc="http://schemas.openxmlformats.org/markup-compatibility/2006" xmlns:a14="http://schemas.microsoft.com/office/drawing/2010/main">
+        <mc:Choice Requires="a14">
           <p:sp>
             <p:nvSpPr>
               <p:cNvPr id="3" name="Объект 2"/>
@@ -29477,11 +29352,7 @@
                 </a:r>
                 <a:r>
                   <a:rPr lang="ru-RU" b="1" dirty="0" smtClean="0"/>
-                  <a:t>аутентифицированный </a:t>
-                </a:r>
-                <a:r>
-                  <a:rPr lang="ru-RU" b="1" dirty="0" smtClean="0"/>
-                  <a:t>шифр</a:t>
+                  <a:t>аутентифицированный шифр</a:t>
                 </a:r>
                 <a:r>
                   <a:rPr lang="ru-RU" dirty="0" smtClean="0"/>
@@ -29497,11 +29368,7 @@
                 </a:r>
                 <a:r>
                   <a:rPr lang="ru-RU" dirty="0" smtClean="0"/>
-                  <a:t> </a:t>
-                </a:r>
-                <a:r>
-                  <a:rPr lang="ru-RU" dirty="0" smtClean="0"/>
-                  <a:t>на </a:t>
+                  <a:t> на </a:t>
                 </a:r>
                 <a14:m>
                   <m:oMath xmlns:m="http://schemas.openxmlformats.org/officeDocument/2006/math">
@@ -29608,7 +29475,7 @@
             </p:txBody>
           </p:sp>
         </mc:Choice>
-        <mc:Fallback>
+        <mc:Fallback xmlns="">
           <p:sp>
             <p:nvSpPr>
               <p:cNvPr id="3" name="Объект 2"/>

--- a/Lectures/Lecture12.pptx
+++ b/Lectures/Lecture12.pptx
@@ -305,7 +305,7 @@
           <a:p>
             <a:fld id="{CBA08D16-15DC-4E25-BDC3-F25146157B16}" type="datetimeFigureOut">
               <a:rPr lang="ru-RU" smtClean="0"/>
-              <a:t>07.12.2018</a:t>
+              <a:t>26.10.2019</a:t>
             </a:fld>
             <a:endParaRPr lang="ru-RU"/>
           </a:p>
@@ -890,7 +890,7 @@
           <a:p>
             <a:fld id="{FCEC8293-DB51-454A-BE81-EC8FCB31EBA2}" type="datetime1">
               <a:rPr lang="ru-RU" smtClean="0"/>
-              <a:t>07.12.2018</a:t>
+              <a:t>26.10.2019</a:t>
             </a:fld>
             <a:endParaRPr lang="ru-RU"/>
           </a:p>
@@ -1064,7 +1064,7 @@
           <a:p>
             <a:fld id="{241C87B1-1C35-4DBD-BC18-2BC72E776603}" type="datetime1">
               <a:rPr lang="ru-RU" smtClean="0"/>
-              <a:t>07.12.2018</a:t>
+              <a:t>26.10.2019</a:t>
             </a:fld>
             <a:endParaRPr lang="ru-RU"/>
           </a:p>
@@ -1248,7 +1248,7 @@
           <a:p>
             <a:fld id="{3134C275-26C0-42CD-9111-9ADE65922AF9}" type="datetime1">
               <a:rPr lang="ru-RU" smtClean="0"/>
-              <a:t>07.12.2018</a:t>
+              <a:t>26.10.2019</a:t>
             </a:fld>
             <a:endParaRPr lang="ru-RU"/>
           </a:p>
@@ -1422,7 +1422,7 @@
           <a:p>
             <a:fld id="{C1A9A50B-C350-45F5-8AAB-ADB9E670AF2E}" type="datetime1">
               <a:rPr lang="ru-RU" smtClean="0"/>
-              <a:t>07.12.2018</a:t>
+              <a:t>26.10.2019</a:t>
             </a:fld>
             <a:endParaRPr lang="ru-RU"/>
           </a:p>
@@ -1672,7 +1672,7 @@
           <a:p>
             <a:fld id="{089688C9-348F-42F9-B6C0-5990DDE0C5B2}" type="datetime1">
               <a:rPr lang="ru-RU" smtClean="0"/>
-              <a:t>07.12.2018</a:t>
+              <a:t>26.10.2019</a:t>
             </a:fld>
             <a:endParaRPr lang="ru-RU"/>
           </a:p>
@@ -1908,7 +1908,7 @@
           <a:p>
             <a:fld id="{684AFD8F-6DD9-4AD3-A505-FDC3F5C5F3F6}" type="datetime1">
               <a:rPr lang="ru-RU" smtClean="0"/>
-              <a:t>07.12.2018</a:t>
+              <a:t>26.10.2019</a:t>
             </a:fld>
             <a:endParaRPr lang="ru-RU"/>
           </a:p>
@@ -2279,7 +2279,7 @@
           <a:p>
             <a:fld id="{63551EFE-4D02-45EB-A747-8B6F047B5AA0}" type="datetime1">
               <a:rPr lang="ru-RU" smtClean="0"/>
-              <a:t>07.12.2018</a:t>
+              <a:t>26.10.2019</a:t>
             </a:fld>
             <a:endParaRPr lang="ru-RU"/>
           </a:p>
@@ -2401,7 +2401,7 @@
           <a:p>
             <a:fld id="{813A9F34-E5CD-4B8F-AA9E-889C84372B20}" type="datetime1">
               <a:rPr lang="ru-RU" smtClean="0"/>
-              <a:t>07.12.2018</a:t>
+              <a:t>26.10.2019</a:t>
             </a:fld>
             <a:endParaRPr lang="ru-RU"/>
           </a:p>
@@ -2500,7 +2500,7 @@
           <a:p>
             <a:fld id="{51224D22-9B29-44A6-8E82-95FC492DEDC1}" type="datetime1">
               <a:rPr lang="ru-RU" smtClean="0"/>
-              <a:t>07.12.2018</a:t>
+              <a:t>26.10.2019</a:t>
             </a:fld>
             <a:endParaRPr lang="ru-RU"/>
           </a:p>
@@ -2781,7 +2781,7 @@
           <a:p>
             <a:fld id="{91D1034F-4441-48A1-BDC0-25EA1022324A}" type="datetime1">
               <a:rPr lang="ru-RU" smtClean="0"/>
-              <a:t>07.12.2018</a:t>
+              <a:t>26.10.2019</a:t>
             </a:fld>
             <a:endParaRPr lang="ru-RU"/>
           </a:p>
@@ -3038,7 +3038,7 @@
           <a:p>
             <a:fld id="{B0FFDE79-B627-473B-AE17-4C65BD2495F7}" type="datetime1">
               <a:rPr lang="ru-RU" smtClean="0"/>
-              <a:t>07.12.2018</a:t>
+              <a:t>26.10.2019</a:t>
             </a:fld>
             <a:endParaRPr lang="ru-RU"/>
           </a:p>
@@ -3255,7 +3255,7 @@
           <a:p>
             <a:fld id="{11CA537A-1B8C-47BA-9BA6-7CE3FAFDA8BE}" type="datetime1">
               <a:rPr lang="ru-RU" smtClean="0"/>
-              <a:t>07.12.2018</a:t>
+              <a:t>26.10.2019</a:t>
             </a:fld>
             <a:endParaRPr lang="ru-RU"/>
           </a:p>
@@ -14537,8 +14537,8 @@
           </a:p>
         </p:txBody>
       </p:sp>
-      <mc:AlternateContent xmlns:mc="http://schemas.openxmlformats.org/markup-compatibility/2006">
-        <mc:Choice xmlns:a14="http://schemas.microsoft.com/office/drawing/2010/main" Requires="a14">
+      <mc:AlternateContent xmlns:mc="http://schemas.openxmlformats.org/markup-compatibility/2006" xmlns:a14="http://schemas.microsoft.com/office/drawing/2010/main">
+        <mc:Choice Requires="a14">
           <p:sp>
             <p:nvSpPr>
               <p:cNvPr id="3" name="Объект 2"/>
@@ -14630,11 +14630,7 @@
                 </a:r>
                 <a:r>
                   <a:rPr lang="ru-RU" dirty="0" smtClean="0"/>
-                  <a:t> </a:t>
-                </a:r>
-                <a:r>
-                  <a:rPr lang="ru-RU" dirty="0" smtClean="0"/>
-                  <a:t>стойкий </a:t>
+                  <a:t> стойкий </a:t>
                 </a:r>
                 <a:r>
                   <a:rPr lang="ru-RU" b="1" dirty="0" smtClean="0"/>
@@ -14732,11 +14728,7 @@
                 </a:r>
                 <a:r>
                   <a:rPr lang="ru-RU" dirty="0" smtClean="0"/>
-                  <a:t>стойкость *почти* </a:t>
-                </a:r>
-                <a:r>
-                  <a:rPr lang="ru-RU" dirty="0" smtClean="0"/>
-                  <a:t>одно и тоже.</a:t>
+                  <a:t>стойкость *почти* одно и тоже.</a:t>
                 </a:r>
               </a:p>
               <a:p>
@@ -14748,7 +14740,7 @@
             </p:txBody>
           </p:sp>
         </mc:Choice>
-        <mc:Fallback>
+        <mc:Fallback xmlns="">
           <p:sp>
             <p:nvSpPr>
               <p:cNvPr id="3" name="Объект 2"/>

--- a/Lectures/Lecture12.pptx
+++ b/Lectures/Lecture12.pptx
@@ -305,7 +305,7 @@
           <a:p>
             <a:fld id="{CBA08D16-15DC-4E25-BDC3-F25146157B16}" type="datetimeFigureOut">
               <a:rPr lang="ru-RU" smtClean="0"/>
-              <a:t>26.10.2019</a:t>
+              <a:t>11.11.2019</a:t>
             </a:fld>
             <a:endParaRPr lang="ru-RU"/>
           </a:p>
@@ -890,7 +890,7 @@
           <a:p>
             <a:fld id="{FCEC8293-DB51-454A-BE81-EC8FCB31EBA2}" type="datetime1">
               <a:rPr lang="ru-RU" smtClean="0"/>
-              <a:t>26.10.2019</a:t>
+              <a:t>11.11.2019</a:t>
             </a:fld>
             <a:endParaRPr lang="ru-RU"/>
           </a:p>
@@ -1064,7 +1064,7 @@
           <a:p>
             <a:fld id="{241C87B1-1C35-4DBD-BC18-2BC72E776603}" type="datetime1">
               <a:rPr lang="ru-RU" smtClean="0"/>
-              <a:t>26.10.2019</a:t>
+              <a:t>11.11.2019</a:t>
             </a:fld>
             <a:endParaRPr lang="ru-RU"/>
           </a:p>
@@ -1248,7 +1248,7 @@
           <a:p>
             <a:fld id="{3134C275-26C0-42CD-9111-9ADE65922AF9}" type="datetime1">
               <a:rPr lang="ru-RU" smtClean="0"/>
-              <a:t>26.10.2019</a:t>
+              <a:t>11.11.2019</a:t>
             </a:fld>
             <a:endParaRPr lang="ru-RU"/>
           </a:p>
@@ -1422,7 +1422,7 @@
           <a:p>
             <a:fld id="{C1A9A50B-C350-45F5-8AAB-ADB9E670AF2E}" type="datetime1">
               <a:rPr lang="ru-RU" smtClean="0"/>
-              <a:t>26.10.2019</a:t>
+              <a:t>11.11.2019</a:t>
             </a:fld>
             <a:endParaRPr lang="ru-RU"/>
           </a:p>
@@ -1672,7 +1672,7 @@
           <a:p>
             <a:fld id="{089688C9-348F-42F9-B6C0-5990DDE0C5B2}" type="datetime1">
               <a:rPr lang="ru-RU" smtClean="0"/>
-              <a:t>26.10.2019</a:t>
+              <a:t>11.11.2019</a:t>
             </a:fld>
             <a:endParaRPr lang="ru-RU"/>
           </a:p>
@@ -1908,7 +1908,7 @@
           <a:p>
             <a:fld id="{684AFD8F-6DD9-4AD3-A505-FDC3F5C5F3F6}" type="datetime1">
               <a:rPr lang="ru-RU" smtClean="0"/>
-              <a:t>26.10.2019</a:t>
+              <a:t>11.11.2019</a:t>
             </a:fld>
             <a:endParaRPr lang="ru-RU"/>
           </a:p>
@@ -2279,7 +2279,7 @@
           <a:p>
             <a:fld id="{63551EFE-4D02-45EB-A747-8B6F047B5AA0}" type="datetime1">
               <a:rPr lang="ru-RU" smtClean="0"/>
-              <a:t>26.10.2019</a:t>
+              <a:t>11.11.2019</a:t>
             </a:fld>
             <a:endParaRPr lang="ru-RU"/>
           </a:p>
@@ -2401,7 +2401,7 @@
           <a:p>
             <a:fld id="{813A9F34-E5CD-4B8F-AA9E-889C84372B20}" type="datetime1">
               <a:rPr lang="ru-RU" smtClean="0"/>
-              <a:t>26.10.2019</a:t>
+              <a:t>11.11.2019</a:t>
             </a:fld>
             <a:endParaRPr lang="ru-RU"/>
           </a:p>
@@ -2500,7 +2500,7 @@
           <a:p>
             <a:fld id="{51224D22-9B29-44A6-8E82-95FC492DEDC1}" type="datetime1">
               <a:rPr lang="ru-RU" smtClean="0"/>
-              <a:t>26.10.2019</a:t>
+              <a:t>11.11.2019</a:t>
             </a:fld>
             <a:endParaRPr lang="ru-RU"/>
           </a:p>
@@ -2781,7 +2781,7 @@
           <a:p>
             <a:fld id="{91D1034F-4441-48A1-BDC0-25EA1022324A}" type="datetime1">
               <a:rPr lang="ru-RU" smtClean="0"/>
-              <a:t>26.10.2019</a:t>
+              <a:t>11.11.2019</a:t>
             </a:fld>
             <a:endParaRPr lang="ru-RU"/>
           </a:p>
@@ -3038,7 +3038,7 @@
           <a:p>
             <a:fld id="{B0FFDE79-B627-473B-AE17-4C65BD2495F7}" type="datetime1">
               <a:rPr lang="ru-RU" smtClean="0"/>
-              <a:t>26.10.2019</a:t>
+              <a:t>11.11.2019</a:t>
             </a:fld>
             <a:endParaRPr lang="ru-RU"/>
           </a:p>
@@ -3255,7 +3255,7 @@
           <a:p>
             <a:fld id="{11CA537A-1B8C-47BA-9BA6-7CE3FAFDA8BE}" type="datetime1">
               <a:rPr lang="ru-RU" smtClean="0"/>
-              <a:t>26.10.2019</a:t>
+              <a:t>11.11.2019</a:t>
             </a:fld>
             <a:endParaRPr lang="ru-RU"/>
           </a:p>
@@ -3756,8 +3756,12 @@
           </a:p>
           <a:p>
             <a:r>
-              <a:rPr lang="ru-RU" dirty="0" smtClean="0"/>
-              <a:t>МИФИ 2018</a:t>
+              <a:rPr lang="ru-RU" smtClean="0"/>
+              <a:t>МИФИ </a:t>
+            </a:r>
+            <a:r>
+              <a:rPr lang="ru-RU" smtClean="0"/>
+              <a:t>2019</a:t>
             </a:r>
             <a:endParaRPr lang="ru-RU" dirty="0"/>
           </a:p>

--- a/Lectures/Lecture12.pptx
+++ b/Lectures/Lecture12.pptx
@@ -311,7 +311,7 @@
           <a:p>
             <a:fld id="{CBA08D16-15DC-4E25-BDC3-F25146157B16}" type="datetimeFigureOut">
               <a:rPr lang="ru-RU" smtClean="0"/>
-              <a:t>03.12.2019</a:t>
+              <a:t>09.12.2019</a:t>
             </a:fld>
             <a:endParaRPr lang="ru-RU"/>
           </a:p>
@@ -896,7 +896,7 @@
           <a:p>
             <a:fld id="{FCEC8293-DB51-454A-BE81-EC8FCB31EBA2}" type="datetime1">
               <a:rPr lang="ru-RU" smtClean="0"/>
-              <a:t>03.12.2019</a:t>
+              <a:t>09.12.2019</a:t>
             </a:fld>
             <a:endParaRPr lang="ru-RU"/>
           </a:p>
@@ -1070,7 +1070,7 @@
           <a:p>
             <a:fld id="{241C87B1-1C35-4DBD-BC18-2BC72E776603}" type="datetime1">
               <a:rPr lang="ru-RU" smtClean="0"/>
-              <a:t>03.12.2019</a:t>
+              <a:t>09.12.2019</a:t>
             </a:fld>
             <a:endParaRPr lang="ru-RU"/>
           </a:p>
@@ -1254,7 +1254,7 @@
           <a:p>
             <a:fld id="{3134C275-26C0-42CD-9111-9ADE65922AF9}" type="datetime1">
               <a:rPr lang="ru-RU" smtClean="0"/>
-              <a:t>03.12.2019</a:t>
+              <a:t>09.12.2019</a:t>
             </a:fld>
             <a:endParaRPr lang="ru-RU"/>
           </a:p>
@@ -1428,7 +1428,7 @@
           <a:p>
             <a:fld id="{C1A9A50B-C350-45F5-8AAB-ADB9E670AF2E}" type="datetime1">
               <a:rPr lang="ru-RU" smtClean="0"/>
-              <a:t>03.12.2019</a:t>
+              <a:t>09.12.2019</a:t>
             </a:fld>
             <a:endParaRPr lang="ru-RU"/>
           </a:p>
@@ -1678,7 +1678,7 @@
           <a:p>
             <a:fld id="{089688C9-348F-42F9-B6C0-5990DDE0C5B2}" type="datetime1">
               <a:rPr lang="ru-RU" smtClean="0"/>
-              <a:t>03.12.2019</a:t>
+              <a:t>09.12.2019</a:t>
             </a:fld>
             <a:endParaRPr lang="ru-RU"/>
           </a:p>
@@ -1914,7 +1914,7 @@
           <a:p>
             <a:fld id="{684AFD8F-6DD9-4AD3-A505-FDC3F5C5F3F6}" type="datetime1">
               <a:rPr lang="ru-RU" smtClean="0"/>
-              <a:t>03.12.2019</a:t>
+              <a:t>09.12.2019</a:t>
             </a:fld>
             <a:endParaRPr lang="ru-RU"/>
           </a:p>
@@ -2285,7 +2285,7 @@
           <a:p>
             <a:fld id="{63551EFE-4D02-45EB-A747-8B6F047B5AA0}" type="datetime1">
               <a:rPr lang="ru-RU" smtClean="0"/>
-              <a:t>03.12.2019</a:t>
+              <a:t>09.12.2019</a:t>
             </a:fld>
             <a:endParaRPr lang="ru-RU"/>
           </a:p>
@@ -2407,7 +2407,7 @@
           <a:p>
             <a:fld id="{813A9F34-E5CD-4B8F-AA9E-889C84372B20}" type="datetime1">
               <a:rPr lang="ru-RU" smtClean="0"/>
-              <a:t>03.12.2019</a:t>
+              <a:t>09.12.2019</a:t>
             </a:fld>
             <a:endParaRPr lang="ru-RU"/>
           </a:p>
@@ -2506,7 +2506,7 @@
           <a:p>
             <a:fld id="{51224D22-9B29-44A6-8E82-95FC492DEDC1}" type="datetime1">
               <a:rPr lang="ru-RU" smtClean="0"/>
-              <a:t>03.12.2019</a:t>
+              <a:t>09.12.2019</a:t>
             </a:fld>
             <a:endParaRPr lang="ru-RU"/>
           </a:p>
@@ -2787,7 +2787,7 @@
           <a:p>
             <a:fld id="{91D1034F-4441-48A1-BDC0-25EA1022324A}" type="datetime1">
               <a:rPr lang="ru-RU" smtClean="0"/>
-              <a:t>03.12.2019</a:t>
+              <a:t>09.12.2019</a:t>
             </a:fld>
             <a:endParaRPr lang="ru-RU"/>
           </a:p>
@@ -3044,7 +3044,7 @@
           <a:p>
             <a:fld id="{B0FFDE79-B627-473B-AE17-4C65BD2495F7}" type="datetime1">
               <a:rPr lang="ru-RU" smtClean="0"/>
-              <a:t>03.12.2019</a:t>
+              <a:t>09.12.2019</a:t>
             </a:fld>
             <a:endParaRPr lang="ru-RU"/>
           </a:p>
@@ -3261,7 +3261,7 @@
           <a:p>
             <a:fld id="{11CA537A-1B8C-47BA-9BA6-7CE3FAFDA8BE}" type="datetime1">
               <a:rPr lang="ru-RU" smtClean="0"/>
-              <a:t>03.12.2019</a:t>
+              <a:t>09.12.2019</a:t>
             </a:fld>
             <a:endParaRPr lang="ru-RU"/>
           </a:p>
@@ -5233,8 +5233,8 @@
           </a:p>
         </p:txBody>
       </p:sp>
-      <mc:AlternateContent xmlns:mc="http://schemas.openxmlformats.org/markup-compatibility/2006">
-        <mc:Choice xmlns:a14="http://schemas.microsoft.com/office/drawing/2010/main" Requires="a14">
+      <mc:AlternateContent xmlns:mc="http://schemas.openxmlformats.org/markup-compatibility/2006" xmlns:a14="http://schemas.microsoft.com/office/drawing/2010/main">
+        <mc:Choice Requires="a14">
           <p:sp>
             <p:nvSpPr>
               <p:cNvPr id="3" name="Объект 2"/>
@@ -5380,21 +5380,12 @@
                 </a:r>
                 <a:r>
                   <a:rPr lang="ru-RU" b="1" dirty="0" smtClean="0"/>
-                  <a:t>целостность </a:t>
-                </a:r>
-                <a:r>
-                  <a:rPr lang="ru-RU" b="1" dirty="0" smtClean="0"/>
-                  <a:t>открытых текстов </a:t>
+                  <a:t>целостность открытых текстов </a:t>
                 </a:r>
                 <a:r>
                   <a:rPr lang="en-US" dirty="0" smtClean="0"/>
-                  <a:t>(</a:t>
-                </a:r>
-                <a:r>
-                  <a:rPr lang="en-US" dirty="0" smtClean="0"/>
-                  <a:t>INT-PTXT)</a:t>
-                </a:r>
-                <a:endParaRPr lang="en-US" dirty="0" smtClean="0"/>
+                  <a:t>(INT-PTXT)</a:t>
+                </a:r>
               </a:p>
               <a:p>
                 <a:r>
@@ -5439,22 +5430,14 @@
                 </a:r>
                 <a:r>
                   <a:rPr lang="ru-RU" b="1" dirty="0" smtClean="0"/>
-                  <a:t> </a:t>
-                </a:r>
-                <a:r>
-                  <a:rPr lang="ru-RU" b="1" dirty="0" smtClean="0"/>
-                  <a:t>нового </a:t>
-                </a:r>
-                <a:r>
-                  <a:rPr lang="ru-RU" b="1" dirty="0" smtClean="0"/>
-                  <a:t>сообщения</a:t>
+                  <a:t> нового сообщения</a:t>
                 </a:r>
                 <a:endParaRPr lang="ru-RU" b="1" dirty="0"/>
               </a:p>
             </p:txBody>
           </p:sp>
         </mc:Choice>
-        <mc:Fallback>
+        <mc:Fallback xmlns="">
           <p:sp>
             <p:nvSpPr>
               <p:cNvPr id="3" name="Объект 2"/>
@@ -5552,8 +5535,8 @@
           </a:p>
         </p:txBody>
       </p:sp>
-      <mc:AlternateContent xmlns:mc="http://schemas.openxmlformats.org/markup-compatibility/2006">
-        <mc:Choice xmlns:a14="http://schemas.microsoft.com/office/drawing/2010/main" Requires="a14">
+      <mc:AlternateContent xmlns:mc="http://schemas.openxmlformats.org/markup-compatibility/2006" xmlns:a14="http://schemas.microsoft.com/office/drawing/2010/main">
+        <mc:Choice Requires="a14">
           <p:sp>
             <p:nvSpPr>
               <p:cNvPr id="6" name="Rectangle 7"/>
@@ -5607,7 +5590,7 @@
             </p:txBody>
           </p:sp>
         </mc:Choice>
-        <mc:Fallback>
+        <mc:Fallback xmlns="">
           <p:sp>
             <p:nvSpPr>
               <p:cNvPr id="6" name="Rectangle 7"/>
@@ -6182,8 +6165,8 @@
           </a:p>
         </p:txBody>
       </p:sp>
-      <mc:AlternateContent xmlns:mc="http://schemas.openxmlformats.org/markup-compatibility/2006">
-        <mc:Choice xmlns:a14="http://schemas.microsoft.com/office/drawing/2010/main" Requires="a14">
+      <mc:AlternateContent xmlns:mc="http://schemas.openxmlformats.org/markup-compatibility/2006" xmlns:a14="http://schemas.microsoft.com/office/drawing/2010/main">
+        <mc:Choice Requires="a14">
           <p:sp>
             <p:nvSpPr>
               <p:cNvPr id="16" name="Text Box 6"/>
@@ -6378,7 +6361,7 @@
             </p:txBody>
           </p:sp>
         </mc:Choice>
-        <mc:Fallback>
+        <mc:Fallback xmlns="">
           <p:sp>
             <p:nvSpPr>
               <p:cNvPr id="16" name="Text Box 6"/>
@@ -6454,8 +6437,8 @@
           </a:p>
         </p:txBody>
       </p:sp>
-      <mc:AlternateContent xmlns:mc="http://schemas.openxmlformats.org/markup-compatibility/2006">
-        <mc:Choice xmlns:a14="http://schemas.microsoft.com/office/drawing/2010/main" Requires="a14">
+      <mc:AlternateContent xmlns:mc="http://schemas.openxmlformats.org/markup-compatibility/2006" xmlns:a14="http://schemas.microsoft.com/office/drawing/2010/main">
+        <mc:Choice Requires="a14">
           <p:sp>
             <p:nvSpPr>
               <p:cNvPr id="18" name="Text Box 13"/>
@@ -6531,7 +6514,7 @@
             </p:txBody>
           </p:sp>
         </mc:Choice>
-        <mc:Fallback>
+        <mc:Fallback xmlns="">
           <p:sp>
             <p:nvSpPr>
               <p:cNvPr id="18" name="Text Box 13"/>
@@ -6633,12 +6616,11 @@
               <a:rPr lang="ru-RU" dirty="0"/>
               <a:t>Целостность открытых текстов</a:t>
             </a:r>
-            <a:endParaRPr lang="ru-RU" dirty="0"/>
           </a:p>
         </p:txBody>
       </p:sp>
-      <mc:AlternateContent xmlns:mc="http://schemas.openxmlformats.org/markup-compatibility/2006">
-        <mc:Choice xmlns:a14="http://schemas.microsoft.com/office/drawing/2010/main" Requires="a14">
+      <mc:AlternateContent xmlns:mc="http://schemas.openxmlformats.org/markup-compatibility/2006" xmlns:a14="http://schemas.microsoft.com/office/drawing/2010/main">
+        <mc:Choice Requires="a14">
           <p:sp>
             <p:nvSpPr>
               <p:cNvPr id="3" name="Объект 2"/>
@@ -6995,7 +6977,7 @@
             </p:txBody>
           </p:sp>
         </mc:Choice>
-        <mc:Fallback>
+        <mc:Fallback xmlns="">
           <p:sp>
             <p:nvSpPr>
               <p:cNvPr id="3" name="Объект 2"/>
@@ -7152,7 +7134,7 @@
           <a:p>
             <a:r>
               <a:rPr lang="en-US" dirty="0" smtClean="0"/>
-              <a:t>CA </a:t>
+              <a:t>CI </a:t>
             </a:r>
             <a:r>
               <a:rPr lang="ru-RU" dirty="0" smtClean="0"/>
@@ -7169,30 +7151,38 @@
           </a:p>
           <a:p>
             <a:r>
+              <a:rPr lang="en-US" dirty="0"/>
+              <a:t>P</a:t>
+            </a:r>
+            <a:r>
+              <a:rPr lang="en-US" dirty="0" smtClean="0"/>
+              <a:t>I </a:t>
+            </a:r>
+            <a:r>
+              <a:rPr lang="ru-RU" dirty="0" smtClean="0"/>
+              <a:t>стойкость говорит, что сложно навязать новые расшифрованные данные получателю</a:t>
+            </a:r>
+          </a:p>
+          <a:p>
+            <a:r>
+              <a:rPr lang="ru-RU" dirty="0" smtClean="0"/>
+              <a:t>Возможно существование шифра </a:t>
+            </a:r>
+            <a:r>
+              <a:rPr lang="en-US" dirty="0" smtClean="0"/>
+              <a:t>PI </a:t>
+            </a:r>
+            <a:r>
+              <a:rPr lang="ru-RU" dirty="0" smtClean="0"/>
+              <a:t>стойкого</a:t>
+            </a:r>
+            <a:r>
+              <a:rPr lang="ru-RU" dirty="0" smtClean="0"/>
+              <a:t>, но не </a:t>
+            </a:r>
+            <a:r>
               <a:rPr lang="en-US" dirty="0" smtClean="0"/>
               <a:t>CI </a:t>
-            </a:r>
-            <a:r>
-              <a:rPr lang="ru-RU" dirty="0" smtClean="0"/>
-              <a:t>стойкость говорит, что сложно навязать новые расшифрованные данные получателю</a:t>
-            </a:r>
-          </a:p>
-          <a:p>
-            <a:r>
-              <a:rPr lang="ru-RU" dirty="0" smtClean="0"/>
-              <a:t>Возможно существование шифра </a:t>
-            </a:r>
-            <a:r>
-              <a:rPr lang="en-US" dirty="0" smtClean="0"/>
-              <a:t>CI </a:t>
-            </a:r>
-            <a:r>
-              <a:rPr lang="ru-RU" dirty="0" smtClean="0"/>
-              <a:t>стойкого, но не </a:t>
-            </a:r>
-            <a:r>
-              <a:rPr lang="en-US" dirty="0" smtClean="0"/>
-              <a:t>CA </a:t>
             </a:r>
             <a:r>
               <a:rPr lang="ru-RU" dirty="0" smtClean="0"/>
@@ -7253,11 +7243,15 @@
             </a:r>
             <a:r>
               <a:rPr lang="en-US" dirty="0" smtClean="0"/>
-              <a:t>CA</a:t>
+              <a:t>PI</a:t>
+            </a:r>
+            <a:r>
+              <a:rPr lang="ru-RU" smtClean="0"/>
+              <a:t>, </a:t>
             </a:r>
             <a:r>
               <a:rPr lang="ru-RU" dirty="0" smtClean="0"/>
-              <a:t>, но не </a:t>
+              <a:t>но не </a:t>
             </a:r>
             <a:r>
               <a:rPr lang="en-US" dirty="0" smtClean="0"/>
@@ -7930,8 +7924,8 @@
             <a:chExt cx="4126964" cy="2913459"/>
           </a:xfrm>
         </p:grpSpPr>
-        <mc:AlternateContent xmlns:mc="http://schemas.openxmlformats.org/markup-compatibility/2006">
-          <mc:Choice xmlns:a14="http://schemas.microsoft.com/office/drawing/2010/main" Requires="a14">
+        <mc:AlternateContent xmlns:mc="http://schemas.openxmlformats.org/markup-compatibility/2006" xmlns:a14="http://schemas.microsoft.com/office/drawing/2010/main">
+          <mc:Choice Requires="a14">
             <p:sp>
               <p:nvSpPr>
                 <p:cNvPr id="20" name="TextBox 19"/>
@@ -8150,7 +8144,7 @@
               </p:txBody>
             </p:sp>
           </mc:Choice>
-          <mc:Fallback>
+          <mc:Fallback xmlns="">
             <p:sp>
               <p:nvSpPr>
                 <p:cNvPr id="20" name="TextBox 19"/>
@@ -8228,8 +8222,8 @@
           </p:style>
         </p:cxnSp>
       </p:grpSp>
-      <mc:AlternateContent xmlns:mc="http://schemas.openxmlformats.org/markup-compatibility/2006">
-        <mc:Choice xmlns:a14="http://schemas.microsoft.com/office/drawing/2010/main" Requires="a14">
+      <mc:AlternateContent xmlns:mc="http://schemas.openxmlformats.org/markup-compatibility/2006" xmlns:a14="http://schemas.microsoft.com/office/drawing/2010/main">
+        <mc:Choice Requires="a14">
           <p:sp>
             <p:nvSpPr>
               <p:cNvPr id="22" name="TextBox 21"/>
@@ -8252,6 +8246,7 @@
               </a:bodyPr>
               <a:lstStyle/>
               <a:p>
+                <a:pPr/>
                 <a14:m>
                   <m:oMathPara xmlns:m="http://schemas.openxmlformats.org/officeDocument/2006/math">
                     <m:oMathParaPr>
@@ -8345,7 +8340,7 @@
             </p:txBody>
           </p:sp>
         </mc:Choice>
-        <mc:Fallback>
+        <mc:Fallback xmlns="">
           <p:sp>
             <p:nvSpPr>
               <p:cNvPr id="22" name="TextBox 21"/>
@@ -8384,8 +8379,8 @@
           </p:sp>
         </mc:Fallback>
       </mc:AlternateContent>
-      <mc:AlternateContent xmlns:mc="http://schemas.openxmlformats.org/markup-compatibility/2006">
-        <mc:Choice xmlns:a14="http://schemas.microsoft.com/office/drawing/2010/main" Requires="a14">
+      <mc:AlternateContent xmlns:mc="http://schemas.openxmlformats.org/markup-compatibility/2006" xmlns:a14="http://schemas.microsoft.com/office/drawing/2010/main">
+        <mc:Choice Requires="a14">
           <p:sp>
             <p:nvSpPr>
               <p:cNvPr id="23" name="TextBox 22"/>
@@ -8408,6 +8403,7 @@
               </a:bodyPr>
               <a:lstStyle/>
               <a:p>
+                <a:pPr/>
                 <a14:m>
                   <m:oMathPara xmlns:m="http://schemas.openxmlformats.org/officeDocument/2006/math">
                     <m:oMathParaPr>
@@ -8508,7 +8504,7 @@
             </p:txBody>
           </p:sp>
         </mc:Choice>
-        <mc:Fallback>
+        <mc:Fallback xmlns="">
           <p:sp>
             <p:nvSpPr>
               <p:cNvPr id="23" name="TextBox 22"/>
@@ -11074,8 +11070,8 @@
             </a:p>
           </p:txBody>
         </p:sp>
-        <mc:AlternateContent xmlns:mc="http://schemas.openxmlformats.org/markup-compatibility/2006">
-          <mc:Choice xmlns:a14="http://schemas.microsoft.com/office/drawing/2010/main" Requires="a14">
+        <mc:AlternateContent xmlns:mc="http://schemas.openxmlformats.org/markup-compatibility/2006" xmlns:a14="http://schemas.microsoft.com/office/drawing/2010/main">
+          <mc:Choice Requires="a14">
             <p:sp>
               <p:nvSpPr>
                 <p:cNvPr id="22" name="Text Box 11"/>
@@ -11285,7 +11281,7 @@
               </p:txBody>
             </p:sp>
           </mc:Choice>
-          <mc:Fallback>
+          <mc:Fallback xmlns="">
             <p:sp>
               <p:nvSpPr>
                 <p:cNvPr id="22" name="Text Box 11"/>
@@ -11383,8 +11379,8 @@
             </a:p>
           </p:txBody>
         </p:sp>
-        <mc:AlternateContent xmlns:mc="http://schemas.openxmlformats.org/markup-compatibility/2006">
-          <mc:Choice xmlns:a14="http://schemas.microsoft.com/office/drawing/2010/main" Requires="a14">
+        <mc:AlternateContent xmlns:mc="http://schemas.openxmlformats.org/markup-compatibility/2006" xmlns:a14="http://schemas.microsoft.com/office/drawing/2010/main">
+          <mc:Choice Requires="a14">
             <p:sp>
               <p:nvSpPr>
                 <p:cNvPr id="25" name="Text Box 14"/>
@@ -11517,7 +11513,7 @@
               </p:txBody>
             </p:sp>
           </mc:Choice>
-          <mc:Fallback>
+          <mc:Fallback xmlns="">
             <p:sp>
               <p:nvSpPr>
                 <p:cNvPr id="25" name="Text Box 14"/>
@@ -11769,8 +11765,8 @@
           </a:p>
         </p:txBody>
       </p:sp>
-      <mc:AlternateContent xmlns:mc="http://schemas.openxmlformats.org/markup-compatibility/2006">
-        <mc:Choice xmlns:a14="http://schemas.microsoft.com/office/drawing/2010/main" Requires="a14">
+      <mc:AlternateContent xmlns:mc="http://schemas.openxmlformats.org/markup-compatibility/2006" xmlns:a14="http://schemas.microsoft.com/office/drawing/2010/main">
+        <mc:Choice Requires="a14">
           <p:sp>
             <p:nvSpPr>
               <p:cNvPr id="3" name="Объект 2"/>
@@ -12320,11 +12316,7 @@
                 </a14:m>
                 <a:r>
                   <a:rPr lang="ru-RU" dirty="0" smtClean="0"/>
-                  <a:t> – пренебрежимо малая </a:t>
-                </a:r>
-                <a:r>
-                  <a:rPr lang="ru-RU" dirty="0" smtClean="0"/>
-                  <a:t>величина</a:t>
+                  <a:t> – пренебрежимо малая величина</a:t>
                 </a:r>
                 <a:endParaRPr lang="en-US" dirty="0" smtClean="0"/>
               </a:p>
@@ -12361,7 +12353,7 @@
             </p:txBody>
           </p:sp>
         </mc:Choice>
-        <mc:Fallback>
+        <mc:Fallback xmlns="">
           <p:sp>
             <p:nvSpPr>
               <p:cNvPr id="3" name="Объект 2"/>
@@ -12524,8 +12516,8 @@
           </a:p>
         </p:txBody>
       </p:sp>
-      <mc:AlternateContent xmlns:mc="http://schemas.openxmlformats.org/markup-compatibility/2006">
-        <mc:Choice xmlns:a14="http://schemas.microsoft.com/office/drawing/2010/main" Requires="a14">
+      <mc:AlternateContent xmlns:mc="http://schemas.openxmlformats.org/markup-compatibility/2006" xmlns:a14="http://schemas.microsoft.com/office/drawing/2010/main">
+        <mc:Choice Requires="a14">
           <p:sp>
             <p:nvSpPr>
               <p:cNvPr id="3" name="Объект 2"/>
@@ -12918,13 +12910,7 @@
                             <a:rPr lang="en-US" b="0" i="1" smtClean="0">
                               <a:latin typeface="Cambria Math" panose="02040503050406030204" pitchFamily="18" charset="0"/>
                             </a:rPr>
-                            <m:t>𝐶</m:t>
-                          </m:r>
-                          <m:r>
-                            <a:rPr lang="en-US" b="0" i="1" smtClean="0">
-                              <a:latin typeface="Cambria Math" panose="02040503050406030204" pitchFamily="18" charset="0"/>
-                            </a:rPr>
-                            <m:t>𝐴</m:t>
+                            <m:t>𝐶𝐴</m:t>
                           </m:r>
                         </m:e>
                         <m:sub>
@@ -13243,7 +13229,7 @@
             </p:txBody>
           </p:sp>
         </mc:Choice>
-        <mc:Fallback>
+        <mc:Fallback xmlns="">
           <p:sp>
             <p:nvSpPr>
               <p:cNvPr id="3" name="Объект 2"/>
@@ -16040,8 +16026,8 @@
           </a:p>
         </p:txBody>
       </p:sp>
-      <mc:AlternateContent xmlns:mc="http://schemas.openxmlformats.org/markup-compatibility/2006">
-        <mc:Choice xmlns:a14="http://schemas.microsoft.com/office/drawing/2010/main" Requires="a14">
+      <mc:AlternateContent xmlns:mc="http://schemas.openxmlformats.org/markup-compatibility/2006" xmlns:a14="http://schemas.microsoft.com/office/drawing/2010/main">
+        <mc:Choice Requires="a14">
           <p:sp>
             <p:nvSpPr>
               <p:cNvPr id="3" name="Объект 2"/>
@@ -16235,29 +16221,21 @@
                 </a:r>
                 <a:r>
                   <a:rPr lang="ru-RU" dirty="0" smtClean="0"/>
-                  <a:t>стойкость </a:t>
+                  <a:t>стойкость =</a:t>
+                </a:r>
+                <a:r>
+                  <a:rPr lang="en-US" dirty="0" smtClean="0"/>
+                  <a:t> CPA + </a:t>
                 </a:r>
                 <a:r>
                   <a:rPr lang="ru-RU" dirty="0" smtClean="0"/>
-                  <a:t>=</a:t>
+                  <a:t>целостность</a:t>
                 </a:r>
                 <a:r>
                   <a:rPr lang="en-US" dirty="0" smtClean="0"/>
                   <a:t> </a:t>
                 </a:r>
                 <a:r>
-                  <a:rPr lang="en-US" dirty="0" smtClean="0"/>
-                  <a:t>CPA + </a:t>
-                </a:r>
-                <a:r>
-                  <a:rPr lang="ru-RU" dirty="0" smtClean="0"/>
-                  <a:t>целостность</a:t>
-                </a:r>
-                <a:r>
-                  <a:rPr lang="en-US" dirty="0" smtClean="0"/>
-                  <a:t> </a:t>
-                </a:r>
-                <a:r>
                   <a:rPr lang="en-US" b="1" dirty="0" smtClean="0"/>
                   <a:t>CT</a:t>
                 </a:r>
@@ -16275,11 +16253,7 @@
                 </a:r>
                 <a:r>
                   <a:rPr lang="ru-RU" dirty="0" smtClean="0"/>
-                  <a:t>стойкост</a:t>
-                </a:r>
-                <a:r>
-                  <a:rPr lang="ru-RU" dirty="0" smtClean="0"/>
-                  <a:t>ь</a:t>
+                  <a:t>стойкость</a:t>
                 </a:r>
               </a:p>
               <a:p>
@@ -16335,7 +16309,6 @@
                   <a:rPr lang="ru-RU" dirty="0" smtClean="0"/>
                   <a:t>стойкость</a:t>
                 </a:r>
-                <a:endParaRPr lang="ru-RU" dirty="0" smtClean="0"/>
               </a:p>
               <a:p>
                 <a:pPr marL="0" indent="0">
@@ -16346,7 +16319,7 @@
             </p:txBody>
           </p:sp>
         </mc:Choice>
-        <mc:Fallback>
+        <mc:Fallback xmlns="">
           <p:sp>
             <p:nvSpPr>
               <p:cNvPr id="3" name="Объект 2"/>
@@ -16521,11 +16494,7 @@
             <a:pPr lvl="1"/>
             <a:r>
               <a:rPr lang="ru-RU" dirty="0" smtClean="0"/>
-              <a:t>Можно решить введя специальный формат сообщений, включающих счётчики или </a:t>
-            </a:r>
-            <a:r>
-              <a:rPr lang="ru-RU" dirty="0" smtClean="0"/>
-              <a:t>идентификаторы</a:t>
+              <a:t>Можно решить введя специальный формат сообщений, включающих счётчики или идентификаторы</a:t>
             </a:r>
             <a:endParaRPr lang="en-US" dirty="0" smtClean="0"/>
           </a:p>
@@ -16535,7 +16504,6 @@
               <a:rPr lang="ru-RU" dirty="0" smtClean="0"/>
               <a:t>Вообще говоря это задача протоколов, а не конструкций (примитивов)</a:t>
             </a:r>
-            <a:endParaRPr lang="ru-RU" dirty="0" smtClean="0"/>
           </a:p>
           <a:p>
             <a:r>
@@ -16667,13 +16635,8 @@
             <a:pPr algn="ctr" eaLnBrk="1" hangingPunct="1"/>
             <a:r>
               <a:rPr lang="en-US" dirty="0" smtClean="0"/>
-              <a:t>Combining MAC and </a:t>
-            </a:r>
-            <a:r>
-              <a:rPr lang="en-US" dirty="0" smtClean="0"/>
-              <a:t>ENC</a:t>
-            </a:r>
-            <a:endParaRPr lang="en-US" dirty="0" smtClean="0"/>
+              <a:t>Combining MAC and ENC</a:t>
+            </a:r>
           </a:p>
         </p:txBody>
       </p:sp>
@@ -19498,8 +19461,8 @@
           </a:p>
         </p:txBody>
       </p:sp>
-      <mc:AlternateContent xmlns:mc="http://schemas.openxmlformats.org/markup-compatibility/2006">
-        <mc:Choice xmlns:a14="http://schemas.microsoft.com/office/drawing/2010/main" Requires="a14">
+      <mc:AlternateContent xmlns:mc="http://schemas.openxmlformats.org/markup-compatibility/2006" xmlns:a14="http://schemas.microsoft.com/office/drawing/2010/main">
+        <mc:Choice Requires="a14">
           <p:sp>
             <p:nvSpPr>
               <p:cNvPr id="3" name="Объект 2"/>
@@ -20105,19 +20068,11 @@
               <a:p>
                 <a:r>
                   <a:rPr lang="ru-RU" dirty="0" smtClean="0"/>
-                  <a:t>Проверка целостности </a:t>
-                </a:r>
-                <a:r>
-                  <a:rPr lang="ru-RU" dirty="0" smtClean="0"/>
-                  <a:t>осуществляется </a:t>
+                  <a:t>Проверка целостности осуществляется </a:t>
                 </a:r>
                 <a:r>
                   <a:rPr lang="ru-RU" b="1" dirty="0" smtClean="0"/>
-                  <a:t>строго </a:t>
-                </a:r>
-                <a:r>
-                  <a:rPr lang="ru-RU" b="1" dirty="0" smtClean="0"/>
-                  <a:t>до</a:t>
+                  <a:t>строго до</a:t>
                 </a:r>
                 <a:r>
                   <a:rPr lang="ru-RU" dirty="0" smtClean="0"/>
@@ -20138,7 +20093,7 @@
             </p:txBody>
           </p:sp>
         </mc:Choice>
-        <mc:Fallback>
+        <mc:Fallback xmlns="">
           <p:sp>
             <p:nvSpPr>
               <p:cNvPr id="3" name="Объект 2"/>
@@ -30528,8 +30483,8 @@
           </a:p>
         </p:txBody>
       </p:sp>
-      <mc:AlternateContent xmlns:mc="http://schemas.openxmlformats.org/markup-compatibility/2006">
-        <mc:Choice xmlns:a14="http://schemas.microsoft.com/office/drawing/2010/main" Requires="a14">
+      <mc:AlternateContent xmlns:mc="http://schemas.openxmlformats.org/markup-compatibility/2006" xmlns:a14="http://schemas.microsoft.com/office/drawing/2010/main">
+        <mc:Choice Requires="a14">
           <p:sp>
             <p:nvSpPr>
               <p:cNvPr id="3" name="Объект 2"/>
@@ -30799,7 +30754,7 @@
             </p:txBody>
           </p:sp>
         </mc:Choice>
-        <mc:Fallback>
+        <mc:Fallback xmlns="">
           <p:sp>
             <p:nvSpPr>
               <p:cNvPr id="3" name="Объект 2"/>
@@ -30920,8 +30875,8 @@
           </a:p>
         </p:txBody>
       </p:sp>
-      <mc:AlternateContent xmlns:mc="http://schemas.openxmlformats.org/markup-compatibility/2006">
-        <mc:Choice xmlns:a14="http://schemas.microsoft.com/office/drawing/2010/main" Requires="a14">
+      <mc:AlternateContent xmlns:mc="http://schemas.openxmlformats.org/markup-compatibility/2006" xmlns:a14="http://schemas.microsoft.com/office/drawing/2010/main">
+        <mc:Choice Requires="a14">
           <p:sp>
             <p:nvSpPr>
               <p:cNvPr id="3" name="Объект 2"/>
@@ -31075,19 +31030,11 @@
                 </a:r>
                 <a:r>
                   <a:rPr lang="en-US" dirty="0" smtClean="0"/>
-                  <a:t> (</a:t>
-                </a:r>
-                <a:r>
-                  <a:rPr lang="en-US" dirty="0" smtClean="0"/>
-                  <a:t>INT-CTXT)</a:t>
+                  <a:t> (INT-CTXT)</a:t>
                 </a:r>
                 <a:r>
                   <a:rPr lang="ru-RU" dirty="0" smtClean="0"/>
-                  <a:t> </a:t>
-                </a:r>
-                <a:r>
-                  <a:rPr lang="ru-RU" dirty="0" smtClean="0"/>
-                  <a:t>(аналогично игре на </a:t>
+                  <a:t> (аналогично игре на </a:t>
                 </a:r>
                 <a:r>
                   <a:rPr lang="en-US" dirty="0" smtClean="0"/>
@@ -31140,7 +31087,7 @@
             </p:txBody>
           </p:sp>
         </mc:Choice>
-        <mc:Fallback>
+        <mc:Fallback xmlns="">
           <p:sp>
             <p:nvSpPr>
               <p:cNvPr id="3" name="Объект 2"/>
@@ -31238,8 +31185,8 @@
           </a:p>
         </p:txBody>
       </p:sp>
-      <mc:AlternateContent xmlns:mc="http://schemas.openxmlformats.org/markup-compatibility/2006">
-        <mc:Choice xmlns:a14="http://schemas.microsoft.com/office/drawing/2010/main" Requires="a14">
+      <mc:AlternateContent xmlns:mc="http://schemas.openxmlformats.org/markup-compatibility/2006" xmlns:a14="http://schemas.microsoft.com/office/drawing/2010/main">
+        <mc:Choice Requires="a14">
           <p:sp>
             <p:nvSpPr>
               <p:cNvPr id="6" name="Rectangle 7"/>
@@ -31293,7 +31240,7 @@
             </p:txBody>
           </p:sp>
         </mc:Choice>
-        <mc:Fallback>
+        <mc:Fallback xmlns="">
           <p:sp>
             <p:nvSpPr>
               <p:cNvPr id="6" name="Rectangle 7"/>
@@ -31868,8 +31815,8 @@
           </a:p>
         </p:txBody>
       </p:sp>
-      <mc:AlternateContent xmlns:mc="http://schemas.openxmlformats.org/markup-compatibility/2006">
-        <mc:Choice xmlns:a14="http://schemas.microsoft.com/office/drawing/2010/main" Requires="a14">
+      <mc:AlternateContent xmlns:mc="http://schemas.openxmlformats.org/markup-compatibility/2006" xmlns:a14="http://schemas.microsoft.com/office/drawing/2010/main">
+        <mc:Choice Requires="a14">
           <p:sp>
             <p:nvSpPr>
               <p:cNvPr id="16" name="Text Box 6"/>
@@ -31984,7 +31931,7 @@
             </p:txBody>
           </p:sp>
         </mc:Choice>
-        <mc:Fallback>
+        <mc:Fallback xmlns="">
           <p:sp>
             <p:nvSpPr>
               <p:cNvPr id="16" name="Text Box 6"/>
@@ -32060,8 +32007,8 @@
           </a:p>
         </p:txBody>
       </p:sp>
-      <mc:AlternateContent xmlns:mc="http://schemas.openxmlformats.org/markup-compatibility/2006">
-        <mc:Choice xmlns:a14="http://schemas.microsoft.com/office/drawing/2010/main" Requires="a14">
+      <mc:AlternateContent xmlns:mc="http://schemas.openxmlformats.org/markup-compatibility/2006" xmlns:a14="http://schemas.microsoft.com/office/drawing/2010/main">
+        <mc:Choice Requires="a14">
           <p:sp>
             <p:nvSpPr>
               <p:cNvPr id="18" name="Text Box 13"/>
@@ -32137,7 +32084,7 @@
             </p:txBody>
           </p:sp>
         </mc:Choice>
-        <mc:Fallback>
+        <mc:Fallback xmlns="">
           <p:sp>
             <p:nvSpPr>
               <p:cNvPr id="18" name="Text Box 13"/>

--- a/Lectures/Lecture12.pptx
+++ b/Lectures/Lecture12.pptx
@@ -311,7 +311,7 @@
           <a:p>
             <a:fld id="{CBA08D16-15DC-4E25-BDC3-F25146157B16}" type="datetimeFigureOut">
               <a:rPr lang="ru-RU" smtClean="0"/>
-              <a:t>09.12.2019</a:t>
+              <a:t>17.12.2020</a:t>
             </a:fld>
             <a:endParaRPr lang="ru-RU"/>
           </a:p>
@@ -896,7 +896,7 @@
           <a:p>
             <a:fld id="{FCEC8293-DB51-454A-BE81-EC8FCB31EBA2}" type="datetime1">
               <a:rPr lang="ru-RU" smtClean="0"/>
-              <a:t>09.12.2019</a:t>
+              <a:t>17.12.2020</a:t>
             </a:fld>
             <a:endParaRPr lang="ru-RU"/>
           </a:p>
@@ -1070,7 +1070,7 @@
           <a:p>
             <a:fld id="{241C87B1-1C35-4DBD-BC18-2BC72E776603}" type="datetime1">
               <a:rPr lang="ru-RU" smtClean="0"/>
-              <a:t>09.12.2019</a:t>
+              <a:t>17.12.2020</a:t>
             </a:fld>
             <a:endParaRPr lang="ru-RU"/>
           </a:p>
@@ -1254,7 +1254,7 @@
           <a:p>
             <a:fld id="{3134C275-26C0-42CD-9111-9ADE65922AF9}" type="datetime1">
               <a:rPr lang="ru-RU" smtClean="0"/>
-              <a:t>09.12.2019</a:t>
+              <a:t>17.12.2020</a:t>
             </a:fld>
             <a:endParaRPr lang="ru-RU"/>
           </a:p>
@@ -1428,7 +1428,7 @@
           <a:p>
             <a:fld id="{C1A9A50B-C350-45F5-8AAB-ADB9E670AF2E}" type="datetime1">
               <a:rPr lang="ru-RU" smtClean="0"/>
-              <a:t>09.12.2019</a:t>
+              <a:t>17.12.2020</a:t>
             </a:fld>
             <a:endParaRPr lang="ru-RU"/>
           </a:p>
@@ -1678,7 +1678,7 @@
           <a:p>
             <a:fld id="{089688C9-348F-42F9-B6C0-5990DDE0C5B2}" type="datetime1">
               <a:rPr lang="ru-RU" smtClean="0"/>
-              <a:t>09.12.2019</a:t>
+              <a:t>17.12.2020</a:t>
             </a:fld>
             <a:endParaRPr lang="ru-RU"/>
           </a:p>
@@ -1914,7 +1914,7 @@
           <a:p>
             <a:fld id="{684AFD8F-6DD9-4AD3-A505-FDC3F5C5F3F6}" type="datetime1">
               <a:rPr lang="ru-RU" smtClean="0"/>
-              <a:t>09.12.2019</a:t>
+              <a:t>17.12.2020</a:t>
             </a:fld>
             <a:endParaRPr lang="ru-RU"/>
           </a:p>
@@ -2285,7 +2285,7 @@
           <a:p>
             <a:fld id="{63551EFE-4D02-45EB-A747-8B6F047B5AA0}" type="datetime1">
               <a:rPr lang="ru-RU" smtClean="0"/>
-              <a:t>09.12.2019</a:t>
+              <a:t>17.12.2020</a:t>
             </a:fld>
             <a:endParaRPr lang="ru-RU"/>
           </a:p>
@@ -2407,7 +2407,7 @@
           <a:p>
             <a:fld id="{813A9F34-E5CD-4B8F-AA9E-889C84372B20}" type="datetime1">
               <a:rPr lang="ru-RU" smtClean="0"/>
-              <a:t>09.12.2019</a:t>
+              <a:t>17.12.2020</a:t>
             </a:fld>
             <a:endParaRPr lang="ru-RU"/>
           </a:p>
@@ -2506,7 +2506,7 @@
           <a:p>
             <a:fld id="{51224D22-9B29-44A6-8E82-95FC492DEDC1}" type="datetime1">
               <a:rPr lang="ru-RU" smtClean="0"/>
-              <a:t>09.12.2019</a:t>
+              <a:t>17.12.2020</a:t>
             </a:fld>
             <a:endParaRPr lang="ru-RU"/>
           </a:p>
@@ -2787,7 +2787,7 @@
           <a:p>
             <a:fld id="{91D1034F-4441-48A1-BDC0-25EA1022324A}" type="datetime1">
               <a:rPr lang="ru-RU" smtClean="0"/>
-              <a:t>09.12.2019</a:t>
+              <a:t>17.12.2020</a:t>
             </a:fld>
             <a:endParaRPr lang="ru-RU"/>
           </a:p>
@@ -3044,7 +3044,7 @@
           <a:p>
             <a:fld id="{B0FFDE79-B627-473B-AE17-4C65BD2495F7}" type="datetime1">
               <a:rPr lang="ru-RU" smtClean="0"/>
-              <a:t>09.12.2019</a:t>
+              <a:t>17.12.2020</a:t>
             </a:fld>
             <a:endParaRPr lang="ru-RU"/>
           </a:p>
@@ -3261,7 +3261,7 @@
           <a:p>
             <a:fld id="{11CA537A-1B8C-47BA-9BA6-7CE3FAFDA8BE}" type="datetime1">
               <a:rPr lang="ru-RU" smtClean="0"/>
-              <a:t>09.12.2019</a:t>
+              <a:t>17.12.2020</a:t>
             </a:fld>
             <a:endParaRPr lang="ru-RU"/>
           </a:p>
@@ -3762,8 +3762,12 @@
           </a:p>
           <a:p>
             <a:r>
-              <a:rPr lang="ru-RU" smtClean="0"/>
-              <a:t>МИФИ 2019</a:t>
+              <a:rPr lang="ru-RU" dirty="0" smtClean="0"/>
+              <a:t>МИФИ </a:t>
+            </a:r>
+            <a:r>
+              <a:rPr lang="en-US" dirty="0" smtClean="0"/>
+              <a:t>2020</a:t>
             </a:r>
             <a:endParaRPr lang="ru-RU" dirty="0"/>
           </a:p>
@@ -7174,11 +7178,7 @@
             </a:r>
             <a:r>
               <a:rPr lang="ru-RU" dirty="0" smtClean="0"/>
-              <a:t>стойкого</a:t>
-            </a:r>
-            <a:r>
-              <a:rPr lang="ru-RU" dirty="0" smtClean="0"/>
-              <a:t>, но не </a:t>
+              <a:t>стойкого, но не </a:t>
             </a:r>
             <a:r>
               <a:rPr lang="en-US" dirty="0" smtClean="0"/>
@@ -9337,8 +9337,8 @@
           </a:p>
         </p:txBody>
       </p:sp>
-      <mc:AlternateContent xmlns:mc="http://schemas.openxmlformats.org/markup-compatibility/2006" xmlns:a14="http://schemas.microsoft.com/office/drawing/2010/main">
-        <mc:Choice Requires="a14">
+      <mc:AlternateContent xmlns:mc="http://schemas.openxmlformats.org/markup-compatibility/2006">
+        <mc:Choice xmlns:a14="http://schemas.microsoft.com/office/drawing/2010/main" Requires="a14">
           <p:sp>
             <p:nvSpPr>
               <p:cNvPr id="3" name="Объект 2"/>
@@ -9384,12 +9384,12 @@
                   <a:t>шифров данная атака невозможна, т.к. </a:t>
                 </a:r>
                 <a:r>
-                  <a:rPr lang="ru-RU" dirty="0" err="1" smtClean="0"/>
-                  <a:t>шифрт</a:t>
-                </a:r>
-                <a:r>
                   <a:rPr lang="ru-RU" dirty="0" smtClean="0"/>
-                  <a:t> гарантирует невозможность получения корректного </a:t>
+                  <a:t>шифр </a:t>
+                </a:r>
+                <a:r>
+                  <a:rPr lang="ru-RU" dirty="0" smtClean="0"/>
+                  <a:t>гарантирует невозможность получения корректного </a:t>
                 </a:r>
                 <a:r>
                   <a:rPr lang="ru-RU" dirty="0" err="1" smtClean="0"/>
@@ -9424,7 +9424,7 @@
             </p:txBody>
           </p:sp>
         </mc:Choice>
-        <mc:Fallback xmlns="">
+        <mc:Fallback>
           <p:sp>
             <p:nvSpPr>
               <p:cNvPr id="3" name="Объект 2"/>
@@ -9436,7 +9436,7 @@
               </p:nvPr>
             </p:nvSpPr>
             <p:spPr>
-              <a:blipFill rotWithShape="0">
+              <a:blipFill>
                 <a:blip r:embed="rId2"/>
                 <a:stretch>
                   <a:fillRect l="-1043" t="-2101"/>
@@ -11008,12 +11008,20 @@
               <a:t>For </a:t>
             </a:r>
             <a:r>
-              <a:rPr lang="en-US" dirty="0" err="1" smtClean="0"/>
+              <a:rPr lang="en-US" i="1" dirty="0" err="1" smtClean="0"/>
               <a:t>i</a:t>
             </a:r>
             <a:r>
               <a:rPr lang="en-US" dirty="0" smtClean="0"/>
-              <a:t>=1..q:</a:t>
+              <a:t>=1..</a:t>
+            </a:r>
+            <a:r>
+              <a:rPr lang="en-US" i="1" dirty="0" smtClean="0"/>
+              <a:t>q</a:t>
+            </a:r>
+            <a:r>
+              <a:rPr lang="en-US" dirty="0" smtClean="0"/>
+              <a:t>:</a:t>
             </a:r>
             <a:endParaRPr lang="ru-RU" dirty="0"/>
           </a:p>
@@ -16026,8 +16034,8 @@
           </a:p>
         </p:txBody>
       </p:sp>
-      <mc:AlternateContent xmlns:mc="http://schemas.openxmlformats.org/markup-compatibility/2006" xmlns:a14="http://schemas.microsoft.com/office/drawing/2010/main">
-        <mc:Choice Requires="a14">
+      <mc:AlternateContent xmlns:mc="http://schemas.openxmlformats.org/markup-compatibility/2006">
+        <mc:Choice xmlns:a14="http://schemas.microsoft.com/office/drawing/2010/main" Requires="a14">
           <p:sp>
             <p:nvSpPr>
               <p:cNvPr id="3" name="Объект 2"/>
@@ -16038,9 +16046,16 @@
                 <p:ph idx="1"/>
               </p:nvPr>
             </p:nvSpPr>
-            <p:spPr/>
+            <p:spPr>
+              <a:xfrm>
+                <a:off x="838200" y="1825624"/>
+                <a:ext cx="10515600" cy="4777399"/>
+              </a:xfrm>
+            </p:spPr>
             <p:txBody>
-              <a:bodyPr/>
+              <a:bodyPr>
+                <a:normAutofit/>
+              </a:bodyPr>
               <a:lstStyle/>
               <a:p>
                 <a:pPr marL="0" indent="0">
@@ -16221,11 +16236,35 @@
                 </a:r>
                 <a:r>
                   <a:rPr lang="ru-RU" dirty="0" smtClean="0"/>
-                  <a:t>стойкость =</a:t>
+                  <a:t>стойкость </a:t>
                 </a:r>
                 <a:r>
                   <a:rPr lang="en-US" dirty="0" smtClean="0"/>
-                  <a:t> CPA + </a:t>
+                  <a:t>&lt;</a:t>
+                </a:r>
+                <a:r>
+                  <a:rPr lang="ru-RU" dirty="0" smtClean="0"/>
+                  <a:t>=</a:t>
+                </a:r>
+                <a:r>
+                  <a:rPr lang="en-US" dirty="0" smtClean="0"/>
+                  <a:t>&gt; </a:t>
+                </a:r>
+                <a:r>
+                  <a:rPr lang="en-US" dirty="0" smtClean="0"/>
+                  <a:t>CPA </a:t>
+                </a:r>
+                <a:r>
+                  <a:rPr lang="en-US" dirty="0" smtClean="0"/>
+                  <a:t>+</a:t>
+                </a:r>
+                <a:r>
+                  <a:rPr lang="ru-RU" dirty="0" smtClean="0"/>
+                  <a:t> </a:t>
+                </a:r>
+                <a:r>
+                  <a:rPr lang="en-US" dirty="0" smtClean="0"/>
+                  <a:t>CI (</a:t>
                 </a:r>
                 <a:r>
                   <a:rPr lang="ru-RU" dirty="0" smtClean="0"/>
@@ -16241,7 +16280,11 @@
                 </a:r>
                 <a:r>
                   <a:rPr lang="en-US" dirty="0" smtClean="0"/>
-                  <a:t> =&gt;</a:t>
+                  <a:t>) </a:t>
+                </a:r>
+                <a:r>
+                  <a:rPr lang="en-US" dirty="0" smtClean="0"/>
+                  <a:t>=&gt;</a:t>
                 </a:r>
                 <a:r>
                   <a:rPr lang="ru-RU" dirty="0" smtClean="0"/>
@@ -16270,10 +16313,18 @@
                 </a:r>
                 <a:r>
                   <a:rPr lang="ru-RU" dirty="0"/>
-                  <a:t>+ целостность</a:t>
-                </a:r>
-                <a:r>
-                  <a:rPr lang="en-US" dirty="0"/>
+                  <a:t>+ </a:t>
+                </a:r>
+                <a:r>
+                  <a:rPr lang="en-US" dirty="0" smtClean="0"/>
+                  <a:t> PI (</a:t>
+                </a:r>
+                <a:r>
+                  <a:rPr lang="ru-RU" dirty="0" smtClean="0"/>
+                  <a:t>целостность</a:t>
+                </a:r>
+                <a:r>
+                  <a:rPr lang="en-US" dirty="0" smtClean="0"/>
                   <a:t> </a:t>
                 </a:r>
                 <a:r>
@@ -16282,7 +16333,11 @@
                 </a:r>
                 <a:r>
                   <a:rPr lang="en-US" dirty="0" smtClean="0"/>
-                  <a:t> =&gt; AE </a:t>
+                  <a:t>) </a:t>
+                </a:r>
+                <a:r>
+                  <a:rPr lang="en-US" dirty="0" smtClean="0"/>
+                  <a:t>=&gt; AE </a:t>
                 </a:r>
                 <a:r>
                   <a:rPr lang="ru-RU" dirty="0" smtClean="0"/>
@@ -16309,6 +16364,17 @@
                   <a:rPr lang="ru-RU" dirty="0" smtClean="0"/>
                   <a:t>стойкость</a:t>
                 </a:r>
+                <a:endParaRPr lang="en-US" dirty="0" smtClean="0"/>
+              </a:p>
+              <a:p>
+                <a:pPr marL="0" indent="0">
+                  <a:buNone/>
+                </a:pPr>
+                <a:r>
+                  <a:rPr lang="en-US" dirty="0" smtClean="0"/>
+                  <a:t>CI =&gt; PI</a:t>
+                </a:r>
+                <a:endParaRPr lang="ru-RU" dirty="0" smtClean="0"/>
               </a:p>
               <a:p>
                 <a:pPr marL="0" indent="0">
@@ -16319,7 +16385,7 @@
             </p:txBody>
           </p:sp>
         </mc:Choice>
-        <mc:Fallback xmlns="">
+        <mc:Fallback>
           <p:sp>
             <p:nvSpPr>
               <p:cNvPr id="3" name="Объект 2"/>
@@ -16331,10 +16397,14 @@
               </p:nvPr>
             </p:nvSpPr>
             <p:spPr>
-              <a:blipFill rotWithShape="0">
+              <a:xfrm>
+                <a:off x="838200" y="1825624"/>
+                <a:ext cx="10515600" cy="4777399"/>
+              </a:xfrm>
+              <a:blipFill>
                 <a:blip r:embed="rId2"/>
                 <a:stretch>
-                  <a:fillRect l="-1043" t="-2101"/>
+                  <a:fillRect l="-1043" t="-1913" b="-1148"/>
                 </a:stretch>
               </a:blipFill>
             </p:spPr>

--- a/Lectures/Lecture12.pptx
+++ b/Lectures/Lecture12.pptx
@@ -5,7 +5,7 @@
     <p:sldMasterId id="2147483648" r:id="rId1"/>
   </p:sldMasterIdLst>
   <p:notesMasterIdLst>
-    <p:notesMasterId r:id="rId42"/>
+    <p:notesMasterId r:id="rId43"/>
   </p:notesMasterIdLst>
   <p:sldIdLst>
     <p:sldId id="296" r:id="rId2"/>
@@ -46,8 +46,9 @@
     <p:sldId id="577" r:id="rId37"/>
     <p:sldId id="578" r:id="rId38"/>
     <p:sldId id="580" r:id="rId39"/>
-    <p:sldId id="583" r:id="rId40"/>
-    <p:sldId id="581" r:id="rId41"/>
+    <p:sldId id="589" r:id="rId40"/>
+    <p:sldId id="583" r:id="rId41"/>
+    <p:sldId id="581" r:id="rId42"/>
   </p:sldIdLst>
   <p:sldSz cx="12192000" cy="6858000"/>
   <p:notesSz cx="6858000" cy="9144000"/>
@@ -213,6 +214,7 @@
             <p14:sldId id="577"/>
             <p14:sldId id="578"/>
             <p14:sldId id="580"/>
+            <p14:sldId id="589"/>
             <p14:sldId id="583"/>
             <p14:sldId id="581"/>
           </p14:sldIdLst>
@@ -311,7 +313,7 @@
           <a:p>
             <a:fld id="{CBA08D16-15DC-4E25-BDC3-F25146157B16}" type="datetimeFigureOut">
               <a:rPr lang="ru-RU" smtClean="0"/>
-              <a:t>17.12.2020</a:t>
+              <a:t>09.12.2021</a:t>
             </a:fld>
             <a:endParaRPr lang="ru-RU"/>
           </a:p>
@@ -896,7 +898,7 @@
           <a:p>
             <a:fld id="{FCEC8293-DB51-454A-BE81-EC8FCB31EBA2}" type="datetime1">
               <a:rPr lang="ru-RU" smtClean="0"/>
-              <a:t>17.12.2020</a:t>
+              <a:t>09.12.2021</a:t>
             </a:fld>
             <a:endParaRPr lang="ru-RU"/>
           </a:p>
@@ -1070,7 +1072,7 @@
           <a:p>
             <a:fld id="{241C87B1-1C35-4DBD-BC18-2BC72E776603}" type="datetime1">
               <a:rPr lang="ru-RU" smtClean="0"/>
-              <a:t>17.12.2020</a:t>
+              <a:t>09.12.2021</a:t>
             </a:fld>
             <a:endParaRPr lang="ru-RU"/>
           </a:p>
@@ -1254,7 +1256,7 @@
           <a:p>
             <a:fld id="{3134C275-26C0-42CD-9111-9ADE65922AF9}" type="datetime1">
               <a:rPr lang="ru-RU" smtClean="0"/>
-              <a:t>17.12.2020</a:t>
+              <a:t>09.12.2021</a:t>
             </a:fld>
             <a:endParaRPr lang="ru-RU"/>
           </a:p>
@@ -1428,7 +1430,7 @@
           <a:p>
             <a:fld id="{C1A9A50B-C350-45F5-8AAB-ADB9E670AF2E}" type="datetime1">
               <a:rPr lang="ru-RU" smtClean="0"/>
-              <a:t>17.12.2020</a:t>
+              <a:t>09.12.2021</a:t>
             </a:fld>
             <a:endParaRPr lang="ru-RU"/>
           </a:p>
@@ -1678,7 +1680,7 @@
           <a:p>
             <a:fld id="{089688C9-348F-42F9-B6C0-5990DDE0C5B2}" type="datetime1">
               <a:rPr lang="ru-RU" smtClean="0"/>
-              <a:t>17.12.2020</a:t>
+              <a:t>09.12.2021</a:t>
             </a:fld>
             <a:endParaRPr lang="ru-RU"/>
           </a:p>
@@ -1914,7 +1916,7 @@
           <a:p>
             <a:fld id="{684AFD8F-6DD9-4AD3-A505-FDC3F5C5F3F6}" type="datetime1">
               <a:rPr lang="ru-RU" smtClean="0"/>
-              <a:t>17.12.2020</a:t>
+              <a:t>09.12.2021</a:t>
             </a:fld>
             <a:endParaRPr lang="ru-RU"/>
           </a:p>
@@ -2285,7 +2287,7 @@
           <a:p>
             <a:fld id="{63551EFE-4D02-45EB-A747-8B6F047B5AA0}" type="datetime1">
               <a:rPr lang="ru-RU" smtClean="0"/>
-              <a:t>17.12.2020</a:t>
+              <a:t>09.12.2021</a:t>
             </a:fld>
             <a:endParaRPr lang="ru-RU"/>
           </a:p>
@@ -2407,7 +2409,7 @@
           <a:p>
             <a:fld id="{813A9F34-E5CD-4B8F-AA9E-889C84372B20}" type="datetime1">
               <a:rPr lang="ru-RU" smtClean="0"/>
-              <a:t>17.12.2020</a:t>
+              <a:t>09.12.2021</a:t>
             </a:fld>
             <a:endParaRPr lang="ru-RU"/>
           </a:p>
@@ -2506,7 +2508,7 @@
           <a:p>
             <a:fld id="{51224D22-9B29-44A6-8E82-95FC492DEDC1}" type="datetime1">
               <a:rPr lang="ru-RU" smtClean="0"/>
-              <a:t>17.12.2020</a:t>
+              <a:t>09.12.2021</a:t>
             </a:fld>
             <a:endParaRPr lang="ru-RU"/>
           </a:p>
@@ -2787,7 +2789,7 @@
           <a:p>
             <a:fld id="{91D1034F-4441-48A1-BDC0-25EA1022324A}" type="datetime1">
               <a:rPr lang="ru-RU" smtClean="0"/>
-              <a:t>17.12.2020</a:t>
+              <a:t>09.12.2021</a:t>
             </a:fld>
             <a:endParaRPr lang="ru-RU"/>
           </a:p>
@@ -3044,7 +3046,7 @@
           <a:p>
             <a:fld id="{B0FFDE79-B627-473B-AE17-4C65BD2495F7}" type="datetime1">
               <a:rPr lang="ru-RU" smtClean="0"/>
-              <a:t>17.12.2020</a:t>
+              <a:t>09.12.2021</a:t>
             </a:fld>
             <a:endParaRPr lang="ru-RU"/>
           </a:p>
@@ -3261,7 +3263,7 @@
           <a:p>
             <a:fld id="{11CA537A-1B8C-47BA-9BA6-7CE3FAFDA8BE}" type="datetime1">
               <a:rPr lang="ru-RU" smtClean="0"/>
-              <a:t>17.12.2020</a:t>
+              <a:t>09.12.2021</a:t>
             </a:fld>
             <a:endParaRPr lang="ru-RU"/>
           </a:p>
@@ -9337,8 +9339,8 @@
           </a:p>
         </p:txBody>
       </p:sp>
-      <mc:AlternateContent xmlns:mc="http://schemas.openxmlformats.org/markup-compatibility/2006">
-        <mc:Choice xmlns:a14="http://schemas.microsoft.com/office/drawing/2010/main" Requires="a14">
+      <mc:AlternateContent xmlns:mc="http://schemas.openxmlformats.org/markup-compatibility/2006" xmlns:a14="http://schemas.microsoft.com/office/drawing/2010/main">
+        <mc:Choice Requires="a14">
           <p:sp>
             <p:nvSpPr>
               <p:cNvPr id="3" name="Объект 2"/>
@@ -9381,15 +9383,7 @@
                 </a:r>
                 <a:r>
                   <a:rPr lang="ru-RU" dirty="0" smtClean="0"/>
-                  <a:t>шифров данная атака невозможна, т.к. </a:t>
-                </a:r>
-                <a:r>
-                  <a:rPr lang="ru-RU" dirty="0" smtClean="0"/>
-                  <a:t>шифр </a:t>
-                </a:r>
-                <a:r>
-                  <a:rPr lang="ru-RU" dirty="0" smtClean="0"/>
-                  <a:t>гарантирует невозможность получения корректного </a:t>
+                  <a:t>шифров данная атака невозможна, т.к. шифр гарантирует невозможность получения корректного </a:t>
                 </a:r>
                 <a:r>
                   <a:rPr lang="ru-RU" dirty="0" err="1" smtClean="0"/>
@@ -9424,7 +9418,7 @@
             </p:txBody>
           </p:sp>
         </mc:Choice>
-        <mc:Fallback>
+        <mc:Fallback xmlns="">
           <p:sp>
             <p:nvSpPr>
               <p:cNvPr id="3" name="Объект 2"/>
@@ -16034,8 +16028,8 @@
           </a:p>
         </p:txBody>
       </p:sp>
-      <mc:AlternateContent xmlns:mc="http://schemas.openxmlformats.org/markup-compatibility/2006">
-        <mc:Choice xmlns:a14="http://schemas.microsoft.com/office/drawing/2010/main" Requires="a14">
+      <mc:AlternateContent xmlns:mc="http://schemas.openxmlformats.org/markup-compatibility/2006" xmlns:a14="http://schemas.microsoft.com/office/drawing/2010/main">
+        <mc:Choice Requires="a14">
           <p:sp>
             <p:nvSpPr>
               <p:cNvPr id="3" name="Объект 2"/>
@@ -16248,15 +16242,7 @@
                 </a:r>
                 <a:r>
                   <a:rPr lang="en-US" dirty="0" smtClean="0"/>
-                  <a:t>&gt; </a:t>
-                </a:r>
-                <a:r>
-                  <a:rPr lang="en-US" dirty="0" smtClean="0"/>
-                  <a:t>CPA </a:t>
-                </a:r>
-                <a:r>
-                  <a:rPr lang="en-US" dirty="0" smtClean="0"/>
-                  <a:t>+</a:t>
+                  <a:t>&gt; CPA +</a:t>
                 </a:r>
                 <a:r>
                   <a:rPr lang="ru-RU" dirty="0" smtClean="0"/>
@@ -16280,11 +16266,7 @@
                 </a:r>
                 <a:r>
                   <a:rPr lang="en-US" dirty="0" smtClean="0"/>
-                  <a:t>) </a:t>
-                </a:r>
-                <a:r>
-                  <a:rPr lang="en-US" dirty="0" smtClean="0"/>
-                  <a:t>=&gt;</a:t>
+                  <a:t>) =&gt;</a:t>
                 </a:r>
                 <a:r>
                   <a:rPr lang="ru-RU" dirty="0" smtClean="0"/>
@@ -16333,11 +16315,7 @@
                 </a:r>
                 <a:r>
                   <a:rPr lang="en-US" dirty="0" smtClean="0"/>
-                  <a:t>) </a:t>
-                </a:r>
-                <a:r>
-                  <a:rPr lang="en-US" dirty="0" smtClean="0"/>
-                  <a:t>=&gt; AE </a:t>
+                  <a:t>) =&gt; AE </a:t>
                 </a:r>
                 <a:r>
                   <a:rPr lang="ru-RU" dirty="0" smtClean="0"/>
@@ -16385,7 +16363,7 @@
             </p:txBody>
           </p:sp>
         </mc:Choice>
-        <mc:Fallback>
+        <mc:Fallback xmlns="">
           <p:sp>
             <p:nvSpPr>
               <p:cNvPr id="3" name="Объект 2"/>
@@ -27117,54 +27095,17 @@
         </p:nvSpPr>
         <p:spPr/>
         <p:txBody>
-          <a:bodyPr>
-            <a:normAutofit/>
-          </a:bodyPr>
-          <a:lstStyle/>
-          <a:p>
-            <a:r>
-              <a:rPr lang="ru-RU" dirty="0" smtClean="0"/>
-              <a:t>Построение аутентифицированного шифровани</a:t>
-            </a:r>
-            <a:r>
-              <a:rPr lang="ru-RU" dirty="0"/>
-              <a:t>я</a:t>
-            </a:r>
-            <a:r>
-              <a:rPr lang="ru-RU" dirty="0" smtClean="0"/>
-              <a:t> с помощью </a:t>
-            </a:r>
-            <a:r>
-              <a:rPr lang="en-US" dirty="0" smtClean="0"/>
-              <a:t>SHA-3 </a:t>
-            </a:r>
-            <a:r>
-              <a:rPr lang="ru-RU" dirty="0" smtClean="0"/>
-              <a:t>(</a:t>
-            </a:r>
-            <a:r>
-              <a:rPr lang="en-US" dirty="0" smtClean="0"/>
-              <a:t>Strobe)</a:t>
-            </a:r>
-            <a:endParaRPr lang="ru-RU" dirty="0"/>
-          </a:p>
-        </p:txBody>
-      </p:sp>
-      <p:sp>
-        <p:nvSpPr>
-          <p:cNvPr id="3" name="Объект 2"/>
-          <p:cNvSpPr>
-            <a:spLocks noGrp="1"/>
-          </p:cNvSpPr>
-          <p:nvPr>
-            <p:ph idx="1"/>
-          </p:nvPr>
-        </p:nvSpPr>
-        <p:spPr/>
-        <p:txBody>
           <a:bodyPr/>
           <a:lstStyle/>
           <a:p>
+            <a:r>
+              <a:rPr lang="en-US" dirty="0" err="1"/>
+              <a:t>ChaCha</a:t>
+            </a:r>
+            <a:r>
+              <a:rPr lang="en-US" dirty="0"/>
+              <a:t>/Poly1305</a:t>
+            </a:r>
             <a:endParaRPr lang="ru-RU" dirty="0"/>
           </a:p>
         </p:txBody>
@@ -27208,8 +27149,8 @@
         </p:blipFill>
         <p:spPr>
           <a:xfrm>
-            <a:off x="1363002" y="2376059"/>
-            <a:ext cx="9241663" cy="3800904"/>
+            <a:off x="3216519" y="1853536"/>
+            <a:ext cx="5895242" cy="4339965"/>
           </a:xfrm>
           <a:prstGeom prst="rect">
             <a:avLst/>
@@ -27219,20 +27160,13 @@
     </p:spTree>
     <p:extLst>
       <p:ext uri="{BB962C8B-B14F-4D97-AF65-F5344CB8AC3E}">
-        <p14:creationId xmlns:p14="http://schemas.microsoft.com/office/powerpoint/2010/main" val="3576253066"/>
+        <p14:creationId xmlns:p14="http://schemas.microsoft.com/office/powerpoint/2010/main" val="4121067434"/>
       </p:ext>
     </p:extLst>
   </p:cSld>
   <p:clrMapOvr>
     <a:masterClrMapping/>
   </p:clrMapOvr>
-  <p:timing>
-    <p:tnLst>
-      <p:par>
-        <p:cTn id="1" dur="indefinite" restart="never" nodeType="tmRoot"/>
-      </p:par>
-    </p:tnLst>
-  </p:timing>
 </p:sld>
 </file>
 
@@ -27996,12 +27930,34 @@
         </p:nvSpPr>
         <p:spPr/>
         <p:txBody>
-          <a:bodyPr/>
+          <a:bodyPr>
+            <a:normAutofit/>
+          </a:bodyPr>
           <a:lstStyle/>
           <a:p>
             <a:r>
               <a:rPr lang="ru-RU" dirty="0" smtClean="0"/>
-              <a:t>Выводы</a:t>
+              <a:t>Построение аутентифицированного шифровани</a:t>
+            </a:r>
+            <a:r>
+              <a:rPr lang="ru-RU" dirty="0"/>
+              <a:t>я</a:t>
+            </a:r>
+            <a:r>
+              <a:rPr lang="ru-RU" dirty="0" smtClean="0"/>
+              <a:t> с помощью </a:t>
+            </a:r>
+            <a:r>
+              <a:rPr lang="en-US" dirty="0" smtClean="0"/>
+              <a:t>SHA-3 </a:t>
+            </a:r>
+            <a:r>
+              <a:rPr lang="ru-RU" dirty="0" smtClean="0"/>
+              <a:t>(</a:t>
+            </a:r>
+            <a:r>
+              <a:rPr lang="en-US" dirty="0" smtClean="0"/>
+              <a:t>Strobe)</a:t>
             </a:r>
             <a:endParaRPr lang="ru-RU" dirty="0"/>
           </a:p>
@@ -28022,46 +27978,6 @@
           <a:bodyPr/>
           <a:lstStyle/>
           <a:p>
-            <a:r>
-              <a:rPr lang="ru-RU" dirty="0" smtClean="0"/>
-              <a:t>Для построения защищенных каналов необходимо использовать </a:t>
-            </a:r>
-            <a:r>
-              <a:rPr lang="en-US" dirty="0" smtClean="0"/>
-              <a:t>AE </a:t>
-            </a:r>
-            <a:r>
-              <a:rPr lang="ru-RU" dirty="0" smtClean="0"/>
-              <a:t>шифрование</a:t>
-            </a:r>
-          </a:p>
-          <a:p>
-            <a:r>
-              <a:rPr lang="ru-RU" dirty="0" smtClean="0"/>
-              <a:t>Лучше использовать </a:t>
-            </a:r>
-            <a:r>
-              <a:rPr lang="en-US" dirty="0" smtClean="0"/>
-              <a:t>Encrypt-Then-MAC </a:t>
-            </a:r>
-            <a:r>
-              <a:rPr lang="ru-RU" dirty="0" smtClean="0"/>
-              <a:t>или один из стандартов </a:t>
-            </a:r>
-            <a:r>
-              <a:rPr lang="en-US" dirty="0" smtClean="0"/>
-              <a:t>AEAD </a:t>
-            </a:r>
-            <a:r>
-              <a:rPr lang="ru-RU" dirty="0" smtClean="0"/>
-              <a:t>шифрования</a:t>
-            </a:r>
-          </a:p>
-          <a:p>
-            <a:r>
-              <a:rPr lang="ru-RU" dirty="0" smtClean="0"/>
-              <a:t>Никогда не реализовывать криптографию!</a:t>
-            </a:r>
             <a:endParaRPr lang="ru-RU" dirty="0"/>
           </a:p>
         </p:txBody>
@@ -28084,6 +28000,172 @@
             <a:fld id="{8253DDDB-F8F7-4D64-A7FD-3F3D61C1949F}" type="slidenum">
               <a:rPr lang="ru-RU" smtClean="0"/>
               <a:t>40</a:t>
+            </a:fld>
+            <a:endParaRPr lang="ru-RU"/>
+          </a:p>
+        </p:txBody>
+      </p:sp>
+      <p:pic>
+        <p:nvPicPr>
+          <p:cNvPr id="5" name="Рисунок 4"/>
+          <p:cNvPicPr>
+            <a:picLocks noChangeAspect="1"/>
+          </p:cNvPicPr>
+          <p:nvPr/>
+        </p:nvPicPr>
+        <p:blipFill>
+          <a:blip r:embed="rId2"/>
+          <a:stretch>
+            <a:fillRect/>
+          </a:stretch>
+        </p:blipFill>
+        <p:spPr>
+          <a:xfrm>
+            <a:off x="1363002" y="2376059"/>
+            <a:ext cx="9241663" cy="3800904"/>
+          </a:xfrm>
+          <a:prstGeom prst="rect">
+            <a:avLst/>
+          </a:prstGeom>
+        </p:spPr>
+      </p:pic>
+    </p:spTree>
+    <p:extLst>
+      <p:ext uri="{BB962C8B-B14F-4D97-AF65-F5344CB8AC3E}">
+        <p14:creationId xmlns:p14="http://schemas.microsoft.com/office/powerpoint/2010/main" val="3576253066"/>
+      </p:ext>
+    </p:extLst>
+  </p:cSld>
+  <p:clrMapOvr>
+    <a:masterClrMapping/>
+  </p:clrMapOvr>
+  <p:timing>
+    <p:tnLst>
+      <p:par>
+        <p:cTn id="1" dur="indefinite" restart="never" nodeType="tmRoot"/>
+      </p:par>
+    </p:tnLst>
+  </p:timing>
+</p:sld>
+</file>
+
+<file path=ppt/slides/slide41.xml><?xml version="1.0" encoding="utf-8"?>
+<p:sld xmlns:a="http://schemas.openxmlformats.org/drawingml/2006/main" xmlns:r="http://schemas.openxmlformats.org/officeDocument/2006/relationships" xmlns:p="http://schemas.openxmlformats.org/presentationml/2006/main">
+  <p:cSld>
+    <p:spTree>
+      <p:nvGrpSpPr>
+        <p:cNvPr id="1" name=""/>
+        <p:cNvGrpSpPr/>
+        <p:nvPr/>
+      </p:nvGrpSpPr>
+      <p:grpSpPr>
+        <a:xfrm>
+          <a:off x="0" y="0"/>
+          <a:ext cx="0" cy="0"/>
+          <a:chOff x="0" y="0"/>
+          <a:chExt cx="0" cy="0"/>
+        </a:xfrm>
+      </p:grpSpPr>
+      <p:sp>
+        <p:nvSpPr>
+          <p:cNvPr id="2" name="Заголовок 1"/>
+          <p:cNvSpPr>
+            <a:spLocks noGrp="1"/>
+          </p:cNvSpPr>
+          <p:nvPr>
+            <p:ph type="title"/>
+          </p:nvPr>
+        </p:nvSpPr>
+        <p:spPr/>
+        <p:txBody>
+          <a:bodyPr/>
+          <a:lstStyle/>
+          <a:p>
+            <a:r>
+              <a:rPr lang="ru-RU" dirty="0" smtClean="0"/>
+              <a:t>Выводы</a:t>
+            </a:r>
+            <a:endParaRPr lang="ru-RU" dirty="0"/>
+          </a:p>
+        </p:txBody>
+      </p:sp>
+      <p:sp>
+        <p:nvSpPr>
+          <p:cNvPr id="3" name="Объект 2"/>
+          <p:cNvSpPr>
+            <a:spLocks noGrp="1"/>
+          </p:cNvSpPr>
+          <p:nvPr>
+            <p:ph idx="1"/>
+          </p:nvPr>
+        </p:nvSpPr>
+        <p:spPr/>
+        <p:txBody>
+          <a:bodyPr/>
+          <a:lstStyle/>
+          <a:p>
+            <a:r>
+              <a:rPr lang="ru-RU" dirty="0" smtClean="0"/>
+              <a:t>Для построения защищенных каналов необходимо использовать </a:t>
+            </a:r>
+            <a:r>
+              <a:rPr lang="en-US" dirty="0" smtClean="0"/>
+              <a:t>AE </a:t>
+            </a:r>
+            <a:r>
+              <a:rPr lang="ru-RU" dirty="0" smtClean="0"/>
+              <a:t>шифрование</a:t>
+            </a:r>
+          </a:p>
+          <a:p>
+            <a:r>
+              <a:rPr lang="ru-RU" dirty="0" smtClean="0"/>
+              <a:t>Лучше использовать </a:t>
+            </a:r>
+            <a:r>
+              <a:rPr lang="en-US" dirty="0" smtClean="0"/>
+              <a:t>Encrypt-Then-MAC </a:t>
+            </a:r>
+            <a:r>
+              <a:rPr lang="ru-RU" dirty="0" smtClean="0"/>
+              <a:t>или один из стандартов </a:t>
+            </a:r>
+            <a:r>
+              <a:rPr lang="en-US" dirty="0" smtClean="0"/>
+              <a:t>AEAD </a:t>
+            </a:r>
+            <a:r>
+              <a:rPr lang="ru-RU" dirty="0" smtClean="0"/>
+              <a:t>шифрования</a:t>
+            </a:r>
+          </a:p>
+          <a:p>
+            <a:r>
+              <a:rPr lang="ru-RU" dirty="0" smtClean="0"/>
+              <a:t>Никогда не реализовывать криптографию!</a:t>
+            </a:r>
+            <a:endParaRPr lang="ru-RU" dirty="0"/>
+          </a:p>
+        </p:txBody>
+      </p:sp>
+      <p:sp>
+        <p:nvSpPr>
+          <p:cNvPr id="4" name="Номер слайда 3"/>
+          <p:cNvSpPr>
+            <a:spLocks noGrp="1"/>
+          </p:cNvSpPr>
+          <p:nvPr>
+            <p:ph type="sldNum" sz="quarter" idx="12"/>
+          </p:nvPr>
+        </p:nvSpPr>
+        <p:spPr/>
+        <p:txBody>
+          <a:bodyPr/>
+          <a:lstStyle/>
+          <a:p>
+            <a:fld id="{8253DDDB-F8F7-4D64-A7FD-3F3D61C1949F}" type="slidenum">
+              <a:rPr lang="ru-RU" smtClean="0"/>
+              <a:t>41</a:t>
             </a:fld>
             <a:endParaRPr lang="ru-RU"/>
           </a:p>

--- a/Lectures/Lecture12.pptx
+++ b/Lectures/Lecture12.pptx
@@ -313,7 +313,7 @@
           <a:p>
             <a:fld id="{CBA08D16-15DC-4E25-BDC3-F25146157B16}" type="datetimeFigureOut">
               <a:rPr lang="ru-RU" smtClean="0"/>
-              <a:t>09.12.2021</a:t>
+              <a:t>28.12.2022</a:t>
             </a:fld>
             <a:endParaRPr lang="ru-RU"/>
           </a:p>
@@ -898,7 +898,7 @@
           <a:p>
             <a:fld id="{FCEC8293-DB51-454A-BE81-EC8FCB31EBA2}" type="datetime1">
               <a:rPr lang="ru-RU" smtClean="0"/>
-              <a:t>09.12.2021</a:t>
+              <a:t>28.12.2022</a:t>
             </a:fld>
             <a:endParaRPr lang="ru-RU"/>
           </a:p>
@@ -1072,7 +1072,7 @@
           <a:p>
             <a:fld id="{241C87B1-1C35-4DBD-BC18-2BC72E776603}" type="datetime1">
               <a:rPr lang="ru-RU" smtClean="0"/>
-              <a:t>09.12.2021</a:t>
+              <a:t>28.12.2022</a:t>
             </a:fld>
             <a:endParaRPr lang="ru-RU"/>
           </a:p>
@@ -1256,7 +1256,7 @@
           <a:p>
             <a:fld id="{3134C275-26C0-42CD-9111-9ADE65922AF9}" type="datetime1">
               <a:rPr lang="ru-RU" smtClean="0"/>
-              <a:t>09.12.2021</a:t>
+              <a:t>28.12.2022</a:t>
             </a:fld>
             <a:endParaRPr lang="ru-RU"/>
           </a:p>
@@ -1430,7 +1430,7 @@
           <a:p>
             <a:fld id="{C1A9A50B-C350-45F5-8AAB-ADB9E670AF2E}" type="datetime1">
               <a:rPr lang="ru-RU" smtClean="0"/>
-              <a:t>09.12.2021</a:t>
+              <a:t>28.12.2022</a:t>
             </a:fld>
             <a:endParaRPr lang="ru-RU"/>
           </a:p>
@@ -1680,7 +1680,7 @@
           <a:p>
             <a:fld id="{089688C9-348F-42F9-B6C0-5990DDE0C5B2}" type="datetime1">
               <a:rPr lang="ru-RU" smtClean="0"/>
-              <a:t>09.12.2021</a:t>
+              <a:t>28.12.2022</a:t>
             </a:fld>
             <a:endParaRPr lang="ru-RU"/>
           </a:p>
@@ -1916,7 +1916,7 @@
           <a:p>
             <a:fld id="{684AFD8F-6DD9-4AD3-A505-FDC3F5C5F3F6}" type="datetime1">
               <a:rPr lang="ru-RU" smtClean="0"/>
-              <a:t>09.12.2021</a:t>
+              <a:t>28.12.2022</a:t>
             </a:fld>
             <a:endParaRPr lang="ru-RU"/>
           </a:p>
@@ -2287,7 +2287,7 @@
           <a:p>
             <a:fld id="{63551EFE-4D02-45EB-A747-8B6F047B5AA0}" type="datetime1">
               <a:rPr lang="ru-RU" smtClean="0"/>
-              <a:t>09.12.2021</a:t>
+              <a:t>28.12.2022</a:t>
             </a:fld>
             <a:endParaRPr lang="ru-RU"/>
           </a:p>
@@ -2409,7 +2409,7 @@
           <a:p>
             <a:fld id="{813A9F34-E5CD-4B8F-AA9E-889C84372B20}" type="datetime1">
               <a:rPr lang="ru-RU" smtClean="0"/>
-              <a:t>09.12.2021</a:t>
+              <a:t>28.12.2022</a:t>
             </a:fld>
             <a:endParaRPr lang="ru-RU"/>
           </a:p>
@@ -2508,7 +2508,7 @@
           <a:p>
             <a:fld id="{51224D22-9B29-44A6-8E82-95FC492DEDC1}" type="datetime1">
               <a:rPr lang="ru-RU" smtClean="0"/>
-              <a:t>09.12.2021</a:t>
+              <a:t>28.12.2022</a:t>
             </a:fld>
             <a:endParaRPr lang="ru-RU"/>
           </a:p>
@@ -2789,7 +2789,7 @@
           <a:p>
             <a:fld id="{91D1034F-4441-48A1-BDC0-25EA1022324A}" type="datetime1">
               <a:rPr lang="ru-RU" smtClean="0"/>
-              <a:t>09.12.2021</a:t>
+              <a:t>28.12.2022</a:t>
             </a:fld>
             <a:endParaRPr lang="ru-RU"/>
           </a:p>
@@ -3046,7 +3046,7 @@
           <a:p>
             <a:fld id="{B0FFDE79-B627-473B-AE17-4C65BD2495F7}" type="datetime1">
               <a:rPr lang="ru-RU" smtClean="0"/>
-              <a:t>09.12.2021</a:t>
+              <a:t>28.12.2022</a:t>
             </a:fld>
             <a:endParaRPr lang="ru-RU"/>
           </a:p>
@@ -3263,7 +3263,7 @@
           <a:p>
             <a:fld id="{11CA537A-1B8C-47BA-9BA6-7CE3FAFDA8BE}" type="datetime1">
               <a:rPr lang="ru-RU" smtClean="0"/>
-              <a:t>09.12.2021</a:t>
+              <a:t>28.12.2022</a:t>
             </a:fld>
             <a:endParaRPr lang="ru-RU"/>
           </a:p>
@@ -3769,7 +3769,11 @@
             </a:r>
             <a:r>
               <a:rPr lang="en-US" dirty="0" smtClean="0"/>
-              <a:t>2020</a:t>
+              <a:t>202</a:t>
+            </a:r>
+            <a:r>
+              <a:rPr lang="ru-RU" smtClean="0"/>
+              <a:t>2</a:t>
             </a:r>
             <a:endParaRPr lang="ru-RU" dirty="0"/>
           </a:p>
@@ -30886,16 +30890,99 @@
                 </a14:m>
                 <a:r>
                   <a:rPr lang="ru-RU" dirty="0" smtClean="0"/>
-                  <a:t> - </a:t>
-                </a:r>
-                <a:r>
-                  <a:rPr lang="ru-RU" dirty="0" err="1" smtClean="0"/>
-                  <a:t>шифртекст</a:t>
-                </a:r>
+                  <a:t> - шифртекст отклонён (не пройдена проверка аутентичности)</a:t>
+                </a:r>
+              </a:p>
+              <a:p>
                 <a:r>
                   <a:rPr lang="ru-RU" dirty="0" smtClean="0"/>
-                  <a:t> отклонён (не пройдена проверка аутентичности)</a:t>
-                </a:r>
+                  <a:t>Свойство корректности</a:t>
+                </a:r>
+                <a:r>
+                  <a:rPr lang="en-US" dirty="0" smtClean="0"/>
+                  <a:t>: </a:t>
+                </a:r>
+                <a14:m>
+                  <m:oMath xmlns:m="http://schemas.openxmlformats.org/officeDocument/2006/math">
+                    <m:r>
+                      <a:rPr lang="en-US" b="0" i="1" smtClean="0">
+                        <a:latin typeface="Cambria Math" panose="02040503050406030204" pitchFamily="18" charset="0"/>
+                      </a:rPr>
+                      <m:t>𝐷</m:t>
+                    </m:r>
+                    <m:d>
+                      <m:dPr>
+                        <m:ctrlPr>
+                          <a:rPr lang="en-US" b="0" i="1" smtClean="0">
+                            <a:latin typeface="Cambria Math" panose="02040503050406030204" pitchFamily="18" charset="0"/>
+                          </a:rPr>
+                        </m:ctrlPr>
+                      </m:dPr>
+                      <m:e>
+                        <m:r>
+                          <a:rPr lang="en-US" b="0" i="1" smtClean="0">
+                            <a:latin typeface="Cambria Math" panose="02040503050406030204" pitchFamily="18" charset="0"/>
+                          </a:rPr>
+                          <m:t>𝑘</m:t>
+                        </m:r>
+                        <m:r>
+                          <a:rPr lang="en-US" b="0" i="1" smtClean="0">
+                            <a:latin typeface="Cambria Math" panose="02040503050406030204" pitchFamily="18" charset="0"/>
+                          </a:rPr>
+                          <m:t>,</m:t>
+                        </m:r>
+                        <m:r>
+                          <a:rPr lang="en-US" b="0" i="1" smtClean="0">
+                            <a:latin typeface="Cambria Math" panose="02040503050406030204" pitchFamily="18" charset="0"/>
+                          </a:rPr>
+                          <m:t>𝐸</m:t>
+                        </m:r>
+                        <m:d>
+                          <m:dPr>
+                            <m:ctrlPr>
+                              <a:rPr lang="en-US" b="0" i="1" smtClean="0">
+                                <a:latin typeface="Cambria Math" panose="02040503050406030204" pitchFamily="18" charset="0"/>
+                              </a:rPr>
+                            </m:ctrlPr>
+                          </m:dPr>
+                          <m:e>
+                            <m:r>
+                              <a:rPr lang="en-US" b="0" i="1" smtClean="0">
+                                <a:latin typeface="Cambria Math" panose="02040503050406030204" pitchFamily="18" charset="0"/>
+                              </a:rPr>
+                              <m:t>𝑘</m:t>
+                            </m:r>
+                            <m:r>
+                              <a:rPr lang="en-US" b="0" i="1" smtClean="0">
+                                <a:latin typeface="Cambria Math" panose="02040503050406030204" pitchFamily="18" charset="0"/>
+                              </a:rPr>
+                              <m:t>,</m:t>
+                            </m:r>
+                            <m:r>
+                              <a:rPr lang="en-US" b="0" i="1" smtClean="0">
+                                <a:latin typeface="Cambria Math" panose="02040503050406030204" pitchFamily="18" charset="0"/>
+                              </a:rPr>
+                              <m:t>𝑚</m:t>
+                            </m:r>
+                          </m:e>
+                        </m:d>
+                      </m:e>
+                    </m:d>
+                    <m:r>
+                      <a:rPr lang="en-US" b="0" i="1" smtClean="0">
+                        <a:latin typeface="Cambria Math" panose="02040503050406030204" pitchFamily="18" charset="0"/>
+                      </a:rPr>
+                      <m:t>=</m:t>
+                    </m:r>
+                    <m:r>
+                      <a:rPr lang="en-US" b="0" i="1" smtClean="0">
+                        <a:latin typeface="Cambria Math" panose="02040503050406030204" pitchFamily="18" charset="0"/>
+                      </a:rPr>
+                      <m:t>𝑚</m:t>
+                    </m:r>
+                  </m:oMath>
+                </a14:m>
+                <a:endParaRPr lang="ru-RU" dirty="0" smtClean="0"/>
               </a:p>
               <a:p>
                 <a:pPr marL="0" indent="0">
@@ -30918,7 +31005,7 @@
               </p:nvPr>
             </p:nvSpPr>
             <p:spPr>
-              <a:blipFill rotWithShape="0">
+              <a:blipFill>
                 <a:blip r:embed="rId2"/>
                 <a:stretch>
                   <a:fillRect l="-1043" t="-2101"/>

--- a/Lectures/Lecture12.pptx
+++ b/Lectures/Lecture12.pptx
@@ -313,7 +313,7 @@
           <a:p>
             <a:fld id="{CBA08D16-15DC-4E25-BDC3-F25146157B16}" type="datetimeFigureOut">
               <a:rPr lang="ru-RU" smtClean="0"/>
-              <a:t>28.12.2022</a:t>
+              <a:t>12.12.2023</a:t>
             </a:fld>
             <a:endParaRPr lang="ru-RU"/>
           </a:p>
@@ -898,7 +898,7 @@
           <a:p>
             <a:fld id="{FCEC8293-DB51-454A-BE81-EC8FCB31EBA2}" type="datetime1">
               <a:rPr lang="ru-RU" smtClean="0"/>
-              <a:t>28.12.2022</a:t>
+              <a:t>12.12.2023</a:t>
             </a:fld>
             <a:endParaRPr lang="ru-RU"/>
           </a:p>
@@ -1072,7 +1072,7 @@
           <a:p>
             <a:fld id="{241C87B1-1C35-4DBD-BC18-2BC72E776603}" type="datetime1">
               <a:rPr lang="ru-RU" smtClean="0"/>
-              <a:t>28.12.2022</a:t>
+              <a:t>12.12.2023</a:t>
             </a:fld>
             <a:endParaRPr lang="ru-RU"/>
           </a:p>
@@ -1256,7 +1256,7 @@
           <a:p>
             <a:fld id="{3134C275-26C0-42CD-9111-9ADE65922AF9}" type="datetime1">
               <a:rPr lang="ru-RU" smtClean="0"/>
-              <a:t>28.12.2022</a:t>
+              <a:t>12.12.2023</a:t>
             </a:fld>
             <a:endParaRPr lang="ru-RU"/>
           </a:p>
@@ -1430,7 +1430,7 @@
           <a:p>
             <a:fld id="{C1A9A50B-C350-45F5-8AAB-ADB9E670AF2E}" type="datetime1">
               <a:rPr lang="ru-RU" smtClean="0"/>
-              <a:t>28.12.2022</a:t>
+              <a:t>12.12.2023</a:t>
             </a:fld>
             <a:endParaRPr lang="ru-RU"/>
           </a:p>
@@ -1680,7 +1680,7 @@
           <a:p>
             <a:fld id="{089688C9-348F-42F9-B6C0-5990DDE0C5B2}" type="datetime1">
               <a:rPr lang="ru-RU" smtClean="0"/>
-              <a:t>28.12.2022</a:t>
+              <a:t>12.12.2023</a:t>
             </a:fld>
             <a:endParaRPr lang="ru-RU"/>
           </a:p>
@@ -1916,7 +1916,7 @@
           <a:p>
             <a:fld id="{684AFD8F-6DD9-4AD3-A505-FDC3F5C5F3F6}" type="datetime1">
               <a:rPr lang="ru-RU" smtClean="0"/>
-              <a:t>28.12.2022</a:t>
+              <a:t>12.12.2023</a:t>
             </a:fld>
             <a:endParaRPr lang="ru-RU"/>
           </a:p>
@@ -2287,7 +2287,7 @@
           <a:p>
             <a:fld id="{63551EFE-4D02-45EB-A747-8B6F047B5AA0}" type="datetime1">
               <a:rPr lang="ru-RU" smtClean="0"/>
-              <a:t>28.12.2022</a:t>
+              <a:t>12.12.2023</a:t>
             </a:fld>
             <a:endParaRPr lang="ru-RU"/>
           </a:p>
@@ -2409,7 +2409,7 @@
           <a:p>
             <a:fld id="{813A9F34-E5CD-4B8F-AA9E-889C84372B20}" type="datetime1">
               <a:rPr lang="ru-RU" smtClean="0"/>
-              <a:t>28.12.2022</a:t>
+              <a:t>12.12.2023</a:t>
             </a:fld>
             <a:endParaRPr lang="ru-RU"/>
           </a:p>
@@ -2508,7 +2508,7 @@
           <a:p>
             <a:fld id="{51224D22-9B29-44A6-8E82-95FC492DEDC1}" type="datetime1">
               <a:rPr lang="ru-RU" smtClean="0"/>
-              <a:t>28.12.2022</a:t>
+              <a:t>12.12.2023</a:t>
             </a:fld>
             <a:endParaRPr lang="ru-RU"/>
           </a:p>
@@ -2789,7 +2789,7 @@
           <a:p>
             <a:fld id="{91D1034F-4441-48A1-BDC0-25EA1022324A}" type="datetime1">
               <a:rPr lang="ru-RU" smtClean="0"/>
-              <a:t>28.12.2022</a:t>
+              <a:t>12.12.2023</a:t>
             </a:fld>
             <a:endParaRPr lang="ru-RU"/>
           </a:p>
@@ -3046,7 +3046,7 @@
           <a:p>
             <a:fld id="{B0FFDE79-B627-473B-AE17-4C65BD2495F7}" type="datetime1">
               <a:rPr lang="ru-RU" smtClean="0"/>
-              <a:t>28.12.2022</a:t>
+              <a:t>12.12.2023</a:t>
             </a:fld>
             <a:endParaRPr lang="ru-RU"/>
           </a:p>
@@ -3263,7 +3263,7 @@
           <a:p>
             <a:fld id="{11CA537A-1B8C-47BA-9BA6-7CE3FAFDA8BE}" type="datetime1">
               <a:rPr lang="ru-RU" smtClean="0"/>
-              <a:t>28.12.2022</a:t>
+              <a:t>12.12.2023</a:t>
             </a:fld>
             <a:endParaRPr lang="ru-RU"/>
           </a:p>
@@ -3772,8 +3772,8 @@
               <a:t>202</a:t>
             </a:r>
             <a:r>
-              <a:rPr lang="ru-RU" smtClean="0"/>
-              <a:t>2</a:t>
+              <a:rPr lang="en-US" dirty="0"/>
+              <a:t>3</a:t>
             </a:r>
             <a:endParaRPr lang="ru-RU" dirty="0"/>
           </a:p>
@@ -26682,15 +26682,11 @@
           </a:p>
           <a:p>
             <a:r>
-              <a:rPr lang="ru-RU" dirty="0" err="1" smtClean="0"/>
-              <a:t>Стандрат</a:t>
-            </a:r>
-            <a:r>
               <a:rPr lang="ru-RU" dirty="0" smtClean="0"/>
-              <a:t> </a:t>
-            </a:r>
-            <a:r>
-              <a:rPr lang="en-US" smtClean="0"/>
+              <a:t>Стандарт </a:t>
+            </a:r>
+            <a:r>
+              <a:rPr lang="en-US" dirty="0" smtClean="0"/>
               <a:t>NIST</a:t>
             </a:r>
             <a:endParaRPr lang="ru-RU" dirty="0"/>
@@ -26825,9 +26821,10 @@
           <a:lstStyle/>
           <a:p>
             <a:r>
-              <a:rPr lang="en-US" dirty="0" smtClean="0"/>
-              <a:t>CBC-MAC-then-CTR-mode</a:t>
-            </a:r>
+              <a:rPr lang="en-US" smtClean="0"/>
+              <a:t>CBC-MAC-and-CTR-mode</a:t>
+            </a:r>
+            <a:endParaRPr lang="en-US" dirty="0" smtClean="0"/>
           </a:p>
           <a:p>
             <a:r>

--- a/Lectures/Lecture12.pptx
+++ b/Lectures/Lecture12.pptx
@@ -5,50 +5,53 @@
     <p:sldMasterId id="2147483648" r:id="rId1"/>
   </p:sldMasterIdLst>
   <p:notesMasterIdLst>
-    <p:notesMasterId r:id="rId43"/>
+    <p:notesMasterId r:id="rId46"/>
   </p:notesMasterIdLst>
   <p:sldIdLst>
     <p:sldId id="296" r:id="rId2"/>
-    <p:sldId id="545" r:id="rId3"/>
-    <p:sldId id="546" r:id="rId4"/>
-    <p:sldId id="547" r:id="rId5"/>
-    <p:sldId id="548" r:id="rId6"/>
-    <p:sldId id="549" r:id="rId7"/>
-    <p:sldId id="550" r:id="rId8"/>
-    <p:sldId id="553" r:id="rId9"/>
-    <p:sldId id="551" r:id="rId10"/>
-    <p:sldId id="552" r:id="rId11"/>
-    <p:sldId id="585" r:id="rId12"/>
-    <p:sldId id="554" r:id="rId13"/>
-    <p:sldId id="588" r:id="rId14"/>
-    <p:sldId id="587" r:id="rId15"/>
-    <p:sldId id="555" r:id="rId16"/>
-    <p:sldId id="556" r:id="rId17"/>
-    <p:sldId id="557" r:id="rId18"/>
-    <p:sldId id="558" r:id="rId19"/>
-    <p:sldId id="559" r:id="rId20"/>
-    <p:sldId id="560" r:id="rId21"/>
-    <p:sldId id="561" r:id="rId22"/>
-    <p:sldId id="562" r:id="rId23"/>
-    <p:sldId id="565" r:id="rId24"/>
-    <p:sldId id="563" r:id="rId25"/>
-    <p:sldId id="566" r:id="rId26"/>
-    <p:sldId id="572" r:id="rId27"/>
-    <p:sldId id="567" r:id="rId28"/>
-    <p:sldId id="568" r:id="rId29"/>
-    <p:sldId id="569" r:id="rId30"/>
-    <p:sldId id="571" r:id="rId31"/>
-    <p:sldId id="570" r:id="rId32"/>
-    <p:sldId id="573" r:id="rId33"/>
-    <p:sldId id="574" r:id="rId34"/>
-    <p:sldId id="576" r:id="rId35"/>
-    <p:sldId id="579" r:id="rId36"/>
-    <p:sldId id="577" r:id="rId37"/>
-    <p:sldId id="578" r:id="rId38"/>
-    <p:sldId id="580" r:id="rId39"/>
-    <p:sldId id="589" r:id="rId40"/>
-    <p:sldId id="583" r:id="rId41"/>
-    <p:sldId id="581" r:id="rId42"/>
+    <p:sldId id="590" r:id="rId3"/>
+    <p:sldId id="591" r:id="rId4"/>
+    <p:sldId id="592" r:id="rId5"/>
+    <p:sldId id="545" r:id="rId6"/>
+    <p:sldId id="546" r:id="rId7"/>
+    <p:sldId id="547" r:id="rId8"/>
+    <p:sldId id="548" r:id="rId9"/>
+    <p:sldId id="549" r:id="rId10"/>
+    <p:sldId id="550" r:id="rId11"/>
+    <p:sldId id="553" r:id="rId12"/>
+    <p:sldId id="551" r:id="rId13"/>
+    <p:sldId id="552" r:id="rId14"/>
+    <p:sldId id="585" r:id="rId15"/>
+    <p:sldId id="554" r:id="rId16"/>
+    <p:sldId id="588" r:id="rId17"/>
+    <p:sldId id="587" r:id="rId18"/>
+    <p:sldId id="555" r:id="rId19"/>
+    <p:sldId id="556" r:id="rId20"/>
+    <p:sldId id="557" r:id="rId21"/>
+    <p:sldId id="558" r:id="rId22"/>
+    <p:sldId id="559" r:id="rId23"/>
+    <p:sldId id="560" r:id="rId24"/>
+    <p:sldId id="561" r:id="rId25"/>
+    <p:sldId id="562" r:id="rId26"/>
+    <p:sldId id="565" r:id="rId27"/>
+    <p:sldId id="563" r:id="rId28"/>
+    <p:sldId id="566" r:id="rId29"/>
+    <p:sldId id="572" r:id="rId30"/>
+    <p:sldId id="567" r:id="rId31"/>
+    <p:sldId id="568" r:id="rId32"/>
+    <p:sldId id="569" r:id="rId33"/>
+    <p:sldId id="571" r:id="rId34"/>
+    <p:sldId id="570" r:id="rId35"/>
+    <p:sldId id="573" r:id="rId36"/>
+    <p:sldId id="574" r:id="rId37"/>
+    <p:sldId id="576" r:id="rId38"/>
+    <p:sldId id="579" r:id="rId39"/>
+    <p:sldId id="577" r:id="rId40"/>
+    <p:sldId id="578" r:id="rId41"/>
+    <p:sldId id="580" r:id="rId42"/>
+    <p:sldId id="589" r:id="rId43"/>
+    <p:sldId id="583" r:id="rId44"/>
+    <p:sldId id="581" r:id="rId45"/>
   </p:sldIdLst>
   <p:sldSz cx="12192000" cy="6858000"/>
   <p:notesSz cx="6858000" cy="9144000"/>
@@ -153,6 +156,9 @@
         <p14:section name="Раздел по умолчанию" id="{B9489B66-A166-4A24-B55F-EDCB98E57948}">
           <p14:sldIdLst>
             <p14:sldId id="296"/>
+            <p14:sldId id="590"/>
+            <p14:sldId id="591"/>
+            <p14:sldId id="592"/>
           </p14:sldIdLst>
         </p14:section>
         <p14:section name="Введение" id="{A1F0E3F0-4189-4C84-9419-D9D631A1680D}">
@@ -313,7 +319,7 @@
           <a:p>
             <a:fld id="{CBA08D16-15DC-4E25-BDC3-F25146157B16}" type="datetimeFigureOut">
               <a:rPr lang="ru-RU" smtClean="0"/>
-              <a:t>12.12.2023</a:t>
+              <a:t>07.12.2023</a:t>
             </a:fld>
             <a:endParaRPr lang="ru-RU"/>
           </a:p>
@@ -655,7 +661,7 @@
             <a:fld id="{8FF38DAD-5F37-4EA5-A798-26ED1E453939}" type="slidenum">
               <a:rPr lang="en-US" smtClean="0"/>
               <a:pPr/>
-              <a:t>6</a:t>
+              <a:t>9</a:t>
             </a:fld>
             <a:endParaRPr lang="en-US" dirty="0"/>
           </a:p>
@@ -748,7 +754,7 @@
             <a:fld id="{8FF38DAD-5F37-4EA5-A798-26ED1E453939}" type="slidenum">
               <a:rPr lang="en-US" smtClean="0"/>
               <a:pPr/>
-              <a:t>23</a:t>
+              <a:t>26</a:t>
             </a:fld>
             <a:endParaRPr lang="en-US" dirty="0"/>
           </a:p>
@@ -898,7 +904,7 @@
           <a:p>
             <a:fld id="{FCEC8293-DB51-454A-BE81-EC8FCB31EBA2}" type="datetime1">
               <a:rPr lang="ru-RU" smtClean="0"/>
-              <a:t>12.12.2023</a:t>
+              <a:t>07.12.2023</a:t>
             </a:fld>
             <a:endParaRPr lang="ru-RU"/>
           </a:p>
@@ -1072,7 +1078,7 @@
           <a:p>
             <a:fld id="{241C87B1-1C35-4DBD-BC18-2BC72E776603}" type="datetime1">
               <a:rPr lang="ru-RU" smtClean="0"/>
-              <a:t>12.12.2023</a:t>
+              <a:t>07.12.2023</a:t>
             </a:fld>
             <a:endParaRPr lang="ru-RU"/>
           </a:p>
@@ -1256,7 +1262,7 @@
           <a:p>
             <a:fld id="{3134C275-26C0-42CD-9111-9ADE65922AF9}" type="datetime1">
               <a:rPr lang="ru-RU" smtClean="0"/>
-              <a:t>12.12.2023</a:t>
+              <a:t>07.12.2023</a:t>
             </a:fld>
             <a:endParaRPr lang="ru-RU"/>
           </a:p>
@@ -1430,7 +1436,7 @@
           <a:p>
             <a:fld id="{C1A9A50B-C350-45F5-8AAB-ADB9E670AF2E}" type="datetime1">
               <a:rPr lang="ru-RU" smtClean="0"/>
-              <a:t>12.12.2023</a:t>
+              <a:t>07.12.2023</a:t>
             </a:fld>
             <a:endParaRPr lang="ru-RU"/>
           </a:p>
@@ -1680,7 +1686,7 @@
           <a:p>
             <a:fld id="{089688C9-348F-42F9-B6C0-5990DDE0C5B2}" type="datetime1">
               <a:rPr lang="ru-RU" smtClean="0"/>
-              <a:t>12.12.2023</a:t>
+              <a:t>07.12.2023</a:t>
             </a:fld>
             <a:endParaRPr lang="ru-RU"/>
           </a:p>
@@ -1916,7 +1922,7 @@
           <a:p>
             <a:fld id="{684AFD8F-6DD9-4AD3-A505-FDC3F5C5F3F6}" type="datetime1">
               <a:rPr lang="ru-RU" smtClean="0"/>
-              <a:t>12.12.2023</a:t>
+              <a:t>07.12.2023</a:t>
             </a:fld>
             <a:endParaRPr lang="ru-RU"/>
           </a:p>
@@ -2287,7 +2293,7 @@
           <a:p>
             <a:fld id="{63551EFE-4D02-45EB-A747-8B6F047B5AA0}" type="datetime1">
               <a:rPr lang="ru-RU" smtClean="0"/>
-              <a:t>12.12.2023</a:t>
+              <a:t>07.12.2023</a:t>
             </a:fld>
             <a:endParaRPr lang="ru-RU"/>
           </a:p>
@@ -2409,7 +2415,7 @@
           <a:p>
             <a:fld id="{813A9F34-E5CD-4B8F-AA9E-889C84372B20}" type="datetime1">
               <a:rPr lang="ru-RU" smtClean="0"/>
-              <a:t>12.12.2023</a:t>
+              <a:t>07.12.2023</a:t>
             </a:fld>
             <a:endParaRPr lang="ru-RU"/>
           </a:p>
@@ -2508,7 +2514,7 @@
           <a:p>
             <a:fld id="{51224D22-9B29-44A6-8E82-95FC492DEDC1}" type="datetime1">
               <a:rPr lang="ru-RU" smtClean="0"/>
-              <a:t>12.12.2023</a:t>
+              <a:t>07.12.2023</a:t>
             </a:fld>
             <a:endParaRPr lang="ru-RU"/>
           </a:p>
@@ -2789,7 +2795,7 @@
           <a:p>
             <a:fld id="{91D1034F-4441-48A1-BDC0-25EA1022324A}" type="datetime1">
               <a:rPr lang="ru-RU" smtClean="0"/>
-              <a:t>12.12.2023</a:t>
+              <a:t>07.12.2023</a:t>
             </a:fld>
             <a:endParaRPr lang="ru-RU"/>
           </a:p>
@@ -3046,7 +3052,7 @@
           <a:p>
             <a:fld id="{B0FFDE79-B627-473B-AE17-4C65BD2495F7}" type="datetime1">
               <a:rPr lang="ru-RU" smtClean="0"/>
-              <a:t>12.12.2023</a:t>
+              <a:t>07.12.2023</a:t>
             </a:fld>
             <a:endParaRPr lang="ru-RU"/>
           </a:p>
@@ -3263,7 +3269,7 @@
           <a:p>
             <a:fld id="{11CA537A-1B8C-47BA-9BA6-7CE3FAFDA8BE}" type="datetime1">
               <a:rPr lang="ru-RU" smtClean="0"/>
-              <a:t>12.12.2023</a:t>
+              <a:t>07.12.2023</a:t>
             </a:fld>
             <a:endParaRPr lang="ru-RU"/>
           </a:p>
@@ -3772,7 +3778,7 @@
               <a:t>202</a:t>
             </a:r>
             <a:r>
-              <a:rPr lang="en-US" dirty="0"/>
+              <a:rPr lang="ru-RU" dirty="0"/>
               <a:t>3</a:t>
             </a:r>
             <a:endParaRPr lang="ru-RU" dirty="0"/>
@@ -3800,6 +3806,1943 @@
 </file>
 
 <file path=ppt/slides/slide10.xml><?xml version="1.0" encoding="utf-8"?>
+<p:sld xmlns:a="http://schemas.openxmlformats.org/drawingml/2006/main" xmlns:r="http://schemas.openxmlformats.org/officeDocument/2006/relationships" xmlns:p="http://schemas.openxmlformats.org/presentationml/2006/main">
+  <p:cSld>
+    <p:spTree>
+      <p:nvGrpSpPr>
+        <p:cNvPr id="1" name=""/>
+        <p:cNvGrpSpPr/>
+        <p:nvPr/>
+      </p:nvGrpSpPr>
+      <p:grpSpPr>
+        <a:xfrm>
+          <a:off x="0" y="0"/>
+          <a:ext cx="0" cy="0"/>
+          <a:chOff x="0" y="0"/>
+          <a:chExt cx="0" cy="0"/>
+        </a:xfrm>
+      </p:grpSpPr>
+      <p:sp>
+        <p:nvSpPr>
+          <p:cNvPr id="2" name="Заголовок 1"/>
+          <p:cNvSpPr>
+            <a:spLocks noGrp="1"/>
+          </p:cNvSpPr>
+          <p:nvPr>
+            <p:ph type="title"/>
+          </p:nvPr>
+        </p:nvSpPr>
+        <p:spPr/>
+        <p:txBody>
+          <a:bodyPr/>
+          <a:lstStyle/>
+          <a:p>
+            <a:r>
+              <a:rPr lang="ru-RU" dirty="0" smtClean="0"/>
+              <a:t>Выводы</a:t>
+            </a:r>
+            <a:endParaRPr lang="ru-RU" dirty="0"/>
+          </a:p>
+        </p:txBody>
+      </p:sp>
+      <p:sp>
+        <p:nvSpPr>
+          <p:cNvPr id="3" name="Объект 2"/>
+          <p:cNvSpPr>
+            <a:spLocks noGrp="1"/>
+          </p:cNvSpPr>
+          <p:nvPr>
+            <p:ph idx="1"/>
+          </p:nvPr>
+        </p:nvSpPr>
+        <p:spPr/>
+        <p:txBody>
+          <a:bodyPr/>
+          <a:lstStyle/>
+          <a:p>
+            <a:pPr marL="0" indent="0">
+              <a:buNone/>
+            </a:pPr>
+            <a:r>
+              <a:rPr lang="en-US" dirty="0" smtClean="0"/>
+              <a:t>CPA </a:t>
+            </a:r>
+            <a:r>
+              <a:rPr lang="ru-RU" dirty="0" smtClean="0"/>
+              <a:t>стойкость не гарантирует стойкость против активных противников</a:t>
+            </a:r>
+          </a:p>
+          <a:p>
+            <a:pPr marL="0" indent="0">
+              <a:buNone/>
+            </a:pPr>
+            <a:endParaRPr lang="ru-RU" dirty="0"/>
+          </a:p>
+          <a:p>
+            <a:pPr marL="0" indent="0">
+              <a:buNone/>
+            </a:pPr>
+            <a:r>
+              <a:rPr lang="ru-RU" dirty="0" smtClean="0"/>
+              <a:t>Для обеспечения безопасности</a:t>
+            </a:r>
+            <a:r>
+              <a:rPr lang="en-US" dirty="0" smtClean="0"/>
+              <a:t>:</a:t>
+            </a:r>
+          </a:p>
+          <a:p>
+            <a:r>
+              <a:rPr lang="ru-RU" dirty="0" smtClean="0"/>
+              <a:t>Если необходимо обеспечить целостность, но не конфиденциальность - нужно использовать </a:t>
+            </a:r>
+            <a:r>
+              <a:rPr lang="en-US" dirty="0" smtClean="0"/>
+              <a:t>MAC</a:t>
+            </a:r>
+          </a:p>
+          <a:p>
+            <a:r>
+              <a:rPr lang="ru-RU" dirty="0" smtClean="0"/>
+              <a:t>Если необходимо обеспечить конфиденциальность и целостность – использовать аутентифицированное шифрование</a:t>
+            </a:r>
+            <a:endParaRPr lang="ru-RU" dirty="0"/>
+          </a:p>
+        </p:txBody>
+      </p:sp>
+      <p:sp>
+        <p:nvSpPr>
+          <p:cNvPr id="4" name="Номер слайда 3"/>
+          <p:cNvSpPr>
+            <a:spLocks noGrp="1"/>
+          </p:cNvSpPr>
+          <p:nvPr>
+            <p:ph type="sldNum" sz="quarter" idx="12"/>
+          </p:nvPr>
+        </p:nvSpPr>
+        <p:spPr/>
+        <p:txBody>
+          <a:bodyPr/>
+          <a:lstStyle/>
+          <a:p>
+            <a:fld id="{8253DDDB-F8F7-4D64-A7FD-3F3D61C1949F}" type="slidenum">
+              <a:rPr lang="ru-RU" smtClean="0"/>
+              <a:t>10</a:t>
+            </a:fld>
+            <a:endParaRPr lang="ru-RU"/>
+          </a:p>
+        </p:txBody>
+      </p:sp>
+    </p:spTree>
+    <p:extLst>
+      <p:ext uri="{BB962C8B-B14F-4D97-AF65-F5344CB8AC3E}">
+        <p14:creationId xmlns:p14="http://schemas.microsoft.com/office/powerpoint/2010/main" val="3766277305"/>
+      </p:ext>
+    </p:extLst>
+  </p:cSld>
+  <p:clrMapOvr>
+    <a:masterClrMapping/>
+  </p:clrMapOvr>
+  <p:timing>
+    <p:tnLst>
+      <p:par>
+        <p:cTn id="1" dur="indefinite" restart="never" nodeType="tmRoot"/>
+      </p:par>
+    </p:tnLst>
+  </p:timing>
+</p:sld>
+</file>
+
+<file path=ppt/slides/slide11.xml><?xml version="1.0" encoding="utf-8"?>
+<p:sld xmlns:a="http://schemas.openxmlformats.org/drawingml/2006/main" xmlns:r="http://schemas.openxmlformats.org/officeDocument/2006/relationships" xmlns:p="http://schemas.openxmlformats.org/presentationml/2006/main">
+  <p:cSld>
+    <p:spTree>
+      <p:nvGrpSpPr>
+        <p:cNvPr id="1" name=""/>
+        <p:cNvGrpSpPr/>
+        <p:nvPr/>
+      </p:nvGrpSpPr>
+      <p:grpSpPr>
+        <a:xfrm>
+          <a:off x="0" y="0"/>
+          <a:ext cx="0" cy="0"/>
+          <a:chOff x="0" y="0"/>
+          <a:chExt cx="0" cy="0"/>
+        </a:xfrm>
+      </p:grpSpPr>
+      <p:sp>
+        <p:nvSpPr>
+          <p:cNvPr id="2" name="Заголовок 1"/>
+          <p:cNvSpPr>
+            <a:spLocks noGrp="1"/>
+          </p:cNvSpPr>
+          <p:nvPr>
+            <p:ph type="title"/>
+          </p:nvPr>
+        </p:nvSpPr>
+        <p:spPr/>
+        <p:txBody>
+          <a:bodyPr/>
+          <a:lstStyle/>
+          <a:p>
+            <a:r>
+              <a:rPr lang="ru-RU" dirty="0"/>
+              <a:t>Аутентифицированное шифрование</a:t>
+            </a:r>
+          </a:p>
+        </p:txBody>
+      </p:sp>
+      <mc:AlternateContent xmlns:mc="http://schemas.openxmlformats.org/markup-compatibility/2006" xmlns:a14="http://schemas.microsoft.com/office/drawing/2010/main">
+        <mc:Choice Requires="a14">
+          <p:sp>
+            <p:nvSpPr>
+              <p:cNvPr id="3" name="Объект 2"/>
+              <p:cNvSpPr>
+                <a:spLocks noGrp="1"/>
+              </p:cNvSpPr>
+              <p:nvPr>
+                <p:ph idx="1"/>
+              </p:nvPr>
+            </p:nvSpPr>
+            <p:spPr/>
+            <p:txBody>
+              <a:bodyPr>
+                <a:normAutofit/>
+              </a:bodyPr>
+              <a:lstStyle/>
+              <a:p>
+                <a:pPr marL="0" indent="0">
+                  <a:buNone/>
+                </a:pPr>
+                <a:r>
+                  <a:rPr lang="ru-RU" dirty="0" smtClean="0"/>
+                  <a:t>Введём понятие аутентифицированного шифра.</a:t>
+                </a:r>
+              </a:p>
+              <a:p>
+                <a:pPr marL="0" indent="0">
+                  <a:buNone/>
+                </a:pPr>
+                <a14:m>
+                  <m:oMath xmlns:m="http://schemas.openxmlformats.org/officeDocument/2006/math">
+                    <m:r>
+                      <m:rPr>
+                        <m:sty m:val="p"/>
+                      </m:rPr>
+                      <a:rPr lang="en-US" b="0" i="0" smtClean="0">
+                        <a:latin typeface="Cambria Math" panose="02040503050406030204" pitchFamily="18" charset="0"/>
+                      </a:rPr>
+                      <m:t>Ε</m:t>
+                    </m:r>
+                    <m:r>
+                      <a:rPr lang="en-US" b="0" i="1" smtClean="0">
+                        <a:latin typeface="Cambria Math" panose="02040503050406030204" pitchFamily="18" charset="0"/>
+                      </a:rPr>
+                      <m:t>=(</m:t>
+                    </m:r>
+                    <m:r>
+                      <a:rPr lang="en-US" b="0" i="1" smtClean="0">
+                        <a:latin typeface="Cambria Math" panose="02040503050406030204" pitchFamily="18" charset="0"/>
+                      </a:rPr>
+                      <m:t>𝐸</m:t>
+                    </m:r>
+                    <m:r>
+                      <a:rPr lang="en-US" b="0" i="1" smtClean="0">
+                        <a:latin typeface="Cambria Math" panose="02040503050406030204" pitchFamily="18" charset="0"/>
+                      </a:rPr>
+                      <m:t>,</m:t>
+                    </m:r>
+                    <m:r>
+                      <a:rPr lang="en-US" b="0" i="1" smtClean="0">
+                        <a:latin typeface="Cambria Math" panose="02040503050406030204" pitchFamily="18" charset="0"/>
+                      </a:rPr>
+                      <m:t>𝐷</m:t>
+                    </m:r>
+                    <m:r>
+                      <a:rPr lang="en-US" b="0" i="1" smtClean="0">
+                        <a:latin typeface="Cambria Math" panose="02040503050406030204" pitchFamily="18" charset="0"/>
+                      </a:rPr>
+                      <m:t>)</m:t>
+                    </m:r>
+                  </m:oMath>
+                </a14:m>
+                <a:r>
+                  <a:rPr lang="en-US" dirty="0" smtClean="0"/>
+                  <a:t> </a:t>
+                </a:r>
+                <a:r>
+                  <a:rPr lang="ru-RU" dirty="0" smtClean="0"/>
+                  <a:t>аутентифицированный шифр на </a:t>
+                </a:r>
+                <a14:m>
+                  <m:oMath xmlns:m="http://schemas.openxmlformats.org/officeDocument/2006/math">
+                    <m:r>
+                      <a:rPr lang="en-US" b="0" i="1" smtClean="0">
+                        <a:latin typeface="Cambria Math" panose="02040503050406030204" pitchFamily="18" charset="0"/>
+                      </a:rPr>
+                      <m:t>(</m:t>
+                    </m:r>
+                    <m:r>
+                      <a:rPr lang="en-US" b="0" i="1" smtClean="0">
+                        <a:latin typeface="Cambria Math" panose="02040503050406030204" pitchFamily="18" charset="0"/>
+                      </a:rPr>
+                      <m:t>𝐾</m:t>
+                    </m:r>
+                    <m:r>
+                      <a:rPr lang="en-US" b="0" i="1" smtClean="0">
+                        <a:latin typeface="Cambria Math" panose="02040503050406030204" pitchFamily="18" charset="0"/>
+                      </a:rPr>
+                      <m:t>,</m:t>
+                    </m:r>
+                    <m:r>
+                      <a:rPr lang="en-US" b="0" i="1" smtClean="0">
+                        <a:latin typeface="Cambria Math" panose="02040503050406030204" pitchFamily="18" charset="0"/>
+                      </a:rPr>
+                      <m:t>𝑀</m:t>
+                    </m:r>
+                    <m:r>
+                      <a:rPr lang="en-US" b="0" i="1" smtClean="0">
+                        <a:latin typeface="Cambria Math" panose="02040503050406030204" pitchFamily="18" charset="0"/>
+                      </a:rPr>
+                      <m:t>,</m:t>
+                    </m:r>
+                    <m:r>
+                      <a:rPr lang="en-US" b="0" i="1" smtClean="0">
+                        <a:latin typeface="Cambria Math" panose="02040503050406030204" pitchFamily="18" charset="0"/>
+                      </a:rPr>
+                      <m:t>𝐶</m:t>
+                    </m:r>
+                    <m:r>
+                      <a:rPr lang="en-US" b="0" i="1" smtClean="0">
+                        <a:latin typeface="Cambria Math" panose="02040503050406030204" pitchFamily="18" charset="0"/>
+                      </a:rPr>
+                      <m:t>)</m:t>
+                    </m:r>
+                  </m:oMath>
+                </a14:m>
+                <a:r>
+                  <a:rPr lang="ru-RU" dirty="0" smtClean="0"/>
+                  <a:t>.</a:t>
+                </a:r>
+              </a:p>
+              <a:p>
+                <a14:m>
+                  <m:oMath xmlns:m="http://schemas.openxmlformats.org/officeDocument/2006/math">
+                    <m:r>
+                      <a:rPr lang="en-US" b="0" i="1" smtClean="0">
+                        <a:latin typeface="Cambria Math" panose="02040503050406030204" pitchFamily="18" charset="0"/>
+                      </a:rPr>
+                      <m:t>𝐸</m:t>
+                    </m:r>
+                    <m:r>
+                      <a:rPr lang="en-US" b="0" i="1" smtClean="0">
+                        <a:latin typeface="Cambria Math" panose="02040503050406030204" pitchFamily="18" charset="0"/>
+                      </a:rPr>
+                      <m:t>:</m:t>
+                    </m:r>
+                    <m:r>
+                      <a:rPr lang="en-US" b="0" i="1" smtClean="0">
+                        <a:latin typeface="Cambria Math" panose="02040503050406030204" pitchFamily="18" charset="0"/>
+                      </a:rPr>
+                      <m:t>𝐾</m:t>
+                    </m:r>
+                    <m:r>
+                      <a:rPr lang="en-US" b="0" i="1" smtClean="0">
+                        <a:latin typeface="Cambria Math" panose="02040503050406030204" pitchFamily="18" charset="0"/>
+                      </a:rPr>
+                      <m:t>×</m:t>
+                    </m:r>
+                    <m:r>
+                      <a:rPr lang="en-US" b="0" i="1" smtClean="0">
+                        <a:latin typeface="Cambria Math" panose="02040503050406030204" pitchFamily="18" charset="0"/>
+                      </a:rPr>
+                      <m:t>𝑀</m:t>
+                    </m:r>
+                    <m:r>
+                      <a:rPr lang="en-US" b="0" i="1" smtClean="0">
+                        <a:latin typeface="Cambria Math" panose="02040503050406030204" pitchFamily="18" charset="0"/>
+                      </a:rPr>
+                      <m:t>→</m:t>
+                    </m:r>
+                    <m:r>
+                      <a:rPr lang="en-US" b="0" i="1" smtClean="0">
+                        <a:latin typeface="Cambria Math" panose="02040503050406030204" pitchFamily="18" charset="0"/>
+                      </a:rPr>
+                      <m:t>𝐶</m:t>
+                    </m:r>
+                  </m:oMath>
+                </a14:m>
+                <a:endParaRPr lang="en-US" b="0" dirty="0" smtClean="0"/>
+              </a:p>
+              <a:p>
+                <a14:m>
+                  <m:oMath xmlns:m="http://schemas.openxmlformats.org/officeDocument/2006/math">
+                    <m:r>
+                      <a:rPr lang="en-US" b="0" i="1" smtClean="0">
+                        <a:latin typeface="Cambria Math" panose="02040503050406030204" pitchFamily="18" charset="0"/>
+                      </a:rPr>
+                      <m:t>𝐷</m:t>
+                    </m:r>
+                    <m:r>
+                      <a:rPr lang="en-US" b="0" i="1" smtClean="0">
+                        <a:latin typeface="Cambria Math" panose="02040503050406030204" pitchFamily="18" charset="0"/>
+                      </a:rPr>
+                      <m:t>:</m:t>
+                    </m:r>
+                    <m:r>
+                      <a:rPr lang="en-US" b="0" i="1" smtClean="0">
+                        <a:latin typeface="Cambria Math" panose="02040503050406030204" pitchFamily="18" charset="0"/>
+                      </a:rPr>
+                      <m:t>𝐾</m:t>
+                    </m:r>
+                    <m:r>
+                      <a:rPr lang="en-US" b="0" i="1" smtClean="0">
+                        <a:latin typeface="Cambria Math" panose="02040503050406030204" pitchFamily="18" charset="0"/>
+                      </a:rPr>
+                      <m:t>×</m:t>
+                    </m:r>
+                    <m:r>
+                      <a:rPr lang="en-US" b="0" i="1" smtClean="0">
+                        <a:latin typeface="Cambria Math" panose="02040503050406030204" pitchFamily="18" charset="0"/>
+                      </a:rPr>
+                      <m:t>𝐶</m:t>
+                    </m:r>
+                    <m:r>
+                      <a:rPr lang="en-US" b="0" i="1" smtClean="0">
+                        <a:latin typeface="Cambria Math" panose="02040503050406030204" pitchFamily="18" charset="0"/>
+                      </a:rPr>
+                      <m:t>→</m:t>
+                    </m:r>
+                    <m:r>
+                      <a:rPr lang="en-US" b="0" i="1" smtClean="0">
+                        <a:latin typeface="Cambria Math" panose="02040503050406030204" pitchFamily="18" charset="0"/>
+                      </a:rPr>
+                      <m:t>𝑀</m:t>
+                    </m:r>
+                    <m:r>
+                      <a:rPr lang="en-US" b="0" i="1" smtClean="0">
+                        <a:latin typeface="Cambria Math" panose="02040503050406030204" pitchFamily="18" charset="0"/>
+                        <a:ea typeface="Cambria Math" panose="02040503050406030204" pitchFamily="18" charset="0"/>
+                      </a:rPr>
+                      <m:t>∪{⊥}</m:t>
+                    </m:r>
+                  </m:oMath>
+                </a14:m>
+                <a:endParaRPr lang="en-US" dirty="0" smtClean="0"/>
+              </a:p>
+              <a:p>
+                <a14:m>
+                  <m:oMath xmlns:m="http://schemas.openxmlformats.org/officeDocument/2006/math">
+                    <m:r>
+                      <a:rPr lang="en-US" b="0" i="1" smtClean="0">
+                        <a:latin typeface="Cambria Math" panose="02040503050406030204" pitchFamily="18" charset="0"/>
+                      </a:rPr>
+                      <m:t>⊥</m:t>
+                    </m:r>
+                  </m:oMath>
+                </a14:m>
+                <a:r>
+                  <a:rPr lang="ru-RU" dirty="0" smtClean="0"/>
+                  <a:t> - шифртекст отклонён (не пройдена проверка аутентичности)</a:t>
+                </a:r>
+              </a:p>
+              <a:p>
+                <a:r>
+                  <a:rPr lang="ru-RU" dirty="0" smtClean="0"/>
+                  <a:t>Свойство корректности</a:t>
+                </a:r>
+                <a:r>
+                  <a:rPr lang="en-US" dirty="0" smtClean="0"/>
+                  <a:t>: </a:t>
+                </a:r>
+                <a14:m>
+                  <m:oMath xmlns:m="http://schemas.openxmlformats.org/officeDocument/2006/math">
+                    <m:r>
+                      <a:rPr lang="en-US" b="0" i="1" smtClean="0">
+                        <a:latin typeface="Cambria Math" panose="02040503050406030204" pitchFamily="18" charset="0"/>
+                      </a:rPr>
+                      <m:t>𝐷</m:t>
+                    </m:r>
+                    <m:d>
+                      <m:dPr>
+                        <m:ctrlPr>
+                          <a:rPr lang="en-US" b="0" i="1" smtClean="0">
+                            <a:latin typeface="Cambria Math" panose="02040503050406030204" pitchFamily="18" charset="0"/>
+                          </a:rPr>
+                        </m:ctrlPr>
+                      </m:dPr>
+                      <m:e>
+                        <m:r>
+                          <a:rPr lang="en-US" b="0" i="1" smtClean="0">
+                            <a:latin typeface="Cambria Math" panose="02040503050406030204" pitchFamily="18" charset="0"/>
+                          </a:rPr>
+                          <m:t>𝑘</m:t>
+                        </m:r>
+                        <m:r>
+                          <a:rPr lang="en-US" b="0" i="1" smtClean="0">
+                            <a:latin typeface="Cambria Math" panose="02040503050406030204" pitchFamily="18" charset="0"/>
+                          </a:rPr>
+                          <m:t>,</m:t>
+                        </m:r>
+                        <m:r>
+                          <a:rPr lang="en-US" b="0" i="1" smtClean="0">
+                            <a:latin typeface="Cambria Math" panose="02040503050406030204" pitchFamily="18" charset="0"/>
+                          </a:rPr>
+                          <m:t>𝐸</m:t>
+                        </m:r>
+                        <m:d>
+                          <m:dPr>
+                            <m:ctrlPr>
+                              <a:rPr lang="en-US" b="0" i="1" smtClean="0">
+                                <a:latin typeface="Cambria Math" panose="02040503050406030204" pitchFamily="18" charset="0"/>
+                              </a:rPr>
+                            </m:ctrlPr>
+                          </m:dPr>
+                          <m:e>
+                            <m:r>
+                              <a:rPr lang="en-US" b="0" i="1" smtClean="0">
+                                <a:latin typeface="Cambria Math" panose="02040503050406030204" pitchFamily="18" charset="0"/>
+                              </a:rPr>
+                              <m:t>𝑘</m:t>
+                            </m:r>
+                            <m:r>
+                              <a:rPr lang="en-US" b="0" i="1" smtClean="0">
+                                <a:latin typeface="Cambria Math" panose="02040503050406030204" pitchFamily="18" charset="0"/>
+                              </a:rPr>
+                              <m:t>,</m:t>
+                            </m:r>
+                            <m:r>
+                              <a:rPr lang="en-US" b="0" i="1" smtClean="0">
+                                <a:latin typeface="Cambria Math" panose="02040503050406030204" pitchFamily="18" charset="0"/>
+                              </a:rPr>
+                              <m:t>𝑚</m:t>
+                            </m:r>
+                          </m:e>
+                        </m:d>
+                      </m:e>
+                    </m:d>
+                    <m:r>
+                      <a:rPr lang="en-US" b="0" i="1" smtClean="0">
+                        <a:latin typeface="Cambria Math" panose="02040503050406030204" pitchFamily="18" charset="0"/>
+                      </a:rPr>
+                      <m:t>=</m:t>
+                    </m:r>
+                    <m:r>
+                      <a:rPr lang="en-US" b="0" i="1" smtClean="0">
+                        <a:latin typeface="Cambria Math" panose="02040503050406030204" pitchFamily="18" charset="0"/>
+                      </a:rPr>
+                      <m:t>𝑚</m:t>
+                    </m:r>
+                  </m:oMath>
+                </a14:m>
+                <a:endParaRPr lang="ru-RU" dirty="0" smtClean="0"/>
+              </a:p>
+              <a:p>
+                <a:pPr marL="0" indent="0">
+                  <a:buNone/>
+                </a:pPr>
+                <a:endParaRPr lang="ru-RU" dirty="0"/>
+              </a:p>
+            </p:txBody>
+          </p:sp>
+        </mc:Choice>
+        <mc:Fallback xmlns="">
+          <p:sp>
+            <p:nvSpPr>
+              <p:cNvPr id="3" name="Объект 2"/>
+              <p:cNvSpPr>
+                <a:spLocks noGrp="1" noRot="1" noChangeAspect="1" noMove="1" noResize="1" noEditPoints="1" noAdjustHandles="1" noChangeArrowheads="1" noChangeShapeType="1" noTextEdit="1"/>
+              </p:cNvSpPr>
+              <p:nvPr>
+                <p:ph idx="1"/>
+              </p:nvPr>
+            </p:nvSpPr>
+            <p:spPr>
+              <a:blipFill>
+                <a:blip r:embed="rId2"/>
+                <a:stretch>
+                  <a:fillRect l="-1043" t="-2101"/>
+                </a:stretch>
+              </a:blipFill>
+            </p:spPr>
+            <p:txBody>
+              <a:bodyPr/>
+              <a:lstStyle/>
+              <a:p>
+                <a:r>
+                  <a:rPr lang="ru-RU">
+                    <a:noFill/>
+                  </a:rPr>
+                  <a:t> </a:t>
+                </a:r>
+              </a:p>
+            </p:txBody>
+          </p:sp>
+        </mc:Fallback>
+      </mc:AlternateContent>
+      <p:sp>
+        <p:nvSpPr>
+          <p:cNvPr id="4" name="Номер слайда 3"/>
+          <p:cNvSpPr>
+            <a:spLocks noGrp="1"/>
+          </p:cNvSpPr>
+          <p:nvPr>
+            <p:ph type="sldNum" sz="quarter" idx="12"/>
+          </p:nvPr>
+        </p:nvSpPr>
+        <p:spPr/>
+        <p:txBody>
+          <a:bodyPr/>
+          <a:lstStyle/>
+          <a:p>
+            <a:fld id="{8253DDDB-F8F7-4D64-A7FD-3F3D61C1949F}" type="slidenum">
+              <a:rPr lang="ru-RU" smtClean="0"/>
+              <a:t>11</a:t>
+            </a:fld>
+            <a:endParaRPr lang="ru-RU"/>
+          </a:p>
+        </p:txBody>
+      </p:sp>
+    </p:spTree>
+    <p:extLst>
+      <p:ext uri="{BB962C8B-B14F-4D97-AF65-F5344CB8AC3E}">
+        <p14:creationId xmlns:p14="http://schemas.microsoft.com/office/powerpoint/2010/main" val="1401202004"/>
+      </p:ext>
+    </p:extLst>
+  </p:cSld>
+  <p:clrMapOvr>
+    <a:masterClrMapping/>
+  </p:clrMapOvr>
+  <p:timing>
+    <p:tnLst>
+      <p:par>
+        <p:cTn id="1" dur="indefinite" restart="never" nodeType="tmRoot"/>
+      </p:par>
+    </p:tnLst>
+  </p:timing>
+</p:sld>
+</file>
+
+<file path=ppt/slides/slide12.xml><?xml version="1.0" encoding="utf-8"?>
+<p:sld xmlns:a="http://schemas.openxmlformats.org/drawingml/2006/main" xmlns:r="http://schemas.openxmlformats.org/officeDocument/2006/relationships" xmlns:p="http://schemas.openxmlformats.org/presentationml/2006/main">
+  <p:cSld>
+    <p:spTree>
+      <p:nvGrpSpPr>
+        <p:cNvPr id="1" name=""/>
+        <p:cNvGrpSpPr/>
+        <p:nvPr/>
+      </p:nvGrpSpPr>
+      <p:grpSpPr>
+        <a:xfrm>
+          <a:off x="0" y="0"/>
+          <a:ext cx="0" cy="0"/>
+          <a:chOff x="0" y="0"/>
+          <a:chExt cx="0" cy="0"/>
+        </a:xfrm>
+      </p:grpSpPr>
+      <p:sp>
+        <p:nvSpPr>
+          <p:cNvPr id="2" name="Заголовок 1"/>
+          <p:cNvSpPr>
+            <a:spLocks noGrp="1"/>
+          </p:cNvSpPr>
+          <p:nvPr>
+            <p:ph type="title"/>
+          </p:nvPr>
+        </p:nvSpPr>
+        <p:spPr/>
+        <p:txBody>
+          <a:bodyPr/>
+          <a:lstStyle/>
+          <a:p>
+            <a:r>
+              <a:rPr lang="ru-RU" dirty="0" smtClean="0"/>
+              <a:t>Целостность </a:t>
+            </a:r>
+            <a:r>
+              <a:rPr lang="ru-RU" dirty="0" err="1" smtClean="0"/>
+              <a:t>шифртекстов</a:t>
+            </a:r>
+            <a:endParaRPr lang="ru-RU" dirty="0"/>
+          </a:p>
+        </p:txBody>
+      </p:sp>
+      <mc:AlternateContent xmlns:mc="http://schemas.openxmlformats.org/markup-compatibility/2006" xmlns:a14="http://schemas.microsoft.com/office/drawing/2010/main">
+        <mc:Choice Requires="a14">
+          <p:sp>
+            <p:nvSpPr>
+              <p:cNvPr id="3" name="Объект 2"/>
+              <p:cNvSpPr>
+                <a:spLocks noGrp="1"/>
+              </p:cNvSpPr>
+              <p:nvPr>
+                <p:ph idx="1"/>
+              </p:nvPr>
+            </p:nvSpPr>
+            <p:spPr/>
+            <p:txBody>
+              <a:bodyPr/>
+              <a:lstStyle/>
+              <a:p>
+                <a:pPr marL="0" indent="0">
+                  <a:buNone/>
+                </a:pPr>
+                <a:r>
+                  <a:rPr lang="ru-RU" dirty="0" smtClean="0"/>
+                  <a:t>Пусть</a:t>
+                </a:r>
+                <a:r>
+                  <a:rPr lang="en-US" dirty="0" smtClean="0"/>
+                  <a:t> </a:t>
+                </a:r>
+                <a14:m>
+                  <m:oMath xmlns:m="http://schemas.openxmlformats.org/officeDocument/2006/math">
+                    <m:r>
+                      <m:rPr>
+                        <m:sty m:val="p"/>
+                      </m:rPr>
+                      <a:rPr lang="ru-RU" b="0" i="0" smtClean="0">
+                        <a:latin typeface="Cambria Math" panose="02040503050406030204" pitchFamily="18" charset="0"/>
+                      </a:rPr>
+                      <m:t>Ε</m:t>
+                    </m:r>
+                    <m:r>
+                      <a:rPr lang="en-US" b="0" i="0" smtClean="0">
+                        <a:latin typeface="Cambria Math" panose="02040503050406030204" pitchFamily="18" charset="0"/>
+                      </a:rPr>
+                      <m:t>=(</m:t>
+                    </m:r>
+                    <m:r>
+                      <a:rPr lang="en-US" b="0" i="1" smtClean="0">
+                        <a:latin typeface="Cambria Math" panose="02040503050406030204" pitchFamily="18" charset="0"/>
+                      </a:rPr>
+                      <m:t>𝐸</m:t>
+                    </m:r>
+                    <m:r>
+                      <a:rPr lang="en-US" b="0" i="1" smtClean="0">
+                        <a:latin typeface="Cambria Math" panose="02040503050406030204" pitchFamily="18" charset="0"/>
+                      </a:rPr>
+                      <m:t>,</m:t>
+                    </m:r>
+                    <m:r>
+                      <a:rPr lang="en-US" b="0" i="1" smtClean="0">
+                        <a:latin typeface="Cambria Math" panose="02040503050406030204" pitchFamily="18" charset="0"/>
+                      </a:rPr>
+                      <m:t>𝐷</m:t>
+                    </m:r>
+                    <m:r>
+                      <a:rPr lang="en-US" b="0" i="1" smtClean="0">
+                        <a:latin typeface="Cambria Math" panose="02040503050406030204" pitchFamily="18" charset="0"/>
+                      </a:rPr>
+                      <m:t>)</m:t>
+                    </m:r>
+                  </m:oMath>
+                </a14:m>
+                <a:r>
+                  <a:rPr lang="en-US" dirty="0" smtClean="0"/>
+                  <a:t> – </a:t>
+                </a:r>
+                <a:r>
+                  <a:rPr lang="ru-RU" b="1" dirty="0" smtClean="0"/>
+                  <a:t>аутентифицированный шифр</a:t>
+                </a:r>
+                <a:r>
+                  <a:rPr lang="ru-RU" dirty="0" smtClean="0"/>
+                  <a:t> (</a:t>
+                </a:r>
+                <a:r>
+                  <a:rPr lang="en-US" b="1" dirty="0" smtClean="0"/>
+                  <a:t>AE</a:t>
+                </a:r>
+                <a:r>
+                  <a:rPr lang="en-US" dirty="0" smtClean="0"/>
+                  <a:t>)</a:t>
+                </a:r>
+                <a:r>
+                  <a:rPr lang="ru-RU" dirty="0" smtClean="0"/>
+                  <a:t> на </a:t>
+                </a:r>
+                <a14:m>
+                  <m:oMath xmlns:m="http://schemas.openxmlformats.org/officeDocument/2006/math">
+                    <m:r>
+                      <a:rPr lang="en-US" b="0" i="1" smtClean="0">
+                        <a:latin typeface="Cambria Math" panose="02040503050406030204" pitchFamily="18" charset="0"/>
+                      </a:rPr>
+                      <m:t>(</m:t>
+                    </m:r>
+                    <m:r>
+                      <a:rPr lang="en-US" b="0" i="1" smtClean="0">
+                        <a:latin typeface="Cambria Math" panose="02040503050406030204" pitchFamily="18" charset="0"/>
+                      </a:rPr>
+                      <m:t>𝐾</m:t>
+                    </m:r>
+                    <m:r>
+                      <a:rPr lang="en-US" b="0" i="1" smtClean="0">
+                        <a:latin typeface="Cambria Math" panose="02040503050406030204" pitchFamily="18" charset="0"/>
+                      </a:rPr>
+                      <m:t>,</m:t>
+                    </m:r>
+                    <m:r>
+                      <a:rPr lang="en-US" b="0" i="1" smtClean="0">
+                        <a:latin typeface="Cambria Math" panose="02040503050406030204" pitchFamily="18" charset="0"/>
+                      </a:rPr>
+                      <m:t>𝑀</m:t>
+                    </m:r>
+                    <m:r>
+                      <a:rPr lang="en-US" b="0" i="1" smtClean="0">
+                        <a:latin typeface="Cambria Math" panose="02040503050406030204" pitchFamily="18" charset="0"/>
+                      </a:rPr>
+                      <m:t>,</m:t>
+                    </m:r>
+                    <m:r>
+                      <a:rPr lang="en-US" b="0" i="1" smtClean="0">
+                        <a:latin typeface="Cambria Math" panose="02040503050406030204" pitchFamily="18" charset="0"/>
+                      </a:rPr>
+                      <m:t>𝐶</m:t>
+                    </m:r>
+                    <m:r>
+                      <a:rPr lang="en-US" b="0" i="1" smtClean="0">
+                        <a:latin typeface="Cambria Math" panose="02040503050406030204" pitchFamily="18" charset="0"/>
+                      </a:rPr>
+                      <m:t>)</m:t>
+                    </m:r>
+                  </m:oMath>
+                </a14:m>
+                <a:r>
+                  <a:rPr lang="ru-RU" dirty="0" smtClean="0"/>
+                  <a:t>. Введём игру на </a:t>
+                </a:r>
+                <a:r>
+                  <a:rPr lang="ru-RU" b="1" dirty="0" smtClean="0"/>
+                  <a:t>целостность </a:t>
+                </a:r>
+                <a:r>
+                  <a:rPr lang="ru-RU" b="1" dirty="0" err="1" smtClean="0"/>
+                  <a:t>шифртекстов</a:t>
+                </a:r>
+                <a:r>
+                  <a:rPr lang="en-US" dirty="0" smtClean="0"/>
+                  <a:t> (INT-CTXT)</a:t>
+                </a:r>
+                <a:r>
+                  <a:rPr lang="ru-RU" dirty="0" smtClean="0"/>
+                  <a:t> (аналогично игре на </a:t>
+                </a:r>
+                <a:r>
+                  <a:rPr lang="en-US" dirty="0" smtClean="0"/>
+                  <a:t>MAC</a:t>
+                </a:r>
+                <a:r>
+                  <a:rPr lang="ru-RU" dirty="0" smtClean="0"/>
+                  <a:t>)</a:t>
+                </a:r>
+                <a:r>
+                  <a:rPr lang="en-US" dirty="0" smtClean="0"/>
+                  <a:t>:</a:t>
+                </a:r>
+              </a:p>
+              <a:p>
+                <a:r>
+                  <a:rPr lang="ru-RU" dirty="0" smtClean="0"/>
+                  <a:t>Претендент выбирает случайный ключ</a:t>
+                </a:r>
+              </a:p>
+              <a:p>
+                <a:r>
+                  <a:rPr lang="ru-RU" dirty="0" smtClean="0"/>
+                  <a:t>Противник запрашивает </a:t>
+                </a:r>
+                <a:r>
+                  <a:rPr lang="ru-RU" dirty="0" err="1" smtClean="0"/>
+                  <a:t>зашифрование</a:t>
+                </a:r>
+                <a:r>
+                  <a:rPr lang="ru-RU" dirty="0" smtClean="0"/>
+                  <a:t> нескольких открытых текстов в адаптивной атаке</a:t>
+                </a:r>
+              </a:p>
+              <a:p>
+                <a:r>
+                  <a:rPr lang="ru-RU" dirty="0" smtClean="0"/>
+                  <a:t>Цель противника – получить </a:t>
+                </a:r>
+                <a:r>
+                  <a:rPr lang="ru-RU" b="1" dirty="0" smtClean="0"/>
+                  <a:t>новый корректный </a:t>
+                </a:r>
+                <a:r>
+                  <a:rPr lang="ru-RU" b="1" dirty="0" err="1" smtClean="0"/>
+                  <a:t>шифртекст</a:t>
+                </a:r>
+                <a:endParaRPr lang="ru-RU" b="1" dirty="0"/>
+              </a:p>
+            </p:txBody>
+          </p:sp>
+        </mc:Choice>
+        <mc:Fallback xmlns="">
+          <p:sp>
+            <p:nvSpPr>
+              <p:cNvPr id="3" name="Объект 2"/>
+              <p:cNvSpPr>
+                <a:spLocks noGrp="1" noRot="1" noChangeAspect="1" noMove="1" noResize="1" noEditPoints="1" noAdjustHandles="1" noChangeArrowheads="1" noChangeShapeType="1" noTextEdit="1"/>
+              </p:cNvSpPr>
+              <p:nvPr>
+                <p:ph idx="1"/>
+              </p:nvPr>
+            </p:nvSpPr>
+            <p:spPr>
+              <a:blipFill rotWithShape="0">
+                <a:blip r:embed="rId2"/>
+                <a:stretch>
+                  <a:fillRect l="-1043" t="-2101" r="-1043"/>
+                </a:stretch>
+              </a:blipFill>
+            </p:spPr>
+            <p:txBody>
+              <a:bodyPr/>
+              <a:lstStyle/>
+              <a:p>
+                <a:r>
+                  <a:rPr lang="ru-RU">
+                    <a:noFill/>
+                  </a:rPr>
+                  <a:t> </a:t>
+                </a:r>
+              </a:p>
+            </p:txBody>
+          </p:sp>
+        </mc:Fallback>
+      </mc:AlternateContent>
+      <p:sp>
+        <p:nvSpPr>
+          <p:cNvPr id="4" name="Номер слайда 3"/>
+          <p:cNvSpPr>
+            <a:spLocks noGrp="1"/>
+          </p:cNvSpPr>
+          <p:nvPr>
+            <p:ph type="sldNum" sz="quarter" idx="12"/>
+          </p:nvPr>
+        </p:nvSpPr>
+        <p:spPr/>
+        <p:txBody>
+          <a:bodyPr/>
+          <a:lstStyle/>
+          <a:p>
+            <a:fld id="{8253DDDB-F8F7-4D64-A7FD-3F3D61C1949F}" type="slidenum">
+              <a:rPr lang="ru-RU" smtClean="0"/>
+              <a:t>12</a:t>
+            </a:fld>
+            <a:endParaRPr lang="ru-RU"/>
+          </a:p>
+        </p:txBody>
+      </p:sp>
+      <p:sp>
+        <p:nvSpPr>
+          <p:cNvPr id="5" name="Rectangle 4"/>
+          <p:cNvSpPr>
+            <a:spLocks noChangeArrowheads="1"/>
+          </p:cNvSpPr>
+          <p:nvPr/>
+        </p:nvSpPr>
+        <p:spPr bwMode="auto">
+          <a:xfrm>
+            <a:off x="2584163" y="5095179"/>
+            <a:ext cx="1295400" cy="1454847"/>
+          </a:xfrm>
+          <a:prstGeom prst="rect">
+            <a:avLst/>
+          </a:prstGeom>
+          <a:solidFill>
+            <a:schemeClr val="accent1"/>
+          </a:solidFill>
+          <a:ln w="9525">
+            <a:solidFill>
+              <a:schemeClr val="tx1"/>
+            </a:solidFill>
+            <a:miter lim="800000"/>
+            <a:headEnd/>
+            <a:tailEnd/>
+          </a:ln>
+          <a:effectLst/>
+        </p:spPr>
+        <p:txBody>
+          <a:bodyPr wrap="none"/>
+          <a:lstStyle/>
+          <a:p>
+            <a:pPr algn="ctr"/>
+            <a:r>
+              <a:rPr lang="en-US"/>
+              <a:t>Chal.</a:t>
+            </a:r>
+          </a:p>
+        </p:txBody>
+      </p:sp>
+      <mc:AlternateContent xmlns:mc="http://schemas.openxmlformats.org/markup-compatibility/2006" xmlns:a14="http://schemas.microsoft.com/office/drawing/2010/main">
+        <mc:Choice Requires="a14">
+          <p:sp>
+            <p:nvSpPr>
+              <p:cNvPr id="6" name="Rectangle 7"/>
+              <p:cNvSpPr>
+                <a:spLocks noChangeArrowheads="1"/>
+              </p:cNvSpPr>
+              <p:nvPr/>
+            </p:nvSpPr>
+            <p:spPr bwMode="auto">
+              <a:xfrm>
+                <a:off x="7765763" y="5095179"/>
+                <a:ext cx="1295400" cy="1454847"/>
+              </a:xfrm>
+              <a:prstGeom prst="rect">
+                <a:avLst/>
+              </a:prstGeom>
+              <a:solidFill>
+                <a:schemeClr val="accent1"/>
+              </a:solidFill>
+              <a:ln w="9525">
+                <a:solidFill>
+                  <a:schemeClr val="tx1"/>
+                </a:solidFill>
+                <a:miter lim="800000"/>
+                <a:headEnd/>
+                <a:tailEnd/>
+              </a:ln>
+              <a:effectLst/>
+            </p:spPr>
+            <p:txBody>
+              <a:bodyPr wrap="none"/>
+              <a:lstStyle/>
+              <a:p>
+                <a:pPr algn="ctr"/>
+                <a:r>
+                  <a:rPr lang="en-US" dirty="0"/>
+                  <a:t>Adv. </a:t>
+                </a:r>
+                <a14:m>
+                  <m:oMath xmlns:m="http://schemas.openxmlformats.org/officeDocument/2006/math">
+                    <m:r>
+                      <a:rPr lang="en-US" i="1" dirty="0" smtClean="0">
+                        <a:latin typeface="Cambria Math" panose="02040503050406030204" pitchFamily="18" charset="0"/>
+                      </a:rPr>
+                      <m:t>𝐴</m:t>
+                    </m:r>
+                  </m:oMath>
+                </a14:m>
+                <a:endParaRPr lang="en-US" dirty="0"/>
+              </a:p>
+            </p:txBody>
+          </p:sp>
+        </mc:Choice>
+        <mc:Fallback xmlns="">
+          <p:sp>
+            <p:nvSpPr>
+              <p:cNvPr id="6" name="Rectangle 7"/>
+              <p:cNvSpPr>
+                <a:spLocks noRot="1" noChangeAspect="1" noMove="1" noResize="1" noEditPoints="1" noAdjustHandles="1" noChangeArrowheads="1" noChangeShapeType="1" noTextEdit="1"/>
+              </p:cNvSpPr>
+              <p:nvPr/>
+            </p:nvSpPr>
+            <p:spPr bwMode="auto">
+              <a:xfrm>
+                <a:off x="7765763" y="5095179"/>
+                <a:ext cx="1295400" cy="1454847"/>
+              </a:xfrm>
+              <a:prstGeom prst="rect">
+                <a:avLst/>
+              </a:prstGeom>
+              <a:blipFill rotWithShape="0">
+                <a:blip r:embed="rId3"/>
+                <a:stretch>
+                  <a:fillRect t="-2083"/>
+                </a:stretch>
+              </a:blipFill>
+              <a:ln w="9525">
+                <a:solidFill>
+                  <a:schemeClr val="tx1"/>
+                </a:solidFill>
+                <a:miter lim="800000"/>
+                <a:headEnd/>
+                <a:tailEnd/>
+              </a:ln>
+              <a:effectLst/>
+            </p:spPr>
+            <p:txBody>
+              <a:bodyPr/>
+              <a:lstStyle/>
+              <a:p>
+                <a:r>
+                  <a:rPr lang="ru-RU">
+                    <a:noFill/>
+                  </a:rPr>
+                  <a:t> </a:t>
+                </a:r>
+              </a:p>
+            </p:txBody>
+          </p:sp>
+        </mc:Fallback>
+      </mc:AlternateContent>
+      <p:grpSp>
+        <p:nvGrpSpPr>
+          <p:cNvPr id="7" name="Group 21"/>
+          <p:cNvGrpSpPr>
+            <a:grpSpLocks/>
+          </p:cNvGrpSpPr>
+          <p:nvPr/>
+        </p:nvGrpSpPr>
+        <p:grpSpPr bwMode="auto">
+          <a:xfrm>
+            <a:off x="3936713" y="5310151"/>
+            <a:ext cx="3771900" cy="400050"/>
+            <a:chOff x="1776" y="1793"/>
+            <a:chExt cx="2400" cy="336"/>
+          </a:xfrm>
+        </p:grpSpPr>
+        <p:sp>
+          <p:nvSpPr>
+            <p:cNvPr id="8" name="Line 10"/>
+            <p:cNvSpPr>
+              <a:spLocks noChangeShapeType="1"/>
+            </p:cNvSpPr>
+            <p:nvPr/>
+          </p:nvSpPr>
+          <p:spPr bwMode="auto">
+            <a:xfrm flipH="1">
+              <a:off x="1776" y="2122"/>
+              <a:ext cx="2400" cy="0"/>
+            </a:xfrm>
+            <a:prstGeom prst="line">
+              <a:avLst/>
+            </a:prstGeom>
+            <a:noFill/>
+            <a:ln w="38100" cmpd="sng">
+              <a:solidFill>
+                <a:schemeClr val="tx1"/>
+              </a:solidFill>
+              <a:round/>
+              <a:headEnd/>
+              <a:tailEnd type="triangle" w="med" len="med"/>
+            </a:ln>
+            <a:effectLst/>
+          </p:spPr>
+          <p:txBody>
+            <a:bodyPr/>
+            <a:lstStyle/>
+            <a:p>
+              <a:endParaRPr lang="en-US"/>
+            </a:p>
+          </p:txBody>
+        </p:sp>
+        <mc:AlternateContent xmlns:mc="http://schemas.openxmlformats.org/markup-compatibility/2006" xmlns:a14="http://schemas.microsoft.com/office/drawing/2010/main">
+          <mc:Choice Requires="a14">
+            <p:sp>
+              <p:nvSpPr>
+                <p:cNvPr id="9" name="Text Box 11"/>
+                <p:cNvSpPr txBox="1">
+                  <a:spLocks noChangeArrowheads="1"/>
+                </p:cNvSpPr>
+                <p:nvPr/>
+              </p:nvSpPr>
+              <p:spPr bwMode="auto">
+                <a:xfrm>
+                  <a:off x="2786" y="1793"/>
+                  <a:ext cx="344" cy="336"/>
+                </a:xfrm>
+                <a:prstGeom prst="rect">
+                  <a:avLst/>
+                </a:prstGeom>
+                <a:noFill/>
+                <a:ln w="9525">
+                  <a:noFill/>
+                  <a:miter lim="800000"/>
+                  <a:headEnd/>
+                  <a:tailEnd/>
+                </a:ln>
+                <a:effectLst/>
+              </p:spPr>
+              <p:txBody>
+                <a:bodyPr wrap="none">
+                  <a:spAutoFit/>
+                </a:bodyPr>
+                <a:lstStyle/>
+                <a:p>
+                  <a:pPr/>
+                  <a14:m>
+                    <m:oMathPara xmlns:m="http://schemas.openxmlformats.org/officeDocument/2006/math">
+                      <m:oMathParaPr>
+                        <m:jc m:val="centerGroup"/>
+                      </m:oMathParaPr>
+                      <m:oMath xmlns:m="http://schemas.openxmlformats.org/officeDocument/2006/math">
+                        <m:sSub>
+                          <m:sSubPr>
+                            <m:ctrlPr>
+                              <a:rPr lang="en-US" sz="2000" b="0" i="1" smtClean="0">
+                                <a:latin typeface="Cambria Math" panose="02040503050406030204" pitchFamily="18" charset="0"/>
+                                <a:sym typeface="Symbol" pitchFamily="18" charset="2"/>
+                              </a:rPr>
+                            </m:ctrlPr>
+                          </m:sSubPr>
+                          <m:e>
+                            <m:r>
+                              <a:rPr lang="en-US" sz="2000" b="0" i="1" smtClean="0">
+                                <a:latin typeface="Cambria Math" panose="02040503050406030204" pitchFamily="18" charset="0"/>
+                                <a:sym typeface="Symbol" pitchFamily="18" charset="2"/>
+                              </a:rPr>
+                              <m:t>𝑚</m:t>
+                            </m:r>
+                          </m:e>
+                          <m:sub>
+                            <m:r>
+                              <a:rPr lang="en-US" sz="2000" b="0" i="1" smtClean="0">
+                                <a:latin typeface="Cambria Math" panose="02040503050406030204" pitchFamily="18" charset="0"/>
+                                <a:sym typeface="Symbol" pitchFamily="18" charset="2"/>
+                              </a:rPr>
+                              <m:t>𝑖</m:t>
+                            </m:r>
+                          </m:sub>
+                        </m:sSub>
+                      </m:oMath>
+                    </m:oMathPara>
+                  </a14:m>
+                  <a:endParaRPr lang="en-US" sz="2000" dirty="0">
+                    <a:sym typeface="Symbol" pitchFamily="18" charset="2"/>
+                  </a:endParaRPr>
+                </a:p>
+              </p:txBody>
+            </p:sp>
+          </mc:Choice>
+          <mc:Fallback xmlns="">
+            <p:sp>
+              <p:nvSpPr>
+                <p:cNvPr id="11" name="Text Box 11"/>
+                <p:cNvSpPr txBox="1">
+                  <a:spLocks noRot="1" noChangeAspect="1" noMove="1" noResize="1" noEditPoints="1" noAdjustHandles="1" noChangeArrowheads="1" noChangeShapeType="1" noTextEdit="1"/>
+                </p:cNvSpPr>
+                <p:nvPr/>
+              </p:nvSpPr>
+              <p:spPr bwMode="auto">
+                <a:xfrm>
+                  <a:off x="2786" y="1793"/>
+                  <a:ext cx="344" cy="336"/>
+                </a:xfrm>
+                <a:prstGeom prst="rect">
+                  <a:avLst/>
+                </a:prstGeom>
+                <a:blipFill rotWithShape="0">
+                  <a:blip r:embed="rId4"/>
+                  <a:stretch>
+                    <a:fillRect b="-1515"/>
+                  </a:stretch>
+                </a:blipFill>
+                <a:ln w="9525">
+                  <a:noFill/>
+                  <a:miter lim="800000"/>
+                  <a:headEnd/>
+                  <a:tailEnd/>
+                </a:ln>
+                <a:effectLst/>
+              </p:spPr>
+              <p:txBody>
+                <a:bodyPr/>
+                <a:lstStyle/>
+                <a:p>
+                  <a:r>
+                    <a:rPr lang="ru-RU">
+                      <a:noFill/>
+                    </a:rPr>
+                    <a:t> </a:t>
+                  </a:r>
+                </a:p>
+              </p:txBody>
+            </p:sp>
+          </mc:Fallback>
+        </mc:AlternateContent>
+      </p:grpSp>
+      <p:grpSp>
+        <p:nvGrpSpPr>
+          <p:cNvPr id="10" name="Group 20"/>
+          <p:cNvGrpSpPr>
+            <a:grpSpLocks/>
+          </p:cNvGrpSpPr>
+          <p:nvPr/>
+        </p:nvGrpSpPr>
+        <p:grpSpPr bwMode="auto">
+          <a:xfrm>
+            <a:off x="3974813" y="5832693"/>
+            <a:ext cx="3733800" cy="400051"/>
+            <a:chOff x="1776" y="2107"/>
+            <a:chExt cx="2352" cy="336"/>
+          </a:xfrm>
+        </p:grpSpPr>
+        <p:sp>
+          <p:nvSpPr>
+            <p:cNvPr id="11" name="Line 13"/>
+            <p:cNvSpPr>
+              <a:spLocks noChangeShapeType="1"/>
+            </p:cNvSpPr>
+            <p:nvPr/>
+          </p:nvSpPr>
+          <p:spPr bwMode="auto">
+            <a:xfrm>
+              <a:off x="1776" y="2410"/>
+              <a:ext cx="2352" cy="0"/>
+            </a:xfrm>
+            <a:prstGeom prst="line">
+              <a:avLst/>
+            </a:prstGeom>
+            <a:noFill/>
+            <a:ln w="38100" cmpd="sng">
+              <a:solidFill>
+                <a:schemeClr val="tx1"/>
+              </a:solidFill>
+              <a:round/>
+              <a:headEnd/>
+              <a:tailEnd type="triangle" w="med" len="med"/>
+            </a:ln>
+            <a:effectLst/>
+          </p:spPr>
+          <p:txBody>
+            <a:bodyPr/>
+            <a:lstStyle/>
+            <a:p>
+              <a:endParaRPr lang="en-US"/>
+            </a:p>
+          </p:txBody>
+        </p:sp>
+        <mc:AlternateContent xmlns:mc="http://schemas.openxmlformats.org/markup-compatibility/2006" xmlns:a14="http://schemas.microsoft.com/office/drawing/2010/main">
+          <mc:Choice Requires="a14">
+            <p:sp>
+              <p:nvSpPr>
+                <p:cNvPr id="12" name="Text Box 14"/>
+                <p:cNvSpPr txBox="1">
+                  <a:spLocks noChangeArrowheads="1"/>
+                </p:cNvSpPr>
+                <p:nvPr/>
+              </p:nvSpPr>
+              <p:spPr bwMode="auto">
+                <a:xfrm>
+                  <a:off x="2422" y="2107"/>
+                  <a:ext cx="1171" cy="336"/>
+                </a:xfrm>
+                <a:prstGeom prst="rect">
+                  <a:avLst/>
+                </a:prstGeom>
+                <a:noFill/>
+                <a:ln w="9525">
+                  <a:noFill/>
+                  <a:miter lim="800000"/>
+                  <a:headEnd/>
+                  <a:tailEnd/>
+                </a:ln>
+                <a:effectLst/>
+              </p:spPr>
+              <p:txBody>
+                <a:bodyPr wrap="none">
+                  <a:spAutoFit/>
+                </a:bodyPr>
+                <a:lstStyle/>
+                <a:p>
+                  <a:pPr/>
+                  <a14:m>
+                    <m:oMathPara xmlns:m="http://schemas.openxmlformats.org/officeDocument/2006/math">
+                      <m:oMathParaPr>
+                        <m:jc m:val="centerGroup"/>
+                      </m:oMathParaPr>
+                      <m:oMath xmlns:m="http://schemas.openxmlformats.org/officeDocument/2006/math">
+                        <m:sSub>
+                          <m:sSubPr>
+                            <m:ctrlPr>
+                              <a:rPr lang="en-US" sz="2000" b="0" i="1" dirty="0" smtClean="0">
+                                <a:latin typeface="Cambria Math" panose="02040503050406030204" pitchFamily="18" charset="0"/>
+                              </a:rPr>
+                            </m:ctrlPr>
+                          </m:sSubPr>
+                          <m:e>
+                            <m:r>
+                              <a:rPr lang="ru-RU" sz="2000" b="0" i="1" dirty="0" smtClean="0">
+                                <a:latin typeface="Cambria Math" panose="02040503050406030204" pitchFamily="18" charset="0"/>
+                              </a:rPr>
+                              <m:t>с</m:t>
+                            </m:r>
+                          </m:e>
+                          <m:sub>
+                            <m:r>
+                              <a:rPr lang="en-US" sz="2000" b="0" i="1" dirty="0" smtClean="0">
+                                <a:latin typeface="Cambria Math" panose="02040503050406030204" pitchFamily="18" charset="0"/>
+                              </a:rPr>
+                              <m:t>𝑖</m:t>
+                            </m:r>
+                          </m:sub>
+                        </m:sSub>
+                        <m:sSup>
+                          <m:sSupPr>
+                            <m:ctrlPr>
+                              <a:rPr lang="en-US" sz="2000" b="0" i="1" dirty="0" smtClean="0">
+                                <a:latin typeface="Cambria Math" panose="02040503050406030204" pitchFamily="18" charset="0"/>
+                              </a:rPr>
+                            </m:ctrlPr>
+                          </m:sSupPr>
+                          <m:e>
+                            <m:r>
+                              <a:rPr lang="en-US" sz="2000" b="0" i="1" dirty="0" smtClean="0">
+                                <a:latin typeface="Cambria Math" panose="02040503050406030204" pitchFamily="18" charset="0"/>
+                              </a:rPr>
+                              <m:t>←</m:t>
+                            </m:r>
+                          </m:e>
+                          <m:sup>
+                            <m:r>
+                              <a:rPr lang="en-US" sz="2000" b="0" i="1" dirty="0" smtClean="0">
+                                <a:latin typeface="Cambria Math" panose="02040503050406030204" pitchFamily="18" charset="0"/>
+                              </a:rPr>
+                              <m:t>𝑅</m:t>
+                            </m:r>
+                          </m:sup>
+                        </m:sSup>
+                        <m:r>
+                          <a:rPr lang="en-US" sz="2000" b="0" i="1" dirty="0" smtClean="0">
+                            <a:latin typeface="Cambria Math" panose="02040503050406030204" pitchFamily="18" charset="0"/>
+                          </a:rPr>
+                          <m:t>𝐸</m:t>
+                        </m:r>
+                        <m:r>
+                          <a:rPr lang="en-US" sz="2000" b="0" i="1" dirty="0" smtClean="0">
+                            <a:latin typeface="Cambria Math" panose="02040503050406030204" pitchFamily="18" charset="0"/>
+                          </a:rPr>
+                          <m:t>(</m:t>
+                        </m:r>
+                        <m:r>
+                          <a:rPr lang="en-US" sz="2000" b="0" i="1" dirty="0" smtClean="0">
+                            <a:latin typeface="Cambria Math" panose="02040503050406030204" pitchFamily="18" charset="0"/>
+                          </a:rPr>
+                          <m:t>𝑘</m:t>
+                        </m:r>
+                        <m:r>
+                          <a:rPr lang="en-US" sz="2000" b="0" i="1" dirty="0" smtClean="0">
+                            <a:latin typeface="Cambria Math" panose="02040503050406030204" pitchFamily="18" charset="0"/>
+                          </a:rPr>
+                          <m:t>,</m:t>
+                        </m:r>
+                        <m:sSub>
+                          <m:sSubPr>
+                            <m:ctrlPr>
+                              <a:rPr lang="en-US" sz="2000" b="0" i="1" dirty="0" smtClean="0">
+                                <a:latin typeface="Cambria Math" panose="02040503050406030204" pitchFamily="18" charset="0"/>
+                              </a:rPr>
+                            </m:ctrlPr>
+                          </m:sSubPr>
+                          <m:e>
+                            <m:r>
+                              <a:rPr lang="en-US" sz="2000" b="0" i="1" dirty="0" smtClean="0">
+                                <a:latin typeface="Cambria Math" panose="02040503050406030204" pitchFamily="18" charset="0"/>
+                              </a:rPr>
+                              <m:t>𝑚</m:t>
+                            </m:r>
+                          </m:e>
+                          <m:sub>
+                            <m:r>
+                              <a:rPr lang="en-US" sz="2000" b="0" i="1" dirty="0" smtClean="0">
+                                <a:latin typeface="Cambria Math" panose="02040503050406030204" pitchFamily="18" charset="0"/>
+                              </a:rPr>
+                              <m:t>𝑖</m:t>
+                            </m:r>
+                          </m:sub>
+                        </m:sSub>
+                        <m:r>
+                          <a:rPr lang="en-US" sz="2000" b="0" i="1" dirty="0" smtClean="0">
+                            <a:latin typeface="Cambria Math" panose="02040503050406030204" pitchFamily="18" charset="0"/>
+                          </a:rPr>
+                          <m:t>)</m:t>
+                        </m:r>
+                      </m:oMath>
+                    </m:oMathPara>
+                  </a14:m>
+                  <a:endParaRPr lang="en-US" sz="2000" dirty="0"/>
+                </a:p>
+              </p:txBody>
+            </p:sp>
+          </mc:Choice>
+          <mc:Fallback xmlns="">
+            <p:sp>
+              <p:nvSpPr>
+                <p:cNvPr id="12" name="Text Box 14"/>
+                <p:cNvSpPr txBox="1">
+                  <a:spLocks noRot="1" noChangeAspect="1" noMove="1" noResize="1" noEditPoints="1" noAdjustHandles="1" noChangeArrowheads="1" noChangeShapeType="1" noTextEdit="1"/>
+                </p:cNvSpPr>
+                <p:nvPr/>
+              </p:nvSpPr>
+              <p:spPr bwMode="auto">
+                <a:xfrm>
+                  <a:off x="2422" y="2107"/>
+                  <a:ext cx="1171" cy="336"/>
+                </a:xfrm>
+                <a:prstGeom prst="rect">
+                  <a:avLst/>
+                </a:prstGeom>
+                <a:blipFill rotWithShape="0">
+                  <a:blip r:embed="rId5"/>
+                  <a:stretch>
+                    <a:fillRect b="-15152"/>
+                  </a:stretch>
+                </a:blipFill>
+                <a:ln w="9525">
+                  <a:noFill/>
+                  <a:miter lim="800000"/>
+                  <a:headEnd/>
+                  <a:tailEnd/>
+                </a:ln>
+                <a:effectLst/>
+              </p:spPr>
+              <p:txBody>
+                <a:bodyPr/>
+                <a:lstStyle/>
+                <a:p>
+                  <a:r>
+                    <a:rPr lang="ru-RU">
+                      <a:noFill/>
+                    </a:rPr>
+                    <a:t> </a:t>
+                  </a:r>
+                </a:p>
+              </p:txBody>
+            </p:sp>
+          </mc:Fallback>
+        </mc:AlternateContent>
+      </p:grpSp>
+      <p:sp>
+        <p:nvSpPr>
+          <p:cNvPr id="13" name="Rectangle 18"/>
+          <p:cNvSpPr>
+            <a:spLocks noChangeArrowheads="1"/>
+          </p:cNvSpPr>
+          <p:nvPr/>
+        </p:nvSpPr>
+        <p:spPr bwMode="auto">
+          <a:xfrm>
+            <a:off x="1944403" y="4801303"/>
+            <a:ext cx="7924800" cy="1920172"/>
+          </a:xfrm>
+          <a:prstGeom prst="rect">
+            <a:avLst/>
+          </a:prstGeom>
+          <a:noFill/>
+          <a:ln w="38100">
+            <a:solidFill>
+              <a:schemeClr val="folHlink"/>
+            </a:solidFill>
+            <a:miter lim="800000"/>
+            <a:headEnd/>
+            <a:tailEnd/>
+          </a:ln>
+          <a:effectLst/>
+        </p:spPr>
+        <p:txBody>
+          <a:bodyPr wrap="none" anchor="ctr"/>
+          <a:lstStyle/>
+          <a:p>
+            <a:endParaRPr lang="en-US"/>
+          </a:p>
+        </p:txBody>
+      </p:sp>
+      <p:sp>
+        <p:nvSpPr>
+          <p:cNvPr id="14" name="TextBox 13"/>
+          <p:cNvSpPr txBox="1"/>
+          <p:nvPr/>
+        </p:nvSpPr>
+        <p:spPr>
+          <a:xfrm>
+            <a:off x="5543104" y="6023465"/>
+            <a:ext cx="415498" cy="492443"/>
+          </a:xfrm>
+          <a:prstGeom prst="rect">
+            <a:avLst/>
+          </a:prstGeom>
+          <a:noFill/>
+        </p:spPr>
+        <p:txBody>
+          <a:bodyPr wrap="none" rtlCol="0">
+            <a:spAutoFit/>
+          </a:bodyPr>
+          <a:lstStyle/>
+          <a:p>
+            <a:r>
+              <a:rPr lang="en-US" sz="2600" dirty="0" smtClean="0"/>
+              <a:t>…</a:t>
+            </a:r>
+            <a:endParaRPr lang="ru-RU" sz="2600" dirty="0"/>
+          </a:p>
+        </p:txBody>
+      </p:sp>
+      <p:sp>
+        <p:nvSpPr>
+          <p:cNvPr id="15" name="Line 5"/>
+          <p:cNvSpPr>
+            <a:spLocks noChangeShapeType="1"/>
+          </p:cNvSpPr>
+          <p:nvPr/>
+        </p:nvSpPr>
+        <p:spPr bwMode="auto">
+          <a:xfrm>
+            <a:off x="9869203" y="5833227"/>
+            <a:ext cx="386096" cy="0"/>
+          </a:xfrm>
+          <a:prstGeom prst="line">
+            <a:avLst/>
+          </a:prstGeom>
+          <a:noFill/>
+          <a:ln w="9525">
+            <a:solidFill>
+              <a:schemeClr val="tx1"/>
+            </a:solidFill>
+            <a:round/>
+            <a:headEnd/>
+            <a:tailEnd type="triangle" w="med" len="med"/>
+          </a:ln>
+          <a:effectLst/>
+        </p:spPr>
+        <p:txBody>
+          <a:bodyPr/>
+          <a:lstStyle/>
+          <a:p>
+            <a:endParaRPr lang="en-US"/>
+          </a:p>
+        </p:txBody>
+      </p:sp>
+      <mc:AlternateContent xmlns:mc="http://schemas.openxmlformats.org/markup-compatibility/2006" xmlns:a14="http://schemas.microsoft.com/office/drawing/2010/main">
+        <mc:Choice Requires="a14">
+          <p:sp>
+            <p:nvSpPr>
+              <p:cNvPr id="16" name="Text Box 6"/>
+              <p:cNvSpPr txBox="1">
+                <a:spLocks noChangeArrowheads="1"/>
+              </p:cNvSpPr>
+              <p:nvPr/>
+            </p:nvSpPr>
+            <p:spPr bwMode="auto">
+              <a:xfrm>
+                <a:off x="10186251" y="5587593"/>
+                <a:ext cx="1812006" cy="490199"/>
+              </a:xfrm>
+              <a:prstGeom prst="rect">
+                <a:avLst/>
+              </a:prstGeom>
+              <a:noFill/>
+              <a:ln w="9525">
+                <a:noFill/>
+                <a:miter lim="800000"/>
+                <a:headEnd/>
+                <a:tailEnd/>
+              </a:ln>
+              <a:effectLst/>
+            </p:spPr>
+            <p:txBody>
+              <a:bodyPr wrap="square">
+                <a:spAutoFit/>
+              </a:bodyPr>
+              <a:lstStyle/>
+              <a:p>
+                <a:pPr/>
+                <a14:m>
+                  <m:oMathPara xmlns:m="http://schemas.openxmlformats.org/officeDocument/2006/math">
+                    <m:oMathParaPr>
+                      <m:jc m:val="centerGroup"/>
+                    </m:oMathParaPr>
+                    <m:oMath xmlns:m="http://schemas.openxmlformats.org/officeDocument/2006/math">
+                      <m:r>
+                        <a:rPr lang="en-US" sz="2400" i="1" smtClean="0">
+                          <a:latin typeface="Cambria Math" panose="02040503050406030204" pitchFamily="18" charset="0"/>
+                        </a:rPr>
+                        <m:t>𝑐</m:t>
+                      </m:r>
+                      <m:r>
+                        <a:rPr lang="en-US" sz="2400" b="0" i="1" smtClean="0">
+                          <a:latin typeface="Cambria Math" panose="02040503050406030204" pitchFamily="18" charset="0"/>
+                        </a:rPr>
+                        <m:t>∉</m:t>
+                      </m:r>
+                      <m:sSub>
+                        <m:sSubPr>
+                          <m:ctrlPr>
+                            <a:rPr lang="en-US" sz="2400" b="0" i="1" smtClean="0">
+                              <a:latin typeface="Cambria Math" panose="02040503050406030204" pitchFamily="18" charset="0"/>
+                            </a:rPr>
+                          </m:ctrlPr>
+                        </m:sSubPr>
+                        <m:e>
+                          <m:r>
+                            <a:rPr lang="en-US" sz="2400" b="0" i="1" smtClean="0">
+                              <a:latin typeface="Cambria Math" panose="02040503050406030204" pitchFamily="18" charset="0"/>
+                            </a:rPr>
+                            <m:t>𝑐</m:t>
+                          </m:r>
+                        </m:e>
+                        <m:sub>
+                          <m:r>
+                            <a:rPr lang="en-US" sz="2400" b="0" i="1" smtClean="0">
+                              <a:latin typeface="Cambria Math" panose="02040503050406030204" pitchFamily="18" charset="0"/>
+                            </a:rPr>
+                            <m:t>1</m:t>
+                          </m:r>
+                        </m:sub>
+                      </m:sSub>
+                      <m:r>
+                        <a:rPr lang="en-US" sz="2400" b="0" i="1" smtClean="0">
+                          <a:latin typeface="Cambria Math" panose="02040503050406030204" pitchFamily="18" charset="0"/>
+                        </a:rPr>
+                        <m:t>,…</m:t>
+                      </m:r>
+                      <m:sSub>
+                        <m:sSubPr>
+                          <m:ctrlPr>
+                            <a:rPr lang="en-US" sz="2400" b="0" i="1" smtClean="0">
+                              <a:latin typeface="Cambria Math" panose="02040503050406030204" pitchFamily="18" charset="0"/>
+                            </a:rPr>
+                          </m:ctrlPr>
+                        </m:sSubPr>
+                        <m:e>
+                          <m:r>
+                            <a:rPr lang="en-US" sz="2400" b="0" i="1" smtClean="0">
+                              <a:latin typeface="Cambria Math" panose="02040503050406030204" pitchFamily="18" charset="0"/>
+                            </a:rPr>
+                            <m:t>𝑐</m:t>
+                          </m:r>
+                        </m:e>
+                        <m:sub>
+                          <m:r>
+                            <a:rPr lang="en-US" sz="2400" b="0" i="1" smtClean="0">
+                              <a:latin typeface="Cambria Math" panose="02040503050406030204" pitchFamily="18" charset="0"/>
+                            </a:rPr>
+                            <m:t>𝑞</m:t>
+                          </m:r>
+                        </m:sub>
+                      </m:sSub>
+                    </m:oMath>
+                  </m:oMathPara>
+                </a14:m>
+                <a:endParaRPr lang="en-US" sz="2400" i="1" dirty="0"/>
+              </a:p>
+            </p:txBody>
+          </p:sp>
+        </mc:Choice>
+        <mc:Fallback xmlns="">
+          <p:sp>
+            <p:nvSpPr>
+              <p:cNvPr id="16" name="Text Box 6"/>
+              <p:cNvSpPr txBox="1">
+                <a:spLocks noRot="1" noChangeAspect="1" noMove="1" noResize="1" noEditPoints="1" noAdjustHandles="1" noChangeArrowheads="1" noChangeShapeType="1" noTextEdit="1"/>
+              </p:cNvSpPr>
+              <p:nvPr/>
+            </p:nvSpPr>
+            <p:spPr bwMode="auto">
+              <a:xfrm>
+                <a:off x="10186251" y="5587593"/>
+                <a:ext cx="1812006" cy="490199"/>
+              </a:xfrm>
+              <a:prstGeom prst="rect">
+                <a:avLst/>
+              </a:prstGeom>
+              <a:blipFill rotWithShape="0">
+                <a:blip r:embed="rId6"/>
+                <a:stretch>
+                  <a:fillRect b="-6250"/>
+                </a:stretch>
+              </a:blipFill>
+              <a:ln w="9525">
+                <a:noFill/>
+                <a:miter lim="800000"/>
+                <a:headEnd/>
+                <a:tailEnd/>
+              </a:ln>
+              <a:effectLst/>
+            </p:spPr>
+            <p:txBody>
+              <a:bodyPr/>
+              <a:lstStyle/>
+              <a:p>
+                <a:r>
+                  <a:rPr lang="ru-RU">
+                    <a:noFill/>
+                  </a:rPr>
+                  <a:t> </a:t>
+                </a:r>
+              </a:p>
+            </p:txBody>
+          </p:sp>
+        </mc:Fallback>
+      </mc:AlternateContent>
+      <p:sp>
+        <p:nvSpPr>
+          <p:cNvPr id="17" name="TextBox 16"/>
+          <p:cNvSpPr txBox="1"/>
+          <p:nvPr/>
+        </p:nvSpPr>
+        <p:spPr>
+          <a:xfrm>
+            <a:off x="5543104" y="4918887"/>
+            <a:ext cx="415498" cy="492443"/>
+          </a:xfrm>
+          <a:prstGeom prst="rect">
+            <a:avLst/>
+          </a:prstGeom>
+          <a:noFill/>
+        </p:spPr>
+        <p:txBody>
+          <a:bodyPr wrap="none" rtlCol="0">
+            <a:spAutoFit/>
+          </a:bodyPr>
+          <a:lstStyle/>
+          <a:p>
+            <a:r>
+              <a:rPr lang="en-US" sz="2600" dirty="0" smtClean="0"/>
+              <a:t>…</a:t>
+            </a:r>
+            <a:endParaRPr lang="ru-RU" sz="2600" dirty="0"/>
+          </a:p>
+        </p:txBody>
+      </p:sp>
+      <mc:AlternateContent xmlns:mc="http://schemas.openxmlformats.org/markup-compatibility/2006" xmlns:a14="http://schemas.microsoft.com/office/drawing/2010/main">
+        <mc:Choice Requires="a14">
+          <p:sp>
+            <p:nvSpPr>
+              <p:cNvPr id="18" name="Text Box 13"/>
+              <p:cNvSpPr txBox="1">
+                <a:spLocks noChangeArrowheads="1"/>
+              </p:cNvSpPr>
+              <p:nvPr/>
+            </p:nvSpPr>
+            <p:spPr bwMode="auto">
+              <a:xfrm>
+                <a:off x="2901211" y="5715763"/>
+                <a:ext cx="632609" cy="423129"/>
+              </a:xfrm>
+              <a:prstGeom prst="rect">
+                <a:avLst/>
+              </a:prstGeom>
+              <a:noFill/>
+              <a:ln w="9525">
+                <a:noFill/>
+                <a:miter lim="800000"/>
+                <a:headEnd/>
+                <a:tailEnd/>
+              </a:ln>
+              <a:effectLst/>
+            </p:spPr>
+            <p:txBody>
+              <a:bodyPr wrap="none">
+                <a:spAutoFit/>
+              </a:bodyPr>
+              <a:lstStyle/>
+              <a:p>
+                <a:r>
+                  <a:rPr lang="en-US" sz="1600" i="1" dirty="0" smtClean="0"/>
+                  <a:t>k</a:t>
+                </a:r>
+                <a14:m>
+                  <m:oMath xmlns:m="http://schemas.openxmlformats.org/officeDocument/2006/math">
+                    <m:groupChr>
+                      <m:groupChrPr>
+                        <m:chr m:val="←"/>
+                        <m:vertJc m:val="bot"/>
+                        <m:ctrlPr>
+                          <a:rPr lang="en-US" sz="1600" i="1">
+                            <a:latin typeface="Cambria Math" panose="02040503050406030204" pitchFamily="18" charset="0"/>
+                          </a:rPr>
+                        </m:ctrlPr>
+                      </m:groupChrPr>
+                      <m:e>
+                        <m:r>
+                          <m:rPr>
+                            <m:brk m:alnAt="2"/>
+                          </m:rPr>
+                          <a:rPr lang="en-US" sz="1600" i="1">
+                            <a:latin typeface="Cambria Math" panose="02040503050406030204" pitchFamily="18" charset="0"/>
+                          </a:rPr>
+                          <m:t>𝑅</m:t>
+                        </m:r>
+                      </m:e>
+                    </m:groupChr>
+                    <m:r>
+                      <a:rPr lang="en-US" sz="1600" b="0" i="1" smtClean="0">
+                        <a:latin typeface="Cambria Math" panose="02040503050406030204" pitchFamily="18" charset="0"/>
+                      </a:rPr>
+                      <m:t>𝐾</m:t>
+                    </m:r>
+                  </m:oMath>
+                </a14:m>
+                <a:endParaRPr lang="en-US" sz="1600" b="1" baseline="-25000" dirty="0">
+                  <a:cs typeface="Arial" charset="0"/>
+                  <a:sym typeface="Symbol" pitchFamily="18" charset="2"/>
+                </a:endParaRPr>
+              </a:p>
+            </p:txBody>
+          </p:sp>
+        </mc:Choice>
+        <mc:Fallback xmlns="">
+          <p:sp>
+            <p:nvSpPr>
+              <p:cNvPr id="18" name="Text Box 13"/>
+              <p:cNvSpPr txBox="1">
+                <a:spLocks noRot="1" noChangeAspect="1" noMove="1" noResize="1" noEditPoints="1" noAdjustHandles="1" noChangeArrowheads="1" noChangeShapeType="1" noTextEdit="1"/>
+              </p:cNvSpPr>
+              <p:nvPr/>
+            </p:nvSpPr>
+            <p:spPr bwMode="auto">
+              <a:xfrm>
+                <a:off x="2901211" y="5715763"/>
+                <a:ext cx="632609" cy="423129"/>
+              </a:xfrm>
+              <a:prstGeom prst="rect">
+                <a:avLst/>
+              </a:prstGeom>
+              <a:blipFill rotWithShape="0">
+                <a:blip r:embed="rId7"/>
+                <a:stretch>
+                  <a:fillRect l="-5769" r="-26923" b="-44928"/>
+                </a:stretch>
+              </a:blipFill>
+              <a:ln w="9525">
+                <a:noFill/>
+                <a:miter lim="800000"/>
+                <a:headEnd/>
+                <a:tailEnd/>
+              </a:ln>
+              <a:effectLst/>
+            </p:spPr>
+            <p:txBody>
+              <a:bodyPr/>
+              <a:lstStyle/>
+              <a:p>
+                <a:r>
+                  <a:rPr lang="ru-RU">
+                    <a:noFill/>
+                  </a:rPr>
+                  <a:t> </a:t>
+                </a:r>
+              </a:p>
+            </p:txBody>
+          </p:sp>
+        </mc:Fallback>
+      </mc:AlternateContent>
+    </p:spTree>
+    <p:extLst>
+      <p:ext uri="{BB962C8B-B14F-4D97-AF65-F5344CB8AC3E}">
+        <p14:creationId xmlns:p14="http://schemas.microsoft.com/office/powerpoint/2010/main" val="179681710"/>
+      </p:ext>
+    </p:extLst>
+  </p:cSld>
+  <p:clrMapOvr>
+    <a:masterClrMapping/>
+  </p:clrMapOvr>
+  <p:timing>
+    <p:tnLst>
+      <p:par>
+        <p:cTn id="1" dur="indefinite" restart="never" nodeType="tmRoot"/>
+      </p:par>
+    </p:tnLst>
+  </p:timing>
+</p:sld>
+</file>
+
+<file path=ppt/slides/slide13.xml><?xml version="1.0" encoding="utf-8"?>
 <p:sld xmlns:a="http://schemas.openxmlformats.org/drawingml/2006/main" xmlns:r="http://schemas.openxmlformats.org/officeDocument/2006/relationships" xmlns:p="http://schemas.openxmlformats.org/presentationml/2006/main">
   <p:cSld>
     <p:spTree>
@@ -4242,7 +6185,7 @@
           <a:p>
             <a:fld id="{8253DDDB-F8F7-4D64-A7FD-3F3D61C1949F}" type="slidenum">
               <a:rPr lang="ru-RU" smtClean="0"/>
-              <a:t>10</a:t>
+              <a:t>13</a:t>
             </a:fld>
             <a:endParaRPr lang="ru-RU"/>
           </a:p>
@@ -5203,7 +7146,7 @@
 </p:sld>
 </file>
 
-<file path=ppt/slides/slide11.xml><?xml version="1.0" encoding="utf-8"?>
+<file path=ppt/slides/slide14.xml><?xml version="1.0" encoding="utf-8"?>
 <p:sld xmlns:a="http://schemas.openxmlformats.org/drawingml/2006/main" xmlns:r="http://schemas.openxmlformats.org/officeDocument/2006/relationships" xmlns:p="http://schemas.openxmlformats.org/presentationml/2006/main">
   <p:cSld>
     <p:spTree>
@@ -5498,7 +7441,7 @@
           <a:p>
             <a:fld id="{8253DDDB-F8F7-4D64-A7FD-3F3D61C1949F}" type="slidenum">
               <a:rPr lang="ru-RU" smtClean="0"/>
-              <a:t>11</a:t>
+              <a:t>14</a:t>
             </a:fld>
             <a:endParaRPr lang="ru-RU"/>
           </a:p>
@@ -6590,7 +8533,7 @@
 </p:sld>
 </file>
 
-<file path=ppt/slides/slide12.xml><?xml version="1.0" encoding="utf-8"?>
+<file path=ppt/slides/slide15.xml><?xml version="1.0" encoding="utf-8"?>
 <p:sld xmlns:a="http://schemas.openxmlformats.org/drawingml/2006/main" xmlns:r="http://schemas.openxmlformats.org/officeDocument/2006/relationships" xmlns:p="http://schemas.openxmlformats.org/presentationml/2006/main">
   <p:cSld>
     <p:spTree>
@@ -7038,7 +8981,7 @@
           <a:p>
             <a:fld id="{8253DDDB-F8F7-4D64-A7FD-3F3D61C1949F}" type="slidenum">
               <a:rPr lang="ru-RU" smtClean="0"/>
-              <a:t>12</a:t>
+              <a:t>15</a:t>
             </a:fld>
             <a:endParaRPr lang="ru-RU"/>
           </a:p>
@@ -7064,7 +9007,7 @@
 </p:sld>
 </file>
 
-<file path=ppt/slides/slide13.xml><?xml version="1.0" encoding="utf-8"?>
+<file path=ppt/slides/slide16.xml><?xml version="1.0" encoding="utf-8"?>
 <p:sld xmlns:a="http://schemas.openxmlformats.org/drawingml/2006/main" xmlns:r="http://schemas.openxmlformats.org/officeDocument/2006/relationships" xmlns:p="http://schemas.openxmlformats.org/presentationml/2006/main">
   <p:cSld>
     <p:spTree>
@@ -7287,7 +9230,7 @@
           <a:p>
             <a:fld id="{8253DDDB-F8F7-4D64-A7FD-3F3D61C1949F}" type="slidenum">
               <a:rPr lang="ru-RU" smtClean="0"/>
-              <a:t>13</a:t>
+              <a:t>16</a:t>
             </a:fld>
             <a:endParaRPr lang="ru-RU"/>
           </a:p>
@@ -7306,7 +9249,7 @@
 </p:sld>
 </file>
 
-<file path=ppt/slides/slide14.xml><?xml version="1.0" encoding="utf-8"?>
+<file path=ppt/slides/slide17.xml><?xml version="1.0" encoding="utf-8"?>
 <p:sld xmlns:a="http://schemas.openxmlformats.org/drawingml/2006/main" xmlns:r="http://schemas.openxmlformats.org/officeDocument/2006/relationships" xmlns:p="http://schemas.openxmlformats.org/presentationml/2006/main">
   <p:cSld>
     <p:spTree>
@@ -7445,7 +9388,7 @@
           <a:p>
             <a:fld id="{8253DDDB-F8F7-4D64-A7FD-3F3D61C1949F}" type="slidenum">
               <a:rPr lang="ru-RU" smtClean="0"/>
-              <a:t>14</a:t>
+              <a:t>17</a:t>
             </a:fld>
             <a:endParaRPr lang="ru-RU"/>
           </a:p>
@@ -7464,7 +9407,7 @@
 </p:sld>
 </file>
 
-<file path=ppt/slides/slide15.xml><?xml version="1.0" encoding="utf-8"?>
+<file path=ppt/slides/slide18.xml><?xml version="1.0" encoding="utf-8"?>
 <p:sld xmlns:a="http://schemas.openxmlformats.org/drawingml/2006/main" xmlns:r="http://schemas.openxmlformats.org/officeDocument/2006/relationships" xmlns:p="http://schemas.openxmlformats.org/presentationml/2006/main">
   <p:cSld>
     <p:spTree>
@@ -7582,7 +9525,7 @@
           <a:p>
             <a:fld id="{8253DDDB-F8F7-4D64-A7FD-3F3D61C1949F}" type="slidenum">
               <a:rPr lang="ru-RU" smtClean="0"/>
-              <a:t>15</a:t>
+              <a:t>18</a:t>
             </a:fld>
             <a:endParaRPr lang="ru-RU"/>
           </a:p>
@@ -8569,7 +10512,7 @@
 </p:sld>
 </file>
 
-<file path=ppt/slides/slide16.xml><?xml version="1.0" encoding="utf-8"?>
+<file path=ppt/slides/slide19.xml><?xml version="1.0" encoding="utf-8"?>
 <p:sld xmlns:a="http://schemas.openxmlformats.org/drawingml/2006/main" xmlns:r="http://schemas.openxmlformats.org/officeDocument/2006/relationships" xmlns:p="http://schemas.openxmlformats.org/presentationml/2006/main">
   <p:cSld>
     <p:spTree>
@@ -8704,7 +10647,7 @@
           <a:p>
             <a:fld id="{8253DDDB-F8F7-4D64-A7FD-3F3D61C1949F}" type="slidenum">
               <a:rPr lang="ru-RU" smtClean="0"/>
-              <a:t>16</a:t>
+              <a:t>19</a:t>
             </a:fld>
             <a:endParaRPr lang="ru-RU"/>
           </a:p>
@@ -8730,7 +10673,323 @@
 </p:sld>
 </file>
 
-<file path=ppt/slides/slide17.xml><?xml version="1.0" encoding="utf-8"?>
+<file path=ppt/slides/slide2.xml><?xml version="1.0" encoding="utf-8"?>
+<p:sld xmlns:a="http://schemas.openxmlformats.org/drawingml/2006/main" xmlns:r="http://schemas.openxmlformats.org/officeDocument/2006/relationships" xmlns:p="http://schemas.openxmlformats.org/presentationml/2006/main">
+  <p:cSld>
+    <p:spTree>
+      <p:nvGrpSpPr>
+        <p:cNvPr id="1" name=""/>
+        <p:cNvGrpSpPr/>
+        <p:nvPr/>
+      </p:nvGrpSpPr>
+      <p:grpSpPr>
+        <a:xfrm>
+          <a:off x="0" y="0"/>
+          <a:ext cx="0" cy="0"/>
+          <a:chOff x="0" y="0"/>
+          <a:chExt cx="0" cy="0"/>
+        </a:xfrm>
+      </p:grpSpPr>
+      <p:sp>
+        <p:nvSpPr>
+          <p:cNvPr id="2" name="Заголовок 1"/>
+          <p:cNvSpPr>
+            <a:spLocks noGrp="1"/>
+          </p:cNvSpPr>
+          <p:nvPr>
+            <p:ph type="title"/>
+          </p:nvPr>
+        </p:nvSpPr>
+        <p:spPr/>
+        <p:txBody>
+          <a:bodyPr/>
+          <a:lstStyle/>
+          <a:p>
+            <a:r>
+              <a:rPr lang="ru-RU" dirty="0" smtClean="0"/>
+              <a:t>Тест.</a:t>
+            </a:r>
+            <a:endParaRPr lang="ru-RU" dirty="0"/>
+          </a:p>
+        </p:txBody>
+      </p:sp>
+      <p:sp>
+        <p:nvSpPr>
+          <p:cNvPr id="3" name="Объект 2"/>
+          <p:cNvSpPr>
+            <a:spLocks noGrp="1"/>
+          </p:cNvSpPr>
+          <p:nvPr>
+            <p:ph idx="1"/>
+          </p:nvPr>
+        </p:nvSpPr>
+        <p:spPr>
+          <a:xfrm>
+            <a:off x="5628541" y="1408579"/>
+            <a:ext cx="6148754" cy="4351338"/>
+          </a:xfrm>
+        </p:spPr>
+        <p:txBody>
+          <a:bodyPr/>
+          <a:lstStyle/>
+          <a:p>
+            <a:r>
+              <a:rPr lang="ru-RU" dirty="0" smtClean="0"/>
+              <a:t>Положить телефон экраном вниз справа от себя</a:t>
+            </a:r>
+          </a:p>
+          <a:p>
+            <a:r>
+              <a:rPr lang="ru-RU" dirty="0" smtClean="0"/>
+              <a:t>Не разговаривать с соседями</a:t>
+            </a:r>
+          </a:p>
+          <a:p>
+            <a:r>
+              <a:rPr lang="ru-RU" dirty="0" smtClean="0"/>
+              <a:t>Не пользоваться конспектами и электронными устройствами</a:t>
+            </a:r>
+          </a:p>
+          <a:p>
+            <a:r>
+              <a:rPr lang="ru-RU" dirty="0" smtClean="0"/>
+              <a:t>Написать номер (по таблице) и ФИО на листочке</a:t>
+            </a:r>
+          </a:p>
+          <a:p>
+            <a:r>
+              <a:rPr lang="ru-RU" dirty="0" smtClean="0"/>
+              <a:t>Написать краткий ответ на вопрос</a:t>
+            </a:r>
+            <a:endParaRPr lang="en-US" dirty="0" smtClean="0"/>
+          </a:p>
+          <a:p>
+            <a:r>
+              <a:rPr lang="ru-RU" dirty="0" smtClean="0"/>
+              <a:t>Дождаться окончания теста</a:t>
+            </a:r>
+            <a:endParaRPr lang="ru-RU" dirty="0"/>
+          </a:p>
+        </p:txBody>
+      </p:sp>
+      <p:sp>
+        <p:nvSpPr>
+          <p:cNvPr id="4" name="Номер слайда 3"/>
+          <p:cNvSpPr>
+            <a:spLocks noGrp="1"/>
+          </p:cNvSpPr>
+          <p:nvPr>
+            <p:ph type="sldNum" sz="quarter" idx="12"/>
+          </p:nvPr>
+        </p:nvSpPr>
+        <p:spPr/>
+        <p:txBody>
+          <a:bodyPr/>
+          <a:lstStyle/>
+          <a:p>
+            <a:fld id="{8253DDDB-F8F7-4D64-A7FD-3F3D61C1949F}" type="slidenum">
+              <a:rPr lang="ru-RU" smtClean="0"/>
+              <a:t>2</a:t>
+            </a:fld>
+            <a:endParaRPr lang="ru-RU"/>
+          </a:p>
+        </p:txBody>
+      </p:sp>
+      <p:sp>
+        <p:nvSpPr>
+          <p:cNvPr id="5" name="Прямоугольник 4"/>
+          <p:cNvSpPr/>
+          <p:nvPr/>
+        </p:nvSpPr>
+        <p:spPr>
+          <a:xfrm>
+            <a:off x="284285" y="5433158"/>
+            <a:ext cx="10688515" cy="317012"/>
+          </a:xfrm>
+          <a:prstGeom prst="rect">
+            <a:avLst/>
+          </a:prstGeom>
+          <a:solidFill>
+            <a:schemeClr val="accent6">
+              <a:alpha val="50000"/>
+            </a:schemeClr>
+          </a:solidFill>
+          <a:ln>
+            <a:noFill/>
+          </a:ln>
+        </p:spPr>
+        <p:style>
+          <a:lnRef idx="0">
+            <a:scrgbClr r="0" g="0" b="0"/>
+          </a:lnRef>
+          <a:fillRef idx="0">
+            <a:scrgbClr r="0" g="0" b="0"/>
+          </a:fillRef>
+          <a:effectRef idx="0">
+            <a:scrgbClr r="0" g="0" b="0"/>
+          </a:effectRef>
+          <a:fontRef idx="minor">
+            <a:schemeClr val="lt1"/>
+          </a:fontRef>
+        </p:style>
+        <p:txBody>
+          <a:bodyPr rtlCol="0" anchor="ctr"/>
+          <a:lstStyle/>
+          <a:p>
+            <a:pPr algn="ctr"/>
+            <a:endParaRPr lang="ru-RU"/>
+          </a:p>
+        </p:txBody>
+      </p:sp>
+      <p:sp>
+        <p:nvSpPr>
+          <p:cNvPr id="6" name="Прямоугольник 5"/>
+          <p:cNvSpPr/>
+          <p:nvPr/>
+        </p:nvSpPr>
+        <p:spPr>
+          <a:xfrm>
+            <a:off x="284285" y="5819530"/>
+            <a:ext cx="10688515" cy="317012"/>
+          </a:xfrm>
+          <a:prstGeom prst="rect">
+            <a:avLst/>
+          </a:prstGeom>
+          <a:solidFill>
+            <a:schemeClr val="accent6">
+              <a:alpha val="50000"/>
+            </a:schemeClr>
+          </a:solidFill>
+          <a:ln>
+            <a:noFill/>
+          </a:ln>
+        </p:spPr>
+        <p:style>
+          <a:lnRef idx="0">
+            <a:scrgbClr r="0" g="0" b="0"/>
+          </a:lnRef>
+          <a:fillRef idx="0">
+            <a:scrgbClr r="0" g="0" b="0"/>
+          </a:fillRef>
+          <a:effectRef idx="0">
+            <a:scrgbClr r="0" g="0" b="0"/>
+          </a:effectRef>
+          <a:fontRef idx="minor">
+            <a:schemeClr val="lt1"/>
+          </a:fontRef>
+        </p:style>
+        <p:txBody>
+          <a:bodyPr rtlCol="0" anchor="ctr"/>
+          <a:lstStyle/>
+          <a:p>
+            <a:pPr algn="ctr"/>
+            <a:endParaRPr lang="ru-RU"/>
+          </a:p>
+        </p:txBody>
+      </p:sp>
+      <p:sp>
+        <p:nvSpPr>
+          <p:cNvPr id="7" name="Прямоугольник 6"/>
+          <p:cNvSpPr/>
+          <p:nvPr/>
+        </p:nvSpPr>
+        <p:spPr>
+          <a:xfrm>
+            <a:off x="284284" y="6205902"/>
+            <a:ext cx="10688515" cy="317012"/>
+          </a:xfrm>
+          <a:prstGeom prst="rect">
+            <a:avLst/>
+          </a:prstGeom>
+          <a:solidFill>
+            <a:schemeClr val="accent6">
+              <a:alpha val="50000"/>
+            </a:schemeClr>
+          </a:solidFill>
+          <a:ln>
+            <a:noFill/>
+          </a:ln>
+        </p:spPr>
+        <p:style>
+          <a:lnRef idx="0">
+            <a:scrgbClr r="0" g="0" b="0"/>
+          </a:lnRef>
+          <a:fillRef idx="0">
+            <a:scrgbClr r="0" g="0" b="0"/>
+          </a:fillRef>
+          <a:effectRef idx="0">
+            <a:scrgbClr r="0" g="0" b="0"/>
+          </a:effectRef>
+          <a:fontRef idx="minor">
+            <a:schemeClr val="lt1"/>
+          </a:fontRef>
+        </p:style>
+        <p:txBody>
+          <a:bodyPr rtlCol="0" anchor="ctr"/>
+          <a:lstStyle/>
+          <a:p>
+            <a:pPr algn="ctr"/>
+            <a:endParaRPr lang="ru-RU"/>
+          </a:p>
+        </p:txBody>
+      </p:sp>
+      <p:sp>
+        <p:nvSpPr>
+          <p:cNvPr id="8" name="Прямоугольник 7"/>
+          <p:cNvSpPr/>
+          <p:nvPr/>
+        </p:nvSpPr>
+        <p:spPr>
+          <a:xfrm>
+            <a:off x="185371" y="1408578"/>
+            <a:ext cx="5318614" cy="892552"/>
+          </a:xfrm>
+          <a:prstGeom prst="rect">
+            <a:avLst/>
+          </a:prstGeom>
+        </p:spPr>
+        <p:txBody>
+          <a:bodyPr wrap="square">
+            <a:spAutoFit/>
+          </a:bodyPr>
+          <a:lstStyle/>
+          <a:p>
+            <a:r>
+              <a:rPr lang="en-US" sz="2600" dirty="0" smtClean="0"/>
+              <a:t>1 </a:t>
+            </a:r>
+            <a:r>
+              <a:rPr lang="ru-RU" sz="2600" dirty="0" smtClean="0"/>
+              <a:t>вопрос. </a:t>
+            </a:r>
+            <a:endParaRPr lang="en-US" sz="2600" dirty="0" smtClean="0"/>
+          </a:p>
+          <a:p>
+            <a:endParaRPr lang="en-US" sz="2600" dirty="0"/>
+          </a:p>
+        </p:txBody>
+      </p:sp>
+    </p:spTree>
+    <p:extLst>
+      <p:ext uri="{BB962C8B-B14F-4D97-AF65-F5344CB8AC3E}">
+        <p14:creationId xmlns:p14="http://schemas.microsoft.com/office/powerpoint/2010/main" val="3885448776"/>
+      </p:ext>
+    </p:extLst>
+  </p:cSld>
+  <p:clrMapOvr>
+    <a:masterClrMapping/>
+  </p:clrMapOvr>
+  <p:timing>
+    <p:tnLst>
+      <p:par>
+        <p:cTn id="1" dur="indefinite" restart="never" nodeType="tmRoot"/>
+      </p:par>
+    </p:tnLst>
+  </p:timing>
+</p:sld>
+</file>
+
+<file path=ppt/slides/slide20.xml><?xml version="1.0" encoding="utf-8"?>
 <p:sld xmlns:a="http://schemas.openxmlformats.org/drawingml/2006/main" xmlns:r="http://schemas.openxmlformats.org/officeDocument/2006/relationships" xmlns:p="http://schemas.openxmlformats.org/presentationml/2006/main">
   <p:cSld>
     <p:spTree>
@@ -9277,7 +11536,7 @@
           <a:p>
             <a:fld id="{8253DDDB-F8F7-4D64-A7FD-3F3D61C1949F}" type="slidenum">
               <a:rPr lang="ru-RU" smtClean="0"/>
-              <a:t>17</a:t>
+              <a:t>20</a:t>
             </a:fld>
             <a:endParaRPr lang="ru-RU"/>
           </a:p>
@@ -9303,7 +11562,7 @@
 </p:sld>
 </file>
 
-<file path=ppt/slides/slide18.xml><?xml version="1.0" encoding="utf-8"?>
+<file path=ppt/slides/slide21.xml><?xml version="1.0" encoding="utf-8"?>
 <p:sld xmlns:a="http://schemas.openxmlformats.org/drawingml/2006/main" xmlns:r="http://schemas.openxmlformats.org/officeDocument/2006/relationships" xmlns:p="http://schemas.openxmlformats.org/presentationml/2006/main">
   <p:cSld>
     <p:spTree>
@@ -9473,7 +11732,7 @@
           <a:p>
             <a:fld id="{8253DDDB-F8F7-4D64-A7FD-3F3D61C1949F}" type="slidenum">
               <a:rPr lang="ru-RU" smtClean="0"/>
-              <a:t>18</a:t>
+              <a:t>21</a:t>
             </a:fld>
             <a:endParaRPr lang="ru-RU"/>
           </a:p>
@@ -9499,7 +11758,7 @@
 </p:sld>
 </file>
 
-<file path=ppt/slides/slide19.xml><?xml version="1.0" encoding="utf-8"?>
+<file path=ppt/slides/slide22.xml><?xml version="1.0" encoding="utf-8"?>
 <p:sld xmlns:a="http://schemas.openxmlformats.org/drawingml/2006/main" xmlns:r="http://schemas.openxmlformats.org/officeDocument/2006/relationships" xmlns:p="http://schemas.openxmlformats.org/presentationml/2006/main">
   <p:cSld>
     <p:spTree>
@@ -9774,7 +12033,7 @@
           <a:p>
             <a:fld id="{8253DDDB-F8F7-4D64-A7FD-3F3D61C1949F}" type="slidenum">
               <a:rPr lang="ru-RU" smtClean="0"/>
-              <a:t>19</a:t>
+              <a:t>22</a:t>
             </a:fld>
             <a:endParaRPr lang="ru-RU"/>
           </a:p>
@@ -9800,7 +12059,7 @@
 </p:sld>
 </file>
 
-<file path=ppt/slides/slide2.xml><?xml version="1.0" encoding="utf-8"?>
+<file path=ppt/slides/slide23.xml><?xml version="1.0" encoding="utf-8"?>
 <p:sld xmlns:a="http://schemas.openxmlformats.org/drawingml/2006/main" xmlns:r="http://schemas.openxmlformats.org/officeDocument/2006/relationships" xmlns:p="http://schemas.openxmlformats.org/presentationml/2006/main">
   <p:cSld>
     <p:spTree>
@@ -9833,85 +12092,8 @@
           <a:lstStyle/>
           <a:p>
             <a:r>
-              <a:rPr lang="ru-RU" dirty="0" smtClean="0"/>
-              <a:t>Криптографическая защита информации</a:t>
-            </a:r>
-            <a:endParaRPr lang="ru-RU" dirty="0"/>
-          </a:p>
-        </p:txBody>
-      </p:sp>
-      <p:sp>
-        <p:nvSpPr>
-          <p:cNvPr id="3" name="Объект 2"/>
-          <p:cNvSpPr>
-            <a:spLocks noGrp="1"/>
-          </p:cNvSpPr>
-          <p:nvPr>
-            <p:ph idx="1"/>
-          </p:nvPr>
-        </p:nvSpPr>
-        <p:spPr/>
-        <p:txBody>
-          <a:bodyPr/>
-          <a:lstStyle/>
-          <a:p>
-            <a:pPr marL="0" indent="0">
-              <a:buNone/>
-            </a:pPr>
-            <a:r>
-              <a:rPr lang="ru-RU" dirty="0" smtClean="0"/>
-              <a:t>Обеспечение конфиденциальности</a:t>
-            </a:r>
-            <a:endParaRPr lang="ru-RU" dirty="0"/>
-          </a:p>
-          <a:p>
-            <a:r>
-              <a:rPr lang="ru-RU" dirty="0" smtClean="0"/>
-              <a:t>семантическая стойкость против </a:t>
-            </a:r>
-            <a:r>
-              <a:rPr lang="en-US" dirty="0" smtClean="0"/>
-              <a:t>CPA </a:t>
-            </a:r>
-            <a:r>
-              <a:rPr lang="ru-RU" dirty="0" smtClean="0"/>
-              <a:t>атаки</a:t>
-            </a:r>
-          </a:p>
-          <a:p>
-            <a:r>
-              <a:rPr lang="ru-RU" dirty="0" smtClean="0"/>
-              <a:t>Зашита только против пассивных противников (не вносящих изменения в канал связи)</a:t>
-            </a:r>
-          </a:p>
-          <a:p>
-            <a:r>
-              <a:rPr lang="ru-RU" dirty="0" smtClean="0"/>
-              <a:t>Поточные и блочные шифры</a:t>
-            </a:r>
-          </a:p>
-          <a:p>
-            <a:endParaRPr lang="ru-RU" dirty="0" smtClean="0"/>
-          </a:p>
-          <a:p>
-            <a:pPr marL="0" indent="0">
-              <a:buNone/>
-            </a:pPr>
-            <a:r>
-              <a:rPr lang="ru-RU" dirty="0" smtClean="0"/>
-              <a:t>Обеспечение целостности</a:t>
-            </a:r>
-          </a:p>
-          <a:p>
-            <a:r>
-              <a:rPr lang="ru-RU" dirty="0" smtClean="0"/>
-              <a:t>Защита от подделки при атаке по выбранным сообщениям</a:t>
-            </a:r>
-          </a:p>
-          <a:p>
-            <a:r>
-              <a:rPr lang="en-US" dirty="0" smtClean="0"/>
-              <a:t>CBC-MAC, HMAC, CW-MAC</a:t>
+              <a:rPr lang="en-US" dirty="0"/>
+              <a:t>CCA</a:t>
             </a:r>
             <a:endParaRPr lang="ru-RU" dirty="0"/>
           </a:p>
@@ -9934,90 +12116,7 @@
           <a:p>
             <a:fld id="{8253DDDB-F8F7-4D64-A7FD-3F3D61C1949F}" type="slidenum">
               <a:rPr lang="ru-RU" smtClean="0"/>
-              <a:t>2</a:t>
-            </a:fld>
-            <a:endParaRPr lang="ru-RU"/>
-          </a:p>
-        </p:txBody>
-      </p:sp>
-    </p:spTree>
-    <p:extLst>
-      <p:ext uri="{BB962C8B-B14F-4D97-AF65-F5344CB8AC3E}">
-        <p14:creationId xmlns:p14="http://schemas.microsoft.com/office/powerpoint/2010/main" val="3978864752"/>
-      </p:ext>
-    </p:extLst>
-  </p:cSld>
-  <p:clrMapOvr>
-    <a:masterClrMapping/>
-  </p:clrMapOvr>
-  <p:timing>
-    <p:tnLst>
-      <p:par>
-        <p:cTn id="1" dur="indefinite" restart="never" nodeType="tmRoot"/>
-      </p:par>
-    </p:tnLst>
-  </p:timing>
-</p:sld>
-</file>
-
-<file path=ppt/slides/slide20.xml><?xml version="1.0" encoding="utf-8"?>
-<p:sld xmlns:a="http://schemas.openxmlformats.org/drawingml/2006/main" xmlns:r="http://schemas.openxmlformats.org/officeDocument/2006/relationships" xmlns:p="http://schemas.openxmlformats.org/presentationml/2006/main">
-  <p:cSld>
-    <p:spTree>
-      <p:nvGrpSpPr>
-        <p:cNvPr id="1" name=""/>
-        <p:cNvGrpSpPr/>
-        <p:nvPr/>
-      </p:nvGrpSpPr>
-      <p:grpSpPr>
-        <a:xfrm>
-          <a:off x="0" y="0"/>
-          <a:ext cx="0" cy="0"/>
-          <a:chOff x="0" y="0"/>
-          <a:chExt cx="0" cy="0"/>
-        </a:xfrm>
-      </p:grpSpPr>
-      <p:sp>
-        <p:nvSpPr>
-          <p:cNvPr id="2" name="Заголовок 1"/>
-          <p:cNvSpPr>
-            <a:spLocks noGrp="1"/>
-          </p:cNvSpPr>
-          <p:nvPr>
-            <p:ph type="title"/>
-          </p:nvPr>
-        </p:nvSpPr>
-        <p:spPr/>
-        <p:txBody>
-          <a:bodyPr/>
-          <a:lstStyle/>
-          <a:p>
-            <a:r>
-              <a:rPr lang="en-US" dirty="0"/>
-              <a:t>CCA</a:t>
-            </a:r>
-            <a:endParaRPr lang="ru-RU" dirty="0"/>
-          </a:p>
-        </p:txBody>
-      </p:sp>
-      <p:sp>
-        <p:nvSpPr>
-          <p:cNvPr id="4" name="Номер слайда 3"/>
-          <p:cNvSpPr>
-            <a:spLocks noGrp="1"/>
-          </p:cNvSpPr>
-          <p:nvPr>
-            <p:ph type="sldNum" sz="quarter" idx="12"/>
-          </p:nvPr>
-        </p:nvSpPr>
-        <p:spPr/>
-        <p:txBody>
-          <a:bodyPr/>
-          <a:lstStyle/>
-          <a:p>
-            <a:fld id="{8253DDDB-F8F7-4D64-A7FD-3F3D61C1949F}" type="slidenum">
-              <a:rPr lang="ru-RU" smtClean="0"/>
-              <a:t>20</a:t>
+              <a:t>23</a:t>
             </a:fld>
             <a:endParaRPr lang="ru-RU"/>
           </a:p>
@@ -11727,7 +13826,7 @@
 </p:sld>
 </file>
 
-<file path=ppt/slides/slide21.xml><?xml version="1.0" encoding="utf-8"?>
+<file path=ppt/slides/slide24.xml><?xml version="1.0" encoding="utf-8"?>
 <p:sld xmlns:a="http://schemas.openxmlformats.org/drawingml/2006/main" xmlns:r="http://schemas.openxmlformats.org/officeDocument/2006/relationships" xmlns:p="http://schemas.openxmlformats.org/presentationml/2006/main">
   <p:cSld>
     <p:spTree>
@@ -12410,7 +14509,7 @@
           <a:p>
             <a:fld id="{8253DDDB-F8F7-4D64-A7FD-3F3D61C1949F}" type="slidenum">
               <a:rPr lang="ru-RU" smtClean="0"/>
-              <a:t>21</a:t>
+              <a:t>24</a:t>
             </a:fld>
             <a:endParaRPr lang="ru-RU"/>
           </a:p>
@@ -12436,7 +14535,7 @@
 </p:sld>
 </file>
 
-<file path=ppt/slides/slide22.xml><?xml version="1.0" encoding="utf-8"?>
+<file path=ppt/slides/slide25.xml><?xml version="1.0" encoding="utf-8"?>
 <p:sld xmlns:a="http://schemas.openxmlformats.org/drawingml/2006/main" xmlns:r="http://schemas.openxmlformats.org/officeDocument/2006/relationships" xmlns:p="http://schemas.openxmlformats.org/presentationml/2006/main">
   <p:cSld>
     <p:spTree>
@@ -13286,7 +15385,7 @@
           <a:p>
             <a:fld id="{8253DDDB-F8F7-4D64-A7FD-3F3D61C1949F}" type="slidenum">
               <a:rPr lang="ru-RU" smtClean="0"/>
-              <a:t>22</a:t>
+              <a:t>25</a:t>
             </a:fld>
             <a:endParaRPr lang="ru-RU"/>
           </a:p>
@@ -13312,7 +15411,7 @@
 </p:sld>
 </file>
 
-<file path=ppt/slides/slide23.xml><?xml version="1.0" encoding="utf-8"?>
+<file path=ppt/slides/slide26.xml><?xml version="1.0" encoding="utf-8"?>
 <p:sld xmlns:a="http://schemas.openxmlformats.org/drawingml/2006/main" xmlns:r="http://schemas.openxmlformats.org/officeDocument/2006/relationships" xmlns:p="http://schemas.openxmlformats.org/presentationml/2006/main">
   <p:cSld>
     <p:spTree>
@@ -15947,7 +18046,7 @@
 </p:sld>
 </file>
 
-<file path=ppt/slides/slide24.xml><?xml version="1.0" encoding="utf-8"?>
+<file path=ppt/slides/slide27.xml><?xml version="1.0" encoding="utf-8"?>
 <p:sld xmlns:a="http://schemas.openxmlformats.org/drawingml/2006/main" xmlns:r="http://schemas.openxmlformats.org/officeDocument/2006/relationships" xmlns:p="http://schemas.openxmlformats.org/presentationml/2006/main">
   <p:cSld>
     <p:spTree>
@@ -16422,7 +18521,7 @@
           <a:p>
             <a:fld id="{8253DDDB-F8F7-4D64-A7FD-3F3D61C1949F}" type="slidenum">
               <a:rPr lang="ru-RU" smtClean="0"/>
-              <a:t>24</a:t>
+              <a:t>27</a:t>
             </a:fld>
             <a:endParaRPr lang="ru-RU"/>
           </a:p>
@@ -16448,7 +18547,7 @@
 </p:sld>
 </file>
 
-<file path=ppt/slides/slide25.xml><?xml version="1.0" encoding="utf-8"?>
+<file path=ppt/slides/slide28.xml><?xml version="1.0" encoding="utf-8"?>
 <p:sld xmlns:a="http://schemas.openxmlformats.org/drawingml/2006/main" xmlns:r="http://schemas.openxmlformats.org/officeDocument/2006/relationships" xmlns:p="http://schemas.openxmlformats.org/presentationml/2006/main">
   <p:cSld>
     <p:spTree>
@@ -16583,7 +18682,7 @@
           <a:p>
             <a:fld id="{8253DDDB-F8F7-4D64-A7FD-3F3D61C1949F}" type="slidenum">
               <a:rPr lang="ru-RU" smtClean="0"/>
-              <a:t>25</a:t>
+              <a:t>28</a:t>
             </a:fld>
             <a:endParaRPr lang="ru-RU"/>
           </a:p>
@@ -16609,7 +18708,7 @@
 </p:sld>
 </file>
 
-<file path=ppt/slides/slide26.xml><?xml version="1.0" encoding="utf-8"?>
+<file path=ppt/slides/slide29.xml><?xml version="1.0" encoding="utf-8"?>
 <p:sld xmlns:a="http://schemas.openxmlformats.org/drawingml/2006/main" xmlns:r="http://schemas.openxmlformats.org/officeDocument/2006/relationships" xmlns:p="http://schemas.openxmlformats.org/presentationml/2006/main">
   <p:cSld>
     <p:spTree>
@@ -18157,7 +20256,435 @@
 </p:sld>
 </file>
 
-<file path=ppt/slides/slide27.xml><?xml version="1.0" encoding="utf-8"?>
+<file path=ppt/slides/slide3.xml><?xml version="1.0" encoding="utf-8"?>
+<p:sld xmlns:a="http://schemas.openxmlformats.org/drawingml/2006/main" xmlns:r="http://schemas.openxmlformats.org/officeDocument/2006/relationships" xmlns:p="http://schemas.openxmlformats.org/presentationml/2006/main">
+  <p:cSld>
+    <p:spTree>
+      <p:nvGrpSpPr>
+        <p:cNvPr id="1" name=""/>
+        <p:cNvGrpSpPr/>
+        <p:nvPr/>
+      </p:nvGrpSpPr>
+      <p:grpSpPr>
+        <a:xfrm>
+          <a:off x="0" y="0"/>
+          <a:ext cx="0" cy="0"/>
+          <a:chOff x="0" y="0"/>
+          <a:chExt cx="0" cy="0"/>
+        </a:xfrm>
+      </p:grpSpPr>
+      <p:sp>
+        <p:nvSpPr>
+          <p:cNvPr id="2" name="Заголовок 1"/>
+          <p:cNvSpPr>
+            <a:spLocks noGrp="1"/>
+          </p:cNvSpPr>
+          <p:nvPr>
+            <p:ph type="title"/>
+          </p:nvPr>
+        </p:nvSpPr>
+        <p:spPr>
+          <a:xfrm>
+            <a:off x="838200" y="0"/>
+            <a:ext cx="10515600" cy="1325563"/>
+          </a:xfrm>
+        </p:spPr>
+        <p:txBody>
+          <a:bodyPr/>
+          <a:lstStyle/>
+          <a:p>
+            <a:r>
+              <a:rPr lang="ru-RU" dirty="0" smtClean="0"/>
+              <a:t>Тест.</a:t>
+            </a:r>
+            <a:endParaRPr lang="ru-RU" dirty="0"/>
+          </a:p>
+        </p:txBody>
+      </p:sp>
+      <p:sp>
+        <p:nvSpPr>
+          <p:cNvPr id="4" name="Номер слайда 3"/>
+          <p:cNvSpPr>
+            <a:spLocks noGrp="1"/>
+          </p:cNvSpPr>
+          <p:nvPr>
+            <p:ph type="sldNum" sz="quarter" idx="12"/>
+          </p:nvPr>
+        </p:nvSpPr>
+        <p:spPr/>
+        <p:txBody>
+          <a:bodyPr/>
+          <a:lstStyle/>
+          <a:p>
+            <a:fld id="{8253DDDB-F8F7-4D64-A7FD-3F3D61C1949F}" type="slidenum">
+              <a:rPr lang="ru-RU" smtClean="0"/>
+              <a:t>3</a:t>
+            </a:fld>
+            <a:endParaRPr lang="ru-RU"/>
+          </a:p>
+        </p:txBody>
+      </p:sp>
+      <p:sp>
+        <p:nvSpPr>
+          <p:cNvPr id="5" name="Прямоугольник 4"/>
+          <p:cNvSpPr/>
+          <p:nvPr/>
+        </p:nvSpPr>
+        <p:spPr>
+          <a:xfrm>
+            <a:off x="284285" y="5433158"/>
+            <a:ext cx="10688515" cy="317012"/>
+          </a:xfrm>
+          <a:prstGeom prst="rect">
+            <a:avLst/>
+          </a:prstGeom>
+          <a:solidFill>
+            <a:schemeClr val="accent6">
+              <a:alpha val="50000"/>
+            </a:schemeClr>
+          </a:solidFill>
+          <a:ln>
+            <a:noFill/>
+          </a:ln>
+        </p:spPr>
+        <p:style>
+          <a:lnRef idx="0">
+            <a:scrgbClr r="0" g="0" b="0"/>
+          </a:lnRef>
+          <a:fillRef idx="0">
+            <a:scrgbClr r="0" g="0" b="0"/>
+          </a:fillRef>
+          <a:effectRef idx="0">
+            <a:scrgbClr r="0" g="0" b="0"/>
+          </a:effectRef>
+          <a:fontRef idx="minor">
+            <a:schemeClr val="lt1"/>
+          </a:fontRef>
+        </p:style>
+        <p:txBody>
+          <a:bodyPr rtlCol="0" anchor="ctr"/>
+          <a:lstStyle/>
+          <a:p>
+            <a:pPr algn="ctr"/>
+            <a:endParaRPr lang="ru-RU"/>
+          </a:p>
+        </p:txBody>
+      </p:sp>
+      <p:sp>
+        <p:nvSpPr>
+          <p:cNvPr id="6" name="Прямоугольник 5"/>
+          <p:cNvSpPr/>
+          <p:nvPr/>
+        </p:nvSpPr>
+        <p:spPr>
+          <a:xfrm>
+            <a:off x="284285" y="5819530"/>
+            <a:ext cx="10688515" cy="317012"/>
+          </a:xfrm>
+          <a:prstGeom prst="rect">
+            <a:avLst/>
+          </a:prstGeom>
+          <a:solidFill>
+            <a:schemeClr val="accent6">
+              <a:alpha val="50000"/>
+            </a:schemeClr>
+          </a:solidFill>
+          <a:ln>
+            <a:noFill/>
+          </a:ln>
+        </p:spPr>
+        <p:style>
+          <a:lnRef idx="0">
+            <a:scrgbClr r="0" g="0" b="0"/>
+          </a:lnRef>
+          <a:fillRef idx="0">
+            <a:scrgbClr r="0" g="0" b="0"/>
+          </a:fillRef>
+          <a:effectRef idx="0">
+            <a:scrgbClr r="0" g="0" b="0"/>
+          </a:effectRef>
+          <a:fontRef idx="minor">
+            <a:schemeClr val="lt1"/>
+          </a:fontRef>
+        </p:style>
+        <p:txBody>
+          <a:bodyPr rtlCol="0" anchor="ctr"/>
+          <a:lstStyle/>
+          <a:p>
+            <a:pPr algn="ctr"/>
+            <a:endParaRPr lang="ru-RU"/>
+          </a:p>
+        </p:txBody>
+      </p:sp>
+      <p:sp>
+        <p:nvSpPr>
+          <p:cNvPr id="7" name="Прямоугольник 6"/>
+          <p:cNvSpPr/>
+          <p:nvPr/>
+        </p:nvSpPr>
+        <p:spPr>
+          <a:xfrm>
+            <a:off x="284284" y="6205902"/>
+            <a:ext cx="10688515" cy="317012"/>
+          </a:xfrm>
+          <a:prstGeom prst="rect">
+            <a:avLst/>
+          </a:prstGeom>
+          <a:solidFill>
+            <a:schemeClr val="accent6">
+              <a:alpha val="50000"/>
+            </a:schemeClr>
+          </a:solidFill>
+          <a:ln>
+            <a:noFill/>
+          </a:ln>
+        </p:spPr>
+        <p:style>
+          <a:lnRef idx="0">
+            <a:scrgbClr r="0" g="0" b="0"/>
+          </a:lnRef>
+          <a:fillRef idx="0">
+            <a:scrgbClr r="0" g="0" b="0"/>
+          </a:fillRef>
+          <a:effectRef idx="0">
+            <a:scrgbClr r="0" g="0" b="0"/>
+          </a:effectRef>
+          <a:fontRef idx="minor">
+            <a:schemeClr val="lt1"/>
+          </a:fontRef>
+        </p:style>
+        <p:txBody>
+          <a:bodyPr rtlCol="0" anchor="ctr"/>
+          <a:lstStyle/>
+          <a:p>
+            <a:pPr algn="ctr"/>
+            <a:endParaRPr lang="ru-RU"/>
+          </a:p>
+        </p:txBody>
+      </p:sp>
+      <p:sp>
+        <p:nvSpPr>
+          <p:cNvPr id="3" name="TextBox 2"/>
+          <p:cNvSpPr txBox="1"/>
+          <p:nvPr/>
+        </p:nvSpPr>
+        <p:spPr>
+          <a:xfrm>
+            <a:off x="838200" y="1031953"/>
+            <a:ext cx="10134599" cy="523220"/>
+          </a:xfrm>
+          <a:prstGeom prst="rect">
+            <a:avLst/>
+          </a:prstGeom>
+          <a:noFill/>
+        </p:spPr>
+        <p:txBody>
+          <a:bodyPr wrap="square" rtlCol="0">
+            <a:spAutoFit/>
+          </a:bodyPr>
+          <a:lstStyle/>
+          <a:p>
+            <a:r>
+              <a:rPr lang="ru-RU" sz="2800" dirty="0" smtClean="0"/>
+              <a:t>4 модели криптографических хэш-функций. Их взаимосвязь.</a:t>
+            </a:r>
+            <a:endParaRPr lang="ru-RU" sz="2800" dirty="0"/>
+          </a:p>
+        </p:txBody>
+      </p:sp>
+    </p:spTree>
+    <p:extLst>
+      <p:ext uri="{BB962C8B-B14F-4D97-AF65-F5344CB8AC3E}">
+        <p14:creationId xmlns:p14="http://schemas.microsoft.com/office/powerpoint/2010/main" val="1957843115"/>
+      </p:ext>
+    </p:extLst>
+  </p:cSld>
+  <p:clrMapOvr>
+    <a:masterClrMapping/>
+  </p:clrMapOvr>
+  <p:timing>
+    <p:tnLst>
+      <p:par>
+        <p:cTn id="1" dur="indefinite" restart="never" nodeType="tmRoot">
+          <p:childTnLst>
+            <p:seq concurrent="1" nextAc="seek">
+              <p:cTn id="2" dur="indefinite" nodeType="mainSeq">
+                <p:childTnLst>
+                  <p:par>
+                    <p:cTn id="3" fill="hold">
+                      <p:stCondLst>
+                        <p:cond delay="indefinite"/>
+                        <p:cond evt="onBegin" delay="0">
+                          <p:tn val="2"/>
+                        </p:cond>
+                      </p:stCondLst>
+                      <p:childTnLst>
+                        <p:par>
+                          <p:cTn id="4" fill="hold">
+                            <p:stCondLst>
+                              <p:cond delay="0"/>
+                            </p:stCondLst>
+                            <p:childTnLst>
+                              <p:par>
+                                <p:cTn id="5" presetID="22" presetClass="exit" presetSubtype="2" fill="hold" grpId="0" nodeType="withEffect">
+                                  <p:stCondLst>
+                                    <p:cond delay="0"/>
+                                  </p:stCondLst>
+                                  <p:childTnLst>
+                                    <p:animEffect transition="out" filter="wipe(right)">
+                                      <p:cBhvr>
+                                        <p:cTn id="6" dur="59000"/>
+                                        <p:tgtEl>
+                                          <p:spTgt spid="5"/>
+                                        </p:tgtEl>
+                                      </p:cBhvr>
+                                    </p:animEffect>
+                                    <p:set>
+                                      <p:cBhvr>
+                                        <p:cTn id="7" dur="1" fill="hold">
+                                          <p:stCondLst>
+                                            <p:cond delay="58999"/>
+                                          </p:stCondLst>
+                                        </p:cTn>
+                                        <p:tgtEl>
+                                          <p:spTgt spid="5"/>
+                                        </p:tgtEl>
+                                        <p:attrNameLst>
+                                          <p:attrName>style.visibility</p:attrName>
+                                        </p:attrNameLst>
+                                      </p:cBhvr>
+                                      <p:to>
+                                        <p:strVal val="hidden"/>
+                                      </p:to>
+                                    </p:set>
+                                  </p:childTnLst>
+                                </p:cTn>
+                              </p:par>
+                            </p:childTnLst>
+                          </p:cTn>
+                        </p:par>
+                        <p:par>
+                          <p:cTn id="8" fill="hold">
+                            <p:stCondLst>
+                              <p:cond delay="59000"/>
+                            </p:stCondLst>
+                            <p:childTnLst>
+                              <p:par>
+                                <p:cTn id="9" presetID="22" presetClass="exit" presetSubtype="2" fill="hold" grpId="0" nodeType="afterEffect">
+                                  <p:stCondLst>
+                                    <p:cond delay="0"/>
+                                  </p:stCondLst>
+                                  <p:childTnLst>
+                                    <p:animEffect transition="out" filter="wipe(right)">
+                                      <p:cBhvr>
+                                        <p:cTn id="10" dur="59000"/>
+                                        <p:tgtEl>
+                                          <p:spTgt spid="6"/>
+                                        </p:tgtEl>
+                                      </p:cBhvr>
+                                    </p:animEffect>
+                                    <p:set>
+                                      <p:cBhvr>
+                                        <p:cTn id="11" dur="1" fill="hold">
+                                          <p:stCondLst>
+                                            <p:cond delay="58999"/>
+                                          </p:stCondLst>
+                                        </p:cTn>
+                                        <p:tgtEl>
+                                          <p:spTgt spid="6"/>
+                                        </p:tgtEl>
+                                        <p:attrNameLst>
+                                          <p:attrName>style.visibility</p:attrName>
+                                        </p:attrNameLst>
+                                      </p:cBhvr>
+                                      <p:to>
+                                        <p:strVal val="hidden"/>
+                                      </p:to>
+                                    </p:set>
+                                  </p:childTnLst>
+                                </p:cTn>
+                              </p:par>
+                            </p:childTnLst>
+                          </p:cTn>
+                        </p:par>
+                        <p:par>
+                          <p:cTn id="12" fill="hold">
+                            <p:stCondLst>
+                              <p:cond delay="118000"/>
+                            </p:stCondLst>
+                            <p:childTnLst>
+                              <p:par>
+                                <p:cTn id="13" presetID="22" presetClass="exit" presetSubtype="2" fill="hold" grpId="0" nodeType="afterEffect">
+                                  <p:stCondLst>
+                                    <p:cond delay="0"/>
+                                  </p:stCondLst>
+                                  <p:childTnLst>
+                                    <p:animEffect transition="out" filter="wipe(right)">
+                                      <p:cBhvr>
+                                        <p:cTn id="14" dur="59000"/>
+                                        <p:tgtEl>
+                                          <p:spTgt spid="7"/>
+                                        </p:tgtEl>
+                                      </p:cBhvr>
+                                    </p:animEffect>
+                                    <p:set>
+                                      <p:cBhvr>
+                                        <p:cTn id="15" dur="1" fill="hold">
+                                          <p:stCondLst>
+                                            <p:cond delay="58999"/>
+                                          </p:stCondLst>
+                                        </p:cTn>
+                                        <p:tgtEl>
+                                          <p:spTgt spid="7"/>
+                                        </p:tgtEl>
+                                        <p:attrNameLst>
+                                          <p:attrName>style.visibility</p:attrName>
+                                        </p:attrNameLst>
+                                      </p:cBhvr>
+                                      <p:to>
+                                        <p:strVal val="hidden"/>
+                                      </p:to>
+                                    </p:set>
+                                  </p:childTnLst>
+                                </p:cTn>
+                              </p:par>
+                            </p:childTnLst>
+                          </p:cTn>
+                        </p:par>
+                      </p:childTnLst>
+                    </p:cTn>
+                  </p:par>
+                </p:childTnLst>
+              </p:cTn>
+              <p:prevCondLst>
+                <p:cond evt="onPrev" delay="0">
+                  <p:tgtEl>
+                    <p:sldTgt/>
+                  </p:tgtEl>
+                </p:cond>
+              </p:prevCondLst>
+              <p:nextCondLst>
+                <p:cond evt="onNext" delay="0">
+                  <p:tgtEl>
+                    <p:sldTgt/>
+                  </p:tgtEl>
+                </p:cond>
+              </p:nextCondLst>
+            </p:seq>
+          </p:childTnLst>
+        </p:cTn>
+      </p:par>
+    </p:tnLst>
+    <p:bldLst>
+      <p:bldP spid="5" grpId="0" animBg="1"/>
+      <p:bldP spid="6" grpId="0" animBg="1"/>
+      <p:bldP spid="7" grpId="0" animBg="1"/>
+    </p:bldLst>
+  </p:timing>
+</p:sld>
+</file>
+
+<file path=ppt/slides/slide30.xml><?xml version="1.0" encoding="utf-8"?>
 <p:sld xmlns:a="http://schemas.openxmlformats.org/drawingml/2006/main" xmlns:r="http://schemas.openxmlformats.org/officeDocument/2006/relationships" xmlns:p="http://schemas.openxmlformats.org/presentationml/2006/main">
   <p:cSld>
     <p:spTree>
@@ -19385,7 +21912,7 @@
           <a:p>
             <a:fld id="{8253DDDB-F8F7-4D64-A7FD-3F3D61C1949F}" type="slidenum">
               <a:rPr lang="ru-RU" smtClean="0"/>
-              <a:t>27</a:t>
+              <a:t>30</a:t>
             </a:fld>
             <a:endParaRPr lang="ru-RU"/>
           </a:p>
@@ -19435,7 +21962,7 @@
 </p:sld>
 </file>
 
-<file path=ppt/slides/slide28.xml><?xml version="1.0" encoding="utf-8"?>
+<file path=ppt/slides/slide31.xml><?xml version="1.0" encoding="utf-8"?>
 <p:sld xmlns:a="http://schemas.openxmlformats.org/drawingml/2006/main" xmlns:r="http://schemas.openxmlformats.org/officeDocument/2006/relationships" xmlns:p="http://schemas.openxmlformats.org/presentationml/2006/main">
   <p:cSld>
     <p:spTree>
@@ -20196,7 +22723,7 @@
           <a:p>
             <a:fld id="{8253DDDB-F8F7-4D64-A7FD-3F3D61C1949F}" type="slidenum">
               <a:rPr lang="ru-RU" smtClean="0"/>
-              <a:t>28</a:t>
+              <a:t>31</a:t>
             </a:fld>
             <a:endParaRPr lang="ru-RU"/>
           </a:p>
@@ -20222,7 +22749,7 @@
 </p:sld>
 </file>
 
-<file path=ppt/slides/slide29.xml><?xml version="1.0" encoding="utf-8"?>
+<file path=ppt/slides/slide32.xml><?xml version="1.0" encoding="utf-8"?>
 <p:sld xmlns:a="http://schemas.openxmlformats.org/drawingml/2006/main" xmlns:r="http://schemas.openxmlformats.org/officeDocument/2006/relationships" xmlns:p="http://schemas.openxmlformats.org/presentationml/2006/main">
   <p:cSld>
     <p:spTree>
@@ -21512,7 +24039,7 @@
           <a:p>
             <a:fld id="{8253DDDB-F8F7-4D64-A7FD-3F3D61C1949F}" type="slidenum">
               <a:rPr lang="ru-RU" smtClean="0"/>
-              <a:t>29</a:t>
+              <a:t>32</a:t>
             </a:fld>
             <a:endParaRPr lang="ru-RU"/>
           </a:p>
@@ -21562,7 +24089,7 @@
 </p:sld>
 </file>
 
-<file path=ppt/slides/slide3.xml><?xml version="1.0" encoding="utf-8"?>
+<file path=ppt/slides/slide33.xml><?xml version="1.0" encoding="utf-8"?>
 <p:sld xmlns:a="http://schemas.openxmlformats.org/drawingml/2006/main" xmlns:r="http://schemas.openxmlformats.org/officeDocument/2006/relationships" xmlns:p="http://schemas.openxmlformats.org/presentationml/2006/main">
   <p:cSld>
     <p:spTree>
@@ -21595,8 +24122,8 @@
           <a:lstStyle/>
           <a:p>
             <a:r>
-              <a:rPr lang="ru-RU" dirty="0" smtClean="0"/>
-              <a:t>Криптографическая защита информации</a:t>
+              <a:rPr lang="en-US" dirty="0"/>
+              <a:t>MAC-then-encrypt</a:t>
             </a:r>
             <a:endParaRPr lang="ru-RU" dirty="0"/>
           </a:p>
@@ -21617,33 +24144,140 @@
           <a:bodyPr/>
           <a:lstStyle/>
           <a:p>
-            <a:pPr marL="0" indent="0">
-              <a:buNone/>
-            </a:pPr>
+            <a:r>
+              <a:rPr lang="ru-RU" dirty="0"/>
+              <a:t>Необходимо использование </a:t>
+            </a:r>
+            <a:r>
+              <a:rPr lang="ru-RU" b="1" dirty="0"/>
+              <a:t>различных, независимых ключей</a:t>
+            </a:r>
+            <a:r>
+              <a:rPr lang="ru-RU" dirty="0"/>
+              <a:t> для </a:t>
+            </a:r>
+            <a:r>
+              <a:rPr lang="en-US" dirty="0"/>
+              <a:t>MAC </a:t>
+            </a:r>
+            <a:r>
+              <a:rPr lang="ru-RU" dirty="0"/>
+              <a:t>и </a:t>
+            </a:r>
             <a:r>
               <a:rPr lang="ru-RU" dirty="0" smtClean="0"/>
-              <a:t>Аутентифицированное шифрование</a:t>
-            </a:r>
-          </a:p>
-          <a:p>
+              <a:t>шифрования</a:t>
+            </a:r>
+          </a:p>
+          <a:p>
+            <a:r>
+              <a:rPr lang="ru-RU" b="1" dirty="0" smtClean="0"/>
+              <a:t>Не </a:t>
+            </a:r>
+            <a:r>
+              <a:rPr lang="ru-RU" b="1" dirty="0"/>
+              <a:t>является </a:t>
+            </a:r>
+            <a:r>
+              <a:rPr lang="en-US" b="1" dirty="0"/>
+              <a:t>AE </a:t>
+            </a:r>
+            <a:r>
+              <a:rPr lang="ru-RU" b="1" dirty="0"/>
+              <a:t>стойким</a:t>
+            </a:r>
+            <a:r>
+              <a:rPr lang="en-US" b="1" dirty="0"/>
+              <a:t> </a:t>
+            </a:r>
+            <a:r>
+              <a:rPr lang="ru-RU" b="1" dirty="0"/>
+              <a:t>в общем случае</a:t>
+            </a:r>
+            <a:r>
+              <a:rPr lang="ru-RU" dirty="0"/>
+              <a:t>, возможны атаки (сл. Лекция </a:t>
+            </a:r>
+            <a:r>
+              <a:rPr lang="en-US" dirty="0"/>
+              <a:t>padding oracle</a:t>
+            </a:r>
+            <a:r>
+              <a:rPr lang="ru-RU" dirty="0"/>
+              <a:t>) </a:t>
+            </a:r>
+          </a:p>
+          <a:p>
+            <a:r>
+              <a:rPr lang="ru-RU" dirty="0"/>
+              <a:t>Является </a:t>
+            </a:r>
+            <a:r>
+              <a:rPr lang="en-US" dirty="0" smtClean="0"/>
+              <a:t>AE </a:t>
+            </a:r>
             <a:r>
               <a:rPr lang="ru-RU" dirty="0" smtClean="0"/>
-              <a:t>Шифрование с защитой от подделки </a:t>
+              <a:t>стойким </a:t>
+            </a:r>
+            <a:r>
+              <a:rPr lang="ru-RU" dirty="0"/>
+              <a:t>для </a:t>
+            </a:r>
+            <a:r>
+              <a:rPr lang="ru-RU" b="1" dirty="0"/>
+              <a:t>некоторых </a:t>
+            </a:r>
+            <a:r>
+              <a:rPr lang="en-US" b="1" dirty="0"/>
+              <a:t>CPA </a:t>
+            </a:r>
+            <a:r>
+              <a:rPr lang="ru-RU" b="1" dirty="0"/>
+              <a:t>стойких шифров </a:t>
+            </a:r>
+            <a:r>
+              <a:rPr lang="ru-RU" dirty="0"/>
+              <a:t>(</a:t>
+            </a:r>
+            <a:r>
+              <a:rPr lang="ru-RU" dirty="0" err="1"/>
+              <a:t>рандомизированный</a:t>
+            </a:r>
+            <a:r>
+              <a:rPr lang="ru-RU" dirty="0"/>
+              <a:t> </a:t>
+            </a:r>
+            <a:r>
+              <a:rPr lang="en-US" dirty="0"/>
+              <a:t>CTR, CBC</a:t>
+            </a:r>
+            <a:r>
+              <a:rPr lang="ru-RU" dirty="0"/>
+              <a:t> без дополнения сообщений</a:t>
+            </a:r>
+            <a:r>
+              <a:rPr lang="ru-RU" dirty="0" smtClean="0"/>
+              <a:t>).</a:t>
+            </a:r>
+          </a:p>
+          <a:p>
+            <a:r>
+              <a:rPr lang="ru-RU" dirty="0" smtClean="0"/>
+              <a:t>Проверка аутентичности происходит после </a:t>
             </a:r>
             <a:r>
               <a:rPr lang="ru-RU" dirty="0" err="1" smtClean="0"/>
-              <a:t>шифртекстов</a:t>
+              <a:t>расширования</a:t>
             </a:r>
             <a:r>
               <a:rPr lang="ru-RU" dirty="0" smtClean="0"/>
-              <a:t> (т.е. обеспечение аутентичности и конфиденциальности)</a:t>
-            </a:r>
-          </a:p>
-          <a:p>
-            <a:r>
-              <a:rPr lang="ru-RU" dirty="0" smtClean="0"/>
-              <a:t>Защита от активных и пассивных противников</a:t>
-            </a:r>
+              <a:t> (что и ведёт к ряду атак, в том числе по времени)</a:t>
+            </a:r>
+            <a:endParaRPr lang="ru-RU" dirty="0"/>
+          </a:p>
+          <a:p>
+            <a:endParaRPr lang="ru-RU" dirty="0"/>
           </a:p>
         </p:txBody>
       </p:sp>
@@ -21664,242 +24298,7 @@
           <a:p>
             <a:fld id="{8253DDDB-F8F7-4D64-A7FD-3F3D61C1949F}" type="slidenum">
               <a:rPr lang="ru-RU" smtClean="0"/>
-              <a:t>3</a:t>
-            </a:fld>
-            <a:endParaRPr lang="ru-RU"/>
-          </a:p>
-        </p:txBody>
-      </p:sp>
-    </p:spTree>
-    <p:extLst>
-      <p:ext uri="{BB962C8B-B14F-4D97-AF65-F5344CB8AC3E}">
-        <p14:creationId xmlns:p14="http://schemas.microsoft.com/office/powerpoint/2010/main" val="2703281466"/>
-      </p:ext>
-    </p:extLst>
-  </p:cSld>
-  <p:clrMapOvr>
-    <a:masterClrMapping/>
-  </p:clrMapOvr>
-  <p:timing>
-    <p:tnLst>
-      <p:par>
-        <p:cTn id="1" dur="indefinite" restart="never" nodeType="tmRoot"/>
-      </p:par>
-    </p:tnLst>
-  </p:timing>
-</p:sld>
-</file>
-
-<file path=ppt/slides/slide30.xml><?xml version="1.0" encoding="utf-8"?>
-<p:sld xmlns:a="http://schemas.openxmlformats.org/drawingml/2006/main" xmlns:r="http://schemas.openxmlformats.org/officeDocument/2006/relationships" xmlns:p="http://schemas.openxmlformats.org/presentationml/2006/main">
-  <p:cSld>
-    <p:spTree>
-      <p:nvGrpSpPr>
-        <p:cNvPr id="1" name=""/>
-        <p:cNvGrpSpPr/>
-        <p:nvPr/>
-      </p:nvGrpSpPr>
-      <p:grpSpPr>
-        <a:xfrm>
-          <a:off x="0" y="0"/>
-          <a:ext cx="0" cy="0"/>
-          <a:chOff x="0" y="0"/>
-          <a:chExt cx="0" cy="0"/>
-        </a:xfrm>
-      </p:grpSpPr>
-      <p:sp>
-        <p:nvSpPr>
-          <p:cNvPr id="2" name="Заголовок 1"/>
-          <p:cNvSpPr>
-            <a:spLocks noGrp="1"/>
-          </p:cNvSpPr>
-          <p:nvPr>
-            <p:ph type="title"/>
-          </p:nvPr>
-        </p:nvSpPr>
-        <p:spPr/>
-        <p:txBody>
-          <a:bodyPr/>
-          <a:lstStyle/>
-          <a:p>
-            <a:r>
-              <a:rPr lang="en-US" dirty="0"/>
-              <a:t>MAC-then-encrypt</a:t>
-            </a:r>
-            <a:endParaRPr lang="ru-RU" dirty="0"/>
-          </a:p>
-        </p:txBody>
-      </p:sp>
-      <p:sp>
-        <p:nvSpPr>
-          <p:cNvPr id="3" name="Объект 2"/>
-          <p:cNvSpPr>
-            <a:spLocks noGrp="1"/>
-          </p:cNvSpPr>
-          <p:nvPr>
-            <p:ph idx="1"/>
-          </p:nvPr>
-        </p:nvSpPr>
-        <p:spPr/>
-        <p:txBody>
-          <a:bodyPr/>
-          <a:lstStyle/>
-          <a:p>
-            <a:r>
-              <a:rPr lang="ru-RU" dirty="0"/>
-              <a:t>Необходимо использование </a:t>
-            </a:r>
-            <a:r>
-              <a:rPr lang="ru-RU" b="1" dirty="0"/>
-              <a:t>различных, независимых ключей</a:t>
-            </a:r>
-            <a:r>
-              <a:rPr lang="ru-RU" dirty="0"/>
-              <a:t> для </a:t>
-            </a:r>
-            <a:r>
-              <a:rPr lang="en-US" dirty="0"/>
-              <a:t>MAC </a:t>
-            </a:r>
-            <a:r>
-              <a:rPr lang="ru-RU" dirty="0"/>
-              <a:t>и </a:t>
-            </a:r>
-            <a:r>
-              <a:rPr lang="ru-RU" dirty="0" smtClean="0"/>
-              <a:t>шифрования</a:t>
-            </a:r>
-          </a:p>
-          <a:p>
-            <a:r>
-              <a:rPr lang="ru-RU" b="1" dirty="0" smtClean="0"/>
-              <a:t>Не </a:t>
-            </a:r>
-            <a:r>
-              <a:rPr lang="ru-RU" b="1" dirty="0"/>
-              <a:t>является </a:t>
-            </a:r>
-            <a:r>
-              <a:rPr lang="en-US" b="1" dirty="0"/>
-              <a:t>AE </a:t>
-            </a:r>
-            <a:r>
-              <a:rPr lang="ru-RU" b="1" dirty="0"/>
-              <a:t>стойким</a:t>
-            </a:r>
-            <a:r>
-              <a:rPr lang="en-US" b="1" dirty="0"/>
-              <a:t> </a:t>
-            </a:r>
-            <a:r>
-              <a:rPr lang="ru-RU" b="1" dirty="0"/>
-              <a:t>в общем случае</a:t>
-            </a:r>
-            <a:r>
-              <a:rPr lang="ru-RU" dirty="0"/>
-              <a:t>, возможны атаки (сл. Лекция </a:t>
-            </a:r>
-            <a:r>
-              <a:rPr lang="en-US" dirty="0"/>
-              <a:t>padding oracle</a:t>
-            </a:r>
-            <a:r>
-              <a:rPr lang="ru-RU" dirty="0"/>
-              <a:t>) </a:t>
-            </a:r>
-          </a:p>
-          <a:p>
-            <a:r>
-              <a:rPr lang="ru-RU" dirty="0"/>
-              <a:t>Является </a:t>
-            </a:r>
-            <a:r>
-              <a:rPr lang="en-US" dirty="0" smtClean="0"/>
-              <a:t>AE </a:t>
-            </a:r>
-            <a:r>
-              <a:rPr lang="ru-RU" dirty="0" smtClean="0"/>
-              <a:t>стойким </a:t>
-            </a:r>
-            <a:r>
-              <a:rPr lang="ru-RU" dirty="0"/>
-              <a:t>для </a:t>
-            </a:r>
-            <a:r>
-              <a:rPr lang="ru-RU" b="1" dirty="0"/>
-              <a:t>некоторых </a:t>
-            </a:r>
-            <a:r>
-              <a:rPr lang="en-US" b="1" dirty="0"/>
-              <a:t>CPA </a:t>
-            </a:r>
-            <a:r>
-              <a:rPr lang="ru-RU" b="1" dirty="0"/>
-              <a:t>стойких шифров </a:t>
-            </a:r>
-            <a:r>
-              <a:rPr lang="ru-RU" dirty="0"/>
-              <a:t>(</a:t>
-            </a:r>
-            <a:r>
-              <a:rPr lang="ru-RU" dirty="0" err="1"/>
-              <a:t>рандомизированный</a:t>
-            </a:r>
-            <a:r>
-              <a:rPr lang="ru-RU" dirty="0"/>
-              <a:t> </a:t>
-            </a:r>
-            <a:r>
-              <a:rPr lang="en-US" dirty="0"/>
-              <a:t>CTR, CBC</a:t>
-            </a:r>
-            <a:r>
-              <a:rPr lang="ru-RU" dirty="0"/>
-              <a:t> без дополнения сообщений</a:t>
-            </a:r>
-            <a:r>
-              <a:rPr lang="ru-RU" dirty="0" smtClean="0"/>
-              <a:t>).</a:t>
-            </a:r>
-          </a:p>
-          <a:p>
-            <a:r>
-              <a:rPr lang="ru-RU" dirty="0" smtClean="0"/>
-              <a:t>Проверка аутентичности происходит после </a:t>
-            </a:r>
-            <a:r>
-              <a:rPr lang="ru-RU" dirty="0" err="1" smtClean="0"/>
-              <a:t>расширования</a:t>
-            </a:r>
-            <a:r>
-              <a:rPr lang="ru-RU" dirty="0" smtClean="0"/>
-              <a:t> (что и ведёт к ряду атак, в том числе по времени)</a:t>
-            </a:r>
-            <a:endParaRPr lang="ru-RU" dirty="0"/>
-          </a:p>
-          <a:p>
-            <a:endParaRPr lang="ru-RU" dirty="0"/>
-          </a:p>
-        </p:txBody>
-      </p:sp>
-      <p:sp>
-        <p:nvSpPr>
-          <p:cNvPr id="4" name="Номер слайда 3"/>
-          <p:cNvSpPr>
-            <a:spLocks noGrp="1"/>
-          </p:cNvSpPr>
-          <p:nvPr>
-            <p:ph type="sldNum" sz="quarter" idx="12"/>
-          </p:nvPr>
-        </p:nvSpPr>
-        <p:spPr/>
-        <p:txBody>
-          <a:bodyPr/>
-          <a:lstStyle/>
-          <a:p>
-            <a:fld id="{8253DDDB-F8F7-4D64-A7FD-3F3D61C1949F}" type="slidenum">
-              <a:rPr lang="ru-RU" smtClean="0"/>
-              <a:t>30</a:t>
+              <a:t>33</a:t>
             </a:fld>
             <a:endParaRPr lang="ru-RU"/>
           </a:p>
@@ -21925,7 +24324,7 @@
 </p:sld>
 </file>
 
-<file path=ppt/slides/slide31.xml><?xml version="1.0" encoding="utf-8"?>
+<file path=ppt/slides/slide34.xml><?xml version="1.0" encoding="utf-8"?>
 <p:sld xmlns:a="http://schemas.openxmlformats.org/drawingml/2006/main" xmlns:r="http://schemas.openxmlformats.org/officeDocument/2006/relationships" xmlns:p="http://schemas.openxmlformats.org/presentationml/2006/main">
   <p:cSld>
     <p:spTree>
@@ -23173,7 +25572,7 @@
           <a:p>
             <a:fld id="{8253DDDB-F8F7-4D64-A7FD-3F3D61C1949F}" type="slidenum">
               <a:rPr lang="ru-RU" smtClean="0"/>
-              <a:t>31</a:t>
+              <a:t>34</a:t>
             </a:fld>
             <a:endParaRPr lang="ru-RU"/>
           </a:p>
@@ -23223,7 +25622,7 @@
 </p:sld>
 </file>
 
-<file path=ppt/slides/slide32.xml><?xml version="1.0" encoding="utf-8"?>
+<file path=ppt/slides/slide35.xml><?xml version="1.0" encoding="utf-8"?>
 <p:sld xmlns:a="http://schemas.openxmlformats.org/drawingml/2006/main" xmlns:r="http://schemas.openxmlformats.org/officeDocument/2006/relationships" xmlns:p="http://schemas.openxmlformats.org/presentationml/2006/main">
   <p:cSld>
     <p:spTree>
@@ -23382,7 +25781,7 @@
           <a:p>
             <a:fld id="{8253DDDB-F8F7-4D64-A7FD-3F3D61C1949F}" type="slidenum">
               <a:rPr lang="ru-RU" smtClean="0"/>
-              <a:t>32</a:t>
+              <a:t>35</a:t>
             </a:fld>
             <a:endParaRPr lang="ru-RU"/>
           </a:p>
@@ -23408,7 +25807,7 @@
 </p:sld>
 </file>
 
-<file path=ppt/slides/slide33.xml><?xml version="1.0" encoding="utf-8"?>
+<file path=ppt/slides/slide36.xml><?xml version="1.0" encoding="utf-8"?>
 <p:sld xmlns:a="http://schemas.openxmlformats.org/drawingml/2006/main" xmlns:r="http://schemas.openxmlformats.org/officeDocument/2006/relationships" xmlns:p="http://schemas.openxmlformats.org/presentationml/2006/main">
   <p:cSld>
     <p:spTree>
@@ -23603,7 +26002,7 @@
           <a:p>
             <a:fld id="{8253DDDB-F8F7-4D64-A7FD-3F3D61C1949F}" type="slidenum">
               <a:rPr lang="ru-RU" smtClean="0"/>
-              <a:t>33</a:t>
+              <a:t>36</a:t>
             </a:fld>
             <a:endParaRPr lang="ru-RU" dirty="0"/>
           </a:p>
@@ -23653,7 +26052,7 @@
 </p:sld>
 </file>
 
-<file path=ppt/slides/slide34.xml><?xml version="1.0" encoding="utf-8"?>
+<file path=ppt/slides/slide37.xml><?xml version="1.0" encoding="utf-8"?>
 <p:sld xmlns:a="http://schemas.openxmlformats.org/drawingml/2006/main" xmlns:r="http://schemas.openxmlformats.org/officeDocument/2006/relationships" xmlns:p="http://schemas.openxmlformats.org/presentationml/2006/main">
   <p:cSld>
     <p:spTree>
@@ -26432,7 +28831,7 @@
 </p:sld>
 </file>
 
-<file path=ppt/slides/slide35.xml><?xml version="1.0" encoding="utf-8"?>
+<file path=ppt/slides/slide38.xml><?xml version="1.0" encoding="utf-8"?>
 <p:sld xmlns:a="http://schemas.openxmlformats.org/drawingml/2006/main" xmlns:r="http://schemas.openxmlformats.org/officeDocument/2006/relationships" xmlns:p="http://schemas.openxmlformats.org/presentationml/2006/main">
   <p:cSld>
     <p:spTree>
@@ -26485,7 +28884,7 @@
           <a:p>
             <a:fld id="{8253DDDB-F8F7-4D64-A7FD-3F3D61C1949F}" type="slidenum">
               <a:rPr lang="ru-RU" smtClean="0"/>
-              <a:t>35</a:t>
+              <a:t>38</a:t>
             </a:fld>
             <a:endParaRPr lang="ru-RU"/>
           </a:p>
@@ -26574,483 +28973,6 @@
     <p:extLst>
       <p:ext uri="{BB962C8B-B14F-4D97-AF65-F5344CB8AC3E}">
         <p14:creationId xmlns:p14="http://schemas.microsoft.com/office/powerpoint/2010/main" val="3333932705"/>
-      </p:ext>
-    </p:extLst>
-  </p:cSld>
-  <p:clrMapOvr>
-    <a:masterClrMapping/>
-  </p:clrMapOvr>
-  <p:timing>
-    <p:tnLst>
-      <p:par>
-        <p:cTn id="1" dur="indefinite" restart="never" nodeType="tmRoot"/>
-      </p:par>
-    </p:tnLst>
-  </p:timing>
-</p:sld>
-</file>
-
-<file path=ppt/slides/slide36.xml><?xml version="1.0" encoding="utf-8"?>
-<p:sld xmlns:a="http://schemas.openxmlformats.org/drawingml/2006/main" xmlns:r="http://schemas.openxmlformats.org/officeDocument/2006/relationships" xmlns:p="http://schemas.openxmlformats.org/presentationml/2006/main">
-  <p:cSld>
-    <p:spTree>
-      <p:nvGrpSpPr>
-        <p:cNvPr id="1" name=""/>
-        <p:cNvGrpSpPr/>
-        <p:nvPr/>
-      </p:nvGrpSpPr>
-      <p:grpSpPr>
-        <a:xfrm>
-          <a:off x="0" y="0"/>
-          <a:ext cx="0" cy="0"/>
-          <a:chOff x="0" y="0"/>
-          <a:chExt cx="0" cy="0"/>
-        </a:xfrm>
-      </p:grpSpPr>
-      <p:sp>
-        <p:nvSpPr>
-          <p:cNvPr id="2" name="Заголовок 1"/>
-          <p:cNvSpPr>
-            <a:spLocks noGrp="1"/>
-          </p:cNvSpPr>
-          <p:nvPr>
-            <p:ph type="title"/>
-          </p:nvPr>
-        </p:nvSpPr>
-        <p:spPr/>
-        <p:txBody>
-          <a:bodyPr/>
-          <a:lstStyle/>
-          <a:p>
-            <a:r>
-              <a:rPr lang="en-US" dirty="0" smtClean="0"/>
-              <a:t>GCM</a:t>
-            </a:r>
-            <a:endParaRPr lang="ru-RU" dirty="0"/>
-          </a:p>
-        </p:txBody>
-      </p:sp>
-      <p:sp>
-        <p:nvSpPr>
-          <p:cNvPr id="3" name="Объект 2"/>
-          <p:cNvSpPr>
-            <a:spLocks noGrp="1"/>
-          </p:cNvSpPr>
-          <p:nvPr>
-            <p:ph idx="1"/>
-          </p:nvPr>
-        </p:nvSpPr>
-        <p:spPr>
-          <a:xfrm>
-            <a:off x="838200" y="1825625"/>
-            <a:ext cx="5729868" cy="4351338"/>
-          </a:xfrm>
-        </p:spPr>
-        <p:txBody>
-          <a:bodyPr/>
-          <a:lstStyle/>
-          <a:p>
-            <a:r>
-              <a:rPr lang="en-US" dirty="0" smtClean="0"/>
-              <a:t>CTR-mode-then-CW-MAC</a:t>
-            </a:r>
-            <a:endParaRPr lang="ru-RU" dirty="0" smtClean="0"/>
-          </a:p>
-          <a:p>
-            <a:r>
-              <a:rPr lang="ru-RU" dirty="0" err="1" smtClean="0"/>
-              <a:t>Параллелизуется</a:t>
-            </a:r>
-            <a:r>
-              <a:rPr lang="ru-RU" dirty="0" smtClean="0"/>
-              <a:t> только шифрование</a:t>
-            </a:r>
-          </a:p>
-          <a:p>
-            <a:r>
-              <a:rPr lang="en-US" dirty="0" smtClean="0"/>
-              <a:t>MAC </a:t>
-            </a:r>
-            <a:r>
-              <a:rPr lang="ru-RU" dirty="0" smtClean="0"/>
-              <a:t>последовательный, не требует вычисления </a:t>
-            </a:r>
-            <a:r>
-              <a:rPr lang="en-US" dirty="0" smtClean="0"/>
-              <a:t>PRP</a:t>
-            </a:r>
-          </a:p>
-          <a:p>
-            <a:r>
-              <a:rPr lang="ru-RU" dirty="0" smtClean="0"/>
-              <a:t>Стандарт </a:t>
-            </a:r>
-            <a:r>
-              <a:rPr lang="en-US" dirty="0" smtClean="0"/>
-              <a:t>NIST</a:t>
-            </a:r>
-            <a:endParaRPr lang="ru-RU" dirty="0"/>
-          </a:p>
-        </p:txBody>
-      </p:sp>
-      <p:sp>
-        <p:nvSpPr>
-          <p:cNvPr id="4" name="Номер слайда 3"/>
-          <p:cNvSpPr>
-            <a:spLocks noGrp="1"/>
-          </p:cNvSpPr>
-          <p:nvPr>
-            <p:ph type="sldNum" sz="quarter" idx="12"/>
-          </p:nvPr>
-        </p:nvSpPr>
-        <p:spPr/>
-        <p:txBody>
-          <a:bodyPr/>
-          <a:lstStyle/>
-          <a:p>
-            <a:fld id="{8253DDDB-F8F7-4D64-A7FD-3F3D61C1949F}" type="slidenum">
-              <a:rPr lang="ru-RU" smtClean="0"/>
-              <a:t>36</a:t>
-            </a:fld>
-            <a:endParaRPr lang="ru-RU"/>
-          </a:p>
-        </p:txBody>
-      </p:sp>
-      <p:pic>
-        <p:nvPicPr>
-          <p:cNvPr id="5" name="Рисунок 4"/>
-          <p:cNvPicPr>
-            <a:picLocks noChangeAspect="1"/>
-          </p:cNvPicPr>
-          <p:nvPr/>
-        </p:nvPicPr>
-        <p:blipFill>
-          <a:blip r:embed="rId2"/>
-          <a:stretch>
-            <a:fillRect/>
-          </a:stretch>
-        </p:blipFill>
-        <p:spPr>
-          <a:xfrm>
-            <a:off x="6810258" y="1233487"/>
-            <a:ext cx="4905375" cy="5305425"/>
-          </a:xfrm>
-          <a:prstGeom prst="rect">
-            <a:avLst/>
-          </a:prstGeom>
-        </p:spPr>
-      </p:pic>
-    </p:spTree>
-    <p:extLst>
-      <p:ext uri="{BB962C8B-B14F-4D97-AF65-F5344CB8AC3E}">
-        <p14:creationId xmlns:p14="http://schemas.microsoft.com/office/powerpoint/2010/main" val="1802964378"/>
-      </p:ext>
-    </p:extLst>
-  </p:cSld>
-  <p:clrMapOvr>
-    <a:masterClrMapping/>
-  </p:clrMapOvr>
-  <p:timing>
-    <p:tnLst>
-      <p:par>
-        <p:cTn id="1" dur="indefinite" restart="never" nodeType="tmRoot"/>
-      </p:par>
-    </p:tnLst>
-  </p:timing>
-</p:sld>
-</file>
-
-<file path=ppt/slides/slide37.xml><?xml version="1.0" encoding="utf-8"?>
-<p:sld xmlns:a="http://schemas.openxmlformats.org/drawingml/2006/main" xmlns:r="http://schemas.openxmlformats.org/officeDocument/2006/relationships" xmlns:p="http://schemas.openxmlformats.org/presentationml/2006/main">
-  <p:cSld>
-    <p:spTree>
-      <p:nvGrpSpPr>
-        <p:cNvPr id="1" name=""/>
-        <p:cNvGrpSpPr/>
-        <p:nvPr/>
-      </p:nvGrpSpPr>
-      <p:grpSpPr>
-        <a:xfrm>
-          <a:off x="0" y="0"/>
-          <a:ext cx="0" cy="0"/>
-          <a:chOff x="0" y="0"/>
-          <a:chExt cx="0" cy="0"/>
-        </a:xfrm>
-      </p:grpSpPr>
-      <p:sp>
-        <p:nvSpPr>
-          <p:cNvPr id="2" name="Заголовок 1"/>
-          <p:cNvSpPr>
-            <a:spLocks noGrp="1"/>
-          </p:cNvSpPr>
-          <p:nvPr>
-            <p:ph type="title"/>
-          </p:nvPr>
-        </p:nvSpPr>
-        <p:spPr/>
-        <p:txBody>
-          <a:bodyPr/>
-          <a:lstStyle/>
-          <a:p>
-            <a:r>
-              <a:rPr lang="en-US" dirty="0" smtClean="0"/>
-              <a:t>CCM</a:t>
-            </a:r>
-            <a:endParaRPr lang="ru-RU" dirty="0"/>
-          </a:p>
-        </p:txBody>
-      </p:sp>
-      <p:sp>
-        <p:nvSpPr>
-          <p:cNvPr id="3" name="Объект 2"/>
-          <p:cNvSpPr>
-            <a:spLocks noGrp="1"/>
-          </p:cNvSpPr>
-          <p:nvPr>
-            <p:ph idx="1"/>
-          </p:nvPr>
-        </p:nvSpPr>
-        <p:spPr>
-          <a:xfrm>
-            <a:off x="838200" y="1500187"/>
-            <a:ext cx="10515600" cy="4351338"/>
-          </a:xfrm>
-        </p:spPr>
-        <p:txBody>
-          <a:bodyPr/>
-          <a:lstStyle/>
-          <a:p>
-            <a:r>
-              <a:rPr lang="en-US" smtClean="0"/>
-              <a:t>CBC-MAC-and-CTR-mode</a:t>
-            </a:r>
-            <a:endParaRPr lang="en-US" dirty="0" smtClean="0"/>
-          </a:p>
-          <a:p>
-            <a:r>
-              <a:rPr lang="ru-RU" dirty="0" smtClean="0"/>
-              <a:t>Не </a:t>
-            </a:r>
-            <a:r>
-              <a:rPr lang="ru-RU" dirty="0" err="1" smtClean="0"/>
-              <a:t>параллелизуется</a:t>
-            </a:r>
-            <a:endParaRPr lang="ru-RU" dirty="0"/>
-          </a:p>
-        </p:txBody>
-      </p:sp>
-      <p:sp>
-        <p:nvSpPr>
-          <p:cNvPr id="4" name="Номер слайда 3"/>
-          <p:cNvSpPr>
-            <a:spLocks noGrp="1"/>
-          </p:cNvSpPr>
-          <p:nvPr>
-            <p:ph type="sldNum" sz="quarter" idx="12"/>
-          </p:nvPr>
-        </p:nvSpPr>
-        <p:spPr/>
-        <p:txBody>
-          <a:bodyPr/>
-          <a:lstStyle/>
-          <a:p>
-            <a:fld id="{8253DDDB-F8F7-4D64-A7FD-3F3D61C1949F}" type="slidenum">
-              <a:rPr lang="ru-RU" smtClean="0"/>
-              <a:t>37</a:t>
-            </a:fld>
-            <a:endParaRPr lang="ru-RU"/>
-          </a:p>
-        </p:txBody>
-      </p:sp>
-      <p:pic>
-        <p:nvPicPr>
-          <p:cNvPr id="6" name="Рисунок 5"/>
-          <p:cNvPicPr>
-            <a:picLocks noChangeAspect="1"/>
-          </p:cNvPicPr>
-          <p:nvPr/>
-        </p:nvPicPr>
-        <p:blipFill>
-          <a:blip r:embed="rId2"/>
-          <a:stretch>
-            <a:fillRect/>
-          </a:stretch>
-        </p:blipFill>
-        <p:spPr>
-          <a:xfrm>
-            <a:off x="1033199" y="2700338"/>
-            <a:ext cx="8949001" cy="4021137"/>
-          </a:xfrm>
-          <a:prstGeom prst="rect">
-            <a:avLst/>
-          </a:prstGeom>
-        </p:spPr>
-      </p:pic>
-    </p:spTree>
-    <p:extLst>
-      <p:ext uri="{BB962C8B-B14F-4D97-AF65-F5344CB8AC3E}">
-        <p14:creationId xmlns:p14="http://schemas.microsoft.com/office/powerpoint/2010/main" val="3015585847"/>
-      </p:ext>
-    </p:extLst>
-  </p:cSld>
-  <p:clrMapOvr>
-    <a:masterClrMapping/>
-  </p:clrMapOvr>
-  <p:timing>
-    <p:tnLst>
-      <p:par>
-        <p:cTn id="1" dur="indefinite" restart="never" nodeType="tmRoot"/>
-      </p:par>
-    </p:tnLst>
-  </p:timing>
-</p:sld>
-</file>
-
-<file path=ppt/slides/slide38.xml><?xml version="1.0" encoding="utf-8"?>
-<p:sld xmlns:a="http://schemas.openxmlformats.org/drawingml/2006/main" xmlns:r="http://schemas.openxmlformats.org/officeDocument/2006/relationships" xmlns:p="http://schemas.openxmlformats.org/presentationml/2006/main">
-  <p:cSld>
-    <p:spTree>
-      <p:nvGrpSpPr>
-        <p:cNvPr id="1" name=""/>
-        <p:cNvGrpSpPr/>
-        <p:nvPr/>
-      </p:nvGrpSpPr>
-      <p:grpSpPr>
-        <a:xfrm>
-          <a:off x="0" y="0"/>
-          <a:ext cx="0" cy="0"/>
-          <a:chOff x="0" y="0"/>
-          <a:chExt cx="0" cy="0"/>
-        </a:xfrm>
-      </p:grpSpPr>
-      <p:sp>
-        <p:nvSpPr>
-          <p:cNvPr id="2" name="Заголовок 1"/>
-          <p:cNvSpPr>
-            <a:spLocks noGrp="1"/>
-          </p:cNvSpPr>
-          <p:nvPr>
-            <p:ph type="title"/>
-          </p:nvPr>
-        </p:nvSpPr>
-        <p:spPr/>
-        <p:txBody>
-          <a:bodyPr/>
-          <a:lstStyle/>
-          <a:p>
-            <a:r>
-              <a:rPr lang="en-US" dirty="0" smtClean="0"/>
-              <a:t>EAX</a:t>
-            </a:r>
-            <a:endParaRPr lang="ru-RU" dirty="0"/>
-          </a:p>
-        </p:txBody>
-      </p:sp>
-      <p:sp>
-        <p:nvSpPr>
-          <p:cNvPr id="3" name="Объект 2"/>
-          <p:cNvSpPr>
-            <a:spLocks noGrp="1"/>
-          </p:cNvSpPr>
-          <p:nvPr>
-            <p:ph idx="1"/>
-          </p:nvPr>
-        </p:nvSpPr>
-        <p:spPr>
-          <a:xfrm>
-            <a:off x="838200" y="1825625"/>
-            <a:ext cx="4233513" cy="4351338"/>
-          </a:xfrm>
-        </p:spPr>
-        <p:txBody>
-          <a:bodyPr/>
-          <a:lstStyle/>
-          <a:p>
-            <a:r>
-              <a:rPr lang="ru-RU" dirty="0" err="1"/>
-              <a:t>Параллелизуется</a:t>
-            </a:r>
-            <a:r>
-              <a:rPr lang="ru-RU" dirty="0"/>
-              <a:t> только шифрование</a:t>
-            </a:r>
-          </a:p>
-          <a:p>
-            <a:r>
-              <a:rPr lang="en-US" dirty="0"/>
-              <a:t>MAC </a:t>
-            </a:r>
-            <a:r>
-              <a:rPr lang="ru-RU" dirty="0"/>
-              <a:t>последовательный, </a:t>
-            </a:r>
-            <a:r>
-              <a:rPr lang="ru-RU" dirty="0" smtClean="0"/>
-              <a:t>требует </a:t>
-            </a:r>
-            <a:r>
-              <a:rPr lang="ru-RU" dirty="0"/>
-              <a:t>вычисления </a:t>
-            </a:r>
-            <a:r>
-              <a:rPr lang="en-US" dirty="0"/>
-              <a:t>PRP</a:t>
-            </a:r>
-            <a:endParaRPr lang="ru-RU" dirty="0"/>
-          </a:p>
-        </p:txBody>
-      </p:sp>
-      <p:sp>
-        <p:nvSpPr>
-          <p:cNvPr id="4" name="Номер слайда 3"/>
-          <p:cNvSpPr>
-            <a:spLocks noGrp="1"/>
-          </p:cNvSpPr>
-          <p:nvPr>
-            <p:ph type="sldNum" sz="quarter" idx="12"/>
-          </p:nvPr>
-        </p:nvSpPr>
-        <p:spPr/>
-        <p:txBody>
-          <a:bodyPr/>
-          <a:lstStyle/>
-          <a:p>
-            <a:fld id="{8253DDDB-F8F7-4D64-A7FD-3F3D61C1949F}" type="slidenum">
-              <a:rPr lang="ru-RU" smtClean="0"/>
-              <a:t>38</a:t>
-            </a:fld>
-            <a:endParaRPr lang="ru-RU"/>
-          </a:p>
-        </p:txBody>
-      </p:sp>
-      <p:pic>
-        <p:nvPicPr>
-          <p:cNvPr id="5" name="Рисунок 4"/>
-          <p:cNvPicPr>
-            <a:picLocks noChangeAspect="1"/>
-          </p:cNvPicPr>
-          <p:nvPr/>
-        </p:nvPicPr>
-        <p:blipFill>
-          <a:blip r:embed="rId2"/>
-          <a:stretch>
-            <a:fillRect/>
-          </a:stretch>
-        </p:blipFill>
-        <p:spPr>
-          <a:xfrm>
-            <a:off x="5071713" y="1567656"/>
-            <a:ext cx="7334250" cy="4867275"/>
-          </a:xfrm>
-          <a:prstGeom prst="rect">
-            <a:avLst/>
-          </a:prstGeom>
-        </p:spPr>
-      </p:pic>
-    </p:spTree>
-    <p:extLst>
-      <p:ext uri="{BB962C8B-B14F-4D97-AF65-F5344CB8AC3E}">
-        <p14:creationId xmlns:p14="http://schemas.microsoft.com/office/powerpoint/2010/main" val="446594212"/>
       </p:ext>
     </p:extLst>
   </p:cSld>
@@ -27100,12 +29022,75 @@
           <a:lstStyle/>
           <a:p>
             <a:r>
-              <a:rPr lang="en-US" dirty="0" err="1"/>
-              <a:t>ChaCha</a:t>
-            </a:r>
-            <a:r>
-              <a:rPr lang="en-US" dirty="0"/>
-              <a:t>/Poly1305</a:t>
+              <a:rPr lang="en-US" dirty="0" smtClean="0"/>
+              <a:t>GCM</a:t>
+            </a:r>
+            <a:endParaRPr lang="ru-RU" dirty="0"/>
+          </a:p>
+        </p:txBody>
+      </p:sp>
+      <p:sp>
+        <p:nvSpPr>
+          <p:cNvPr id="3" name="Объект 2"/>
+          <p:cNvSpPr>
+            <a:spLocks noGrp="1"/>
+          </p:cNvSpPr>
+          <p:nvPr>
+            <p:ph idx="1"/>
+          </p:nvPr>
+        </p:nvSpPr>
+        <p:spPr>
+          <a:xfrm>
+            <a:off x="838200" y="1825625"/>
+            <a:ext cx="5729868" cy="4351338"/>
+          </a:xfrm>
+        </p:spPr>
+        <p:txBody>
+          <a:bodyPr/>
+          <a:lstStyle/>
+          <a:p>
+            <a:r>
+              <a:rPr lang="en-US" dirty="0" smtClean="0"/>
+              <a:t>CTR-mode-then-CW-MAC</a:t>
+            </a:r>
+            <a:endParaRPr lang="ru-RU" dirty="0" smtClean="0"/>
+          </a:p>
+          <a:p>
+            <a:r>
+              <a:rPr lang="ru-RU" dirty="0" err="1" smtClean="0"/>
+              <a:t>Параллелизуется</a:t>
+            </a:r>
+            <a:r>
+              <a:rPr lang="ru-RU" dirty="0" smtClean="0"/>
+              <a:t> только шифрование</a:t>
+            </a:r>
+          </a:p>
+          <a:p>
+            <a:r>
+              <a:rPr lang="en-US" dirty="0" smtClean="0"/>
+              <a:t>MAC </a:t>
+            </a:r>
+            <a:r>
+              <a:rPr lang="ru-RU" dirty="0" smtClean="0"/>
+              <a:t>последовательный, не требует вычисления </a:t>
+            </a:r>
+            <a:r>
+              <a:rPr lang="en-US" dirty="0" smtClean="0"/>
+              <a:t>PRP</a:t>
+            </a:r>
+          </a:p>
+          <a:p>
+            <a:r>
+              <a:rPr lang="ru-RU" dirty="0" err="1" smtClean="0"/>
+              <a:t>Стандрат</a:t>
+            </a:r>
+            <a:r>
+              <a:rPr lang="ru-RU" dirty="0" smtClean="0"/>
+              <a:t> </a:t>
+            </a:r>
+            <a:r>
+              <a:rPr lang="en-US" smtClean="0"/>
+              <a:t>NIST</a:t>
             </a:r>
             <a:endParaRPr lang="ru-RU" dirty="0"/>
           </a:p>
@@ -27129,6 +29114,831 @@
             <a:fld id="{8253DDDB-F8F7-4D64-A7FD-3F3D61C1949F}" type="slidenum">
               <a:rPr lang="ru-RU" smtClean="0"/>
               <a:t>39</a:t>
+            </a:fld>
+            <a:endParaRPr lang="ru-RU"/>
+          </a:p>
+        </p:txBody>
+      </p:sp>
+      <p:pic>
+        <p:nvPicPr>
+          <p:cNvPr id="5" name="Рисунок 4"/>
+          <p:cNvPicPr>
+            <a:picLocks noChangeAspect="1"/>
+          </p:cNvPicPr>
+          <p:nvPr/>
+        </p:nvPicPr>
+        <p:blipFill>
+          <a:blip r:embed="rId2"/>
+          <a:stretch>
+            <a:fillRect/>
+          </a:stretch>
+        </p:blipFill>
+        <p:spPr>
+          <a:xfrm>
+            <a:off x="6810258" y="1233487"/>
+            <a:ext cx="4905375" cy="5305425"/>
+          </a:xfrm>
+          <a:prstGeom prst="rect">
+            <a:avLst/>
+          </a:prstGeom>
+        </p:spPr>
+      </p:pic>
+    </p:spTree>
+    <p:extLst>
+      <p:ext uri="{BB962C8B-B14F-4D97-AF65-F5344CB8AC3E}">
+        <p14:creationId xmlns:p14="http://schemas.microsoft.com/office/powerpoint/2010/main" val="1802964378"/>
+      </p:ext>
+    </p:extLst>
+  </p:cSld>
+  <p:clrMapOvr>
+    <a:masterClrMapping/>
+  </p:clrMapOvr>
+  <p:timing>
+    <p:tnLst>
+      <p:par>
+        <p:cTn id="1" dur="indefinite" restart="never" nodeType="tmRoot"/>
+      </p:par>
+    </p:tnLst>
+  </p:timing>
+</p:sld>
+</file>
+
+<file path=ppt/slides/slide4.xml><?xml version="1.0" encoding="utf-8"?>
+<p:sld xmlns:a="http://schemas.openxmlformats.org/drawingml/2006/main" xmlns:r="http://schemas.openxmlformats.org/officeDocument/2006/relationships" xmlns:p="http://schemas.openxmlformats.org/presentationml/2006/main">
+  <p:cSld>
+    <p:spTree>
+      <p:nvGrpSpPr>
+        <p:cNvPr id="1" name=""/>
+        <p:cNvGrpSpPr/>
+        <p:nvPr/>
+      </p:nvGrpSpPr>
+      <p:grpSpPr>
+        <a:xfrm>
+          <a:off x="0" y="0"/>
+          <a:ext cx="0" cy="0"/>
+          <a:chOff x="0" y="0"/>
+          <a:chExt cx="0" cy="0"/>
+        </a:xfrm>
+      </p:grpSpPr>
+      <p:sp>
+        <p:nvSpPr>
+          <p:cNvPr id="5" name="Прямоугольник 4"/>
+          <p:cNvSpPr/>
+          <p:nvPr/>
+        </p:nvSpPr>
+        <p:spPr>
+          <a:xfrm>
+            <a:off x="0" y="0"/>
+            <a:ext cx="12192000" cy="6858000"/>
+          </a:xfrm>
+          <a:prstGeom prst="rect">
+            <a:avLst/>
+          </a:prstGeom>
+        </p:spPr>
+        <p:style>
+          <a:lnRef idx="2">
+            <a:schemeClr val="dk1">
+              <a:shade val="50000"/>
+            </a:schemeClr>
+          </a:lnRef>
+          <a:fillRef idx="1">
+            <a:schemeClr val="dk1"/>
+          </a:fillRef>
+          <a:effectRef idx="0">
+            <a:schemeClr val="dk1"/>
+          </a:effectRef>
+          <a:fontRef idx="minor">
+            <a:schemeClr val="lt1"/>
+          </a:fontRef>
+        </p:style>
+        <p:txBody>
+          <a:bodyPr rtlCol="0" anchor="ctr"/>
+          <a:lstStyle/>
+          <a:p>
+            <a:pPr algn="ctr"/>
+            <a:endParaRPr lang="ru-RU"/>
+          </a:p>
+        </p:txBody>
+      </p:sp>
+      <p:sp>
+        <p:nvSpPr>
+          <p:cNvPr id="2" name="Заголовок 1"/>
+          <p:cNvSpPr>
+            <a:spLocks noGrp="1"/>
+          </p:cNvSpPr>
+          <p:nvPr>
+            <p:ph type="title"/>
+          </p:nvPr>
+        </p:nvSpPr>
+        <p:spPr>
+          <a:xfrm>
+            <a:off x="1179633" y="375503"/>
+            <a:ext cx="5811715" cy="2847914"/>
+          </a:xfrm>
+        </p:spPr>
+        <p:txBody>
+          <a:bodyPr>
+            <a:noAutofit/>
+          </a:bodyPr>
+          <a:lstStyle/>
+          <a:p>
+            <a:r>
+              <a:rPr lang="en-US" sz="20000" dirty="0" smtClean="0">
+                <a:solidFill>
+                  <a:schemeClr val="bg1"/>
+                </a:solidFill>
+                <a:latin typeface="Consolas" panose="020B0609020204030204" pitchFamily="49" charset="0"/>
+              </a:rPr>
+              <a:t>TIME</a:t>
+            </a:r>
+            <a:r>
+              <a:rPr lang="en-US" sz="15000" dirty="0" smtClean="0">
+                <a:solidFill>
+                  <a:schemeClr val="bg1"/>
+                </a:solidFill>
+              </a:rPr>
+              <a:t> </a:t>
+            </a:r>
+            <a:endParaRPr lang="ru-RU" sz="15000" dirty="0">
+              <a:solidFill>
+                <a:schemeClr val="bg1"/>
+              </a:solidFill>
+            </a:endParaRPr>
+          </a:p>
+        </p:txBody>
+      </p:sp>
+      <p:sp>
+        <p:nvSpPr>
+          <p:cNvPr id="3" name="Объект 2"/>
+          <p:cNvSpPr>
+            <a:spLocks noGrp="1"/>
+          </p:cNvSpPr>
+          <p:nvPr>
+            <p:ph idx="1"/>
+          </p:nvPr>
+        </p:nvSpPr>
+        <p:spPr>
+          <a:xfrm>
+            <a:off x="4617512" y="3223417"/>
+            <a:ext cx="3145924" cy="2704376"/>
+          </a:xfrm>
+        </p:spPr>
+        <p:txBody>
+          <a:bodyPr>
+            <a:noAutofit/>
+          </a:bodyPr>
+          <a:lstStyle/>
+          <a:p>
+            <a:pPr marL="0" indent="0">
+              <a:buNone/>
+            </a:pPr>
+            <a:r>
+              <a:rPr lang="en-US" sz="20000" dirty="0" smtClean="0">
+                <a:solidFill>
+                  <a:schemeClr val="bg1"/>
+                </a:solidFill>
+                <a:latin typeface="Consolas" panose="020B0609020204030204" pitchFamily="49" charset="0"/>
+              </a:rPr>
+              <a:t>UP</a:t>
+            </a:r>
+            <a:endParaRPr lang="ru-RU" sz="20000" dirty="0">
+              <a:solidFill>
+                <a:schemeClr val="bg1"/>
+              </a:solidFill>
+              <a:latin typeface="Consolas" panose="020B0609020204030204" pitchFamily="49" charset="0"/>
+            </a:endParaRPr>
+          </a:p>
+        </p:txBody>
+      </p:sp>
+      <p:sp>
+        <p:nvSpPr>
+          <p:cNvPr id="4" name="Номер слайда 3"/>
+          <p:cNvSpPr>
+            <a:spLocks noGrp="1"/>
+          </p:cNvSpPr>
+          <p:nvPr>
+            <p:ph type="sldNum" sz="quarter" idx="12"/>
+          </p:nvPr>
+        </p:nvSpPr>
+        <p:spPr/>
+        <p:txBody>
+          <a:bodyPr/>
+          <a:lstStyle/>
+          <a:p>
+            <a:fld id="{8253DDDB-F8F7-4D64-A7FD-3F3D61C1949F}" type="slidenum">
+              <a:rPr lang="ru-RU" smtClean="0"/>
+              <a:t>4</a:t>
+            </a:fld>
+            <a:endParaRPr lang="ru-RU"/>
+          </a:p>
+        </p:txBody>
+      </p:sp>
+      <p:sp>
+        <p:nvSpPr>
+          <p:cNvPr id="6" name="Заголовок 1"/>
+          <p:cNvSpPr txBox="1">
+            <a:spLocks/>
+          </p:cNvSpPr>
+          <p:nvPr/>
+        </p:nvSpPr>
+        <p:spPr>
+          <a:xfrm>
+            <a:off x="8005482" y="1189831"/>
+            <a:ext cx="3074895" cy="1325563"/>
+          </a:xfrm>
+          <a:prstGeom prst="rect">
+            <a:avLst/>
+          </a:prstGeom>
+        </p:spPr>
+        <p:txBody>
+          <a:bodyPr vert="horz" lIns="91440" tIns="45720" rIns="91440" bIns="45720" rtlCol="0" anchor="ctr">
+            <a:noAutofit/>
+          </a:bodyPr>
+          <a:lstStyle>
+            <a:lvl1pPr algn="l" defTabSz="914400" rtl="0" eaLnBrk="1" latinLnBrk="0" hangingPunct="1">
+              <a:lnSpc>
+                <a:spcPct val="90000"/>
+              </a:lnSpc>
+              <a:spcBef>
+                <a:spcPct val="0"/>
+              </a:spcBef>
+              <a:buNone/>
+              <a:defRPr sz="4400" kern="1200">
+                <a:solidFill>
+                  <a:schemeClr val="tx1"/>
+                </a:solidFill>
+                <a:latin typeface="+mj-lt"/>
+                <a:ea typeface="+mj-ea"/>
+                <a:cs typeface="+mj-cs"/>
+              </a:defRPr>
+            </a:lvl1pPr>
+          </a:lstStyle>
+          <a:p>
+            <a:r>
+              <a:rPr lang="en-US" sz="20000" dirty="0" smtClean="0">
+                <a:solidFill>
+                  <a:schemeClr val="bg1"/>
+                </a:solidFill>
+                <a:latin typeface="Consolas" panose="020B0609020204030204" pitchFamily="49" charset="0"/>
+              </a:rPr>
+              <a:t>IS</a:t>
+            </a:r>
+            <a:r>
+              <a:rPr lang="en-US" sz="20000" dirty="0" smtClean="0">
+                <a:solidFill>
+                  <a:schemeClr val="bg1"/>
+                </a:solidFill>
+              </a:rPr>
+              <a:t> </a:t>
+            </a:r>
+            <a:endParaRPr lang="ru-RU" sz="20000" dirty="0">
+              <a:solidFill>
+                <a:schemeClr val="bg1"/>
+              </a:solidFill>
+            </a:endParaRPr>
+          </a:p>
+        </p:txBody>
+      </p:sp>
+    </p:spTree>
+    <p:extLst>
+      <p:ext uri="{BB962C8B-B14F-4D97-AF65-F5344CB8AC3E}">
+        <p14:creationId xmlns:p14="http://schemas.microsoft.com/office/powerpoint/2010/main" val="2976099251"/>
+      </p:ext>
+    </p:extLst>
+  </p:cSld>
+  <p:clrMapOvr>
+    <a:masterClrMapping/>
+  </p:clrMapOvr>
+  <p:timing>
+    <p:tnLst>
+      <p:par>
+        <p:cTn id="1" dur="indefinite" restart="never" nodeType="tmRoot">
+          <p:childTnLst>
+            <p:seq concurrent="1" nextAc="seek">
+              <p:cTn id="2" dur="indefinite" nodeType="mainSeq">
+                <p:childTnLst>
+                  <p:par>
+                    <p:cTn id="3" fill="hold">
+                      <p:stCondLst>
+                        <p:cond delay="indefinite"/>
+                        <p:cond evt="onBegin" delay="0">
+                          <p:tn val="2"/>
+                        </p:cond>
+                      </p:stCondLst>
+                      <p:childTnLst>
+                        <p:par>
+                          <p:cTn id="4" fill="hold">
+                            <p:stCondLst>
+                              <p:cond delay="0"/>
+                            </p:stCondLst>
+                            <p:childTnLst>
+                              <p:par>
+                                <p:cTn id="5" presetID="1" presetClass="entr" presetSubtype="0" fill="hold" grpId="0" nodeType="withEffect">
+                                  <p:stCondLst>
+                                    <p:cond delay="0"/>
+                                  </p:stCondLst>
+                                  <p:childTnLst>
+                                    <p:set>
+                                      <p:cBhvr>
+                                        <p:cTn id="6" dur="1" fill="hold">
+                                          <p:stCondLst>
+                                            <p:cond delay="0"/>
+                                          </p:stCondLst>
+                                        </p:cTn>
+                                        <p:tgtEl>
+                                          <p:spTgt spid="2"/>
+                                        </p:tgtEl>
+                                        <p:attrNameLst>
+                                          <p:attrName>style.visibility</p:attrName>
+                                        </p:attrNameLst>
+                                      </p:cBhvr>
+                                      <p:to>
+                                        <p:strVal val="visible"/>
+                                      </p:to>
+                                    </p:set>
+                                  </p:childTnLst>
+                                </p:cTn>
+                              </p:par>
+                            </p:childTnLst>
+                          </p:cTn>
+                        </p:par>
+                        <p:par>
+                          <p:cTn id="7" fill="hold">
+                            <p:stCondLst>
+                              <p:cond delay="0"/>
+                            </p:stCondLst>
+                            <p:childTnLst>
+                              <p:par>
+                                <p:cTn id="8" presetID="1" presetClass="entr" presetSubtype="0" fill="hold" grpId="0" nodeType="afterEffect">
+                                  <p:stCondLst>
+                                    <p:cond delay="500"/>
+                                  </p:stCondLst>
+                                  <p:childTnLst>
+                                    <p:set>
+                                      <p:cBhvr>
+                                        <p:cTn id="9" dur="1" fill="hold">
+                                          <p:stCondLst>
+                                            <p:cond delay="0"/>
+                                          </p:stCondLst>
+                                        </p:cTn>
+                                        <p:tgtEl>
+                                          <p:spTgt spid="6"/>
+                                        </p:tgtEl>
+                                        <p:attrNameLst>
+                                          <p:attrName>style.visibility</p:attrName>
+                                        </p:attrNameLst>
+                                      </p:cBhvr>
+                                      <p:to>
+                                        <p:strVal val="visible"/>
+                                      </p:to>
+                                    </p:set>
+                                  </p:childTnLst>
+                                </p:cTn>
+                              </p:par>
+                            </p:childTnLst>
+                          </p:cTn>
+                        </p:par>
+                        <p:par>
+                          <p:cTn id="10" fill="hold">
+                            <p:stCondLst>
+                              <p:cond delay="500"/>
+                            </p:stCondLst>
+                            <p:childTnLst>
+                              <p:par>
+                                <p:cTn id="11" presetID="1" presetClass="entr" presetSubtype="0" fill="hold" grpId="0" nodeType="afterEffect">
+                                  <p:stCondLst>
+                                    <p:cond delay="500"/>
+                                  </p:stCondLst>
+                                  <p:childTnLst>
+                                    <p:set>
+                                      <p:cBhvr>
+                                        <p:cTn id="12" dur="1" fill="hold">
+                                          <p:stCondLst>
+                                            <p:cond delay="0"/>
+                                          </p:stCondLst>
+                                        </p:cTn>
+                                        <p:tgtEl>
+                                          <p:spTgt spid="3">
+                                            <p:txEl>
+                                              <p:pRg st="0" end="0"/>
+                                            </p:txEl>
+                                          </p:spTgt>
+                                        </p:tgtEl>
+                                        <p:attrNameLst>
+                                          <p:attrName>style.visibility</p:attrName>
+                                        </p:attrNameLst>
+                                      </p:cBhvr>
+                                      <p:to>
+                                        <p:strVal val="visible"/>
+                                      </p:to>
+                                    </p:set>
+                                  </p:childTnLst>
+                                </p:cTn>
+                              </p:par>
+                            </p:childTnLst>
+                          </p:cTn>
+                        </p:par>
+                      </p:childTnLst>
+                    </p:cTn>
+                  </p:par>
+                </p:childTnLst>
+              </p:cTn>
+              <p:prevCondLst>
+                <p:cond evt="onPrev" delay="0">
+                  <p:tgtEl>
+                    <p:sldTgt/>
+                  </p:tgtEl>
+                </p:cond>
+              </p:prevCondLst>
+              <p:nextCondLst>
+                <p:cond evt="onNext" delay="0">
+                  <p:tgtEl>
+                    <p:sldTgt/>
+                  </p:tgtEl>
+                </p:cond>
+              </p:nextCondLst>
+            </p:seq>
+          </p:childTnLst>
+        </p:cTn>
+      </p:par>
+    </p:tnLst>
+    <p:bldLst>
+      <p:bldP spid="2" grpId="0"/>
+      <p:bldP spid="3" grpId="0" build="p"/>
+      <p:bldP spid="6" grpId="0"/>
+    </p:bldLst>
+  </p:timing>
+</p:sld>
+</file>
+
+<file path=ppt/slides/slide40.xml><?xml version="1.0" encoding="utf-8"?>
+<p:sld xmlns:a="http://schemas.openxmlformats.org/drawingml/2006/main" xmlns:r="http://schemas.openxmlformats.org/officeDocument/2006/relationships" xmlns:p="http://schemas.openxmlformats.org/presentationml/2006/main">
+  <p:cSld>
+    <p:spTree>
+      <p:nvGrpSpPr>
+        <p:cNvPr id="1" name=""/>
+        <p:cNvGrpSpPr/>
+        <p:nvPr/>
+      </p:nvGrpSpPr>
+      <p:grpSpPr>
+        <a:xfrm>
+          <a:off x="0" y="0"/>
+          <a:ext cx="0" cy="0"/>
+          <a:chOff x="0" y="0"/>
+          <a:chExt cx="0" cy="0"/>
+        </a:xfrm>
+      </p:grpSpPr>
+      <p:sp>
+        <p:nvSpPr>
+          <p:cNvPr id="2" name="Заголовок 1"/>
+          <p:cNvSpPr>
+            <a:spLocks noGrp="1"/>
+          </p:cNvSpPr>
+          <p:nvPr>
+            <p:ph type="title"/>
+          </p:nvPr>
+        </p:nvSpPr>
+        <p:spPr/>
+        <p:txBody>
+          <a:bodyPr/>
+          <a:lstStyle/>
+          <a:p>
+            <a:r>
+              <a:rPr lang="en-US" dirty="0" smtClean="0"/>
+              <a:t>CCM</a:t>
+            </a:r>
+            <a:endParaRPr lang="ru-RU" dirty="0"/>
+          </a:p>
+        </p:txBody>
+      </p:sp>
+      <p:sp>
+        <p:nvSpPr>
+          <p:cNvPr id="3" name="Объект 2"/>
+          <p:cNvSpPr>
+            <a:spLocks noGrp="1"/>
+          </p:cNvSpPr>
+          <p:nvPr>
+            <p:ph idx="1"/>
+          </p:nvPr>
+        </p:nvSpPr>
+        <p:spPr>
+          <a:xfrm>
+            <a:off x="838200" y="1500187"/>
+            <a:ext cx="10515600" cy="4351338"/>
+          </a:xfrm>
+        </p:spPr>
+        <p:txBody>
+          <a:bodyPr/>
+          <a:lstStyle/>
+          <a:p>
+            <a:r>
+              <a:rPr lang="en-US" dirty="0" smtClean="0"/>
+              <a:t>CBC-MAC-then-CTR-mode</a:t>
+            </a:r>
+          </a:p>
+          <a:p>
+            <a:r>
+              <a:rPr lang="ru-RU" dirty="0" smtClean="0"/>
+              <a:t>Не </a:t>
+            </a:r>
+            <a:r>
+              <a:rPr lang="ru-RU" dirty="0" err="1" smtClean="0"/>
+              <a:t>параллелизуется</a:t>
+            </a:r>
+            <a:endParaRPr lang="ru-RU" dirty="0"/>
+          </a:p>
+        </p:txBody>
+      </p:sp>
+      <p:sp>
+        <p:nvSpPr>
+          <p:cNvPr id="4" name="Номер слайда 3"/>
+          <p:cNvSpPr>
+            <a:spLocks noGrp="1"/>
+          </p:cNvSpPr>
+          <p:nvPr>
+            <p:ph type="sldNum" sz="quarter" idx="12"/>
+          </p:nvPr>
+        </p:nvSpPr>
+        <p:spPr/>
+        <p:txBody>
+          <a:bodyPr/>
+          <a:lstStyle/>
+          <a:p>
+            <a:fld id="{8253DDDB-F8F7-4D64-A7FD-3F3D61C1949F}" type="slidenum">
+              <a:rPr lang="ru-RU" smtClean="0"/>
+              <a:t>40</a:t>
+            </a:fld>
+            <a:endParaRPr lang="ru-RU"/>
+          </a:p>
+        </p:txBody>
+      </p:sp>
+      <p:pic>
+        <p:nvPicPr>
+          <p:cNvPr id="6" name="Рисунок 5"/>
+          <p:cNvPicPr>
+            <a:picLocks noChangeAspect="1"/>
+          </p:cNvPicPr>
+          <p:nvPr/>
+        </p:nvPicPr>
+        <p:blipFill>
+          <a:blip r:embed="rId2"/>
+          <a:stretch>
+            <a:fillRect/>
+          </a:stretch>
+        </p:blipFill>
+        <p:spPr>
+          <a:xfrm>
+            <a:off x="1033199" y="2700338"/>
+            <a:ext cx="8949001" cy="4021137"/>
+          </a:xfrm>
+          <a:prstGeom prst="rect">
+            <a:avLst/>
+          </a:prstGeom>
+        </p:spPr>
+      </p:pic>
+    </p:spTree>
+    <p:extLst>
+      <p:ext uri="{BB962C8B-B14F-4D97-AF65-F5344CB8AC3E}">
+        <p14:creationId xmlns:p14="http://schemas.microsoft.com/office/powerpoint/2010/main" val="3015585847"/>
+      </p:ext>
+    </p:extLst>
+  </p:cSld>
+  <p:clrMapOvr>
+    <a:masterClrMapping/>
+  </p:clrMapOvr>
+  <p:timing>
+    <p:tnLst>
+      <p:par>
+        <p:cTn id="1" dur="indefinite" restart="never" nodeType="tmRoot"/>
+      </p:par>
+    </p:tnLst>
+  </p:timing>
+</p:sld>
+</file>
+
+<file path=ppt/slides/slide41.xml><?xml version="1.0" encoding="utf-8"?>
+<p:sld xmlns:a="http://schemas.openxmlformats.org/drawingml/2006/main" xmlns:r="http://schemas.openxmlformats.org/officeDocument/2006/relationships" xmlns:p="http://schemas.openxmlformats.org/presentationml/2006/main">
+  <p:cSld>
+    <p:spTree>
+      <p:nvGrpSpPr>
+        <p:cNvPr id="1" name=""/>
+        <p:cNvGrpSpPr/>
+        <p:nvPr/>
+      </p:nvGrpSpPr>
+      <p:grpSpPr>
+        <a:xfrm>
+          <a:off x="0" y="0"/>
+          <a:ext cx="0" cy="0"/>
+          <a:chOff x="0" y="0"/>
+          <a:chExt cx="0" cy="0"/>
+        </a:xfrm>
+      </p:grpSpPr>
+      <p:sp>
+        <p:nvSpPr>
+          <p:cNvPr id="2" name="Заголовок 1"/>
+          <p:cNvSpPr>
+            <a:spLocks noGrp="1"/>
+          </p:cNvSpPr>
+          <p:nvPr>
+            <p:ph type="title"/>
+          </p:nvPr>
+        </p:nvSpPr>
+        <p:spPr/>
+        <p:txBody>
+          <a:bodyPr/>
+          <a:lstStyle/>
+          <a:p>
+            <a:r>
+              <a:rPr lang="en-US" dirty="0" smtClean="0"/>
+              <a:t>EAX</a:t>
+            </a:r>
+            <a:endParaRPr lang="ru-RU" dirty="0"/>
+          </a:p>
+        </p:txBody>
+      </p:sp>
+      <p:sp>
+        <p:nvSpPr>
+          <p:cNvPr id="3" name="Объект 2"/>
+          <p:cNvSpPr>
+            <a:spLocks noGrp="1"/>
+          </p:cNvSpPr>
+          <p:nvPr>
+            <p:ph idx="1"/>
+          </p:nvPr>
+        </p:nvSpPr>
+        <p:spPr>
+          <a:xfrm>
+            <a:off x="838200" y="1825625"/>
+            <a:ext cx="4233513" cy="4351338"/>
+          </a:xfrm>
+        </p:spPr>
+        <p:txBody>
+          <a:bodyPr/>
+          <a:lstStyle/>
+          <a:p>
+            <a:r>
+              <a:rPr lang="ru-RU" dirty="0" err="1"/>
+              <a:t>Параллелизуется</a:t>
+            </a:r>
+            <a:r>
+              <a:rPr lang="ru-RU" dirty="0"/>
+              <a:t> только шифрование</a:t>
+            </a:r>
+          </a:p>
+          <a:p>
+            <a:r>
+              <a:rPr lang="en-US" dirty="0"/>
+              <a:t>MAC </a:t>
+            </a:r>
+            <a:r>
+              <a:rPr lang="ru-RU" dirty="0"/>
+              <a:t>последовательный, </a:t>
+            </a:r>
+            <a:r>
+              <a:rPr lang="ru-RU" dirty="0" smtClean="0"/>
+              <a:t>требует </a:t>
+            </a:r>
+            <a:r>
+              <a:rPr lang="ru-RU" dirty="0"/>
+              <a:t>вычисления </a:t>
+            </a:r>
+            <a:r>
+              <a:rPr lang="en-US" dirty="0"/>
+              <a:t>PRP</a:t>
+            </a:r>
+            <a:endParaRPr lang="ru-RU" dirty="0"/>
+          </a:p>
+        </p:txBody>
+      </p:sp>
+      <p:sp>
+        <p:nvSpPr>
+          <p:cNvPr id="4" name="Номер слайда 3"/>
+          <p:cNvSpPr>
+            <a:spLocks noGrp="1"/>
+          </p:cNvSpPr>
+          <p:nvPr>
+            <p:ph type="sldNum" sz="quarter" idx="12"/>
+          </p:nvPr>
+        </p:nvSpPr>
+        <p:spPr/>
+        <p:txBody>
+          <a:bodyPr/>
+          <a:lstStyle/>
+          <a:p>
+            <a:fld id="{8253DDDB-F8F7-4D64-A7FD-3F3D61C1949F}" type="slidenum">
+              <a:rPr lang="ru-RU" smtClean="0"/>
+              <a:t>41</a:t>
+            </a:fld>
+            <a:endParaRPr lang="ru-RU"/>
+          </a:p>
+        </p:txBody>
+      </p:sp>
+      <p:pic>
+        <p:nvPicPr>
+          <p:cNvPr id="5" name="Рисунок 4"/>
+          <p:cNvPicPr>
+            <a:picLocks noChangeAspect="1"/>
+          </p:cNvPicPr>
+          <p:nvPr/>
+        </p:nvPicPr>
+        <p:blipFill>
+          <a:blip r:embed="rId2"/>
+          <a:stretch>
+            <a:fillRect/>
+          </a:stretch>
+        </p:blipFill>
+        <p:spPr>
+          <a:xfrm>
+            <a:off x="5071713" y="1567656"/>
+            <a:ext cx="7334250" cy="4867275"/>
+          </a:xfrm>
+          <a:prstGeom prst="rect">
+            <a:avLst/>
+          </a:prstGeom>
+        </p:spPr>
+      </p:pic>
+    </p:spTree>
+    <p:extLst>
+      <p:ext uri="{BB962C8B-B14F-4D97-AF65-F5344CB8AC3E}">
+        <p14:creationId xmlns:p14="http://schemas.microsoft.com/office/powerpoint/2010/main" val="446594212"/>
+      </p:ext>
+    </p:extLst>
+  </p:cSld>
+  <p:clrMapOvr>
+    <a:masterClrMapping/>
+  </p:clrMapOvr>
+  <p:timing>
+    <p:tnLst>
+      <p:par>
+        <p:cTn id="1" dur="indefinite" restart="never" nodeType="tmRoot"/>
+      </p:par>
+    </p:tnLst>
+  </p:timing>
+</p:sld>
+</file>
+
+<file path=ppt/slides/slide42.xml><?xml version="1.0" encoding="utf-8"?>
+<p:sld xmlns:a="http://schemas.openxmlformats.org/drawingml/2006/main" xmlns:r="http://schemas.openxmlformats.org/officeDocument/2006/relationships" xmlns:p="http://schemas.openxmlformats.org/presentationml/2006/main">
+  <p:cSld>
+    <p:spTree>
+      <p:nvGrpSpPr>
+        <p:cNvPr id="1" name=""/>
+        <p:cNvGrpSpPr/>
+        <p:nvPr/>
+      </p:nvGrpSpPr>
+      <p:grpSpPr>
+        <a:xfrm>
+          <a:off x="0" y="0"/>
+          <a:ext cx="0" cy="0"/>
+          <a:chOff x="0" y="0"/>
+          <a:chExt cx="0" cy="0"/>
+        </a:xfrm>
+      </p:grpSpPr>
+      <p:sp>
+        <p:nvSpPr>
+          <p:cNvPr id="2" name="Заголовок 1"/>
+          <p:cNvSpPr>
+            <a:spLocks noGrp="1"/>
+          </p:cNvSpPr>
+          <p:nvPr>
+            <p:ph type="title"/>
+          </p:nvPr>
+        </p:nvSpPr>
+        <p:spPr/>
+        <p:txBody>
+          <a:bodyPr/>
+          <a:lstStyle/>
+          <a:p>
+            <a:r>
+              <a:rPr lang="en-US" dirty="0" err="1"/>
+              <a:t>ChaCha</a:t>
+            </a:r>
+            <a:r>
+              <a:rPr lang="en-US" dirty="0"/>
+              <a:t>/Poly1305</a:t>
+            </a:r>
+            <a:endParaRPr lang="ru-RU" dirty="0"/>
+          </a:p>
+        </p:txBody>
+      </p:sp>
+      <p:sp>
+        <p:nvSpPr>
+          <p:cNvPr id="4" name="Номер слайда 3"/>
+          <p:cNvSpPr>
+            <a:spLocks noGrp="1"/>
+          </p:cNvSpPr>
+          <p:nvPr>
+            <p:ph type="sldNum" sz="quarter" idx="12"/>
+          </p:nvPr>
+        </p:nvSpPr>
+        <p:spPr/>
+        <p:txBody>
+          <a:bodyPr/>
+          <a:lstStyle/>
+          <a:p>
+            <a:fld id="{8253DDDB-F8F7-4D64-A7FD-3F3D61C1949F}" type="slidenum">
+              <a:rPr lang="ru-RU" smtClean="0"/>
+              <a:t>42</a:t>
             </a:fld>
             <a:endParaRPr lang="ru-RU"/>
           </a:p>
@@ -27171,7 +29981,585 @@
 </p:sld>
 </file>
 
-<file path=ppt/slides/slide4.xml><?xml version="1.0" encoding="utf-8"?>
+<file path=ppt/slides/slide43.xml><?xml version="1.0" encoding="utf-8"?>
+<p:sld xmlns:a="http://schemas.openxmlformats.org/drawingml/2006/main" xmlns:r="http://schemas.openxmlformats.org/officeDocument/2006/relationships" xmlns:p="http://schemas.openxmlformats.org/presentationml/2006/main">
+  <p:cSld>
+    <p:spTree>
+      <p:nvGrpSpPr>
+        <p:cNvPr id="1" name=""/>
+        <p:cNvGrpSpPr/>
+        <p:nvPr/>
+      </p:nvGrpSpPr>
+      <p:grpSpPr>
+        <a:xfrm>
+          <a:off x="0" y="0"/>
+          <a:ext cx="0" cy="0"/>
+          <a:chOff x="0" y="0"/>
+          <a:chExt cx="0" cy="0"/>
+        </a:xfrm>
+      </p:grpSpPr>
+      <p:sp>
+        <p:nvSpPr>
+          <p:cNvPr id="2" name="Заголовок 1"/>
+          <p:cNvSpPr>
+            <a:spLocks noGrp="1"/>
+          </p:cNvSpPr>
+          <p:nvPr>
+            <p:ph type="title"/>
+          </p:nvPr>
+        </p:nvSpPr>
+        <p:spPr/>
+        <p:txBody>
+          <a:bodyPr>
+            <a:normAutofit/>
+          </a:bodyPr>
+          <a:lstStyle/>
+          <a:p>
+            <a:r>
+              <a:rPr lang="ru-RU" dirty="0" smtClean="0"/>
+              <a:t>Построение аутентифицированного шифровани</a:t>
+            </a:r>
+            <a:r>
+              <a:rPr lang="ru-RU" dirty="0"/>
+              <a:t>я</a:t>
+            </a:r>
+            <a:r>
+              <a:rPr lang="ru-RU" dirty="0" smtClean="0"/>
+              <a:t> с помощью </a:t>
+            </a:r>
+            <a:r>
+              <a:rPr lang="en-US" dirty="0" smtClean="0"/>
+              <a:t>SHA-3 </a:t>
+            </a:r>
+            <a:r>
+              <a:rPr lang="ru-RU" dirty="0" smtClean="0"/>
+              <a:t>(</a:t>
+            </a:r>
+            <a:r>
+              <a:rPr lang="en-US" dirty="0" smtClean="0"/>
+              <a:t>Strobe)</a:t>
+            </a:r>
+            <a:endParaRPr lang="ru-RU" dirty="0"/>
+          </a:p>
+        </p:txBody>
+      </p:sp>
+      <p:sp>
+        <p:nvSpPr>
+          <p:cNvPr id="3" name="Объект 2"/>
+          <p:cNvSpPr>
+            <a:spLocks noGrp="1"/>
+          </p:cNvSpPr>
+          <p:nvPr>
+            <p:ph idx="1"/>
+          </p:nvPr>
+        </p:nvSpPr>
+        <p:spPr/>
+        <p:txBody>
+          <a:bodyPr/>
+          <a:lstStyle/>
+          <a:p>
+            <a:endParaRPr lang="ru-RU" dirty="0"/>
+          </a:p>
+        </p:txBody>
+      </p:sp>
+      <p:sp>
+        <p:nvSpPr>
+          <p:cNvPr id="4" name="Номер слайда 3"/>
+          <p:cNvSpPr>
+            <a:spLocks noGrp="1"/>
+          </p:cNvSpPr>
+          <p:nvPr>
+            <p:ph type="sldNum" sz="quarter" idx="12"/>
+          </p:nvPr>
+        </p:nvSpPr>
+        <p:spPr/>
+        <p:txBody>
+          <a:bodyPr/>
+          <a:lstStyle/>
+          <a:p>
+            <a:fld id="{8253DDDB-F8F7-4D64-A7FD-3F3D61C1949F}" type="slidenum">
+              <a:rPr lang="ru-RU" smtClean="0"/>
+              <a:t>43</a:t>
+            </a:fld>
+            <a:endParaRPr lang="ru-RU"/>
+          </a:p>
+        </p:txBody>
+      </p:sp>
+      <p:pic>
+        <p:nvPicPr>
+          <p:cNvPr id="5" name="Рисунок 4"/>
+          <p:cNvPicPr>
+            <a:picLocks noChangeAspect="1"/>
+          </p:cNvPicPr>
+          <p:nvPr/>
+        </p:nvPicPr>
+        <p:blipFill>
+          <a:blip r:embed="rId2"/>
+          <a:stretch>
+            <a:fillRect/>
+          </a:stretch>
+        </p:blipFill>
+        <p:spPr>
+          <a:xfrm>
+            <a:off x="1363002" y="2376059"/>
+            <a:ext cx="9241663" cy="3800904"/>
+          </a:xfrm>
+          <a:prstGeom prst="rect">
+            <a:avLst/>
+          </a:prstGeom>
+        </p:spPr>
+      </p:pic>
+    </p:spTree>
+    <p:extLst>
+      <p:ext uri="{BB962C8B-B14F-4D97-AF65-F5344CB8AC3E}">
+        <p14:creationId xmlns:p14="http://schemas.microsoft.com/office/powerpoint/2010/main" val="3576253066"/>
+      </p:ext>
+    </p:extLst>
+  </p:cSld>
+  <p:clrMapOvr>
+    <a:masterClrMapping/>
+  </p:clrMapOvr>
+  <p:timing>
+    <p:tnLst>
+      <p:par>
+        <p:cTn id="1" dur="indefinite" restart="never" nodeType="tmRoot"/>
+      </p:par>
+    </p:tnLst>
+  </p:timing>
+</p:sld>
+</file>
+
+<file path=ppt/slides/slide44.xml><?xml version="1.0" encoding="utf-8"?>
+<p:sld xmlns:a="http://schemas.openxmlformats.org/drawingml/2006/main" xmlns:r="http://schemas.openxmlformats.org/officeDocument/2006/relationships" xmlns:p="http://schemas.openxmlformats.org/presentationml/2006/main">
+  <p:cSld>
+    <p:spTree>
+      <p:nvGrpSpPr>
+        <p:cNvPr id="1" name=""/>
+        <p:cNvGrpSpPr/>
+        <p:nvPr/>
+      </p:nvGrpSpPr>
+      <p:grpSpPr>
+        <a:xfrm>
+          <a:off x="0" y="0"/>
+          <a:ext cx="0" cy="0"/>
+          <a:chOff x="0" y="0"/>
+          <a:chExt cx="0" cy="0"/>
+        </a:xfrm>
+      </p:grpSpPr>
+      <p:sp>
+        <p:nvSpPr>
+          <p:cNvPr id="2" name="Заголовок 1"/>
+          <p:cNvSpPr>
+            <a:spLocks noGrp="1"/>
+          </p:cNvSpPr>
+          <p:nvPr>
+            <p:ph type="title"/>
+          </p:nvPr>
+        </p:nvSpPr>
+        <p:spPr/>
+        <p:txBody>
+          <a:bodyPr/>
+          <a:lstStyle/>
+          <a:p>
+            <a:r>
+              <a:rPr lang="ru-RU" dirty="0" smtClean="0"/>
+              <a:t>Выводы</a:t>
+            </a:r>
+            <a:endParaRPr lang="ru-RU" dirty="0"/>
+          </a:p>
+        </p:txBody>
+      </p:sp>
+      <p:sp>
+        <p:nvSpPr>
+          <p:cNvPr id="3" name="Объект 2"/>
+          <p:cNvSpPr>
+            <a:spLocks noGrp="1"/>
+          </p:cNvSpPr>
+          <p:nvPr>
+            <p:ph idx="1"/>
+          </p:nvPr>
+        </p:nvSpPr>
+        <p:spPr/>
+        <p:txBody>
+          <a:bodyPr/>
+          <a:lstStyle/>
+          <a:p>
+            <a:r>
+              <a:rPr lang="ru-RU" dirty="0" smtClean="0"/>
+              <a:t>Для построения защищенных каналов необходимо использовать </a:t>
+            </a:r>
+            <a:r>
+              <a:rPr lang="en-US" dirty="0" smtClean="0"/>
+              <a:t>AE </a:t>
+            </a:r>
+            <a:r>
+              <a:rPr lang="ru-RU" dirty="0" smtClean="0"/>
+              <a:t>шифрование</a:t>
+            </a:r>
+          </a:p>
+          <a:p>
+            <a:r>
+              <a:rPr lang="ru-RU" dirty="0" smtClean="0"/>
+              <a:t>Лучше использовать </a:t>
+            </a:r>
+            <a:r>
+              <a:rPr lang="en-US" dirty="0" smtClean="0"/>
+              <a:t>Encrypt-Then-MAC </a:t>
+            </a:r>
+            <a:r>
+              <a:rPr lang="ru-RU" dirty="0" smtClean="0"/>
+              <a:t>или один из стандартов </a:t>
+            </a:r>
+            <a:r>
+              <a:rPr lang="en-US" dirty="0" smtClean="0"/>
+              <a:t>AEAD </a:t>
+            </a:r>
+            <a:r>
+              <a:rPr lang="ru-RU" dirty="0" smtClean="0"/>
+              <a:t>шифрования</a:t>
+            </a:r>
+          </a:p>
+          <a:p>
+            <a:r>
+              <a:rPr lang="ru-RU" dirty="0" smtClean="0"/>
+              <a:t>Никогда не реализовывать криптографию!</a:t>
+            </a:r>
+            <a:endParaRPr lang="ru-RU" dirty="0"/>
+          </a:p>
+        </p:txBody>
+      </p:sp>
+      <p:sp>
+        <p:nvSpPr>
+          <p:cNvPr id="4" name="Номер слайда 3"/>
+          <p:cNvSpPr>
+            <a:spLocks noGrp="1"/>
+          </p:cNvSpPr>
+          <p:nvPr>
+            <p:ph type="sldNum" sz="quarter" idx="12"/>
+          </p:nvPr>
+        </p:nvSpPr>
+        <p:spPr/>
+        <p:txBody>
+          <a:bodyPr/>
+          <a:lstStyle/>
+          <a:p>
+            <a:fld id="{8253DDDB-F8F7-4D64-A7FD-3F3D61C1949F}" type="slidenum">
+              <a:rPr lang="ru-RU" smtClean="0"/>
+              <a:t>44</a:t>
+            </a:fld>
+            <a:endParaRPr lang="ru-RU"/>
+          </a:p>
+        </p:txBody>
+      </p:sp>
+    </p:spTree>
+    <p:extLst>
+      <p:ext uri="{BB962C8B-B14F-4D97-AF65-F5344CB8AC3E}">
+        <p14:creationId xmlns:p14="http://schemas.microsoft.com/office/powerpoint/2010/main" val="2560276032"/>
+      </p:ext>
+    </p:extLst>
+  </p:cSld>
+  <p:clrMapOvr>
+    <a:masterClrMapping/>
+  </p:clrMapOvr>
+  <p:timing>
+    <p:tnLst>
+      <p:par>
+        <p:cTn id="1" dur="indefinite" restart="never" nodeType="tmRoot"/>
+      </p:par>
+    </p:tnLst>
+  </p:timing>
+</p:sld>
+</file>
+
+<file path=ppt/slides/slide5.xml><?xml version="1.0" encoding="utf-8"?>
+<p:sld xmlns:a="http://schemas.openxmlformats.org/drawingml/2006/main" xmlns:r="http://schemas.openxmlformats.org/officeDocument/2006/relationships" xmlns:p="http://schemas.openxmlformats.org/presentationml/2006/main">
+  <p:cSld>
+    <p:spTree>
+      <p:nvGrpSpPr>
+        <p:cNvPr id="1" name=""/>
+        <p:cNvGrpSpPr/>
+        <p:nvPr/>
+      </p:nvGrpSpPr>
+      <p:grpSpPr>
+        <a:xfrm>
+          <a:off x="0" y="0"/>
+          <a:ext cx="0" cy="0"/>
+          <a:chOff x="0" y="0"/>
+          <a:chExt cx="0" cy="0"/>
+        </a:xfrm>
+      </p:grpSpPr>
+      <p:sp>
+        <p:nvSpPr>
+          <p:cNvPr id="2" name="Заголовок 1"/>
+          <p:cNvSpPr>
+            <a:spLocks noGrp="1"/>
+          </p:cNvSpPr>
+          <p:nvPr>
+            <p:ph type="title"/>
+          </p:nvPr>
+        </p:nvSpPr>
+        <p:spPr/>
+        <p:txBody>
+          <a:bodyPr/>
+          <a:lstStyle/>
+          <a:p>
+            <a:r>
+              <a:rPr lang="ru-RU" dirty="0" smtClean="0"/>
+              <a:t>Криптографическая защита информации</a:t>
+            </a:r>
+            <a:endParaRPr lang="ru-RU" dirty="0"/>
+          </a:p>
+        </p:txBody>
+      </p:sp>
+      <p:sp>
+        <p:nvSpPr>
+          <p:cNvPr id="3" name="Объект 2"/>
+          <p:cNvSpPr>
+            <a:spLocks noGrp="1"/>
+          </p:cNvSpPr>
+          <p:nvPr>
+            <p:ph idx="1"/>
+          </p:nvPr>
+        </p:nvSpPr>
+        <p:spPr/>
+        <p:txBody>
+          <a:bodyPr/>
+          <a:lstStyle/>
+          <a:p>
+            <a:pPr marL="0" indent="0">
+              <a:buNone/>
+            </a:pPr>
+            <a:r>
+              <a:rPr lang="ru-RU" dirty="0" smtClean="0"/>
+              <a:t>Обеспечение конфиденциальности</a:t>
+            </a:r>
+            <a:endParaRPr lang="ru-RU" dirty="0"/>
+          </a:p>
+          <a:p>
+            <a:r>
+              <a:rPr lang="ru-RU" dirty="0" smtClean="0"/>
+              <a:t>семантическая стойкость против </a:t>
+            </a:r>
+            <a:r>
+              <a:rPr lang="en-US" dirty="0" smtClean="0"/>
+              <a:t>CPA </a:t>
+            </a:r>
+            <a:r>
+              <a:rPr lang="ru-RU" dirty="0" smtClean="0"/>
+              <a:t>атаки</a:t>
+            </a:r>
+          </a:p>
+          <a:p>
+            <a:r>
+              <a:rPr lang="ru-RU" dirty="0" smtClean="0"/>
+              <a:t>Зашита только против пассивных противников (не вносящих изменения в канал связи)</a:t>
+            </a:r>
+          </a:p>
+          <a:p>
+            <a:r>
+              <a:rPr lang="ru-RU" dirty="0" smtClean="0"/>
+              <a:t>Поточные и блочные шифры</a:t>
+            </a:r>
+          </a:p>
+          <a:p>
+            <a:endParaRPr lang="ru-RU" dirty="0" smtClean="0"/>
+          </a:p>
+          <a:p>
+            <a:pPr marL="0" indent="0">
+              <a:buNone/>
+            </a:pPr>
+            <a:r>
+              <a:rPr lang="ru-RU" dirty="0" smtClean="0"/>
+              <a:t>Обеспечение целостности</a:t>
+            </a:r>
+          </a:p>
+          <a:p>
+            <a:r>
+              <a:rPr lang="ru-RU" dirty="0" smtClean="0"/>
+              <a:t>Защита от подделки при атаке по выбранным сообщениям</a:t>
+            </a:r>
+          </a:p>
+          <a:p>
+            <a:r>
+              <a:rPr lang="en-US" dirty="0" smtClean="0"/>
+              <a:t>CBC-MAC, HMAC, CW-MAC</a:t>
+            </a:r>
+            <a:endParaRPr lang="ru-RU" dirty="0"/>
+          </a:p>
+        </p:txBody>
+      </p:sp>
+      <p:sp>
+        <p:nvSpPr>
+          <p:cNvPr id="4" name="Номер слайда 3"/>
+          <p:cNvSpPr>
+            <a:spLocks noGrp="1"/>
+          </p:cNvSpPr>
+          <p:nvPr>
+            <p:ph type="sldNum" sz="quarter" idx="12"/>
+          </p:nvPr>
+        </p:nvSpPr>
+        <p:spPr/>
+        <p:txBody>
+          <a:bodyPr/>
+          <a:lstStyle/>
+          <a:p>
+            <a:fld id="{8253DDDB-F8F7-4D64-A7FD-3F3D61C1949F}" type="slidenum">
+              <a:rPr lang="ru-RU" smtClean="0"/>
+              <a:t>5</a:t>
+            </a:fld>
+            <a:endParaRPr lang="ru-RU"/>
+          </a:p>
+        </p:txBody>
+      </p:sp>
+    </p:spTree>
+    <p:extLst>
+      <p:ext uri="{BB962C8B-B14F-4D97-AF65-F5344CB8AC3E}">
+        <p14:creationId xmlns:p14="http://schemas.microsoft.com/office/powerpoint/2010/main" val="3978864752"/>
+      </p:ext>
+    </p:extLst>
+  </p:cSld>
+  <p:clrMapOvr>
+    <a:masterClrMapping/>
+  </p:clrMapOvr>
+  <p:timing>
+    <p:tnLst>
+      <p:par>
+        <p:cTn id="1" dur="indefinite" restart="never" nodeType="tmRoot"/>
+      </p:par>
+    </p:tnLst>
+  </p:timing>
+</p:sld>
+</file>
+
+<file path=ppt/slides/slide6.xml><?xml version="1.0" encoding="utf-8"?>
+<p:sld xmlns:a="http://schemas.openxmlformats.org/drawingml/2006/main" xmlns:r="http://schemas.openxmlformats.org/officeDocument/2006/relationships" xmlns:p="http://schemas.openxmlformats.org/presentationml/2006/main">
+  <p:cSld>
+    <p:spTree>
+      <p:nvGrpSpPr>
+        <p:cNvPr id="1" name=""/>
+        <p:cNvGrpSpPr/>
+        <p:nvPr/>
+      </p:nvGrpSpPr>
+      <p:grpSpPr>
+        <a:xfrm>
+          <a:off x="0" y="0"/>
+          <a:ext cx="0" cy="0"/>
+          <a:chOff x="0" y="0"/>
+          <a:chExt cx="0" cy="0"/>
+        </a:xfrm>
+      </p:grpSpPr>
+      <p:sp>
+        <p:nvSpPr>
+          <p:cNvPr id="2" name="Заголовок 1"/>
+          <p:cNvSpPr>
+            <a:spLocks noGrp="1"/>
+          </p:cNvSpPr>
+          <p:nvPr>
+            <p:ph type="title"/>
+          </p:nvPr>
+        </p:nvSpPr>
+        <p:spPr/>
+        <p:txBody>
+          <a:bodyPr/>
+          <a:lstStyle/>
+          <a:p>
+            <a:r>
+              <a:rPr lang="ru-RU" dirty="0" smtClean="0"/>
+              <a:t>Криптографическая защита информации</a:t>
+            </a:r>
+            <a:endParaRPr lang="ru-RU" dirty="0"/>
+          </a:p>
+        </p:txBody>
+      </p:sp>
+      <p:sp>
+        <p:nvSpPr>
+          <p:cNvPr id="3" name="Объект 2"/>
+          <p:cNvSpPr>
+            <a:spLocks noGrp="1"/>
+          </p:cNvSpPr>
+          <p:nvPr>
+            <p:ph idx="1"/>
+          </p:nvPr>
+        </p:nvSpPr>
+        <p:spPr/>
+        <p:txBody>
+          <a:bodyPr/>
+          <a:lstStyle/>
+          <a:p>
+            <a:pPr marL="0" indent="0">
+              <a:buNone/>
+            </a:pPr>
+            <a:r>
+              <a:rPr lang="ru-RU" dirty="0" smtClean="0"/>
+              <a:t>Аутентифицированное шифрование</a:t>
+            </a:r>
+          </a:p>
+          <a:p>
+            <a:r>
+              <a:rPr lang="ru-RU" dirty="0" smtClean="0"/>
+              <a:t>Шифрование с защитой от подделки </a:t>
+            </a:r>
+            <a:r>
+              <a:rPr lang="ru-RU" dirty="0" err="1" smtClean="0"/>
+              <a:t>шифртекстов</a:t>
+            </a:r>
+            <a:r>
+              <a:rPr lang="ru-RU" dirty="0" smtClean="0"/>
+              <a:t> (т.е. обеспечение аутентичности и конфиденциальности)</a:t>
+            </a:r>
+          </a:p>
+          <a:p>
+            <a:r>
+              <a:rPr lang="ru-RU" dirty="0" smtClean="0"/>
+              <a:t>Защита от активных и пассивных противников</a:t>
+            </a:r>
+          </a:p>
+        </p:txBody>
+      </p:sp>
+      <p:sp>
+        <p:nvSpPr>
+          <p:cNvPr id="4" name="Номер слайда 3"/>
+          <p:cNvSpPr>
+            <a:spLocks noGrp="1"/>
+          </p:cNvSpPr>
+          <p:nvPr>
+            <p:ph type="sldNum" sz="quarter" idx="12"/>
+          </p:nvPr>
+        </p:nvSpPr>
+        <p:spPr/>
+        <p:txBody>
+          <a:bodyPr/>
+          <a:lstStyle/>
+          <a:p>
+            <a:fld id="{8253DDDB-F8F7-4D64-A7FD-3F3D61C1949F}" type="slidenum">
+              <a:rPr lang="ru-RU" smtClean="0"/>
+              <a:t>6</a:t>
+            </a:fld>
+            <a:endParaRPr lang="ru-RU"/>
+          </a:p>
+        </p:txBody>
+      </p:sp>
+    </p:spTree>
+    <p:extLst>
+      <p:ext uri="{BB962C8B-B14F-4D97-AF65-F5344CB8AC3E}">
+        <p14:creationId xmlns:p14="http://schemas.microsoft.com/office/powerpoint/2010/main" val="2703281466"/>
+      </p:ext>
+    </p:extLst>
+  </p:cSld>
+  <p:clrMapOvr>
+    <a:masterClrMapping/>
+  </p:clrMapOvr>
+  <p:timing>
+    <p:tnLst>
+      <p:par>
+        <p:cTn id="1" dur="indefinite" restart="never" nodeType="tmRoot"/>
+      </p:par>
+    </p:tnLst>
+  </p:timing>
+</p:sld>
+</file>
+
+<file path=ppt/slides/slide7.xml><?xml version="1.0" encoding="utf-8"?>
 <p:sld xmlns:a="http://schemas.openxmlformats.org/drawingml/2006/main" xmlns:r="http://schemas.openxmlformats.org/officeDocument/2006/relationships" xmlns:p="http://schemas.openxmlformats.org/presentationml/2006/main">
   <p:cSld>
     <p:spTree>
@@ -27902,297 +31290,7 @@
 </p:sld>
 </file>
 
-<file path=ppt/slides/slide40.xml><?xml version="1.0" encoding="utf-8"?>
-<p:sld xmlns:a="http://schemas.openxmlformats.org/drawingml/2006/main" xmlns:r="http://schemas.openxmlformats.org/officeDocument/2006/relationships" xmlns:p="http://schemas.openxmlformats.org/presentationml/2006/main">
-  <p:cSld>
-    <p:spTree>
-      <p:nvGrpSpPr>
-        <p:cNvPr id="1" name=""/>
-        <p:cNvGrpSpPr/>
-        <p:nvPr/>
-      </p:nvGrpSpPr>
-      <p:grpSpPr>
-        <a:xfrm>
-          <a:off x="0" y="0"/>
-          <a:ext cx="0" cy="0"/>
-          <a:chOff x="0" y="0"/>
-          <a:chExt cx="0" cy="0"/>
-        </a:xfrm>
-      </p:grpSpPr>
-      <p:sp>
-        <p:nvSpPr>
-          <p:cNvPr id="2" name="Заголовок 1"/>
-          <p:cNvSpPr>
-            <a:spLocks noGrp="1"/>
-          </p:cNvSpPr>
-          <p:nvPr>
-            <p:ph type="title"/>
-          </p:nvPr>
-        </p:nvSpPr>
-        <p:spPr/>
-        <p:txBody>
-          <a:bodyPr>
-            <a:normAutofit/>
-          </a:bodyPr>
-          <a:lstStyle/>
-          <a:p>
-            <a:r>
-              <a:rPr lang="ru-RU" dirty="0" smtClean="0"/>
-              <a:t>Построение аутентифицированного шифровани</a:t>
-            </a:r>
-            <a:r>
-              <a:rPr lang="ru-RU" dirty="0"/>
-              <a:t>я</a:t>
-            </a:r>
-            <a:r>
-              <a:rPr lang="ru-RU" dirty="0" smtClean="0"/>
-              <a:t> с помощью </a:t>
-            </a:r>
-            <a:r>
-              <a:rPr lang="en-US" dirty="0" smtClean="0"/>
-              <a:t>SHA-3 </a:t>
-            </a:r>
-            <a:r>
-              <a:rPr lang="ru-RU" dirty="0" smtClean="0"/>
-              <a:t>(</a:t>
-            </a:r>
-            <a:r>
-              <a:rPr lang="en-US" dirty="0" smtClean="0"/>
-              <a:t>Strobe)</a:t>
-            </a:r>
-            <a:endParaRPr lang="ru-RU" dirty="0"/>
-          </a:p>
-        </p:txBody>
-      </p:sp>
-      <p:sp>
-        <p:nvSpPr>
-          <p:cNvPr id="3" name="Объект 2"/>
-          <p:cNvSpPr>
-            <a:spLocks noGrp="1"/>
-          </p:cNvSpPr>
-          <p:nvPr>
-            <p:ph idx="1"/>
-          </p:nvPr>
-        </p:nvSpPr>
-        <p:spPr/>
-        <p:txBody>
-          <a:bodyPr/>
-          <a:lstStyle/>
-          <a:p>
-            <a:endParaRPr lang="ru-RU" dirty="0"/>
-          </a:p>
-        </p:txBody>
-      </p:sp>
-      <p:sp>
-        <p:nvSpPr>
-          <p:cNvPr id="4" name="Номер слайда 3"/>
-          <p:cNvSpPr>
-            <a:spLocks noGrp="1"/>
-          </p:cNvSpPr>
-          <p:nvPr>
-            <p:ph type="sldNum" sz="quarter" idx="12"/>
-          </p:nvPr>
-        </p:nvSpPr>
-        <p:spPr/>
-        <p:txBody>
-          <a:bodyPr/>
-          <a:lstStyle/>
-          <a:p>
-            <a:fld id="{8253DDDB-F8F7-4D64-A7FD-3F3D61C1949F}" type="slidenum">
-              <a:rPr lang="ru-RU" smtClean="0"/>
-              <a:t>40</a:t>
-            </a:fld>
-            <a:endParaRPr lang="ru-RU"/>
-          </a:p>
-        </p:txBody>
-      </p:sp>
-      <p:pic>
-        <p:nvPicPr>
-          <p:cNvPr id="5" name="Рисунок 4"/>
-          <p:cNvPicPr>
-            <a:picLocks noChangeAspect="1"/>
-          </p:cNvPicPr>
-          <p:nvPr/>
-        </p:nvPicPr>
-        <p:blipFill>
-          <a:blip r:embed="rId2"/>
-          <a:stretch>
-            <a:fillRect/>
-          </a:stretch>
-        </p:blipFill>
-        <p:spPr>
-          <a:xfrm>
-            <a:off x="1363002" y="2376059"/>
-            <a:ext cx="9241663" cy="3800904"/>
-          </a:xfrm>
-          <a:prstGeom prst="rect">
-            <a:avLst/>
-          </a:prstGeom>
-        </p:spPr>
-      </p:pic>
-    </p:spTree>
-    <p:extLst>
-      <p:ext uri="{BB962C8B-B14F-4D97-AF65-F5344CB8AC3E}">
-        <p14:creationId xmlns:p14="http://schemas.microsoft.com/office/powerpoint/2010/main" val="3576253066"/>
-      </p:ext>
-    </p:extLst>
-  </p:cSld>
-  <p:clrMapOvr>
-    <a:masterClrMapping/>
-  </p:clrMapOvr>
-  <p:timing>
-    <p:tnLst>
-      <p:par>
-        <p:cTn id="1" dur="indefinite" restart="never" nodeType="tmRoot"/>
-      </p:par>
-    </p:tnLst>
-  </p:timing>
-</p:sld>
-</file>
-
-<file path=ppt/slides/slide41.xml><?xml version="1.0" encoding="utf-8"?>
-<p:sld xmlns:a="http://schemas.openxmlformats.org/drawingml/2006/main" xmlns:r="http://schemas.openxmlformats.org/officeDocument/2006/relationships" xmlns:p="http://schemas.openxmlformats.org/presentationml/2006/main">
-  <p:cSld>
-    <p:spTree>
-      <p:nvGrpSpPr>
-        <p:cNvPr id="1" name=""/>
-        <p:cNvGrpSpPr/>
-        <p:nvPr/>
-      </p:nvGrpSpPr>
-      <p:grpSpPr>
-        <a:xfrm>
-          <a:off x="0" y="0"/>
-          <a:ext cx="0" cy="0"/>
-          <a:chOff x="0" y="0"/>
-          <a:chExt cx="0" cy="0"/>
-        </a:xfrm>
-      </p:grpSpPr>
-      <p:sp>
-        <p:nvSpPr>
-          <p:cNvPr id="2" name="Заголовок 1"/>
-          <p:cNvSpPr>
-            <a:spLocks noGrp="1"/>
-          </p:cNvSpPr>
-          <p:nvPr>
-            <p:ph type="title"/>
-          </p:nvPr>
-        </p:nvSpPr>
-        <p:spPr/>
-        <p:txBody>
-          <a:bodyPr/>
-          <a:lstStyle/>
-          <a:p>
-            <a:r>
-              <a:rPr lang="ru-RU" dirty="0" smtClean="0"/>
-              <a:t>Выводы</a:t>
-            </a:r>
-            <a:endParaRPr lang="ru-RU" dirty="0"/>
-          </a:p>
-        </p:txBody>
-      </p:sp>
-      <p:sp>
-        <p:nvSpPr>
-          <p:cNvPr id="3" name="Объект 2"/>
-          <p:cNvSpPr>
-            <a:spLocks noGrp="1"/>
-          </p:cNvSpPr>
-          <p:nvPr>
-            <p:ph idx="1"/>
-          </p:nvPr>
-        </p:nvSpPr>
-        <p:spPr/>
-        <p:txBody>
-          <a:bodyPr/>
-          <a:lstStyle/>
-          <a:p>
-            <a:r>
-              <a:rPr lang="ru-RU" dirty="0" smtClean="0"/>
-              <a:t>Для построения защищенных каналов необходимо использовать </a:t>
-            </a:r>
-            <a:r>
-              <a:rPr lang="en-US" dirty="0" smtClean="0"/>
-              <a:t>AE </a:t>
-            </a:r>
-            <a:r>
-              <a:rPr lang="ru-RU" dirty="0" smtClean="0"/>
-              <a:t>шифрование</a:t>
-            </a:r>
-          </a:p>
-          <a:p>
-            <a:r>
-              <a:rPr lang="ru-RU" dirty="0" smtClean="0"/>
-              <a:t>Лучше использовать </a:t>
-            </a:r>
-            <a:r>
-              <a:rPr lang="en-US" dirty="0" smtClean="0"/>
-              <a:t>Encrypt-Then-MAC </a:t>
-            </a:r>
-            <a:r>
-              <a:rPr lang="ru-RU" dirty="0" smtClean="0"/>
-              <a:t>или один из стандартов </a:t>
-            </a:r>
-            <a:r>
-              <a:rPr lang="en-US" dirty="0" smtClean="0"/>
-              <a:t>AEAD </a:t>
-            </a:r>
-            <a:r>
-              <a:rPr lang="ru-RU" dirty="0" smtClean="0"/>
-              <a:t>шифрования</a:t>
-            </a:r>
-          </a:p>
-          <a:p>
-            <a:r>
-              <a:rPr lang="ru-RU" dirty="0" smtClean="0"/>
-              <a:t>Никогда не реализовывать криптографию!</a:t>
-            </a:r>
-            <a:endParaRPr lang="ru-RU" dirty="0"/>
-          </a:p>
-        </p:txBody>
-      </p:sp>
-      <p:sp>
-        <p:nvSpPr>
-          <p:cNvPr id="4" name="Номер слайда 3"/>
-          <p:cNvSpPr>
-            <a:spLocks noGrp="1"/>
-          </p:cNvSpPr>
-          <p:nvPr>
-            <p:ph type="sldNum" sz="quarter" idx="12"/>
-          </p:nvPr>
-        </p:nvSpPr>
-        <p:spPr/>
-        <p:txBody>
-          <a:bodyPr/>
-          <a:lstStyle/>
-          <a:p>
-            <a:fld id="{8253DDDB-F8F7-4D64-A7FD-3F3D61C1949F}" type="slidenum">
-              <a:rPr lang="ru-RU" smtClean="0"/>
-              <a:t>41</a:t>
-            </a:fld>
-            <a:endParaRPr lang="ru-RU"/>
-          </a:p>
-        </p:txBody>
-      </p:sp>
-    </p:spTree>
-    <p:extLst>
-      <p:ext uri="{BB962C8B-B14F-4D97-AF65-F5344CB8AC3E}">
-        <p14:creationId xmlns:p14="http://schemas.microsoft.com/office/powerpoint/2010/main" val="2560276032"/>
-      </p:ext>
-    </p:extLst>
-  </p:cSld>
-  <p:clrMapOvr>
-    <a:masterClrMapping/>
-  </p:clrMapOvr>
-  <p:timing>
-    <p:tnLst>
-      <p:par>
-        <p:cTn id="1" dur="indefinite" restart="never" nodeType="tmRoot"/>
-      </p:par>
-    </p:tnLst>
-  </p:timing>
-</p:sld>
-</file>
-
-<file path=ppt/slides/slide5.xml><?xml version="1.0" encoding="utf-8"?>
+<file path=ppt/slides/slide8.xml><?xml version="1.0" encoding="utf-8"?>
 <p:sld xmlns:a="http://schemas.openxmlformats.org/drawingml/2006/main" xmlns:r="http://schemas.openxmlformats.org/officeDocument/2006/relationships" xmlns:p="http://schemas.openxmlformats.org/presentationml/2006/main">
   <p:cSld>
     <p:spTree>
@@ -29338,7 +32436,7 @@
 </p:sld>
 </file>
 
-<file path=ppt/slides/slide6.xml><?xml version="1.0" encoding="utf-8"?>
+<file path=ppt/slides/slide9.xml><?xml version="1.0" encoding="utf-8"?>
 <p:sld xmlns:a="http://schemas.openxmlformats.org/drawingml/2006/main" xmlns:r="http://schemas.openxmlformats.org/officeDocument/2006/relationships" xmlns:p="http://schemas.openxmlformats.org/presentationml/2006/main">
   <p:cSld>
     <p:spTree>
@@ -30445,1943 +33543,6 @@
       <p:bldP spid="11" grpId="0" animBg="1"/>
       <p:bldP spid="43" grpId="0"/>
     </p:bldLst>
-  </p:timing>
-</p:sld>
-</file>
-
-<file path=ppt/slides/slide7.xml><?xml version="1.0" encoding="utf-8"?>
-<p:sld xmlns:a="http://schemas.openxmlformats.org/drawingml/2006/main" xmlns:r="http://schemas.openxmlformats.org/officeDocument/2006/relationships" xmlns:p="http://schemas.openxmlformats.org/presentationml/2006/main">
-  <p:cSld>
-    <p:spTree>
-      <p:nvGrpSpPr>
-        <p:cNvPr id="1" name=""/>
-        <p:cNvGrpSpPr/>
-        <p:nvPr/>
-      </p:nvGrpSpPr>
-      <p:grpSpPr>
-        <a:xfrm>
-          <a:off x="0" y="0"/>
-          <a:ext cx="0" cy="0"/>
-          <a:chOff x="0" y="0"/>
-          <a:chExt cx="0" cy="0"/>
-        </a:xfrm>
-      </p:grpSpPr>
-      <p:sp>
-        <p:nvSpPr>
-          <p:cNvPr id="2" name="Заголовок 1"/>
-          <p:cNvSpPr>
-            <a:spLocks noGrp="1"/>
-          </p:cNvSpPr>
-          <p:nvPr>
-            <p:ph type="title"/>
-          </p:nvPr>
-        </p:nvSpPr>
-        <p:spPr/>
-        <p:txBody>
-          <a:bodyPr/>
-          <a:lstStyle/>
-          <a:p>
-            <a:r>
-              <a:rPr lang="ru-RU" dirty="0" smtClean="0"/>
-              <a:t>Выводы</a:t>
-            </a:r>
-            <a:endParaRPr lang="ru-RU" dirty="0"/>
-          </a:p>
-        </p:txBody>
-      </p:sp>
-      <p:sp>
-        <p:nvSpPr>
-          <p:cNvPr id="3" name="Объект 2"/>
-          <p:cNvSpPr>
-            <a:spLocks noGrp="1"/>
-          </p:cNvSpPr>
-          <p:nvPr>
-            <p:ph idx="1"/>
-          </p:nvPr>
-        </p:nvSpPr>
-        <p:spPr/>
-        <p:txBody>
-          <a:bodyPr/>
-          <a:lstStyle/>
-          <a:p>
-            <a:pPr marL="0" indent="0">
-              <a:buNone/>
-            </a:pPr>
-            <a:r>
-              <a:rPr lang="en-US" dirty="0" smtClean="0"/>
-              <a:t>CPA </a:t>
-            </a:r>
-            <a:r>
-              <a:rPr lang="ru-RU" dirty="0" smtClean="0"/>
-              <a:t>стойкость не гарантирует стойкость против активных противников</a:t>
-            </a:r>
-          </a:p>
-          <a:p>
-            <a:pPr marL="0" indent="0">
-              <a:buNone/>
-            </a:pPr>
-            <a:endParaRPr lang="ru-RU" dirty="0"/>
-          </a:p>
-          <a:p>
-            <a:pPr marL="0" indent="0">
-              <a:buNone/>
-            </a:pPr>
-            <a:r>
-              <a:rPr lang="ru-RU" dirty="0" smtClean="0"/>
-              <a:t>Для обеспечения безопасности</a:t>
-            </a:r>
-            <a:r>
-              <a:rPr lang="en-US" dirty="0" smtClean="0"/>
-              <a:t>:</a:t>
-            </a:r>
-          </a:p>
-          <a:p>
-            <a:r>
-              <a:rPr lang="ru-RU" dirty="0" smtClean="0"/>
-              <a:t>Если необходимо обеспечить целостность, но не конфиденциальность - нужно использовать </a:t>
-            </a:r>
-            <a:r>
-              <a:rPr lang="en-US" dirty="0" smtClean="0"/>
-              <a:t>MAC</a:t>
-            </a:r>
-          </a:p>
-          <a:p>
-            <a:r>
-              <a:rPr lang="ru-RU" dirty="0" smtClean="0"/>
-              <a:t>Если необходимо обеспечить конфиденциальность и целостность – использовать аутентифицированное шифрование</a:t>
-            </a:r>
-            <a:endParaRPr lang="ru-RU" dirty="0"/>
-          </a:p>
-        </p:txBody>
-      </p:sp>
-      <p:sp>
-        <p:nvSpPr>
-          <p:cNvPr id="4" name="Номер слайда 3"/>
-          <p:cNvSpPr>
-            <a:spLocks noGrp="1"/>
-          </p:cNvSpPr>
-          <p:nvPr>
-            <p:ph type="sldNum" sz="quarter" idx="12"/>
-          </p:nvPr>
-        </p:nvSpPr>
-        <p:spPr/>
-        <p:txBody>
-          <a:bodyPr/>
-          <a:lstStyle/>
-          <a:p>
-            <a:fld id="{8253DDDB-F8F7-4D64-A7FD-3F3D61C1949F}" type="slidenum">
-              <a:rPr lang="ru-RU" smtClean="0"/>
-              <a:t>7</a:t>
-            </a:fld>
-            <a:endParaRPr lang="ru-RU"/>
-          </a:p>
-        </p:txBody>
-      </p:sp>
-    </p:spTree>
-    <p:extLst>
-      <p:ext uri="{BB962C8B-B14F-4D97-AF65-F5344CB8AC3E}">
-        <p14:creationId xmlns:p14="http://schemas.microsoft.com/office/powerpoint/2010/main" val="3766277305"/>
-      </p:ext>
-    </p:extLst>
-  </p:cSld>
-  <p:clrMapOvr>
-    <a:masterClrMapping/>
-  </p:clrMapOvr>
-  <p:timing>
-    <p:tnLst>
-      <p:par>
-        <p:cTn id="1" dur="indefinite" restart="never" nodeType="tmRoot"/>
-      </p:par>
-    </p:tnLst>
-  </p:timing>
-</p:sld>
-</file>
-
-<file path=ppt/slides/slide8.xml><?xml version="1.0" encoding="utf-8"?>
-<p:sld xmlns:a="http://schemas.openxmlformats.org/drawingml/2006/main" xmlns:r="http://schemas.openxmlformats.org/officeDocument/2006/relationships" xmlns:p="http://schemas.openxmlformats.org/presentationml/2006/main">
-  <p:cSld>
-    <p:spTree>
-      <p:nvGrpSpPr>
-        <p:cNvPr id="1" name=""/>
-        <p:cNvGrpSpPr/>
-        <p:nvPr/>
-      </p:nvGrpSpPr>
-      <p:grpSpPr>
-        <a:xfrm>
-          <a:off x="0" y="0"/>
-          <a:ext cx="0" cy="0"/>
-          <a:chOff x="0" y="0"/>
-          <a:chExt cx="0" cy="0"/>
-        </a:xfrm>
-      </p:grpSpPr>
-      <p:sp>
-        <p:nvSpPr>
-          <p:cNvPr id="2" name="Заголовок 1"/>
-          <p:cNvSpPr>
-            <a:spLocks noGrp="1"/>
-          </p:cNvSpPr>
-          <p:nvPr>
-            <p:ph type="title"/>
-          </p:nvPr>
-        </p:nvSpPr>
-        <p:spPr/>
-        <p:txBody>
-          <a:bodyPr/>
-          <a:lstStyle/>
-          <a:p>
-            <a:r>
-              <a:rPr lang="ru-RU" dirty="0"/>
-              <a:t>Аутентифицированное шифрование</a:t>
-            </a:r>
-          </a:p>
-        </p:txBody>
-      </p:sp>
-      <mc:AlternateContent xmlns:mc="http://schemas.openxmlformats.org/markup-compatibility/2006" xmlns:a14="http://schemas.microsoft.com/office/drawing/2010/main">
-        <mc:Choice Requires="a14">
-          <p:sp>
-            <p:nvSpPr>
-              <p:cNvPr id="3" name="Объект 2"/>
-              <p:cNvSpPr>
-                <a:spLocks noGrp="1"/>
-              </p:cNvSpPr>
-              <p:nvPr>
-                <p:ph idx="1"/>
-              </p:nvPr>
-            </p:nvSpPr>
-            <p:spPr/>
-            <p:txBody>
-              <a:bodyPr>
-                <a:normAutofit/>
-              </a:bodyPr>
-              <a:lstStyle/>
-              <a:p>
-                <a:pPr marL="0" indent="0">
-                  <a:buNone/>
-                </a:pPr>
-                <a:r>
-                  <a:rPr lang="ru-RU" dirty="0" smtClean="0"/>
-                  <a:t>Введём понятие аутентифицированного шифра.</a:t>
-                </a:r>
-              </a:p>
-              <a:p>
-                <a:pPr marL="0" indent="0">
-                  <a:buNone/>
-                </a:pPr>
-                <a14:m>
-                  <m:oMath xmlns:m="http://schemas.openxmlformats.org/officeDocument/2006/math">
-                    <m:r>
-                      <m:rPr>
-                        <m:sty m:val="p"/>
-                      </m:rPr>
-                      <a:rPr lang="en-US" b="0" i="0" smtClean="0">
-                        <a:latin typeface="Cambria Math" panose="02040503050406030204" pitchFamily="18" charset="0"/>
-                      </a:rPr>
-                      <m:t>Ε</m:t>
-                    </m:r>
-                    <m:r>
-                      <a:rPr lang="en-US" b="0" i="1" smtClean="0">
-                        <a:latin typeface="Cambria Math" panose="02040503050406030204" pitchFamily="18" charset="0"/>
-                      </a:rPr>
-                      <m:t>=(</m:t>
-                    </m:r>
-                    <m:r>
-                      <a:rPr lang="en-US" b="0" i="1" smtClean="0">
-                        <a:latin typeface="Cambria Math" panose="02040503050406030204" pitchFamily="18" charset="0"/>
-                      </a:rPr>
-                      <m:t>𝐸</m:t>
-                    </m:r>
-                    <m:r>
-                      <a:rPr lang="en-US" b="0" i="1" smtClean="0">
-                        <a:latin typeface="Cambria Math" panose="02040503050406030204" pitchFamily="18" charset="0"/>
-                      </a:rPr>
-                      <m:t>,</m:t>
-                    </m:r>
-                    <m:r>
-                      <a:rPr lang="en-US" b="0" i="1" smtClean="0">
-                        <a:latin typeface="Cambria Math" panose="02040503050406030204" pitchFamily="18" charset="0"/>
-                      </a:rPr>
-                      <m:t>𝐷</m:t>
-                    </m:r>
-                    <m:r>
-                      <a:rPr lang="en-US" b="0" i="1" smtClean="0">
-                        <a:latin typeface="Cambria Math" panose="02040503050406030204" pitchFamily="18" charset="0"/>
-                      </a:rPr>
-                      <m:t>)</m:t>
-                    </m:r>
-                  </m:oMath>
-                </a14:m>
-                <a:r>
-                  <a:rPr lang="en-US" dirty="0" smtClean="0"/>
-                  <a:t> </a:t>
-                </a:r>
-                <a:r>
-                  <a:rPr lang="ru-RU" dirty="0" smtClean="0"/>
-                  <a:t>аутентифицированный шифр на </a:t>
-                </a:r>
-                <a14:m>
-                  <m:oMath xmlns:m="http://schemas.openxmlformats.org/officeDocument/2006/math">
-                    <m:r>
-                      <a:rPr lang="en-US" b="0" i="1" smtClean="0">
-                        <a:latin typeface="Cambria Math" panose="02040503050406030204" pitchFamily="18" charset="0"/>
-                      </a:rPr>
-                      <m:t>(</m:t>
-                    </m:r>
-                    <m:r>
-                      <a:rPr lang="en-US" b="0" i="1" smtClean="0">
-                        <a:latin typeface="Cambria Math" panose="02040503050406030204" pitchFamily="18" charset="0"/>
-                      </a:rPr>
-                      <m:t>𝐾</m:t>
-                    </m:r>
-                    <m:r>
-                      <a:rPr lang="en-US" b="0" i="1" smtClean="0">
-                        <a:latin typeface="Cambria Math" panose="02040503050406030204" pitchFamily="18" charset="0"/>
-                      </a:rPr>
-                      <m:t>,</m:t>
-                    </m:r>
-                    <m:r>
-                      <a:rPr lang="en-US" b="0" i="1" smtClean="0">
-                        <a:latin typeface="Cambria Math" panose="02040503050406030204" pitchFamily="18" charset="0"/>
-                      </a:rPr>
-                      <m:t>𝑀</m:t>
-                    </m:r>
-                    <m:r>
-                      <a:rPr lang="en-US" b="0" i="1" smtClean="0">
-                        <a:latin typeface="Cambria Math" panose="02040503050406030204" pitchFamily="18" charset="0"/>
-                      </a:rPr>
-                      <m:t>,</m:t>
-                    </m:r>
-                    <m:r>
-                      <a:rPr lang="en-US" b="0" i="1" smtClean="0">
-                        <a:latin typeface="Cambria Math" panose="02040503050406030204" pitchFamily="18" charset="0"/>
-                      </a:rPr>
-                      <m:t>𝐶</m:t>
-                    </m:r>
-                    <m:r>
-                      <a:rPr lang="en-US" b="0" i="1" smtClean="0">
-                        <a:latin typeface="Cambria Math" panose="02040503050406030204" pitchFamily="18" charset="0"/>
-                      </a:rPr>
-                      <m:t>)</m:t>
-                    </m:r>
-                  </m:oMath>
-                </a14:m>
-                <a:r>
-                  <a:rPr lang="ru-RU" dirty="0" smtClean="0"/>
-                  <a:t>.</a:t>
-                </a:r>
-              </a:p>
-              <a:p>
-                <a14:m>
-                  <m:oMath xmlns:m="http://schemas.openxmlformats.org/officeDocument/2006/math">
-                    <m:r>
-                      <a:rPr lang="en-US" b="0" i="1" smtClean="0">
-                        <a:latin typeface="Cambria Math" panose="02040503050406030204" pitchFamily="18" charset="0"/>
-                      </a:rPr>
-                      <m:t>𝐸</m:t>
-                    </m:r>
-                    <m:r>
-                      <a:rPr lang="en-US" b="0" i="1" smtClean="0">
-                        <a:latin typeface="Cambria Math" panose="02040503050406030204" pitchFamily="18" charset="0"/>
-                      </a:rPr>
-                      <m:t>:</m:t>
-                    </m:r>
-                    <m:r>
-                      <a:rPr lang="en-US" b="0" i="1" smtClean="0">
-                        <a:latin typeface="Cambria Math" panose="02040503050406030204" pitchFamily="18" charset="0"/>
-                      </a:rPr>
-                      <m:t>𝐾</m:t>
-                    </m:r>
-                    <m:r>
-                      <a:rPr lang="en-US" b="0" i="1" smtClean="0">
-                        <a:latin typeface="Cambria Math" panose="02040503050406030204" pitchFamily="18" charset="0"/>
-                      </a:rPr>
-                      <m:t>×</m:t>
-                    </m:r>
-                    <m:r>
-                      <a:rPr lang="en-US" b="0" i="1" smtClean="0">
-                        <a:latin typeface="Cambria Math" panose="02040503050406030204" pitchFamily="18" charset="0"/>
-                      </a:rPr>
-                      <m:t>𝑀</m:t>
-                    </m:r>
-                    <m:r>
-                      <a:rPr lang="en-US" b="0" i="1" smtClean="0">
-                        <a:latin typeface="Cambria Math" panose="02040503050406030204" pitchFamily="18" charset="0"/>
-                      </a:rPr>
-                      <m:t>→</m:t>
-                    </m:r>
-                    <m:r>
-                      <a:rPr lang="en-US" b="0" i="1" smtClean="0">
-                        <a:latin typeface="Cambria Math" panose="02040503050406030204" pitchFamily="18" charset="0"/>
-                      </a:rPr>
-                      <m:t>𝐶</m:t>
-                    </m:r>
-                  </m:oMath>
-                </a14:m>
-                <a:endParaRPr lang="en-US" b="0" dirty="0" smtClean="0"/>
-              </a:p>
-              <a:p>
-                <a14:m>
-                  <m:oMath xmlns:m="http://schemas.openxmlformats.org/officeDocument/2006/math">
-                    <m:r>
-                      <a:rPr lang="en-US" b="0" i="1" smtClean="0">
-                        <a:latin typeface="Cambria Math" panose="02040503050406030204" pitchFamily="18" charset="0"/>
-                      </a:rPr>
-                      <m:t>𝐷</m:t>
-                    </m:r>
-                    <m:r>
-                      <a:rPr lang="en-US" b="0" i="1" smtClean="0">
-                        <a:latin typeface="Cambria Math" panose="02040503050406030204" pitchFamily="18" charset="0"/>
-                      </a:rPr>
-                      <m:t>:</m:t>
-                    </m:r>
-                    <m:r>
-                      <a:rPr lang="en-US" b="0" i="1" smtClean="0">
-                        <a:latin typeface="Cambria Math" panose="02040503050406030204" pitchFamily="18" charset="0"/>
-                      </a:rPr>
-                      <m:t>𝐾</m:t>
-                    </m:r>
-                    <m:r>
-                      <a:rPr lang="en-US" b="0" i="1" smtClean="0">
-                        <a:latin typeface="Cambria Math" panose="02040503050406030204" pitchFamily="18" charset="0"/>
-                      </a:rPr>
-                      <m:t>×</m:t>
-                    </m:r>
-                    <m:r>
-                      <a:rPr lang="en-US" b="0" i="1" smtClean="0">
-                        <a:latin typeface="Cambria Math" panose="02040503050406030204" pitchFamily="18" charset="0"/>
-                      </a:rPr>
-                      <m:t>𝐶</m:t>
-                    </m:r>
-                    <m:r>
-                      <a:rPr lang="en-US" b="0" i="1" smtClean="0">
-                        <a:latin typeface="Cambria Math" panose="02040503050406030204" pitchFamily="18" charset="0"/>
-                      </a:rPr>
-                      <m:t>→</m:t>
-                    </m:r>
-                    <m:r>
-                      <a:rPr lang="en-US" b="0" i="1" smtClean="0">
-                        <a:latin typeface="Cambria Math" panose="02040503050406030204" pitchFamily="18" charset="0"/>
-                      </a:rPr>
-                      <m:t>𝑀</m:t>
-                    </m:r>
-                    <m:r>
-                      <a:rPr lang="en-US" b="0" i="1" smtClean="0">
-                        <a:latin typeface="Cambria Math" panose="02040503050406030204" pitchFamily="18" charset="0"/>
-                        <a:ea typeface="Cambria Math" panose="02040503050406030204" pitchFamily="18" charset="0"/>
-                      </a:rPr>
-                      <m:t>∪{⊥}</m:t>
-                    </m:r>
-                  </m:oMath>
-                </a14:m>
-                <a:endParaRPr lang="en-US" dirty="0" smtClean="0"/>
-              </a:p>
-              <a:p>
-                <a14:m>
-                  <m:oMath xmlns:m="http://schemas.openxmlformats.org/officeDocument/2006/math">
-                    <m:r>
-                      <a:rPr lang="en-US" b="0" i="1" smtClean="0">
-                        <a:latin typeface="Cambria Math" panose="02040503050406030204" pitchFamily="18" charset="0"/>
-                      </a:rPr>
-                      <m:t>⊥</m:t>
-                    </m:r>
-                  </m:oMath>
-                </a14:m>
-                <a:r>
-                  <a:rPr lang="ru-RU" dirty="0" smtClean="0"/>
-                  <a:t> - шифртекст отклонён (не пройдена проверка аутентичности)</a:t>
-                </a:r>
-              </a:p>
-              <a:p>
-                <a:r>
-                  <a:rPr lang="ru-RU" dirty="0" smtClean="0"/>
-                  <a:t>Свойство корректности</a:t>
-                </a:r>
-                <a:r>
-                  <a:rPr lang="en-US" dirty="0" smtClean="0"/>
-                  <a:t>: </a:t>
-                </a:r>
-                <a14:m>
-                  <m:oMath xmlns:m="http://schemas.openxmlformats.org/officeDocument/2006/math">
-                    <m:r>
-                      <a:rPr lang="en-US" b="0" i="1" smtClean="0">
-                        <a:latin typeface="Cambria Math" panose="02040503050406030204" pitchFamily="18" charset="0"/>
-                      </a:rPr>
-                      <m:t>𝐷</m:t>
-                    </m:r>
-                    <m:d>
-                      <m:dPr>
-                        <m:ctrlPr>
-                          <a:rPr lang="en-US" b="0" i="1" smtClean="0">
-                            <a:latin typeface="Cambria Math" panose="02040503050406030204" pitchFamily="18" charset="0"/>
-                          </a:rPr>
-                        </m:ctrlPr>
-                      </m:dPr>
-                      <m:e>
-                        <m:r>
-                          <a:rPr lang="en-US" b="0" i="1" smtClean="0">
-                            <a:latin typeface="Cambria Math" panose="02040503050406030204" pitchFamily="18" charset="0"/>
-                          </a:rPr>
-                          <m:t>𝑘</m:t>
-                        </m:r>
-                        <m:r>
-                          <a:rPr lang="en-US" b="0" i="1" smtClean="0">
-                            <a:latin typeface="Cambria Math" panose="02040503050406030204" pitchFamily="18" charset="0"/>
-                          </a:rPr>
-                          <m:t>,</m:t>
-                        </m:r>
-                        <m:r>
-                          <a:rPr lang="en-US" b="0" i="1" smtClean="0">
-                            <a:latin typeface="Cambria Math" panose="02040503050406030204" pitchFamily="18" charset="0"/>
-                          </a:rPr>
-                          <m:t>𝐸</m:t>
-                        </m:r>
-                        <m:d>
-                          <m:dPr>
-                            <m:ctrlPr>
-                              <a:rPr lang="en-US" b="0" i="1" smtClean="0">
-                                <a:latin typeface="Cambria Math" panose="02040503050406030204" pitchFamily="18" charset="0"/>
-                              </a:rPr>
-                            </m:ctrlPr>
-                          </m:dPr>
-                          <m:e>
-                            <m:r>
-                              <a:rPr lang="en-US" b="0" i="1" smtClean="0">
-                                <a:latin typeface="Cambria Math" panose="02040503050406030204" pitchFamily="18" charset="0"/>
-                              </a:rPr>
-                              <m:t>𝑘</m:t>
-                            </m:r>
-                            <m:r>
-                              <a:rPr lang="en-US" b="0" i="1" smtClean="0">
-                                <a:latin typeface="Cambria Math" panose="02040503050406030204" pitchFamily="18" charset="0"/>
-                              </a:rPr>
-                              <m:t>,</m:t>
-                            </m:r>
-                            <m:r>
-                              <a:rPr lang="en-US" b="0" i="1" smtClean="0">
-                                <a:latin typeface="Cambria Math" panose="02040503050406030204" pitchFamily="18" charset="0"/>
-                              </a:rPr>
-                              <m:t>𝑚</m:t>
-                            </m:r>
-                          </m:e>
-                        </m:d>
-                      </m:e>
-                    </m:d>
-                    <m:r>
-                      <a:rPr lang="en-US" b="0" i="1" smtClean="0">
-                        <a:latin typeface="Cambria Math" panose="02040503050406030204" pitchFamily="18" charset="0"/>
-                      </a:rPr>
-                      <m:t>=</m:t>
-                    </m:r>
-                    <m:r>
-                      <a:rPr lang="en-US" b="0" i="1" smtClean="0">
-                        <a:latin typeface="Cambria Math" panose="02040503050406030204" pitchFamily="18" charset="0"/>
-                      </a:rPr>
-                      <m:t>𝑚</m:t>
-                    </m:r>
-                  </m:oMath>
-                </a14:m>
-                <a:endParaRPr lang="ru-RU" dirty="0" smtClean="0"/>
-              </a:p>
-              <a:p>
-                <a:pPr marL="0" indent="0">
-                  <a:buNone/>
-                </a:pPr>
-                <a:endParaRPr lang="ru-RU" dirty="0"/>
-              </a:p>
-            </p:txBody>
-          </p:sp>
-        </mc:Choice>
-        <mc:Fallback xmlns="">
-          <p:sp>
-            <p:nvSpPr>
-              <p:cNvPr id="3" name="Объект 2"/>
-              <p:cNvSpPr>
-                <a:spLocks noGrp="1" noRot="1" noChangeAspect="1" noMove="1" noResize="1" noEditPoints="1" noAdjustHandles="1" noChangeArrowheads="1" noChangeShapeType="1" noTextEdit="1"/>
-              </p:cNvSpPr>
-              <p:nvPr>
-                <p:ph idx="1"/>
-              </p:nvPr>
-            </p:nvSpPr>
-            <p:spPr>
-              <a:blipFill>
-                <a:blip r:embed="rId2"/>
-                <a:stretch>
-                  <a:fillRect l="-1043" t="-2101"/>
-                </a:stretch>
-              </a:blipFill>
-            </p:spPr>
-            <p:txBody>
-              <a:bodyPr/>
-              <a:lstStyle/>
-              <a:p>
-                <a:r>
-                  <a:rPr lang="ru-RU">
-                    <a:noFill/>
-                  </a:rPr>
-                  <a:t> </a:t>
-                </a:r>
-              </a:p>
-            </p:txBody>
-          </p:sp>
-        </mc:Fallback>
-      </mc:AlternateContent>
-      <p:sp>
-        <p:nvSpPr>
-          <p:cNvPr id="4" name="Номер слайда 3"/>
-          <p:cNvSpPr>
-            <a:spLocks noGrp="1"/>
-          </p:cNvSpPr>
-          <p:nvPr>
-            <p:ph type="sldNum" sz="quarter" idx="12"/>
-          </p:nvPr>
-        </p:nvSpPr>
-        <p:spPr/>
-        <p:txBody>
-          <a:bodyPr/>
-          <a:lstStyle/>
-          <a:p>
-            <a:fld id="{8253DDDB-F8F7-4D64-A7FD-3F3D61C1949F}" type="slidenum">
-              <a:rPr lang="ru-RU" smtClean="0"/>
-              <a:t>8</a:t>
-            </a:fld>
-            <a:endParaRPr lang="ru-RU"/>
-          </a:p>
-        </p:txBody>
-      </p:sp>
-    </p:spTree>
-    <p:extLst>
-      <p:ext uri="{BB962C8B-B14F-4D97-AF65-F5344CB8AC3E}">
-        <p14:creationId xmlns:p14="http://schemas.microsoft.com/office/powerpoint/2010/main" val="1401202004"/>
-      </p:ext>
-    </p:extLst>
-  </p:cSld>
-  <p:clrMapOvr>
-    <a:masterClrMapping/>
-  </p:clrMapOvr>
-  <p:timing>
-    <p:tnLst>
-      <p:par>
-        <p:cTn id="1" dur="indefinite" restart="never" nodeType="tmRoot"/>
-      </p:par>
-    </p:tnLst>
-  </p:timing>
-</p:sld>
-</file>
-
-<file path=ppt/slides/slide9.xml><?xml version="1.0" encoding="utf-8"?>
-<p:sld xmlns:a="http://schemas.openxmlformats.org/drawingml/2006/main" xmlns:r="http://schemas.openxmlformats.org/officeDocument/2006/relationships" xmlns:p="http://schemas.openxmlformats.org/presentationml/2006/main">
-  <p:cSld>
-    <p:spTree>
-      <p:nvGrpSpPr>
-        <p:cNvPr id="1" name=""/>
-        <p:cNvGrpSpPr/>
-        <p:nvPr/>
-      </p:nvGrpSpPr>
-      <p:grpSpPr>
-        <a:xfrm>
-          <a:off x="0" y="0"/>
-          <a:ext cx="0" cy="0"/>
-          <a:chOff x="0" y="0"/>
-          <a:chExt cx="0" cy="0"/>
-        </a:xfrm>
-      </p:grpSpPr>
-      <p:sp>
-        <p:nvSpPr>
-          <p:cNvPr id="2" name="Заголовок 1"/>
-          <p:cNvSpPr>
-            <a:spLocks noGrp="1"/>
-          </p:cNvSpPr>
-          <p:nvPr>
-            <p:ph type="title"/>
-          </p:nvPr>
-        </p:nvSpPr>
-        <p:spPr/>
-        <p:txBody>
-          <a:bodyPr/>
-          <a:lstStyle/>
-          <a:p>
-            <a:r>
-              <a:rPr lang="ru-RU" dirty="0" smtClean="0"/>
-              <a:t>Целостность </a:t>
-            </a:r>
-            <a:r>
-              <a:rPr lang="ru-RU" dirty="0" err="1" smtClean="0"/>
-              <a:t>шифртекстов</a:t>
-            </a:r>
-            <a:endParaRPr lang="ru-RU" dirty="0"/>
-          </a:p>
-        </p:txBody>
-      </p:sp>
-      <mc:AlternateContent xmlns:mc="http://schemas.openxmlformats.org/markup-compatibility/2006" xmlns:a14="http://schemas.microsoft.com/office/drawing/2010/main">
-        <mc:Choice Requires="a14">
-          <p:sp>
-            <p:nvSpPr>
-              <p:cNvPr id="3" name="Объект 2"/>
-              <p:cNvSpPr>
-                <a:spLocks noGrp="1"/>
-              </p:cNvSpPr>
-              <p:nvPr>
-                <p:ph idx="1"/>
-              </p:nvPr>
-            </p:nvSpPr>
-            <p:spPr/>
-            <p:txBody>
-              <a:bodyPr/>
-              <a:lstStyle/>
-              <a:p>
-                <a:pPr marL="0" indent="0">
-                  <a:buNone/>
-                </a:pPr>
-                <a:r>
-                  <a:rPr lang="ru-RU" dirty="0" smtClean="0"/>
-                  <a:t>Пусть</a:t>
-                </a:r>
-                <a:r>
-                  <a:rPr lang="en-US" dirty="0" smtClean="0"/>
-                  <a:t> </a:t>
-                </a:r>
-                <a14:m>
-                  <m:oMath xmlns:m="http://schemas.openxmlformats.org/officeDocument/2006/math">
-                    <m:r>
-                      <m:rPr>
-                        <m:sty m:val="p"/>
-                      </m:rPr>
-                      <a:rPr lang="ru-RU" b="0" i="0" smtClean="0">
-                        <a:latin typeface="Cambria Math" panose="02040503050406030204" pitchFamily="18" charset="0"/>
-                      </a:rPr>
-                      <m:t>Ε</m:t>
-                    </m:r>
-                    <m:r>
-                      <a:rPr lang="en-US" b="0" i="0" smtClean="0">
-                        <a:latin typeface="Cambria Math" panose="02040503050406030204" pitchFamily="18" charset="0"/>
-                      </a:rPr>
-                      <m:t>=(</m:t>
-                    </m:r>
-                    <m:r>
-                      <a:rPr lang="en-US" b="0" i="1" smtClean="0">
-                        <a:latin typeface="Cambria Math" panose="02040503050406030204" pitchFamily="18" charset="0"/>
-                      </a:rPr>
-                      <m:t>𝐸</m:t>
-                    </m:r>
-                    <m:r>
-                      <a:rPr lang="en-US" b="0" i="1" smtClean="0">
-                        <a:latin typeface="Cambria Math" panose="02040503050406030204" pitchFamily="18" charset="0"/>
-                      </a:rPr>
-                      <m:t>,</m:t>
-                    </m:r>
-                    <m:r>
-                      <a:rPr lang="en-US" b="0" i="1" smtClean="0">
-                        <a:latin typeface="Cambria Math" panose="02040503050406030204" pitchFamily="18" charset="0"/>
-                      </a:rPr>
-                      <m:t>𝐷</m:t>
-                    </m:r>
-                    <m:r>
-                      <a:rPr lang="en-US" b="0" i="1" smtClean="0">
-                        <a:latin typeface="Cambria Math" panose="02040503050406030204" pitchFamily="18" charset="0"/>
-                      </a:rPr>
-                      <m:t>)</m:t>
-                    </m:r>
-                  </m:oMath>
-                </a14:m>
-                <a:r>
-                  <a:rPr lang="en-US" dirty="0" smtClean="0"/>
-                  <a:t> – </a:t>
-                </a:r>
-                <a:r>
-                  <a:rPr lang="ru-RU" b="1" dirty="0" smtClean="0"/>
-                  <a:t>аутентифицированный шифр</a:t>
-                </a:r>
-                <a:r>
-                  <a:rPr lang="ru-RU" dirty="0" smtClean="0"/>
-                  <a:t> (</a:t>
-                </a:r>
-                <a:r>
-                  <a:rPr lang="en-US" b="1" dirty="0" smtClean="0"/>
-                  <a:t>AE</a:t>
-                </a:r>
-                <a:r>
-                  <a:rPr lang="en-US" dirty="0" smtClean="0"/>
-                  <a:t>)</a:t>
-                </a:r>
-                <a:r>
-                  <a:rPr lang="ru-RU" dirty="0" smtClean="0"/>
-                  <a:t> на </a:t>
-                </a:r>
-                <a14:m>
-                  <m:oMath xmlns:m="http://schemas.openxmlformats.org/officeDocument/2006/math">
-                    <m:r>
-                      <a:rPr lang="en-US" b="0" i="1" smtClean="0">
-                        <a:latin typeface="Cambria Math" panose="02040503050406030204" pitchFamily="18" charset="0"/>
-                      </a:rPr>
-                      <m:t>(</m:t>
-                    </m:r>
-                    <m:r>
-                      <a:rPr lang="en-US" b="0" i="1" smtClean="0">
-                        <a:latin typeface="Cambria Math" panose="02040503050406030204" pitchFamily="18" charset="0"/>
-                      </a:rPr>
-                      <m:t>𝐾</m:t>
-                    </m:r>
-                    <m:r>
-                      <a:rPr lang="en-US" b="0" i="1" smtClean="0">
-                        <a:latin typeface="Cambria Math" panose="02040503050406030204" pitchFamily="18" charset="0"/>
-                      </a:rPr>
-                      <m:t>,</m:t>
-                    </m:r>
-                    <m:r>
-                      <a:rPr lang="en-US" b="0" i="1" smtClean="0">
-                        <a:latin typeface="Cambria Math" panose="02040503050406030204" pitchFamily="18" charset="0"/>
-                      </a:rPr>
-                      <m:t>𝑀</m:t>
-                    </m:r>
-                    <m:r>
-                      <a:rPr lang="en-US" b="0" i="1" smtClean="0">
-                        <a:latin typeface="Cambria Math" panose="02040503050406030204" pitchFamily="18" charset="0"/>
-                      </a:rPr>
-                      <m:t>,</m:t>
-                    </m:r>
-                    <m:r>
-                      <a:rPr lang="en-US" b="0" i="1" smtClean="0">
-                        <a:latin typeface="Cambria Math" panose="02040503050406030204" pitchFamily="18" charset="0"/>
-                      </a:rPr>
-                      <m:t>𝐶</m:t>
-                    </m:r>
-                    <m:r>
-                      <a:rPr lang="en-US" b="0" i="1" smtClean="0">
-                        <a:latin typeface="Cambria Math" panose="02040503050406030204" pitchFamily="18" charset="0"/>
-                      </a:rPr>
-                      <m:t>)</m:t>
-                    </m:r>
-                  </m:oMath>
-                </a14:m>
-                <a:r>
-                  <a:rPr lang="ru-RU" dirty="0" smtClean="0"/>
-                  <a:t>. Введём игру на </a:t>
-                </a:r>
-                <a:r>
-                  <a:rPr lang="ru-RU" b="1" dirty="0" smtClean="0"/>
-                  <a:t>целостность </a:t>
-                </a:r>
-                <a:r>
-                  <a:rPr lang="ru-RU" b="1" dirty="0" err="1" smtClean="0"/>
-                  <a:t>шифртекстов</a:t>
-                </a:r>
-                <a:r>
-                  <a:rPr lang="en-US" dirty="0" smtClean="0"/>
-                  <a:t> (INT-CTXT)</a:t>
-                </a:r>
-                <a:r>
-                  <a:rPr lang="ru-RU" dirty="0" smtClean="0"/>
-                  <a:t> (аналогично игре на </a:t>
-                </a:r>
-                <a:r>
-                  <a:rPr lang="en-US" dirty="0" smtClean="0"/>
-                  <a:t>MAC</a:t>
-                </a:r>
-                <a:r>
-                  <a:rPr lang="ru-RU" dirty="0" smtClean="0"/>
-                  <a:t>)</a:t>
-                </a:r>
-                <a:r>
-                  <a:rPr lang="en-US" dirty="0" smtClean="0"/>
-                  <a:t>:</a:t>
-                </a:r>
-              </a:p>
-              <a:p>
-                <a:r>
-                  <a:rPr lang="ru-RU" dirty="0" smtClean="0"/>
-                  <a:t>Претендент выбирает случайный ключ</a:t>
-                </a:r>
-              </a:p>
-              <a:p>
-                <a:r>
-                  <a:rPr lang="ru-RU" dirty="0" smtClean="0"/>
-                  <a:t>Противник запрашивает </a:t>
-                </a:r>
-                <a:r>
-                  <a:rPr lang="ru-RU" dirty="0" err="1" smtClean="0"/>
-                  <a:t>зашифрование</a:t>
-                </a:r>
-                <a:r>
-                  <a:rPr lang="ru-RU" dirty="0" smtClean="0"/>
-                  <a:t> нескольких открытых текстов в адаптивной атаке</a:t>
-                </a:r>
-              </a:p>
-              <a:p>
-                <a:r>
-                  <a:rPr lang="ru-RU" dirty="0" smtClean="0"/>
-                  <a:t>Цель противника – получить </a:t>
-                </a:r>
-                <a:r>
-                  <a:rPr lang="ru-RU" b="1" dirty="0" smtClean="0"/>
-                  <a:t>новый корректный </a:t>
-                </a:r>
-                <a:r>
-                  <a:rPr lang="ru-RU" b="1" dirty="0" err="1" smtClean="0"/>
-                  <a:t>шифртекст</a:t>
-                </a:r>
-                <a:endParaRPr lang="ru-RU" b="1" dirty="0"/>
-              </a:p>
-            </p:txBody>
-          </p:sp>
-        </mc:Choice>
-        <mc:Fallback xmlns="">
-          <p:sp>
-            <p:nvSpPr>
-              <p:cNvPr id="3" name="Объект 2"/>
-              <p:cNvSpPr>
-                <a:spLocks noGrp="1" noRot="1" noChangeAspect="1" noMove="1" noResize="1" noEditPoints="1" noAdjustHandles="1" noChangeArrowheads="1" noChangeShapeType="1" noTextEdit="1"/>
-              </p:cNvSpPr>
-              <p:nvPr>
-                <p:ph idx="1"/>
-              </p:nvPr>
-            </p:nvSpPr>
-            <p:spPr>
-              <a:blipFill rotWithShape="0">
-                <a:blip r:embed="rId2"/>
-                <a:stretch>
-                  <a:fillRect l="-1043" t="-2101" r="-1043"/>
-                </a:stretch>
-              </a:blipFill>
-            </p:spPr>
-            <p:txBody>
-              <a:bodyPr/>
-              <a:lstStyle/>
-              <a:p>
-                <a:r>
-                  <a:rPr lang="ru-RU">
-                    <a:noFill/>
-                  </a:rPr>
-                  <a:t> </a:t>
-                </a:r>
-              </a:p>
-            </p:txBody>
-          </p:sp>
-        </mc:Fallback>
-      </mc:AlternateContent>
-      <p:sp>
-        <p:nvSpPr>
-          <p:cNvPr id="4" name="Номер слайда 3"/>
-          <p:cNvSpPr>
-            <a:spLocks noGrp="1"/>
-          </p:cNvSpPr>
-          <p:nvPr>
-            <p:ph type="sldNum" sz="quarter" idx="12"/>
-          </p:nvPr>
-        </p:nvSpPr>
-        <p:spPr/>
-        <p:txBody>
-          <a:bodyPr/>
-          <a:lstStyle/>
-          <a:p>
-            <a:fld id="{8253DDDB-F8F7-4D64-A7FD-3F3D61C1949F}" type="slidenum">
-              <a:rPr lang="ru-RU" smtClean="0"/>
-              <a:t>9</a:t>
-            </a:fld>
-            <a:endParaRPr lang="ru-RU"/>
-          </a:p>
-        </p:txBody>
-      </p:sp>
-      <p:sp>
-        <p:nvSpPr>
-          <p:cNvPr id="5" name="Rectangle 4"/>
-          <p:cNvSpPr>
-            <a:spLocks noChangeArrowheads="1"/>
-          </p:cNvSpPr>
-          <p:nvPr/>
-        </p:nvSpPr>
-        <p:spPr bwMode="auto">
-          <a:xfrm>
-            <a:off x="2584163" y="5095179"/>
-            <a:ext cx="1295400" cy="1454847"/>
-          </a:xfrm>
-          <a:prstGeom prst="rect">
-            <a:avLst/>
-          </a:prstGeom>
-          <a:solidFill>
-            <a:schemeClr val="accent1"/>
-          </a:solidFill>
-          <a:ln w="9525">
-            <a:solidFill>
-              <a:schemeClr val="tx1"/>
-            </a:solidFill>
-            <a:miter lim="800000"/>
-            <a:headEnd/>
-            <a:tailEnd/>
-          </a:ln>
-          <a:effectLst/>
-        </p:spPr>
-        <p:txBody>
-          <a:bodyPr wrap="none"/>
-          <a:lstStyle/>
-          <a:p>
-            <a:pPr algn="ctr"/>
-            <a:r>
-              <a:rPr lang="en-US"/>
-              <a:t>Chal.</a:t>
-            </a:r>
-          </a:p>
-        </p:txBody>
-      </p:sp>
-      <mc:AlternateContent xmlns:mc="http://schemas.openxmlformats.org/markup-compatibility/2006" xmlns:a14="http://schemas.microsoft.com/office/drawing/2010/main">
-        <mc:Choice Requires="a14">
-          <p:sp>
-            <p:nvSpPr>
-              <p:cNvPr id="6" name="Rectangle 7"/>
-              <p:cNvSpPr>
-                <a:spLocks noChangeArrowheads="1"/>
-              </p:cNvSpPr>
-              <p:nvPr/>
-            </p:nvSpPr>
-            <p:spPr bwMode="auto">
-              <a:xfrm>
-                <a:off x="7765763" y="5095179"/>
-                <a:ext cx="1295400" cy="1454847"/>
-              </a:xfrm>
-              <a:prstGeom prst="rect">
-                <a:avLst/>
-              </a:prstGeom>
-              <a:solidFill>
-                <a:schemeClr val="accent1"/>
-              </a:solidFill>
-              <a:ln w="9525">
-                <a:solidFill>
-                  <a:schemeClr val="tx1"/>
-                </a:solidFill>
-                <a:miter lim="800000"/>
-                <a:headEnd/>
-                <a:tailEnd/>
-              </a:ln>
-              <a:effectLst/>
-            </p:spPr>
-            <p:txBody>
-              <a:bodyPr wrap="none"/>
-              <a:lstStyle/>
-              <a:p>
-                <a:pPr algn="ctr"/>
-                <a:r>
-                  <a:rPr lang="en-US" dirty="0"/>
-                  <a:t>Adv. </a:t>
-                </a:r>
-                <a14:m>
-                  <m:oMath xmlns:m="http://schemas.openxmlformats.org/officeDocument/2006/math">
-                    <m:r>
-                      <a:rPr lang="en-US" i="1" dirty="0" smtClean="0">
-                        <a:latin typeface="Cambria Math" panose="02040503050406030204" pitchFamily="18" charset="0"/>
-                      </a:rPr>
-                      <m:t>𝐴</m:t>
-                    </m:r>
-                  </m:oMath>
-                </a14:m>
-                <a:endParaRPr lang="en-US" dirty="0"/>
-              </a:p>
-            </p:txBody>
-          </p:sp>
-        </mc:Choice>
-        <mc:Fallback xmlns="">
-          <p:sp>
-            <p:nvSpPr>
-              <p:cNvPr id="6" name="Rectangle 7"/>
-              <p:cNvSpPr>
-                <a:spLocks noRot="1" noChangeAspect="1" noMove="1" noResize="1" noEditPoints="1" noAdjustHandles="1" noChangeArrowheads="1" noChangeShapeType="1" noTextEdit="1"/>
-              </p:cNvSpPr>
-              <p:nvPr/>
-            </p:nvSpPr>
-            <p:spPr bwMode="auto">
-              <a:xfrm>
-                <a:off x="7765763" y="5095179"/>
-                <a:ext cx="1295400" cy="1454847"/>
-              </a:xfrm>
-              <a:prstGeom prst="rect">
-                <a:avLst/>
-              </a:prstGeom>
-              <a:blipFill rotWithShape="0">
-                <a:blip r:embed="rId3"/>
-                <a:stretch>
-                  <a:fillRect t="-2083"/>
-                </a:stretch>
-              </a:blipFill>
-              <a:ln w="9525">
-                <a:solidFill>
-                  <a:schemeClr val="tx1"/>
-                </a:solidFill>
-                <a:miter lim="800000"/>
-                <a:headEnd/>
-                <a:tailEnd/>
-              </a:ln>
-              <a:effectLst/>
-            </p:spPr>
-            <p:txBody>
-              <a:bodyPr/>
-              <a:lstStyle/>
-              <a:p>
-                <a:r>
-                  <a:rPr lang="ru-RU">
-                    <a:noFill/>
-                  </a:rPr>
-                  <a:t> </a:t>
-                </a:r>
-              </a:p>
-            </p:txBody>
-          </p:sp>
-        </mc:Fallback>
-      </mc:AlternateContent>
-      <p:grpSp>
-        <p:nvGrpSpPr>
-          <p:cNvPr id="7" name="Group 21"/>
-          <p:cNvGrpSpPr>
-            <a:grpSpLocks/>
-          </p:cNvGrpSpPr>
-          <p:nvPr/>
-        </p:nvGrpSpPr>
-        <p:grpSpPr bwMode="auto">
-          <a:xfrm>
-            <a:off x="3936713" y="5310151"/>
-            <a:ext cx="3771900" cy="400050"/>
-            <a:chOff x="1776" y="1793"/>
-            <a:chExt cx="2400" cy="336"/>
-          </a:xfrm>
-        </p:grpSpPr>
-        <p:sp>
-          <p:nvSpPr>
-            <p:cNvPr id="8" name="Line 10"/>
-            <p:cNvSpPr>
-              <a:spLocks noChangeShapeType="1"/>
-            </p:cNvSpPr>
-            <p:nvPr/>
-          </p:nvSpPr>
-          <p:spPr bwMode="auto">
-            <a:xfrm flipH="1">
-              <a:off x="1776" y="2122"/>
-              <a:ext cx="2400" cy="0"/>
-            </a:xfrm>
-            <a:prstGeom prst="line">
-              <a:avLst/>
-            </a:prstGeom>
-            <a:noFill/>
-            <a:ln w="38100" cmpd="sng">
-              <a:solidFill>
-                <a:schemeClr val="tx1"/>
-              </a:solidFill>
-              <a:round/>
-              <a:headEnd/>
-              <a:tailEnd type="triangle" w="med" len="med"/>
-            </a:ln>
-            <a:effectLst/>
-          </p:spPr>
-          <p:txBody>
-            <a:bodyPr/>
-            <a:lstStyle/>
-            <a:p>
-              <a:endParaRPr lang="en-US"/>
-            </a:p>
-          </p:txBody>
-        </p:sp>
-        <mc:AlternateContent xmlns:mc="http://schemas.openxmlformats.org/markup-compatibility/2006" xmlns:a14="http://schemas.microsoft.com/office/drawing/2010/main">
-          <mc:Choice Requires="a14">
-            <p:sp>
-              <p:nvSpPr>
-                <p:cNvPr id="9" name="Text Box 11"/>
-                <p:cNvSpPr txBox="1">
-                  <a:spLocks noChangeArrowheads="1"/>
-                </p:cNvSpPr>
-                <p:nvPr/>
-              </p:nvSpPr>
-              <p:spPr bwMode="auto">
-                <a:xfrm>
-                  <a:off x="2786" y="1793"/>
-                  <a:ext cx="344" cy="336"/>
-                </a:xfrm>
-                <a:prstGeom prst="rect">
-                  <a:avLst/>
-                </a:prstGeom>
-                <a:noFill/>
-                <a:ln w="9525">
-                  <a:noFill/>
-                  <a:miter lim="800000"/>
-                  <a:headEnd/>
-                  <a:tailEnd/>
-                </a:ln>
-                <a:effectLst/>
-              </p:spPr>
-              <p:txBody>
-                <a:bodyPr wrap="none">
-                  <a:spAutoFit/>
-                </a:bodyPr>
-                <a:lstStyle/>
-                <a:p>
-                  <a:pPr/>
-                  <a14:m>
-                    <m:oMathPara xmlns:m="http://schemas.openxmlformats.org/officeDocument/2006/math">
-                      <m:oMathParaPr>
-                        <m:jc m:val="centerGroup"/>
-                      </m:oMathParaPr>
-                      <m:oMath xmlns:m="http://schemas.openxmlformats.org/officeDocument/2006/math">
-                        <m:sSub>
-                          <m:sSubPr>
-                            <m:ctrlPr>
-                              <a:rPr lang="en-US" sz="2000" b="0" i="1" smtClean="0">
-                                <a:latin typeface="Cambria Math" panose="02040503050406030204" pitchFamily="18" charset="0"/>
-                                <a:sym typeface="Symbol" pitchFamily="18" charset="2"/>
-                              </a:rPr>
-                            </m:ctrlPr>
-                          </m:sSubPr>
-                          <m:e>
-                            <m:r>
-                              <a:rPr lang="en-US" sz="2000" b="0" i="1" smtClean="0">
-                                <a:latin typeface="Cambria Math" panose="02040503050406030204" pitchFamily="18" charset="0"/>
-                                <a:sym typeface="Symbol" pitchFamily="18" charset="2"/>
-                              </a:rPr>
-                              <m:t>𝑚</m:t>
-                            </m:r>
-                          </m:e>
-                          <m:sub>
-                            <m:r>
-                              <a:rPr lang="en-US" sz="2000" b="0" i="1" smtClean="0">
-                                <a:latin typeface="Cambria Math" panose="02040503050406030204" pitchFamily="18" charset="0"/>
-                                <a:sym typeface="Symbol" pitchFamily="18" charset="2"/>
-                              </a:rPr>
-                              <m:t>𝑖</m:t>
-                            </m:r>
-                          </m:sub>
-                        </m:sSub>
-                      </m:oMath>
-                    </m:oMathPara>
-                  </a14:m>
-                  <a:endParaRPr lang="en-US" sz="2000" dirty="0">
-                    <a:sym typeface="Symbol" pitchFamily="18" charset="2"/>
-                  </a:endParaRPr>
-                </a:p>
-              </p:txBody>
-            </p:sp>
-          </mc:Choice>
-          <mc:Fallback xmlns="">
-            <p:sp>
-              <p:nvSpPr>
-                <p:cNvPr id="11" name="Text Box 11"/>
-                <p:cNvSpPr txBox="1">
-                  <a:spLocks noRot="1" noChangeAspect="1" noMove="1" noResize="1" noEditPoints="1" noAdjustHandles="1" noChangeArrowheads="1" noChangeShapeType="1" noTextEdit="1"/>
-                </p:cNvSpPr>
-                <p:nvPr/>
-              </p:nvSpPr>
-              <p:spPr bwMode="auto">
-                <a:xfrm>
-                  <a:off x="2786" y="1793"/>
-                  <a:ext cx="344" cy="336"/>
-                </a:xfrm>
-                <a:prstGeom prst="rect">
-                  <a:avLst/>
-                </a:prstGeom>
-                <a:blipFill rotWithShape="0">
-                  <a:blip r:embed="rId4"/>
-                  <a:stretch>
-                    <a:fillRect b="-1515"/>
-                  </a:stretch>
-                </a:blipFill>
-                <a:ln w="9525">
-                  <a:noFill/>
-                  <a:miter lim="800000"/>
-                  <a:headEnd/>
-                  <a:tailEnd/>
-                </a:ln>
-                <a:effectLst/>
-              </p:spPr>
-              <p:txBody>
-                <a:bodyPr/>
-                <a:lstStyle/>
-                <a:p>
-                  <a:r>
-                    <a:rPr lang="ru-RU">
-                      <a:noFill/>
-                    </a:rPr>
-                    <a:t> </a:t>
-                  </a:r>
-                </a:p>
-              </p:txBody>
-            </p:sp>
-          </mc:Fallback>
-        </mc:AlternateContent>
-      </p:grpSp>
-      <p:grpSp>
-        <p:nvGrpSpPr>
-          <p:cNvPr id="10" name="Group 20"/>
-          <p:cNvGrpSpPr>
-            <a:grpSpLocks/>
-          </p:cNvGrpSpPr>
-          <p:nvPr/>
-        </p:nvGrpSpPr>
-        <p:grpSpPr bwMode="auto">
-          <a:xfrm>
-            <a:off x="3974813" y="5832693"/>
-            <a:ext cx="3733800" cy="400051"/>
-            <a:chOff x="1776" y="2107"/>
-            <a:chExt cx="2352" cy="336"/>
-          </a:xfrm>
-        </p:grpSpPr>
-        <p:sp>
-          <p:nvSpPr>
-            <p:cNvPr id="11" name="Line 13"/>
-            <p:cNvSpPr>
-              <a:spLocks noChangeShapeType="1"/>
-            </p:cNvSpPr>
-            <p:nvPr/>
-          </p:nvSpPr>
-          <p:spPr bwMode="auto">
-            <a:xfrm>
-              <a:off x="1776" y="2410"/>
-              <a:ext cx="2352" cy="0"/>
-            </a:xfrm>
-            <a:prstGeom prst="line">
-              <a:avLst/>
-            </a:prstGeom>
-            <a:noFill/>
-            <a:ln w="38100" cmpd="sng">
-              <a:solidFill>
-                <a:schemeClr val="tx1"/>
-              </a:solidFill>
-              <a:round/>
-              <a:headEnd/>
-              <a:tailEnd type="triangle" w="med" len="med"/>
-            </a:ln>
-            <a:effectLst/>
-          </p:spPr>
-          <p:txBody>
-            <a:bodyPr/>
-            <a:lstStyle/>
-            <a:p>
-              <a:endParaRPr lang="en-US"/>
-            </a:p>
-          </p:txBody>
-        </p:sp>
-        <mc:AlternateContent xmlns:mc="http://schemas.openxmlformats.org/markup-compatibility/2006" xmlns:a14="http://schemas.microsoft.com/office/drawing/2010/main">
-          <mc:Choice Requires="a14">
-            <p:sp>
-              <p:nvSpPr>
-                <p:cNvPr id="12" name="Text Box 14"/>
-                <p:cNvSpPr txBox="1">
-                  <a:spLocks noChangeArrowheads="1"/>
-                </p:cNvSpPr>
-                <p:nvPr/>
-              </p:nvSpPr>
-              <p:spPr bwMode="auto">
-                <a:xfrm>
-                  <a:off x="2422" y="2107"/>
-                  <a:ext cx="1171" cy="336"/>
-                </a:xfrm>
-                <a:prstGeom prst="rect">
-                  <a:avLst/>
-                </a:prstGeom>
-                <a:noFill/>
-                <a:ln w="9525">
-                  <a:noFill/>
-                  <a:miter lim="800000"/>
-                  <a:headEnd/>
-                  <a:tailEnd/>
-                </a:ln>
-                <a:effectLst/>
-              </p:spPr>
-              <p:txBody>
-                <a:bodyPr wrap="none">
-                  <a:spAutoFit/>
-                </a:bodyPr>
-                <a:lstStyle/>
-                <a:p>
-                  <a:pPr/>
-                  <a14:m>
-                    <m:oMathPara xmlns:m="http://schemas.openxmlformats.org/officeDocument/2006/math">
-                      <m:oMathParaPr>
-                        <m:jc m:val="centerGroup"/>
-                      </m:oMathParaPr>
-                      <m:oMath xmlns:m="http://schemas.openxmlformats.org/officeDocument/2006/math">
-                        <m:sSub>
-                          <m:sSubPr>
-                            <m:ctrlPr>
-                              <a:rPr lang="en-US" sz="2000" b="0" i="1" dirty="0" smtClean="0">
-                                <a:latin typeface="Cambria Math" panose="02040503050406030204" pitchFamily="18" charset="0"/>
-                              </a:rPr>
-                            </m:ctrlPr>
-                          </m:sSubPr>
-                          <m:e>
-                            <m:r>
-                              <a:rPr lang="ru-RU" sz="2000" b="0" i="1" dirty="0" smtClean="0">
-                                <a:latin typeface="Cambria Math" panose="02040503050406030204" pitchFamily="18" charset="0"/>
-                              </a:rPr>
-                              <m:t>с</m:t>
-                            </m:r>
-                          </m:e>
-                          <m:sub>
-                            <m:r>
-                              <a:rPr lang="en-US" sz="2000" b="0" i="1" dirty="0" smtClean="0">
-                                <a:latin typeface="Cambria Math" panose="02040503050406030204" pitchFamily="18" charset="0"/>
-                              </a:rPr>
-                              <m:t>𝑖</m:t>
-                            </m:r>
-                          </m:sub>
-                        </m:sSub>
-                        <m:sSup>
-                          <m:sSupPr>
-                            <m:ctrlPr>
-                              <a:rPr lang="en-US" sz="2000" b="0" i="1" dirty="0" smtClean="0">
-                                <a:latin typeface="Cambria Math" panose="02040503050406030204" pitchFamily="18" charset="0"/>
-                              </a:rPr>
-                            </m:ctrlPr>
-                          </m:sSupPr>
-                          <m:e>
-                            <m:r>
-                              <a:rPr lang="en-US" sz="2000" b="0" i="1" dirty="0" smtClean="0">
-                                <a:latin typeface="Cambria Math" panose="02040503050406030204" pitchFamily="18" charset="0"/>
-                              </a:rPr>
-                              <m:t>←</m:t>
-                            </m:r>
-                          </m:e>
-                          <m:sup>
-                            <m:r>
-                              <a:rPr lang="en-US" sz="2000" b="0" i="1" dirty="0" smtClean="0">
-                                <a:latin typeface="Cambria Math" panose="02040503050406030204" pitchFamily="18" charset="0"/>
-                              </a:rPr>
-                              <m:t>𝑅</m:t>
-                            </m:r>
-                          </m:sup>
-                        </m:sSup>
-                        <m:r>
-                          <a:rPr lang="en-US" sz="2000" b="0" i="1" dirty="0" smtClean="0">
-                            <a:latin typeface="Cambria Math" panose="02040503050406030204" pitchFamily="18" charset="0"/>
-                          </a:rPr>
-                          <m:t>𝐸</m:t>
-                        </m:r>
-                        <m:r>
-                          <a:rPr lang="en-US" sz="2000" b="0" i="1" dirty="0" smtClean="0">
-                            <a:latin typeface="Cambria Math" panose="02040503050406030204" pitchFamily="18" charset="0"/>
-                          </a:rPr>
-                          <m:t>(</m:t>
-                        </m:r>
-                        <m:r>
-                          <a:rPr lang="en-US" sz="2000" b="0" i="1" dirty="0" smtClean="0">
-                            <a:latin typeface="Cambria Math" panose="02040503050406030204" pitchFamily="18" charset="0"/>
-                          </a:rPr>
-                          <m:t>𝑘</m:t>
-                        </m:r>
-                        <m:r>
-                          <a:rPr lang="en-US" sz="2000" b="0" i="1" dirty="0" smtClean="0">
-                            <a:latin typeface="Cambria Math" panose="02040503050406030204" pitchFamily="18" charset="0"/>
-                          </a:rPr>
-                          <m:t>,</m:t>
-                        </m:r>
-                        <m:sSub>
-                          <m:sSubPr>
-                            <m:ctrlPr>
-                              <a:rPr lang="en-US" sz="2000" b="0" i="1" dirty="0" smtClean="0">
-                                <a:latin typeface="Cambria Math" panose="02040503050406030204" pitchFamily="18" charset="0"/>
-                              </a:rPr>
-                            </m:ctrlPr>
-                          </m:sSubPr>
-                          <m:e>
-                            <m:r>
-                              <a:rPr lang="en-US" sz="2000" b="0" i="1" dirty="0" smtClean="0">
-                                <a:latin typeface="Cambria Math" panose="02040503050406030204" pitchFamily="18" charset="0"/>
-                              </a:rPr>
-                              <m:t>𝑚</m:t>
-                            </m:r>
-                          </m:e>
-                          <m:sub>
-                            <m:r>
-                              <a:rPr lang="en-US" sz="2000" b="0" i="1" dirty="0" smtClean="0">
-                                <a:latin typeface="Cambria Math" panose="02040503050406030204" pitchFamily="18" charset="0"/>
-                              </a:rPr>
-                              <m:t>𝑖</m:t>
-                            </m:r>
-                          </m:sub>
-                        </m:sSub>
-                        <m:r>
-                          <a:rPr lang="en-US" sz="2000" b="0" i="1" dirty="0" smtClean="0">
-                            <a:latin typeface="Cambria Math" panose="02040503050406030204" pitchFamily="18" charset="0"/>
-                          </a:rPr>
-                          <m:t>)</m:t>
-                        </m:r>
-                      </m:oMath>
-                    </m:oMathPara>
-                  </a14:m>
-                  <a:endParaRPr lang="en-US" sz="2000" dirty="0"/>
-                </a:p>
-              </p:txBody>
-            </p:sp>
-          </mc:Choice>
-          <mc:Fallback xmlns="">
-            <p:sp>
-              <p:nvSpPr>
-                <p:cNvPr id="12" name="Text Box 14"/>
-                <p:cNvSpPr txBox="1">
-                  <a:spLocks noRot="1" noChangeAspect="1" noMove="1" noResize="1" noEditPoints="1" noAdjustHandles="1" noChangeArrowheads="1" noChangeShapeType="1" noTextEdit="1"/>
-                </p:cNvSpPr>
-                <p:nvPr/>
-              </p:nvSpPr>
-              <p:spPr bwMode="auto">
-                <a:xfrm>
-                  <a:off x="2422" y="2107"/>
-                  <a:ext cx="1171" cy="336"/>
-                </a:xfrm>
-                <a:prstGeom prst="rect">
-                  <a:avLst/>
-                </a:prstGeom>
-                <a:blipFill rotWithShape="0">
-                  <a:blip r:embed="rId5"/>
-                  <a:stretch>
-                    <a:fillRect b="-15152"/>
-                  </a:stretch>
-                </a:blipFill>
-                <a:ln w="9525">
-                  <a:noFill/>
-                  <a:miter lim="800000"/>
-                  <a:headEnd/>
-                  <a:tailEnd/>
-                </a:ln>
-                <a:effectLst/>
-              </p:spPr>
-              <p:txBody>
-                <a:bodyPr/>
-                <a:lstStyle/>
-                <a:p>
-                  <a:r>
-                    <a:rPr lang="ru-RU">
-                      <a:noFill/>
-                    </a:rPr>
-                    <a:t> </a:t>
-                  </a:r>
-                </a:p>
-              </p:txBody>
-            </p:sp>
-          </mc:Fallback>
-        </mc:AlternateContent>
-      </p:grpSp>
-      <p:sp>
-        <p:nvSpPr>
-          <p:cNvPr id="13" name="Rectangle 18"/>
-          <p:cNvSpPr>
-            <a:spLocks noChangeArrowheads="1"/>
-          </p:cNvSpPr>
-          <p:nvPr/>
-        </p:nvSpPr>
-        <p:spPr bwMode="auto">
-          <a:xfrm>
-            <a:off x="1944403" y="4801303"/>
-            <a:ext cx="7924800" cy="1920172"/>
-          </a:xfrm>
-          <a:prstGeom prst="rect">
-            <a:avLst/>
-          </a:prstGeom>
-          <a:noFill/>
-          <a:ln w="38100">
-            <a:solidFill>
-              <a:schemeClr val="folHlink"/>
-            </a:solidFill>
-            <a:miter lim="800000"/>
-            <a:headEnd/>
-            <a:tailEnd/>
-          </a:ln>
-          <a:effectLst/>
-        </p:spPr>
-        <p:txBody>
-          <a:bodyPr wrap="none" anchor="ctr"/>
-          <a:lstStyle/>
-          <a:p>
-            <a:endParaRPr lang="en-US"/>
-          </a:p>
-        </p:txBody>
-      </p:sp>
-      <p:sp>
-        <p:nvSpPr>
-          <p:cNvPr id="14" name="TextBox 13"/>
-          <p:cNvSpPr txBox="1"/>
-          <p:nvPr/>
-        </p:nvSpPr>
-        <p:spPr>
-          <a:xfrm>
-            <a:off x="5543104" y="6023465"/>
-            <a:ext cx="415498" cy="492443"/>
-          </a:xfrm>
-          <a:prstGeom prst="rect">
-            <a:avLst/>
-          </a:prstGeom>
-          <a:noFill/>
-        </p:spPr>
-        <p:txBody>
-          <a:bodyPr wrap="none" rtlCol="0">
-            <a:spAutoFit/>
-          </a:bodyPr>
-          <a:lstStyle/>
-          <a:p>
-            <a:r>
-              <a:rPr lang="en-US" sz="2600" dirty="0" smtClean="0"/>
-              <a:t>…</a:t>
-            </a:r>
-            <a:endParaRPr lang="ru-RU" sz="2600" dirty="0"/>
-          </a:p>
-        </p:txBody>
-      </p:sp>
-      <p:sp>
-        <p:nvSpPr>
-          <p:cNvPr id="15" name="Line 5"/>
-          <p:cNvSpPr>
-            <a:spLocks noChangeShapeType="1"/>
-          </p:cNvSpPr>
-          <p:nvPr/>
-        </p:nvSpPr>
-        <p:spPr bwMode="auto">
-          <a:xfrm>
-            <a:off x="9869203" y="5833227"/>
-            <a:ext cx="386096" cy="0"/>
-          </a:xfrm>
-          <a:prstGeom prst="line">
-            <a:avLst/>
-          </a:prstGeom>
-          <a:noFill/>
-          <a:ln w="9525">
-            <a:solidFill>
-              <a:schemeClr val="tx1"/>
-            </a:solidFill>
-            <a:round/>
-            <a:headEnd/>
-            <a:tailEnd type="triangle" w="med" len="med"/>
-          </a:ln>
-          <a:effectLst/>
-        </p:spPr>
-        <p:txBody>
-          <a:bodyPr/>
-          <a:lstStyle/>
-          <a:p>
-            <a:endParaRPr lang="en-US"/>
-          </a:p>
-        </p:txBody>
-      </p:sp>
-      <mc:AlternateContent xmlns:mc="http://schemas.openxmlformats.org/markup-compatibility/2006" xmlns:a14="http://schemas.microsoft.com/office/drawing/2010/main">
-        <mc:Choice Requires="a14">
-          <p:sp>
-            <p:nvSpPr>
-              <p:cNvPr id="16" name="Text Box 6"/>
-              <p:cNvSpPr txBox="1">
-                <a:spLocks noChangeArrowheads="1"/>
-              </p:cNvSpPr>
-              <p:nvPr/>
-            </p:nvSpPr>
-            <p:spPr bwMode="auto">
-              <a:xfrm>
-                <a:off x="10186251" y="5587593"/>
-                <a:ext cx="1812006" cy="490199"/>
-              </a:xfrm>
-              <a:prstGeom prst="rect">
-                <a:avLst/>
-              </a:prstGeom>
-              <a:noFill/>
-              <a:ln w="9525">
-                <a:noFill/>
-                <a:miter lim="800000"/>
-                <a:headEnd/>
-                <a:tailEnd/>
-              </a:ln>
-              <a:effectLst/>
-            </p:spPr>
-            <p:txBody>
-              <a:bodyPr wrap="square">
-                <a:spAutoFit/>
-              </a:bodyPr>
-              <a:lstStyle/>
-              <a:p>
-                <a:pPr/>
-                <a14:m>
-                  <m:oMathPara xmlns:m="http://schemas.openxmlformats.org/officeDocument/2006/math">
-                    <m:oMathParaPr>
-                      <m:jc m:val="centerGroup"/>
-                    </m:oMathParaPr>
-                    <m:oMath xmlns:m="http://schemas.openxmlformats.org/officeDocument/2006/math">
-                      <m:r>
-                        <a:rPr lang="en-US" sz="2400" i="1" smtClean="0">
-                          <a:latin typeface="Cambria Math" panose="02040503050406030204" pitchFamily="18" charset="0"/>
-                        </a:rPr>
-                        <m:t>𝑐</m:t>
-                      </m:r>
-                      <m:r>
-                        <a:rPr lang="en-US" sz="2400" b="0" i="1" smtClean="0">
-                          <a:latin typeface="Cambria Math" panose="02040503050406030204" pitchFamily="18" charset="0"/>
-                        </a:rPr>
-                        <m:t>∉</m:t>
-                      </m:r>
-                      <m:sSub>
-                        <m:sSubPr>
-                          <m:ctrlPr>
-                            <a:rPr lang="en-US" sz="2400" b="0" i="1" smtClean="0">
-                              <a:latin typeface="Cambria Math" panose="02040503050406030204" pitchFamily="18" charset="0"/>
-                            </a:rPr>
-                          </m:ctrlPr>
-                        </m:sSubPr>
-                        <m:e>
-                          <m:r>
-                            <a:rPr lang="en-US" sz="2400" b="0" i="1" smtClean="0">
-                              <a:latin typeface="Cambria Math" panose="02040503050406030204" pitchFamily="18" charset="0"/>
-                            </a:rPr>
-                            <m:t>𝑐</m:t>
-                          </m:r>
-                        </m:e>
-                        <m:sub>
-                          <m:r>
-                            <a:rPr lang="en-US" sz="2400" b="0" i="1" smtClean="0">
-                              <a:latin typeface="Cambria Math" panose="02040503050406030204" pitchFamily="18" charset="0"/>
-                            </a:rPr>
-                            <m:t>1</m:t>
-                          </m:r>
-                        </m:sub>
-                      </m:sSub>
-                      <m:r>
-                        <a:rPr lang="en-US" sz="2400" b="0" i="1" smtClean="0">
-                          <a:latin typeface="Cambria Math" panose="02040503050406030204" pitchFamily="18" charset="0"/>
-                        </a:rPr>
-                        <m:t>,…</m:t>
-                      </m:r>
-                      <m:sSub>
-                        <m:sSubPr>
-                          <m:ctrlPr>
-                            <a:rPr lang="en-US" sz="2400" b="0" i="1" smtClean="0">
-                              <a:latin typeface="Cambria Math" panose="02040503050406030204" pitchFamily="18" charset="0"/>
-                            </a:rPr>
-                          </m:ctrlPr>
-                        </m:sSubPr>
-                        <m:e>
-                          <m:r>
-                            <a:rPr lang="en-US" sz="2400" b="0" i="1" smtClean="0">
-                              <a:latin typeface="Cambria Math" panose="02040503050406030204" pitchFamily="18" charset="0"/>
-                            </a:rPr>
-                            <m:t>𝑐</m:t>
-                          </m:r>
-                        </m:e>
-                        <m:sub>
-                          <m:r>
-                            <a:rPr lang="en-US" sz="2400" b="0" i="1" smtClean="0">
-                              <a:latin typeface="Cambria Math" panose="02040503050406030204" pitchFamily="18" charset="0"/>
-                            </a:rPr>
-                            <m:t>𝑞</m:t>
-                          </m:r>
-                        </m:sub>
-                      </m:sSub>
-                    </m:oMath>
-                  </m:oMathPara>
-                </a14:m>
-                <a:endParaRPr lang="en-US" sz="2400" i="1" dirty="0"/>
-              </a:p>
-            </p:txBody>
-          </p:sp>
-        </mc:Choice>
-        <mc:Fallback xmlns="">
-          <p:sp>
-            <p:nvSpPr>
-              <p:cNvPr id="16" name="Text Box 6"/>
-              <p:cNvSpPr txBox="1">
-                <a:spLocks noRot="1" noChangeAspect="1" noMove="1" noResize="1" noEditPoints="1" noAdjustHandles="1" noChangeArrowheads="1" noChangeShapeType="1" noTextEdit="1"/>
-              </p:cNvSpPr>
-              <p:nvPr/>
-            </p:nvSpPr>
-            <p:spPr bwMode="auto">
-              <a:xfrm>
-                <a:off x="10186251" y="5587593"/>
-                <a:ext cx="1812006" cy="490199"/>
-              </a:xfrm>
-              <a:prstGeom prst="rect">
-                <a:avLst/>
-              </a:prstGeom>
-              <a:blipFill rotWithShape="0">
-                <a:blip r:embed="rId6"/>
-                <a:stretch>
-                  <a:fillRect b="-6250"/>
-                </a:stretch>
-              </a:blipFill>
-              <a:ln w="9525">
-                <a:noFill/>
-                <a:miter lim="800000"/>
-                <a:headEnd/>
-                <a:tailEnd/>
-              </a:ln>
-              <a:effectLst/>
-            </p:spPr>
-            <p:txBody>
-              <a:bodyPr/>
-              <a:lstStyle/>
-              <a:p>
-                <a:r>
-                  <a:rPr lang="ru-RU">
-                    <a:noFill/>
-                  </a:rPr>
-                  <a:t> </a:t>
-                </a:r>
-              </a:p>
-            </p:txBody>
-          </p:sp>
-        </mc:Fallback>
-      </mc:AlternateContent>
-      <p:sp>
-        <p:nvSpPr>
-          <p:cNvPr id="17" name="TextBox 16"/>
-          <p:cNvSpPr txBox="1"/>
-          <p:nvPr/>
-        </p:nvSpPr>
-        <p:spPr>
-          <a:xfrm>
-            <a:off x="5543104" y="4918887"/>
-            <a:ext cx="415498" cy="492443"/>
-          </a:xfrm>
-          <a:prstGeom prst="rect">
-            <a:avLst/>
-          </a:prstGeom>
-          <a:noFill/>
-        </p:spPr>
-        <p:txBody>
-          <a:bodyPr wrap="none" rtlCol="0">
-            <a:spAutoFit/>
-          </a:bodyPr>
-          <a:lstStyle/>
-          <a:p>
-            <a:r>
-              <a:rPr lang="en-US" sz="2600" dirty="0" smtClean="0"/>
-              <a:t>…</a:t>
-            </a:r>
-            <a:endParaRPr lang="ru-RU" sz="2600" dirty="0"/>
-          </a:p>
-        </p:txBody>
-      </p:sp>
-      <mc:AlternateContent xmlns:mc="http://schemas.openxmlformats.org/markup-compatibility/2006" xmlns:a14="http://schemas.microsoft.com/office/drawing/2010/main">
-        <mc:Choice Requires="a14">
-          <p:sp>
-            <p:nvSpPr>
-              <p:cNvPr id="18" name="Text Box 13"/>
-              <p:cNvSpPr txBox="1">
-                <a:spLocks noChangeArrowheads="1"/>
-              </p:cNvSpPr>
-              <p:nvPr/>
-            </p:nvSpPr>
-            <p:spPr bwMode="auto">
-              <a:xfrm>
-                <a:off x="2901211" y="5715763"/>
-                <a:ext cx="632609" cy="423129"/>
-              </a:xfrm>
-              <a:prstGeom prst="rect">
-                <a:avLst/>
-              </a:prstGeom>
-              <a:noFill/>
-              <a:ln w="9525">
-                <a:noFill/>
-                <a:miter lim="800000"/>
-                <a:headEnd/>
-                <a:tailEnd/>
-              </a:ln>
-              <a:effectLst/>
-            </p:spPr>
-            <p:txBody>
-              <a:bodyPr wrap="none">
-                <a:spAutoFit/>
-              </a:bodyPr>
-              <a:lstStyle/>
-              <a:p>
-                <a:r>
-                  <a:rPr lang="en-US" sz="1600" i="1" dirty="0" smtClean="0"/>
-                  <a:t>k</a:t>
-                </a:r>
-                <a14:m>
-                  <m:oMath xmlns:m="http://schemas.openxmlformats.org/officeDocument/2006/math">
-                    <m:groupChr>
-                      <m:groupChrPr>
-                        <m:chr m:val="←"/>
-                        <m:vertJc m:val="bot"/>
-                        <m:ctrlPr>
-                          <a:rPr lang="en-US" sz="1600" i="1">
-                            <a:latin typeface="Cambria Math" panose="02040503050406030204" pitchFamily="18" charset="0"/>
-                          </a:rPr>
-                        </m:ctrlPr>
-                      </m:groupChrPr>
-                      <m:e>
-                        <m:r>
-                          <m:rPr>
-                            <m:brk m:alnAt="2"/>
-                          </m:rPr>
-                          <a:rPr lang="en-US" sz="1600" i="1">
-                            <a:latin typeface="Cambria Math" panose="02040503050406030204" pitchFamily="18" charset="0"/>
-                          </a:rPr>
-                          <m:t>𝑅</m:t>
-                        </m:r>
-                      </m:e>
-                    </m:groupChr>
-                    <m:r>
-                      <a:rPr lang="en-US" sz="1600" b="0" i="1" smtClean="0">
-                        <a:latin typeface="Cambria Math" panose="02040503050406030204" pitchFamily="18" charset="0"/>
-                      </a:rPr>
-                      <m:t>𝐾</m:t>
-                    </m:r>
-                  </m:oMath>
-                </a14:m>
-                <a:endParaRPr lang="en-US" sz="1600" b="1" baseline="-25000" dirty="0">
-                  <a:cs typeface="Arial" charset="0"/>
-                  <a:sym typeface="Symbol" pitchFamily="18" charset="2"/>
-                </a:endParaRPr>
-              </a:p>
-            </p:txBody>
-          </p:sp>
-        </mc:Choice>
-        <mc:Fallback xmlns="">
-          <p:sp>
-            <p:nvSpPr>
-              <p:cNvPr id="18" name="Text Box 13"/>
-              <p:cNvSpPr txBox="1">
-                <a:spLocks noRot="1" noChangeAspect="1" noMove="1" noResize="1" noEditPoints="1" noAdjustHandles="1" noChangeArrowheads="1" noChangeShapeType="1" noTextEdit="1"/>
-              </p:cNvSpPr>
-              <p:nvPr/>
-            </p:nvSpPr>
-            <p:spPr bwMode="auto">
-              <a:xfrm>
-                <a:off x="2901211" y="5715763"/>
-                <a:ext cx="632609" cy="423129"/>
-              </a:xfrm>
-              <a:prstGeom prst="rect">
-                <a:avLst/>
-              </a:prstGeom>
-              <a:blipFill rotWithShape="0">
-                <a:blip r:embed="rId7"/>
-                <a:stretch>
-                  <a:fillRect l="-5769" r="-26923" b="-44928"/>
-                </a:stretch>
-              </a:blipFill>
-              <a:ln w="9525">
-                <a:noFill/>
-                <a:miter lim="800000"/>
-                <a:headEnd/>
-                <a:tailEnd/>
-              </a:ln>
-              <a:effectLst/>
-            </p:spPr>
-            <p:txBody>
-              <a:bodyPr/>
-              <a:lstStyle/>
-              <a:p>
-                <a:r>
-                  <a:rPr lang="ru-RU">
-                    <a:noFill/>
-                  </a:rPr>
-                  <a:t> </a:t>
-                </a:r>
-              </a:p>
-            </p:txBody>
-          </p:sp>
-        </mc:Fallback>
-      </mc:AlternateContent>
-    </p:spTree>
-    <p:extLst>
-      <p:ext uri="{BB962C8B-B14F-4D97-AF65-F5344CB8AC3E}">
-        <p14:creationId xmlns:p14="http://schemas.microsoft.com/office/powerpoint/2010/main" val="179681710"/>
-      </p:ext>
-    </p:extLst>
-  </p:cSld>
-  <p:clrMapOvr>
-    <a:masterClrMapping/>
-  </p:clrMapOvr>
-  <p:timing>
-    <p:tnLst>
-      <p:par>
-        <p:cTn id="1" dur="indefinite" restart="never" nodeType="tmRoot"/>
-      </p:par>
-    </p:tnLst>
   </p:timing>
 </p:sld>
 </file>

--- a/Lectures/Lecture12.pptx
+++ b/Lectures/Lecture12.pptx
@@ -319,7 +319,7 @@
           <a:p>
             <a:fld id="{CBA08D16-15DC-4E25-BDC3-F25146157B16}" type="datetimeFigureOut">
               <a:rPr lang="ru-RU" smtClean="0"/>
-              <a:t>07.12.2023</a:t>
+              <a:t>06.06.2024</a:t>
             </a:fld>
             <a:endParaRPr lang="ru-RU"/>
           </a:p>
@@ -904,7 +904,7 @@
           <a:p>
             <a:fld id="{FCEC8293-DB51-454A-BE81-EC8FCB31EBA2}" type="datetime1">
               <a:rPr lang="ru-RU" smtClean="0"/>
-              <a:t>07.12.2023</a:t>
+              <a:t>06.06.2024</a:t>
             </a:fld>
             <a:endParaRPr lang="ru-RU"/>
           </a:p>
@@ -1078,7 +1078,7 @@
           <a:p>
             <a:fld id="{241C87B1-1C35-4DBD-BC18-2BC72E776603}" type="datetime1">
               <a:rPr lang="ru-RU" smtClean="0"/>
-              <a:t>07.12.2023</a:t>
+              <a:t>06.06.2024</a:t>
             </a:fld>
             <a:endParaRPr lang="ru-RU"/>
           </a:p>
@@ -1262,7 +1262,7 @@
           <a:p>
             <a:fld id="{3134C275-26C0-42CD-9111-9ADE65922AF9}" type="datetime1">
               <a:rPr lang="ru-RU" smtClean="0"/>
-              <a:t>07.12.2023</a:t>
+              <a:t>06.06.2024</a:t>
             </a:fld>
             <a:endParaRPr lang="ru-RU"/>
           </a:p>
@@ -1436,7 +1436,7 @@
           <a:p>
             <a:fld id="{C1A9A50B-C350-45F5-8AAB-ADB9E670AF2E}" type="datetime1">
               <a:rPr lang="ru-RU" smtClean="0"/>
-              <a:t>07.12.2023</a:t>
+              <a:t>06.06.2024</a:t>
             </a:fld>
             <a:endParaRPr lang="ru-RU"/>
           </a:p>
@@ -1686,7 +1686,7 @@
           <a:p>
             <a:fld id="{089688C9-348F-42F9-B6C0-5990DDE0C5B2}" type="datetime1">
               <a:rPr lang="ru-RU" smtClean="0"/>
-              <a:t>07.12.2023</a:t>
+              <a:t>06.06.2024</a:t>
             </a:fld>
             <a:endParaRPr lang="ru-RU"/>
           </a:p>
@@ -1922,7 +1922,7 @@
           <a:p>
             <a:fld id="{684AFD8F-6DD9-4AD3-A505-FDC3F5C5F3F6}" type="datetime1">
               <a:rPr lang="ru-RU" smtClean="0"/>
-              <a:t>07.12.2023</a:t>
+              <a:t>06.06.2024</a:t>
             </a:fld>
             <a:endParaRPr lang="ru-RU"/>
           </a:p>
@@ -2293,7 +2293,7 @@
           <a:p>
             <a:fld id="{63551EFE-4D02-45EB-A747-8B6F047B5AA0}" type="datetime1">
               <a:rPr lang="ru-RU" smtClean="0"/>
-              <a:t>07.12.2023</a:t>
+              <a:t>06.06.2024</a:t>
             </a:fld>
             <a:endParaRPr lang="ru-RU"/>
           </a:p>
@@ -2415,7 +2415,7 @@
           <a:p>
             <a:fld id="{813A9F34-E5CD-4B8F-AA9E-889C84372B20}" type="datetime1">
               <a:rPr lang="ru-RU" smtClean="0"/>
-              <a:t>07.12.2023</a:t>
+              <a:t>06.06.2024</a:t>
             </a:fld>
             <a:endParaRPr lang="ru-RU"/>
           </a:p>
@@ -2514,7 +2514,7 @@
           <a:p>
             <a:fld id="{51224D22-9B29-44A6-8E82-95FC492DEDC1}" type="datetime1">
               <a:rPr lang="ru-RU" smtClean="0"/>
-              <a:t>07.12.2023</a:t>
+              <a:t>06.06.2024</a:t>
             </a:fld>
             <a:endParaRPr lang="ru-RU"/>
           </a:p>
@@ -2795,7 +2795,7 @@
           <a:p>
             <a:fld id="{91D1034F-4441-48A1-BDC0-25EA1022324A}" type="datetime1">
               <a:rPr lang="ru-RU" smtClean="0"/>
-              <a:t>07.12.2023</a:t>
+              <a:t>06.06.2024</a:t>
             </a:fld>
             <a:endParaRPr lang="ru-RU"/>
           </a:p>
@@ -3052,7 +3052,7 @@
           <a:p>
             <a:fld id="{B0FFDE79-B627-473B-AE17-4C65BD2495F7}" type="datetime1">
               <a:rPr lang="ru-RU" smtClean="0"/>
-              <a:t>07.12.2023</a:t>
+              <a:t>06.06.2024</a:t>
             </a:fld>
             <a:endParaRPr lang="ru-RU"/>
           </a:p>
@@ -3269,7 +3269,7 @@
           <a:p>
             <a:fld id="{11CA537A-1B8C-47BA-9BA6-7CE3FAFDA8BE}" type="datetime1">
               <a:rPr lang="ru-RU" smtClean="0"/>
-              <a:t>07.12.2023</a:t>
+              <a:t>06.06.2024</a:t>
             </a:fld>
             <a:endParaRPr lang="ru-RU"/>
           </a:p>
@@ -3781,7 +3781,6 @@
               <a:rPr lang="ru-RU" dirty="0"/>
               <a:t>3</a:t>
             </a:r>
-            <a:endParaRPr lang="ru-RU" dirty="0"/>
           </a:p>
         </p:txBody>
       </p:sp>
@@ -29089,7 +29088,7 @@
               <a:t> </a:t>
             </a:r>
             <a:r>
-              <a:rPr lang="en-US" smtClean="0"/>
+              <a:rPr lang="en-US" dirty="0" smtClean="0"/>
               <a:t>NIST</a:t>
             </a:r>
             <a:endParaRPr lang="ru-RU" dirty="0"/>
@@ -29633,19 +29632,23 @@
           <a:p>
             <a:r>
               <a:rPr lang="en-US" dirty="0" smtClean="0"/>
-              <a:t>CBC-MAC-then-CTR-mode</a:t>
-            </a:r>
-          </a:p>
-          <a:p>
-            <a:r>
-              <a:rPr lang="ru-RU" dirty="0" smtClean="0"/>
-              <a:t>Не </a:t>
-            </a:r>
-            <a:r>
-              <a:rPr lang="ru-RU" dirty="0" err="1" smtClean="0"/>
-              <a:t>параллелизуется</a:t>
-            </a:r>
-            <a:endParaRPr lang="ru-RU" dirty="0"/>
+              <a:t>CTR-mode-and-</a:t>
+            </a:r>
+            <a:r>
+              <a:rPr lang="en-US" dirty="0"/>
+              <a:t>CBC-MAC</a:t>
+            </a:r>
+            <a:endParaRPr lang="en-US" dirty="0" smtClean="0"/>
+          </a:p>
+          <a:p>
+            <a:r>
+              <a:rPr lang="ru-RU" dirty="0" err="1"/>
+              <a:t>Параллелизуется</a:t>
+            </a:r>
+            <a:r>
+              <a:rPr lang="ru-RU" dirty="0"/>
+              <a:t> только шифрование</a:t>
+            </a:r>
           </a:p>
         </p:txBody>
       </p:sp>

--- a/Lectures/Lecture12.pptx
+++ b/Lectures/Lecture12.pptx
@@ -319,7 +319,7 @@
           <a:p>
             <a:fld id="{CBA08D16-15DC-4E25-BDC3-F25146157B16}" type="datetimeFigureOut">
               <a:rPr lang="ru-RU" smtClean="0"/>
-              <a:t>06.06.2024</a:t>
+              <a:t>05.12.2024</a:t>
             </a:fld>
             <a:endParaRPr lang="ru-RU"/>
           </a:p>
@@ -904,7 +904,7 @@
           <a:p>
             <a:fld id="{FCEC8293-DB51-454A-BE81-EC8FCB31EBA2}" type="datetime1">
               <a:rPr lang="ru-RU" smtClean="0"/>
-              <a:t>06.06.2024</a:t>
+              <a:t>05.12.2024</a:t>
             </a:fld>
             <a:endParaRPr lang="ru-RU"/>
           </a:p>
@@ -1078,7 +1078,7 @@
           <a:p>
             <a:fld id="{241C87B1-1C35-4DBD-BC18-2BC72E776603}" type="datetime1">
               <a:rPr lang="ru-RU" smtClean="0"/>
-              <a:t>06.06.2024</a:t>
+              <a:t>05.12.2024</a:t>
             </a:fld>
             <a:endParaRPr lang="ru-RU"/>
           </a:p>
@@ -1262,7 +1262,7 @@
           <a:p>
             <a:fld id="{3134C275-26C0-42CD-9111-9ADE65922AF9}" type="datetime1">
               <a:rPr lang="ru-RU" smtClean="0"/>
-              <a:t>06.06.2024</a:t>
+              <a:t>05.12.2024</a:t>
             </a:fld>
             <a:endParaRPr lang="ru-RU"/>
           </a:p>
@@ -1436,7 +1436,7 @@
           <a:p>
             <a:fld id="{C1A9A50B-C350-45F5-8AAB-ADB9E670AF2E}" type="datetime1">
               <a:rPr lang="ru-RU" smtClean="0"/>
-              <a:t>06.06.2024</a:t>
+              <a:t>05.12.2024</a:t>
             </a:fld>
             <a:endParaRPr lang="ru-RU"/>
           </a:p>
@@ -1686,7 +1686,7 @@
           <a:p>
             <a:fld id="{089688C9-348F-42F9-B6C0-5990DDE0C5B2}" type="datetime1">
               <a:rPr lang="ru-RU" smtClean="0"/>
-              <a:t>06.06.2024</a:t>
+              <a:t>05.12.2024</a:t>
             </a:fld>
             <a:endParaRPr lang="ru-RU"/>
           </a:p>
@@ -1922,7 +1922,7 @@
           <a:p>
             <a:fld id="{684AFD8F-6DD9-4AD3-A505-FDC3F5C5F3F6}" type="datetime1">
               <a:rPr lang="ru-RU" smtClean="0"/>
-              <a:t>06.06.2024</a:t>
+              <a:t>05.12.2024</a:t>
             </a:fld>
             <a:endParaRPr lang="ru-RU"/>
           </a:p>
@@ -2293,7 +2293,7 @@
           <a:p>
             <a:fld id="{63551EFE-4D02-45EB-A747-8B6F047B5AA0}" type="datetime1">
               <a:rPr lang="ru-RU" smtClean="0"/>
-              <a:t>06.06.2024</a:t>
+              <a:t>05.12.2024</a:t>
             </a:fld>
             <a:endParaRPr lang="ru-RU"/>
           </a:p>
@@ -2415,7 +2415,7 @@
           <a:p>
             <a:fld id="{813A9F34-E5CD-4B8F-AA9E-889C84372B20}" type="datetime1">
               <a:rPr lang="ru-RU" smtClean="0"/>
-              <a:t>06.06.2024</a:t>
+              <a:t>05.12.2024</a:t>
             </a:fld>
             <a:endParaRPr lang="ru-RU"/>
           </a:p>
@@ -2514,7 +2514,7 @@
           <a:p>
             <a:fld id="{51224D22-9B29-44A6-8E82-95FC492DEDC1}" type="datetime1">
               <a:rPr lang="ru-RU" smtClean="0"/>
-              <a:t>06.06.2024</a:t>
+              <a:t>05.12.2024</a:t>
             </a:fld>
             <a:endParaRPr lang="ru-RU"/>
           </a:p>
@@ -2795,7 +2795,7 @@
           <a:p>
             <a:fld id="{91D1034F-4441-48A1-BDC0-25EA1022324A}" type="datetime1">
               <a:rPr lang="ru-RU" smtClean="0"/>
-              <a:t>06.06.2024</a:t>
+              <a:t>05.12.2024</a:t>
             </a:fld>
             <a:endParaRPr lang="ru-RU"/>
           </a:p>
@@ -3052,7 +3052,7 @@
           <a:p>
             <a:fld id="{B0FFDE79-B627-473B-AE17-4C65BD2495F7}" type="datetime1">
               <a:rPr lang="ru-RU" smtClean="0"/>
-              <a:t>06.06.2024</a:t>
+              <a:t>05.12.2024</a:t>
             </a:fld>
             <a:endParaRPr lang="ru-RU"/>
           </a:p>
@@ -3269,7 +3269,7 @@
           <a:p>
             <a:fld id="{11CA537A-1B8C-47BA-9BA6-7CE3FAFDA8BE}" type="datetime1">
               <a:rPr lang="ru-RU" smtClean="0"/>
-              <a:t>06.06.2024</a:t>
+              <a:t>05.12.2024</a:t>
             </a:fld>
             <a:endParaRPr lang="ru-RU"/>
           </a:p>
@@ -3774,13 +3774,14 @@
               <a:t>МИФИ </a:t>
             </a:r>
             <a:r>
-              <a:rPr lang="en-US" dirty="0" smtClean="0"/>
+              <a:rPr lang="en-US" smtClean="0"/>
               <a:t>202</a:t>
             </a:r>
             <a:r>
-              <a:rPr lang="ru-RU" dirty="0"/>
-              <a:t>3</a:t>
-            </a:r>
+              <a:rPr lang="en-US" dirty="0"/>
+              <a:t>4</a:t>
+            </a:r>
+            <a:endParaRPr lang="ru-RU" dirty="0"/>
           </a:p>
         </p:txBody>
       </p:sp>

--- a/Lectures/Lecture12.pptx
+++ b/Lectures/Lecture12.pptx
@@ -319,7 +319,7 @@
           <a:p>
             <a:fld id="{CBA08D16-15DC-4E25-BDC3-F25146157B16}" type="datetimeFigureOut">
               <a:rPr lang="ru-RU" smtClean="0"/>
-              <a:t>05.12.2024</a:t>
+              <a:t>28.11.2025</a:t>
             </a:fld>
             <a:endParaRPr lang="ru-RU"/>
           </a:p>
@@ -383,38 +383,37 @@
           <a:p>
             <a:pPr lvl="0"/>
             <a:r>
-              <a:rPr lang="ru-RU" smtClean="0"/>
+              <a:rPr lang="ru-RU"/>
               <a:t>Образец текста</a:t>
             </a:r>
           </a:p>
           <a:p>
             <a:pPr lvl="1"/>
             <a:r>
-              <a:rPr lang="ru-RU" smtClean="0"/>
+              <a:rPr lang="ru-RU"/>
               <a:t>Второй уровень</a:t>
             </a:r>
           </a:p>
           <a:p>
             <a:pPr lvl="2"/>
             <a:r>
-              <a:rPr lang="ru-RU" smtClean="0"/>
+              <a:rPr lang="ru-RU"/>
               <a:t>Третий уровень</a:t>
             </a:r>
           </a:p>
           <a:p>
             <a:pPr lvl="3"/>
             <a:r>
-              <a:rPr lang="ru-RU" smtClean="0"/>
+              <a:rPr lang="ru-RU"/>
               <a:t>Четвертый уровень</a:t>
             </a:r>
           </a:p>
           <a:p>
             <a:pPr lvl="4"/>
             <a:r>
-              <a:rPr lang="ru-RU" smtClean="0"/>
+              <a:rPr lang="ru-RU"/>
               <a:t>Пятый уровень</a:t>
             </a:r>
-            <a:endParaRPr lang="ru-RU"/>
           </a:p>
         </p:txBody>
       </p:sp>
@@ -632,11 +631,11 @@
           <a:lstStyle/>
           <a:p>
             <a:r>
-              <a:rPr lang="en-US" dirty="0" smtClean="0"/>
+              <a:rPr lang="en-US" dirty="0"/>
               <a:t>Without integrity,</a:t>
             </a:r>
             <a:r>
-              <a:rPr lang="en-US" baseline="0" dirty="0" smtClean="0"/>
+              <a:rPr lang="en-US" baseline="0" dirty="0"/>
               <a:t> one cannot ensure confidentiality.</a:t>
             </a:r>
             <a:endParaRPr lang="en-US" dirty="0"/>
@@ -725,11 +724,11 @@
           <a:lstStyle/>
           <a:p>
             <a:r>
-              <a:rPr lang="en-US" dirty="0" smtClean="0"/>
+              <a:rPr lang="en-US" dirty="0"/>
               <a:t>Draw  CI </a:t>
             </a:r>
             <a:r>
-              <a:rPr lang="en-US" baseline="0" dirty="0" smtClean="0"/>
+              <a:rPr lang="en-US" baseline="0" dirty="0"/>
               <a:t>  and  CPA  arrows on equalities. </a:t>
             </a:r>
             <a:endParaRPr lang="en-US" dirty="0"/>
@@ -815,10 +814,9 @@
           </a:lstStyle>
           <a:p>
             <a:r>
-              <a:rPr lang="ru-RU" smtClean="0"/>
+              <a:rPr lang="ru-RU"/>
               <a:t>Образец заголовка</a:t>
             </a:r>
-            <a:endParaRPr lang="ru-RU"/>
           </a:p>
         </p:txBody>
       </p:sp>
@@ -880,10 +878,9 @@
           </a:lstStyle>
           <a:p>
             <a:r>
-              <a:rPr lang="ru-RU" smtClean="0"/>
+              <a:rPr lang="ru-RU"/>
               <a:t>Образец подзаголовка</a:t>
             </a:r>
-            <a:endParaRPr lang="ru-RU"/>
           </a:p>
         </p:txBody>
       </p:sp>
@@ -904,7 +901,7 @@
           <a:p>
             <a:fld id="{FCEC8293-DB51-454A-BE81-EC8FCB31EBA2}" type="datetime1">
               <a:rPr lang="ru-RU" smtClean="0"/>
-              <a:t>05.12.2024</a:t>
+              <a:t>28.11.2025</a:t>
             </a:fld>
             <a:endParaRPr lang="ru-RU"/>
           </a:p>
@@ -926,10 +923,9 @@
           <a:lstStyle/>
           <a:p>
             <a:r>
-              <a:rPr lang="ru-RU" smtClean="0"/>
+              <a:rPr lang="ru-RU"/>
               <a:t>Артём Макаров</a:t>
             </a:r>
-            <a:endParaRPr lang="ru-RU"/>
           </a:p>
         </p:txBody>
       </p:sp>
@@ -1002,10 +998,9 @@
           <a:lstStyle/>
           <a:p>
             <a:r>
-              <a:rPr lang="ru-RU" smtClean="0"/>
+              <a:rPr lang="ru-RU"/>
               <a:t>Образец заголовка</a:t>
             </a:r>
-            <a:endParaRPr lang="ru-RU"/>
           </a:p>
         </p:txBody>
       </p:sp>
@@ -1026,38 +1021,37 @@
           <a:p>
             <a:pPr lvl="0"/>
             <a:r>
-              <a:rPr lang="ru-RU" smtClean="0"/>
+              <a:rPr lang="ru-RU"/>
               <a:t>Образец текста</a:t>
             </a:r>
           </a:p>
           <a:p>
             <a:pPr lvl="1"/>
             <a:r>
-              <a:rPr lang="ru-RU" smtClean="0"/>
+              <a:rPr lang="ru-RU"/>
               <a:t>Второй уровень</a:t>
             </a:r>
           </a:p>
           <a:p>
             <a:pPr lvl="2"/>
             <a:r>
-              <a:rPr lang="ru-RU" smtClean="0"/>
+              <a:rPr lang="ru-RU"/>
               <a:t>Третий уровень</a:t>
             </a:r>
           </a:p>
           <a:p>
             <a:pPr lvl="3"/>
             <a:r>
-              <a:rPr lang="ru-RU" smtClean="0"/>
+              <a:rPr lang="ru-RU"/>
               <a:t>Четвертый уровень</a:t>
             </a:r>
           </a:p>
           <a:p>
             <a:pPr lvl="4"/>
             <a:r>
-              <a:rPr lang="ru-RU" smtClean="0"/>
+              <a:rPr lang="ru-RU"/>
               <a:t>Пятый уровень</a:t>
             </a:r>
-            <a:endParaRPr lang="ru-RU"/>
           </a:p>
         </p:txBody>
       </p:sp>
@@ -1078,7 +1072,7 @@
           <a:p>
             <a:fld id="{241C87B1-1C35-4DBD-BC18-2BC72E776603}" type="datetime1">
               <a:rPr lang="ru-RU" smtClean="0"/>
-              <a:t>05.12.2024</a:t>
+              <a:t>28.11.2025</a:t>
             </a:fld>
             <a:endParaRPr lang="ru-RU"/>
           </a:p>
@@ -1100,10 +1094,9 @@
           <a:lstStyle/>
           <a:p>
             <a:r>
-              <a:rPr lang="ru-RU" smtClean="0"/>
+              <a:rPr lang="ru-RU"/>
               <a:t>Артём Макаров</a:t>
             </a:r>
-            <a:endParaRPr lang="ru-RU"/>
           </a:p>
         </p:txBody>
       </p:sp>
@@ -1181,10 +1174,9 @@
           <a:lstStyle/>
           <a:p>
             <a:r>
-              <a:rPr lang="ru-RU" smtClean="0"/>
+              <a:rPr lang="ru-RU"/>
               <a:t>Образец заголовка</a:t>
             </a:r>
-            <a:endParaRPr lang="ru-RU"/>
           </a:p>
         </p:txBody>
       </p:sp>
@@ -1210,38 +1202,37 @@
           <a:p>
             <a:pPr lvl="0"/>
             <a:r>
-              <a:rPr lang="ru-RU" smtClean="0"/>
+              <a:rPr lang="ru-RU"/>
               <a:t>Образец текста</a:t>
             </a:r>
           </a:p>
           <a:p>
             <a:pPr lvl="1"/>
             <a:r>
-              <a:rPr lang="ru-RU" smtClean="0"/>
+              <a:rPr lang="ru-RU"/>
               <a:t>Второй уровень</a:t>
             </a:r>
           </a:p>
           <a:p>
             <a:pPr lvl="2"/>
             <a:r>
-              <a:rPr lang="ru-RU" smtClean="0"/>
+              <a:rPr lang="ru-RU"/>
               <a:t>Третий уровень</a:t>
             </a:r>
           </a:p>
           <a:p>
             <a:pPr lvl="3"/>
             <a:r>
-              <a:rPr lang="ru-RU" smtClean="0"/>
+              <a:rPr lang="ru-RU"/>
               <a:t>Четвертый уровень</a:t>
             </a:r>
           </a:p>
           <a:p>
             <a:pPr lvl="4"/>
             <a:r>
-              <a:rPr lang="ru-RU" smtClean="0"/>
+              <a:rPr lang="ru-RU"/>
               <a:t>Пятый уровень</a:t>
             </a:r>
-            <a:endParaRPr lang="ru-RU"/>
           </a:p>
         </p:txBody>
       </p:sp>
@@ -1262,7 +1253,7 @@
           <a:p>
             <a:fld id="{3134C275-26C0-42CD-9111-9ADE65922AF9}" type="datetime1">
               <a:rPr lang="ru-RU" smtClean="0"/>
-              <a:t>05.12.2024</a:t>
+              <a:t>28.11.2025</a:t>
             </a:fld>
             <a:endParaRPr lang="ru-RU"/>
           </a:p>
@@ -1284,10 +1275,9 @@
           <a:lstStyle/>
           <a:p>
             <a:r>
-              <a:rPr lang="ru-RU" smtClean="0"/>
+              <a:rPr lang="ru-RU"/>
               <a:t>Артём Макаров</a:t>
             </a:r>
-            <a:endParaRPr lang="ru-RU"/>
           </a:p>
         </p:txBody>
       </p:sp>
@@ -1360,10 +1350,9 @@
           <a:lstStyle/>
           <a:p>
             <a:r>
-              <a:rPr lang="ru-RU" smtClean="0"/>
+              <a:rPr lang="ru-RU"/>
               <a:t>Образец заголовка</a:t>
             </a:r>
-            <a:endParaRPr lang="ru-RU"/>
           </a:p>
         </p:txBody>
       </p:sp>
@@ -1384,38 +1373,37 @@
           <a:p>
             <a:pPr lvl="0"/>
             <a:r>
-              <a:rPr lang="ru-RU" dirty="0" smtClean="0"/>
+              <a:rPr lang="ru-RU" dirty="0"/>
               <a:t>Образец текста</a:t>
             </a:r>
           </a:p>
           <a:p>
             <a:pPr lvl="1"/>
             <a:r>
-              <a:rPr lang="ru-RU" dirty="0" smtClean="0"/>
+              <a:rPr lang="ru-RU" dirty="0"/>
               <a:t>Второй уровень</a:t>
             </a:r>
           </a:p>
           <a:p>
             <a:pPr lvl="2"/>
             <a:r>
-              <a:rPr lang="ru-RU" dirty="0" smtClean="0"/>
+              <a:rPr lang="ru-RU" dirty="0"/>
               <a:t>Третий уровень</a:t>
             </a:r>
           </a:p>
           <a:p>
             <a:pPr lvl="3"/>
             <a:r>
-              <a:rPr lang="ru-RU" dirty="0" smtClean="0"/>
+              <a:rPr lang="ru-RU" dirty="0"/>
               <a:t>Четвертый уровень</a:t>
             </a:r>
           </a:p>
           <a:p>
             <a:pPr lvl="4"/>
             <a:r>
-              <a:rPr lang="ru-RU" dirty="0" smtClean="0"/>
+              <a:rPr lang="ru-RU" dirty="0"/>
               <a:t>Пятый уровень</a:t>
             </a:r>
-            <a:endParaRPr lang="ru-RU" dirty="0"/>
           </a:p>
         </p:txBody>
       </p:sp>
@@ -1436,7 +1424,7 @@
           <a:p>
             <a:fld id="{C1A9A50B-C350-45F5-8AAB-ADB9E670AF2E}" type="datetime1">
               <a:rPr lang="ru-RU" smtClean="0"/>
-              <a:t>05.12.2024</a:t>
+              <a:t>28.11.2025</a:t>
             </a:fld>
             <a:endParaRPr lang="ru-RU"/>
           </a:p>
@@ -1458,10 +1446,9 @@
           <a:lstStyle/>
           <a:p>
             <a:r>
-              <a:rPr lang="ru-RU" smtClean="0"/>
+              <a:rPr lang="ru-RU"/>
               <a:t>Артём Макаров</a:t>
             </a:r>
-            <a:endParaRPr lang="ru-RU"/>
           </a:p>
         </p:txBody>
       </p:sp>
@@ -1543,10 +1530,9 @@
           </a:lstStyle>
           <a:p>
             <a:r>
-              <a:rPr lang="ru-RU" smtClean="0"/>
+              <a:rPr lang="ru-RU"/>
               <a:t>Образец заголовка</a:t>
             </a:r>
-            <a:endParaRPr lang="ru-RU"/>
           </a:p>
         </p:txBody>
       </p:sp>
@@ -1663,7 +1649,7 @@
           <a:p>
             <a:pPr lvl="0"/>
             <a:r>
-              <a:rPr lang="ru-RU" smtClean="0"/>
+              <a:rPr lang="ru-RU"/>
               <a:t>Образец текста</a:t>
             </a:r>
           </a:p>
@@ -1686,7 +1672,7 @@
           <a:p>
             <a:fld id="{089688C9-348F-42F9-B6C0-5990DDE0C5B2}" type="datetime1">
               <a:rPr lang="ru-RU" smtClean="0"/>
-              <a:t>05.12.2024</a:t>
+              <a:t>28.11.2025</a:t>
             </a:fld>
             <a:endParaRPr lang="ru-RU"/>
           </a:p>
@@ -1708,10 +1694,9 @@
           <a:lstStyle/>
           <a:p>
             <a:r>
-              <a:rPr lang="ru-RU" smtClean="0"/>
+              <a:rPr lang="ru-RU"/>
               <a:t>Артём Макаров</a:t>
             </a:r>
-            <a:endParaRPr lang="ru-RU"/>
           </a:p>
         </p:txBody>
       </p:sp>
@@ -1784,10 +1769,9 @@
           <a:lstStyle/>
           <a:p>
             <a:r>
-              <a:rPr lang="ru-RU" smtClean="0"/>
+              <a:rPr lang="ru-RU"/>
               <a:t>Образец заголовка</a:t>
             </a:r>
-            <a:endParaRPr lang="ru-RU"/>
           </a:p>
         </p:txBody>
       </p:sp>
@@ -1813,38 +1797,37 @@
           <a:p>
             <a:pPr lvl="0"/>
             <a:r>
-              <a:rPr lang="ru-RU" smtClean="0"/>
+              <a:rPr lang="ru-RU"/>
               <a:t>Образец текста</a:t>
             </a:r>
           </a:p>
           <a:p>
             <a:pPr lvl="1"/>
             <a:r>
-              <a:rPr lang="ru-RU" smtClean="0"/>
+              <a:rPr lang="ru-RU"/>
               <a:t>Второй уровень</a:t>
             </a:r>
           </a:p>
           <a:p>
             <a:pPr lvl="2"/>
             <a:r>
-              <a:rPr lang="ru-RU" smtClean="0"/>
+              <a:rPr lang="ru-RU"/>
               <a:t>Третий уровень</a:t>
             </a:r>
           </a:p>
           <a:p>
             <a:pPr lvl="3"/>
             <a:r>
-              <a:rPr lang="ru-RU" smtClean="0"/>
+              <a:rPr lang="ru-RU"/>
               <a:t>Четвертый уровень</a:t>
             </a:r>
           </a:p>
           <a:p>
             <a:pPr lvl="4"/>
             <a:r>
-              <a:rPr lang="ru-RU" smtClean="0"/>
+              <a:rPr lang="ru-RU"/>
               <a:t>Пятый уровень</a:t>
             </a:r>
-            <a:endParaRPr lang="ru-RU"/>
           </a:p>
         </p:txBody>
       </p:sp>
@@ -1870,38 +1853,37 @@
           <a:p>
             <a:pPr lvl="0"/>
             <a:r>
-              <a:rPr lang="ru-RU" smtClean="0"/>
+              <a:rPr lang="ru-RU"/>
               <a:t>Образец текста</a:t>
             </a:r>
           </a:p>
           <a:p>
             <a:pPr lvl="1"/>
             <a:r>
-              <a:rPr lang="ru-RU" smtClean="0"/>
+              <a:rPr lang="ru-RU"/>
               <a:t>Второй уровень</a:t>
             </a:r>
           </a:p>
           <a:p>
             <a:pPr lvl="2"/>
             <a:r>
-              <a:rPr lang="ru-RU" smtClean="0"/>
+              <a:rPr lang="ru-RU"/>
               <a:t>Третий уровень</a:t>
             </a:r>
           </a:p>
           <a:p>
             <a:pPr lvl="3"/>
             <a:r>
-              <a:rPr lang="ru-RU" smtClean="0"/>
+              <a:rPr lang="ru-RU"/>
               <a:t>Четвертый уровень</a:t>
             </a:r>
           </a:p>
           <a:p>
             <a:pPr lvl="4"/>
             <a:r>
-              <a:rPr lang="ru-RU" smtClean="0"/>
+              <a:rPr lang="ru-RU"/>
               <a:t>Пятый уровень</a:t>
             </a:r>
-            <a:endParaRPr lang="ru-RU"/>
           </a:p>
         </p:txBody>
       </p:sp>
@@ -1922,7 +1904,7 @@
           <a:p>
             <a:fld id="{684AFD8F-6DD9-4AD3-A505-FDC3F5C5F3F6}" type="datetime1">
               <a:rPr lang="ru-RU" smtClean="0"/>
-              <a:t>05.12.2024</a:t>
+              <a:t>28.11.2025</a:t>
             </a:fld>
             <a:endParaRPr lang="ru-RU"/>
           </a:p>
@@ -1944,10 +1926,9 @@
           <a:lstStyle/>
           <a:p>
             <a:r>
-              <a:rPr lang="ru-RU" smtClean="0"/>
+              <a:rPr lang="ru-RU"/>
               <a:t>Артём Макаров</a:t>
             </a:r>
-            <a:endParaRPr lang="ru-RU"/>
           </a:p>
         </p:txBody>
       </p:sp>
@@ -2025,10 +2006,9 @@
           <a:lstStyle/>
           <a:p>
             <a:r>
-              <a:rPr lang="ru-RU" smtClean="0"/>
+              <a:rPr lang="ru-RU"/>
               <a:t>Образец заголовка</a:t>
             </a:r>
-            <a:endParaRPr lang="ru-RU"/>
           </a:p>
         </p:txBody>
       </p:sp>
@@ -2091,7 +2071,7 @@
           <a:p>
             <a:pPr lvl="0"/>
             <a:r>
-              <a:rPr lang="ru-RU" dirty="0" smtClean="0"/>
+              <a:rPr lang="ru-RU" dirty="0"/>
               <a:t>Образец текста</a:t>
             </a:r>
           </a:p>
@@ -2119,38 +2099,37 @@
           <a:p>
             <a:pPr lvl="0"/>
             <a:r>
-              <a:rPr lang="ru-RU" dirty="0" smtClean="0"/>
+              <a:rPr lang="ru-RU" dirty="0"/>
               <a:t>Образец текста</a:t>
             </a:r>
           </a:p>
           <a:p>
             <a:pPr lvl="1"/>
             <a:r>
-              <a:rPr lang="ru-RU" dirty="0" smtClean="0"/>
+              <a:rPr lang="ru-RU" dirty="0"/>
               <a:t>Второй уровень</a:t>
             </a:r>
           </a:p>
           <a:p>
             <a:pPr lvl="2"/>
             <a:r>
-              <a:rPr lang="ru-RU" dirty="0" smtClean="0"/>
+              <a:rPr lang="ru-RU" dirty="0"/>
               <a:t>Третий уровень</a:t>
             </a:r>
           </a:p>
           <a:p>
             <a:pPr lvl="3"/>
             <a:r>
-              <a:rPr lang="ru-RU" dirty="0" smtClean="0"/>
+              <a:rPr lang="ru-RU" dirty="0"/>
               <a:t>Четвертый уровень</a:t>
             </a:r>
           </a:p>
           <a:p>
             <a:pPr lvl="4"/>
             <a:r>
-              <a:rPr lang="ru-RU" dirty="0" smtClean="0"/>
+              <a:rPr lang="ru-RU" dirty="0"/>
               <a:t>Пятый уровень</a:t>
             </a:r>
-            <a:endParaRPr lang="ru-RU" dirty="0"/>
           </a:p>
         </p:txBody>
       </p:sp>
@@ -2213,7 +2192,7 @@
           <a:p>
             <a:pPr lvl="0"/>
             <a:r>
-              <a:rPr lang="ru-RU" smtClean="0"/>
+              <a:rPr lang="ru-RU"/>
               <a:t>Образец текста</a:t>
             </a:r>
           </a:p>
@@ -2241,38 +2220,37 @@
           <a:p>
             <a:pPr lvl="0"/>
             <a:r>
-              <a:rPr lang="ru-RU" smtClean="0"/>
+              <a:rPr lang="ru-RU"/>
               <a:t>Образец текста</a:t>
             </a:r>
           </a:p>
           <a:p>
             <a:pPr lvl="1"/>
             <a:r>
-              <a:rPr lang="ru-RU" smtClean="0"/>
+              <a:rPr lang="ru-RU"/>
               <a:t>Второй уровень</a:t>
             </a:r>
           </a:p>
           <a:p>
             <a:pPr lvl="2"/>
             <a:r>
-              <a:rPr lang="ru-RU" smtClean="0"/>
+              <a:rPr lang="ru-RU"/>
               <a:t>Третий уровень</a:t>
             </a:r>
           </a:p>
           <a:p>
             <a:pPr lvl="3"/>
             <a:r>
-              <a:rPr lang="ru-RU" smtClean="0"/>
+              <a:rPr lang="ru-RU"/>
               <a:t>Четвертый уровень</a:t>
             </a:r>
           </a:p>
           <a:p>
             <a:pPr lvl="4"/>
             <a:r>
-              <a:rPr lang="ru-RU" smtClean="0"/>
+              <a:rPr lang="ru-RU"/>
               <a:t>Пятый уровень</a:t>
             </a:r>
-            <a:endParaRPr lang="ru-RU"/>
           </a:p>
         </p:txBody>
       </p:sp>
@@ -2293,7 +2271,7 @@
           <a:p>
             <a:fld id="{63551EFE-4D02-45EB-A747-8B6F047B5AA0}" type="datetime1">
               <a:rPr lang="ru-RU" smtClean="0"/>
-              <a:t>05.12.2024</a:t>
+              <a:t>28.11.2025</a:t>
             </a:fld>
             <a:endParaRPr lang="ru-RU"/>
           </a:p>
@@ -2315,10 +2293,9 @@
           <a:lstStyle/>
           <a:p>
             <a:r>
-              <a:rPr lang="ru-RU" smtClean="0"/>
+              <a:rPr lang="ru-RU"/>
               <a:t>Артём Макаров</a:t>
             </a:r>
-            <a:endParaRPr lang="ru-RU"/>
           </a:p>
         </p:txBody>
       </p:sp>
@@ -2391,10 +2368,9 @@
           <a:lstStyle/>
           <a:p>
             <a:r>
-              <a:rPr lang="ru-RU" smtClean="0"/>
+              <a:rPr lang="ru-RU"/>
               <a:t>Образец заголовка</a:t>
             </a:r>
-            <a:endParaRPr lang="ru-RU"/>
           </a:p>
         </p:txBody>
       </p:sp>
@@ -2415,7 +2391,7 @@
           <a:p>
             <a:fld id="{813A9F34-E5CD-4B8F-AA9E-889C84372B20}" type="datetime1">
               <a:rPr lang="ru-RU" smtClean="0"/>
-              <a:t>05.12.2024</a:t>
+              <a:t>28.11.2025</a:t>
             </a:fld>
             <a:endParaRPr lang="ru-RU"/>
           </a:p>
@@ -2437,10 +2413,9 @@
           <a:lstStyle/>
           <a:p>
             <a:r>
-              <a:rPr lang="ru-RU" smtClean="0"/>
+              <a:rPr lang="ru-RU"/>
               <a:t>Артём Макаров</a:t>
             </a:r>
-            <a:endParaRPr lang="ru-RU"/>
           </a:p>
         </p:txBody>
       </p:sp>
@@ -2514,7 +2489,7 @@
           <a:p>
             <a:fld id="{51224D22-9B29-44A6-8E82-95FC492DEDC1}" type="datetime1">
               <a:rPr lang="ru-RU" smtClean="0"/>
-              <a:t>05.12.2024</a:t>
+              <a:t>28.11.2025</a:t>
             </a:fld>
             <a:endParaRPr lang="ru-RU"/>
           </a:p>
@@ -2536,10 +2511,9 @@
           <a:lstStyle/>
           <a:p>
             <a:r>
-              <a:rPr lang="ru-RU" smtClean="0"/>
+              <a:rPr lang="ru-RU"/>
               <a:t>Артём Макаров</a:t>
             </a:r>
-            <a:endParaRPr lang="ru-RU"/>
           </a:p>
         </p:txBody>
       </p:sp>
@@ -2621,10 +2595,9 @@
           </a:lstStyle>
           <a:p>
             <a:r>
-              <a:rPr lang="ru-RU" smtClean="0"/>
+              <a:rPr lang="ru-RU"/>
               <a:t>Образец заголовка</a:t>
             </a:r>
-            <a:endParaRPr lang="ru-RU"/>
           </a:p>
         </p:txBody>
       </p:sp>
@@ -2678,38 +2651,37 @@
           <a:p>
             <a:pPr lvl="0"/>
             <a:r>
-              <a:rPr lang="ru-RU" smtClean="0"/>
+              <a:rPr lang="ru-RU"/>
               <a:t>Образец текста</a:t>
             </a:r>
           </a:p>
           <a:p>
             <a:pPr lvl="1"/>
             <a:r>
-              <a:rPr lang="ru-RU" smtClean="0"/>
+              <a:rPr lang="ru-RU"/>
               <a:t>Второй уровень</a:t>
             </a:r>
           </a:p>
           <a:p>
             <a:pPr lvl="2"/>
             <a:r>
-              <a:rPr lang="ru-RU" smtClean="0"/>
+              <a:rPr lang="ru-RU"/>
               <a:t>Третий уровень</a:t>
             </a:r>
           </a:p>
           <a:p>
             <a:pPr lvl="3"/>
             <a:r>
-              <a:rPr lang="ru-RU" smtClean="0"/>
+              <a:rPr lang="ru-RU"/>
               <a:t>Четвертый уровень</a:t>
             </a:r>
           </a:p>
           <a:p>
             <a:pPr lvl="4"/>
             <a:r>
-              <a:rPr lang="ru-RU" smtClean="0"/>
+              <a:rPr lang="ru-RU"/>
               <a:t>Пятый уровень</a:t>
             </a:r>
-            <a:endParaRPr lang="ru-RU"/>
           </a:p>
         </p:txBody>
       </p:sp>
@@ -2772,7 +2744,7 @@
           <a:p>
             <a:pPr lvl="0"/>
             <a:r>
-              <a:rPr lang="ru-RU" smtClean="0"/>
+              <a:rPr lang="ru-RU"/>
               <a:t>Образец текста</a:t>
             </a:r>
           </a:p>
@@ -2795,7 +2767,7 @@
           <a:p>
             <a:fld id="{91D1034F-4441-48A1-BDC0-25EA1022324A}" type="datetime1">
               <a:rPr lang="ru-RU" smtClean="0"/>
-              <a:t>05.12.2024</a:t>
+              <a:t>28.11.2025</a:t>
             </a:fld>
             <a:endParaRPr lang="ru-RU"/>
           </a:p>
@@ -2817,10 +2789,9 @@
           <a:lstStyle/>
           <a:p>
             <a:r>
-              <a:rPr lang="ru-RU" smtClean="0"/>
+              <a:rPr lang="ru-RU"/>
               <a:t>Артём Макаров</a:t>
             </a:r>
-            <a:endParaRPr lang="ru-RU"/>
           </a:p>
         </p:txBody>
       </p:sp>
@@ -2902,10 +2873,9 @@
           </a:lstStyle>
           <a:p>
             <a:r>
-              <a:rPr lang="ru-RU" smtClean="0"/>
+              <a:rPr lang="ru-RU"/>
               <a:t>Образец заголовка</a:t>
             </a:r>
-            <a:endParaRPr lang="ru-RU"/>
           </a:p>
         </p:txBody>
       </p:sp>
@@ -3029,7 +2999,7 @@
           <a:p>
             <a:pPr lvl="0"/>
             <a:r>
-              <a:rPr lang="ru-RU" smtClean="0"/>
+              <a:rPr lang="ru-RU"/>
               <a:t>Образец текста</a:t>
             </a:r>
           </a:p>
@@ -3052,7 +3022,7 @@
           <a:p>
             <a:fld id="{B0FFDE79-B627-473B-AE17-4C65BD2495F7}" type="datetime1">
               <a:rPr lang="ru-RU" smtClean="0"/>
-              <a:t>05.12.2024</a:t>
+              <a:t>28.11.2025</a:t>
             </a:fld>
             <a:endParaRPr lang="ru-RU"/>
           </a:p>
@@ -3074,10 +3044,9 @@
           <a:lstStyle/>
           <a:p>
             <a:r>
-              <a:rPr lang="ru-RU" smtClean="0"/>
+              <a:rPr lang="ru-RU"/>
               <a:t>Артём Макаров</a:t>
             </a:r>
-            <a:endParaRPr lang="ru-RU"/>
           </a:p>
         </p:txBody>
       </p:sp>
@@ -3165,10 +3134,9 @@
           <a:lstStyle/>
           <a:p>
             <a:r>
-              <a:rPr lang="ru-RU" dirty="0" smtClean="0"/>
+              <a:rPr lang="ru-RU" dirty="0"/>
               <a:t>Образец заголовка</a:t>
             </a:r>
-            <a:endParaRPr lang="ru-RU" dirty="0"/>
           </a:p>
         </p:txBody>
       </p:sp>
@@ -3199,38 +3167,37 @@
           <a:p>
             <a:pPr lvl="0"/>
             <a:r>
-              <a:rPr lang="ru-RU" dirty="0" smtClean="0"/>
+              <a:rPr lang="ru-RU" dirty="0"/>
               <a:t>Образец текста</a:t>
             </a:r>
           </a:p>
           <a:p>
             <a:pPr lvl="1"/>
             <a:r>
-              <a:rPr lang="ru-RU" dirty="0" smtClean="0"/>
+              <a:rPr lang="ru-RU" dirty="0"/>
               <a:t>Второй уровень</a:t>
             </a:r>
           </a:p>
           <a:p>
             <a:pPr lvl="2"/>
             <a:r>
-              <a:rPr lang="ru-RU" dirty="0" smtClean="0"/>
+              <a:rPr lang="ru-RU" dirty="0"/>
               <a:t>Третий уровень</a:t>
             </a:r>
           </a:p>
           <a:p>
             <a:pPr lvl="3"/>
             <a:r>
-              <a:rPr lang="ru-RU" dirty="0" smtClean="0"/>
+              <a:rPr lang="ru-RU" dirty="0"/>
               <a:t>Четвертый уровень</a:t>
             </a:r>
           </a:p>
           <a:p>
             <a:pPr lvl="4"/>
             <a:r>
-              <a:rPr lang="ru-RU" dirty="0" smtClean="0"/>
+              <a:rPr lang="ru-RU" dirty="0"/>
               <a:t>Пятый уровень</a:t>
             </a:r>
-            <a:endParaRPr lang="ru-RU" dirty="0"/>
           </a:p>
         </p:txBody>
       </p:sp>
@@ -3269,7 +3236,7 @@
           <a:p>
             <a:fld id="{11CA537A-1B8C-47BA-9BA6-7CE3FAFDA8BE}" type="datetime1">
               <a:rPr lang="ru-RU" smtClean="0"/>
-              <a:t>05.12.2024</a:t>
+              <a:t>28.11.2025</a:t>
             </a:fld>
             <a:endParaRPr lang="ru-RU"/>
           </a:p>
@@ -3309,10 +3276,9 @@
           </a:lstStyle>
           <a:p>
             <a:r>
-              <a:rPr lang="ru-RU" smtClean="0"/>
+              <a:rPr lang="ru-RU"/>
               <a:t>Артём Макаров</a:t>
             </a:r>
-            <a:endParaRPr lang="ru-RU"/>
           </a:p>
         </p:txBody>
       </p:sp>
@@ -3702,44 +3668,31 @@
           <a:lstStyle/>
           <a:p>
             <a:r>
-              <a:rPr lang="ru-RU" dirty="0" smtClean="0"/>
-              <a:t>Прикладная </a:t>
-            </a:r>
-            <a:r>
               <a:rPr lang="ru-RU" dirty="0"/>
-              <a:t>К</a:t>
-            </a:r>
-            <a:r>
-              <a:rPr lang="ru-RU" dirty="0" smtClean="0"/>
-              <a:t>риптография</a:t>
-            </a:r>
-            <a:r>
-              <a:rPr lang="en-US" dirty="0" smtClean="0"/>
+              <a:t>Прикладная Криптография</a:t>
+            </a:r>
+            <a:r>
+              <a:rPr lang="en-US" dirty="0"/>
               <a:t>:</a:t>
             </a:r>
             <a:br>
-              <a:rPr lang="en-US" dirty="0" smtClean="0"/>
+              <a:rPr lang="en-US" dirty="0"/>
             </a:br>
             <a:r>
-              <a:rPr lang="ru-RU" dirty="0" smtClean="0"/>
+              <a:rPr lang="ru-RU" dirty="0"/>
               <a:t>Симметричные криптосистемы</a:t>
             </a:r>
-            <a:r>
-              <a:rPr lang="en-US" dirty="0" smtClean="0"/>
-              <a:t/>
-            </a:r>
             <a:br>
-              <a:rPr lang="en-US" dirty="0" smtClean="0"/>
+              <a:rPr lang="en-US" dirty="0"/>
             </a:br>
             <a:r>
-              <a:rPr lang="en-US" dirty="0" smtClean="0"/>
+              <a:rPr lang="en-US" dirty="0"/>
               <a:t> </a:t>
             </a:r>
             <a:r>
-              <a:rPr lang="ru-RU" dirty="0" smtClean="0"/>
+              <a:rPr lang="ru-RU" dirty="0"/>
               <a:t>Аутентифицированное шифрование</a:t>
             </a:r>
-            <a:endParaRPr lang="ru-RU" dirty="0"/>
           </a:p>
         </p:txBody>
       </p:sp>
@@ -3764,22 +3717,18 @@
           <a:lstStyle/>
           <a:p>
             <a:r>
-              <a:rPr lang="ru-RU" dirty="0" smtClean="0"/>
+              <a:rPr lang="ru-RU" dirty="0"/>
               <a:t>Макаров Артём </a:t>
             </a:r>
           </a:p>
           <a:p>
             <a:r>
-              <a:rPr lang="ru-RU" dirty="0" smtClean="0"/>
+              <a:rPr lang="ru-RU" dirty="0"/>
               <a:t>МИФИ </a:t>
             </a:r>
             <a:r>
-              <a:rPr lang="en-US" smtClean="0"/>
-              <a:t>202</a:t>
-            </a:r>
-            <a:r>
-              <a:rPr lang="en-US" dirty="0"/>
-              <a:t>4</a:t>
+              <a:rPr lang="en-US"/>
+              <a:t>2025</a:t>
             </a:r>
             <a:endParaRPr lang="ru-RU" dirty="0"/>
           </a:p>
@@ -3795,13 +3744,6 @@
   <p:clrMapOvr>
     <a:masterClrMapping/>
   </p:clrMapOvr>
-  <p:timing>
-    <p:tnLst>
-      <p:par>
-        <p:cTn id="1" dur="indefinite" restart="never" nodeType="tmRoot"/>
-      </p:par>
-    </p:tnLst>
-  </p:timing>
 </p:sld>
 </file>
 
@@ -3838,10 +3780,9 @@
           <a:lstStyle/>
           <a:p>
             <a:r>
-              <a:rPr lang="ru-RU" dirty="0" smtClean="0"/>
+              <a:rPr lang="ru-RU" dirty="0"/>
               <a:t>Выводы</a:t>
             </a:r>
-            <a:endParaRPr lang="ru-RU" dirty="0"/>
           </a:p>
         </p:txBody>
       </p:sp>
@@ -3864,11 +3805,11 @@
               <a:buNone/>
             </a:pPr>
             <a:r>
-              <a:rPr lang="en-US" dirty="0" smtClean="0"/>
+              <a:rPr lang="en-US" dirty="0"/>
               <a:t>CPA </a:t>
             </a:r>
             <a:r>
-              <a:rPr lang="ru-RU" dirty="0" smtClean="0"/>
+              <a:rPr lang="ru-RU" dirty="0"/>
               <a:t>стойкость не гарантирует стойкость против активных противников</a:t>
             </a:r>
           </a:p>
@@ -3883,30 +3824,29 @@
               <a:buNone/>
             </a:pPr>
             <a:r>
-              <a:rPr lang="ru-RU" dirty="0" smtClean="0"/>
+              <a:rPr lang="ru-RU" dirty="0"/>
               <a:t>Для обеспечения безопасности</a:t>
             </a:r>
             <a:r>
-              <a:rPr lang="en-US" dirty="0" smtClean="0"/>
+              <a:rPr lang="en-US" dirty="0"/>
               <a:t>:</a:t>
             </a:r>
           </a:p>
           <a:p>
             <a:r>
-              <a:rPr lang="ru-RU" dirty="0" smtClean="0"/>
+              <a:rPr lang="ru-RU" dirty="0"/>
               <a:t>Если необходимо обеспечить целостность, но не конфиденциальность - нужно использовать </a:t>
             </a:r>
             <a:r>
-              <a:rPr lang="en-US" dirty="0" smtClean="0"/>
+              <a:rPr lang="en-US" dirty="0"/>
               <a:t>MAC</a:t>
             </a:r>
           </a:p>
           <a:p>
             <a:r>
-              <a:rPr lang="ru-RU" dirty="0" smtClean="0"/>
+              <a:rPr lang="ru-RU" dirty="0"/>
               <a:t>Если необходимо обеспечить конфиденциальность и целостность – использовать аутентифицированное шифрование</a:t>
             </a:r>
-            <a:endParaRPr lang="ru-RU" dirty="0"/>
           </a:p>
         </p:txBody>
       </p:sp>
@@ -3943,13 +3883,6 @@
   <p:clrMapOvr>
     <a:masterClrMapping/>
   </p:clrMapOvr>
-  <p:timing>
-    <p:tnLst>
-      <p:par>
-        <p:cTn id="1" dur="indefinite" restart="never" nodeType="tmRoot"/>
-      </p:par>
-    </p:tnLst>
-  </p:timing>
 </p:sld>
 </file>
 
@@ -4015,7 +3948,7 @@
                   <a:buNone/>
                 </a:pPr>
                 <a:r>
-                  <a:rPr lang="ru-RU" dirty="0" smtClean="0"/>
+                  <a:rPr lang="ru-RU" dirty="0"/>
                   <a:t>Введём понятие аутентифицированного шифра.</a:t>
                 </a:r>
               </a:p>
@@ -4067,11 +4000,11 @@
                   </m:oMath>
                 </a14:m>
                 <a:r>
-                  <a:rPr lang="en-US" dirty="0" smtClean="0"/>
+                  <a:rPr lang="en-US" dirty="0"/>
                   <a:t> </a:t>
                 </a:r>
                 <a:r>
-                  <a:rPr lang="ru-RU" dirty="0" smtClean="0"/>
+                  <a:rPr lang="ru-RU" dirty="0"/>
                   <a:t>аутентифицированный шифр на </a:t>
                 </a:r>
                 <a14:m>
@@ -4121,7 +4054,7 @@
                   </m:oMath>
                 </a14:m>
                 <a:r>
-                  <a:rPr lang="ru-RU" dirty="0" smtClean="0"/>
+                  <a:rPr lang="ru-RU" dirty="0"/>
                   <a:t>.</a:t>
                 </a:r>
               </a:p>
@@ -4172,7 +4105,7 @@
                     </m:r>
                   </m:oMath>
                 </a14:m>
-                <a:endParaRPr lang="en-US" b="0" dirty="0" smtClean="0"/>
+                <a:endParaRPr lang="en-US" b="0" dirty="0"/>
               </a:p>
               <a:p>
                 <a14:m>
@@ -4228,7 +4161,7 @@
                     </m:r>
                   </m:oMath>
                 </a14:m>
-                <a:endParaRPr lang="en-US" dirty="0" smtClean="0"/>
+                <a:endParaRPr lang="en-US" dirty="0"/>
               </a:p>
               <a:p>
                 <a14:m>
@@ -4242,17 +4175,17 @@
                   </m:oMath>
                 </a14:m>
                 <a:r>
-                  <a:rPr lang="ru-RU" dirty="0" smtClean="0"/>
+                  <a:rPr lang="ru-RU" dirty="0"/>
                   <a:t> - шифртекст отклонён (не пройдена проверка аутентичности)</a:t>
                 </a:r>
               </a:p>
               <a:p>
                 <a:r>
-                  <a:rPr lang="ru-RU" dirty="0" smtClean="0"/>
+                  <a:rPr lang="ru-RU" dirty="0"/>
                   <a:t>Свойство корректности</a:t>
                 </a:r>
                 <a:r>
-                  <a:rPr lang="en-US" dirty="0" smtClean="0"/>
+                  <a:rPr lang="en-US" dirty="0"/>
                   <a:t>: </a:t>
                 </a:r>
                 <a14:m>
@@ -4335,7 +4268,7 @@
                     </m:r>
                   </m:oMath>
                 </a14:m>
-                <a:endParaRPr lang="ru-RU" dirty="0" smtClean="0"/>
+                <a:endParaRPr lang="ru-RU" dirty="0"/>
               </a:p>
               <a:p>
                 <a:pPr marL="0" indent="0">
@@ -4413,13 +4346,6 @@
   <p:clrMapOvr>
     <a:masterClrMapping/>
   </p:clrMapOvr>
-  <p:timing>
-    <p:tnLst>
-      <p:par>
-        <p:cTn id="1" dur="indefinite" restart="never" nodeType="tmRoot"/>
-      </p:par>
-    </p:tnLst>
-  </p:timing>
 </p:sld>
 </file>
 
@@ -4456,11 +4382,11 @@
           <a:lstStyle/>
           <a:p>
             <a:r>
-              <a:rPr lang="ru-RU" dirty="0" smtClean="0"/>
+              <a:rPr lang="ru-RU" dirty="0"/>
               <a:t>Целостность </a:t>
             </a:r>
             <a:r>
-              <a:rPr lang="ru-RU" dirty="0" err="1" smtClean="0"/>
+              <a:rPr lang="ru-RU" dirty="0" err="1"/>
               <a:t>шифртекстов</a:t>
             </a:r>
             <a:endParaRPr lang="ru-RU" dirty="0"/>
@@ -4488,11 +4414,11 @@
                   <a:buNone/>
                 </a:pPr>
                 <a:r>
-                  <a:rPr lang="ru-RU" dirty="0" smtClean="0"/>
+                  <a:rPr lang="ru-RU" dirty="0"/>
                   <a:t>Пусть</a:t>
                 </a:r>
                 <a:r>
-                  <a:rPr lang="en-US" dirty="0" smtClean="0"/>
+                  <a:rPr lang="en-US" dirty="0"/>
                   <a:t> </a:t>
                 </a:r>
                 <a14:m>
@@ -4539,27 +4465,27 @@
                   </m:oMath>
                 </a14:m>
                 <a:r>
-                  <a:rPr lang="en-US" dirty="0" smtClean="0"/>
+                  <a:rPr lang="en-US" dirty="0"/>
                   <a:t> – </a:t>
                 </a:r>
                 <a:r>
-                  <a:rPr lang="ru-RU" b="1" dirty="0" smtClean="0"/>
+                  <a:rPr lang="ru-RU" b="1" dirty="0"/>
                   <a:t>аутентифицированный шифр</a:t>
                 </a:r>
                 <a:r>
-                  <a:rPr lang="ru-RU" dirty="0" smtClean="0"/>
+                  <a:rPr lang="ru-RU" dirty="0"/>
                   <a:t> (</a:t>
                 </a:r>
                 <a:r>
-                  <a:rPr lang="en-US" b="1" dirty="0" smtClean="0"/>
+                  <a:rPr lang="en-US" b="1" dirty="0"/>
                   <a:t>AE</a:t>
                 </a:r>
                 <a:r>
-                  <a:rPr lang="en-US" dirty="0" smtClean="0"/>
+                  <a:rPr lang="en-US" dirty="0"/>
                   <a:t>)</a:t>
                 </a:r>
                 <a:r>
-                  <a:rPr lang="ru-RU" dirty="0" smtClean="0"/>
+                  <a:rPr lang="ru-RU" dirty="0"/>
                   <a:t> на </a:t>
                 </a:r>
                 <a14:m>
@@ -4609,69 +4535,69 @@
                   </m:oMath>
                 </a14:m>
                 <a:r>
-                  <a:rPr lang="ru-RU" dirty="0" smtClean="0"/>
+                  <a:rPr lang="ru-RU" dirty="0"/>
                   <a:t>. Введём игру на </a:t>
                 </a:r>
                 <a:r>
-                  <a:rPr lang="ru-RU" b="1" dirty="0" smtClean="0"/>
+                  <a:rPr lang="ru-RU" b="1" dirty="0"/>
                   <a:t>целостность </a:t>
                 </a:r>
                 <a:r>
-                  <a:rPr lang="ru-RU" b="1" dirty="0" err="1" smtClean="0"/>
+                  <a:rPr lang="ru-RU" b="1" dirty="0" err="1"/>
                   <a:t>шифртекстов</a:t>
                 </a:r>
                 <a:r>
-                  <a:rPr lang="en-US" dirty="0" smtClean="0"/>
+                  <a:rPr lang="en-US" dirty="0"/>
                   <a:t> (INT-CTXT)</a:t>
                 </a:r>
                 <a:r>
-                  <a:rPr lang="ru-RU" dirty="0" smtClean="0"/>
+                  <a:rPr lang="ru-RU" dirty="0"/>
                   <a:t> (аналогично игре на </a:t>
                 </a:r>
                 <a:r>
-                  <a:rPr lang="en-US" dirty="0" smtClean="0"/>
+                  <a:rPr lang="en-US" dirty="0"/>
                   <a:t>MAC</a:t>
                 </a:r>
                 <a:r>
-                  <a:rPr lang="ru-RU" dirty="0" smtClean="0"/>
+                  <a:rPr lang="ru-RU" dirty="0"/>
                   <a:t>)</a:t>
                 </a:r>
                 <a:r>
-                  <a:rPr lang="en-US" dirty="0" smtClean="0"/>
+                  <a:rPr lang="en-US" dirty="0"/>
                   <a:t>:</a:t>
                 </a:r>
               </a:p>
               <a:p>
                 <a:r>
-                  <a:rPr lang="ru-RU" dirty="0" smtClean="0"/>
+                  <a:rPr lang="ru-RU" dirty="0"/>
                   <a:t>Претендент выбирает случайный ключ</a:t>
                 </a:r>
               </a:p>
               <a:p>
                 <a:r>
-                  <a:rPr lang="ru-RU" dirty="0" smtClean="0"/>
+                  <a:rPr lang="ru-RU" dirty="0"/>
                   <a:t>Противник запрашивает </a:t>
                 </a:r>
                 <a:r>
-                  <a:rPr lang="ru-RU" dirty="0" err="1" smtClean="0"/>
+                  <a:rPr lang="ru-RU" dirty="0" err="1"/>
                   <a:t>зашифрование</a:t>
                 </a:r>
                 <a:r>
-                  <a:rPr lang="ru-RU" dirty="0" smtClean="0"/>
+                  <a:rPr lang="ru-RU" dirty="0"/>
                   <a:t> нескольких открытых текстов в адаптивной атаке</a:t>
                 </a:r>
               </a:p>
               <a:p>
                 <a:r>
-                  <a:rPr lang="ru-RU" dirty="0" smtClean="0"/>
+                  <a:rPr lang="ru-RU" dirty="0"/>
                   <a:t>Цель противника – получить </a:t>
                 </a:r>
                 <a:r>
-                  <a:rPr lang="ru-RU" b="1" dirty="0" smtClean="0"/>
+                  <a:rPr lang="ru-RU" b="1" dirty="0"/>
                   <a:t>новый корректный </a:t>
                 </a:r>
                 <a:r>
-                  <a:rPr lang="ru-RU" b="1" dirty="0" err="1" smtClean="0"/>
+                  <a:rPr lang="ru-RU" b="1" dirty="0" err="1"/>
                   <a:t>шифртекст</a:t>
                 </a:r>
                 <a:endParaRPr lang="ru-RU" b="1" dirty="0"/>
@@ -5365,7 +5291,7 @@
           <a:lstStyle/>
           <a:p>
             <a:r>
-              <a:rPr lang="en-US" sz="2600" dirty="0" smtClean="0"/>
+              <a:rPr lang="en-US" sz="2600" dirty="0"/>
               <a:t>…</a:t>
             </a:r>
             <a:endParaRPr lang="ru-RU" sz="2600" dirty="0"/>
@@ -5592,7 +5518,7 @@
           <a:lstStyle/>
           <a:p>
             <a:r>
-              <a:rPr lang="en-US" sz="2600" dirty="0" smtClean="0"/>
+              <a:rPr lang="en-US" sz="2600" dirty="0"/>
               <a:t>…</a:t>
             </a:r>
             <a:endParaRPr lang="ru-RU" sz="2600" dirty="0"/>
@@ -5633,7 +5559,7 @@
               <a:lstStyle/>
               <a:p>
                 <a:r>
-                  <a:rPr lang="en-US" sz="1600" i="1" dirty="0" smtClean="0"/>
+                  <a:rPr lang="en-US" sz="1600" i="1" dirty="0"/>
                   <a:t>k</a:t>
                 </a:r>
                 <a14:m>
@@ -5732,13 +5658,6 @@
   <p:clrMapOvr>
     <a:masterClrMapping/>
   </p:clrMapOvr>
-  <p:timing>
-    <p:tnLst>
-      <p:par>
-        <p:cTn id="1" dur="indefinite" restart="never" nodeType="tmRoot"/>
-      </p:par>
-    </p:tnLst>
-  </p:timing>
 </p:sld>
 </file>
 
@@ -5809,7 +5728,7 @@
                   <a:buNone/>
                 </a:pPr>
                 <a:r>
-                  <a:rPr lang="ru-RU" dirty="0" smtClean="0"/>
+                  <a:rPr lang="ru-RU" dirty="0"/>
                   <a:t>Преимущество противника </a:t>
                 </a:r>
                 <a14:m>
@@ -5963,14 +5882,14 @@
                     </m:func>
                   </m:oMath>
                 </a14:m>
-                <a:endParaRPr lang="en-US" dirty="0" smtClean="0"/>
+                <a:endParaRPr lang="en-US" dirty="0"/>
               </a:p>
               <a:p>
                 <a:pPr marL="0" indent="0">
                   <a:buNone/>
                 </a:pPr>
                 <a:r>
-                  <a:rPr lang="ru-RU" dirty="0" smtClean="0"/>
+                  <a:rPr lang="ru-RU" dirty="0"/>
                   <a:t>Шифр </a:t>
                 </a:r>
                 <a14:m>
@@ -5987,23 +5906,23 @@
                   </m:oMath>
                 </a14:m>
                 <a:r>
-                  <a:rPr lang="en-US" dirty="0" smtClean="0"/>
+                  <a:rPr lang="en-US" dirty="0"/>
                   <a:t> </a:t>
                 </a:r>
                 <a:r>
-                  <a:rPr lang="ru-RU" dirty="0" smtClean="0"/>
+                  <a:rPr lang="ru-RU" dirty="0"/>
                   <a:t>является </a:t>
                 </a:r>
                 <a:r>
-                  <a:rPr lang="ru-RU" b="1" dirty="0" smtClean="0"/>
+                  <a:rPr lang="ru-RU" b="1" dirty="0"/>
                   <a:t>шифром обеспечивающим целостность </a:t>
                 </a:r>
                 <a:r>
-                  <a:rPr lang="ru-RU" b="1" dirty="0" err="1" smtClean="0"/>
+                  <a:rPr lang="ru-RU" b="1" dirty="0" err="1"/>
                   <a:t>шифртекстов</a:t>
                 </a:r>
                 <a:r>
-                  <a:rPr lang="ru-RU" dirty="0" smtClean="0"/>
+                  <a:rPr lang="ru-RU" dirty="0"/>
                   <a:t>, если </a:t>
                 </a:r>
                 <a14:m>
@@ -6023,7 +5942,7 @@
                   </m:oMath>
                 </a14:m>
                 <a:r>
-                  <a:rPr lang="en-US" dirty="0" smtClean="0"/>
+                  <a:rPr lang="en-US" dirty="0"/>
                   <a:t> </a:t>
                 </a:r>
                 <a14:m>
@@ -6108,7 +6027,7 @@
                   </m:oMath>
                 </a14:m>
                 <a:r>
-                  <a:rPr lang="ru-RU" dirty="0" smtClean="0"/>
+                  <a:rPr lang="ru-RU" dirty="0"/>
                   <a:t>, где </a:t>
                 </a:r>
                 <a14:m>
@@ -6122,14 +6041,13 @@
                   </m:oMath>
                 </a14:m>
                 <a:r>
-                  <a:rPr lang="en-US" dirty="0" smtClean="0"/>
+                  <a:rPr lang="en-US" dirty="0"/>
                   <a:t> – </a:t>
                 </a:r>
                 <a:r>
-                  <a:rPr lang="ru-RU" dirty="0" smtClean="0"/>
+                  <a:rPr lang="ru-RU" dirty="0"/>
                   <a:t>пренебрежимо малая величина.</a:t>
                 </a:r>
-                <a:endParaRPr lang="ru-RU" dirty="0"/>
               </a:p>
             </p:txBody>
           </p:sp>
@@ -6820,7 +6738,7 @@
           <a:lstStyle/>
           <a:p>
             <a:r>
-              <a:rPr lang="en-US" sz="2600" dirty="0" smtClean="0"/>
+              <a:rPr lang="en-US" sz="2600" dirty="0"/>
               <a:t>…</a:t>
             </a:r>
             <a:endParaRPr lang="ru-RU" sz="2600" dirty="0"/>
@@ -6996,7 +6914,7 @@
           <a:lstStyle/>
           <a:p>
             <a:r>
-              <a:rPr lang="en-US" sz="2600" dirty="0" smtClean="0"/>
+              <a:rPr lang="en-US" sz="2600" dirty="0"/>
               <a:t>…</a:t>
             </a:r>
             <a:endParaRPr lang="ru-RU" sz="2600" dirty="0"/>
@@ -7037,7 +6955,7 @@
               <a:lstStyle/>
               <a:p>
                 <a:r>
-                  <a:rPr lang="en-US" sz="1600" i="1" dirty="0" smtClean="0"/>
+                  <a:rPr lang="en-US" sz="1600" i="1" dirty="0"/>
                   <a:t>k</a:t>
                 </a:r>
                 <a14:m>
@@ -7136,13 +7054,6 @@
   <p:clrMapOvr>
     <a:masterClrMapping/>
   </p:clrMapOvr>
-  <p:timing>
-    <p:tnLst>
-      <p:par>
-        <p:cTn id="1" dur="indefinite" restart="never" nodeType="tmRoot"/>
-      </p:par>
-    </p:tnLst>
-  </p:timing>
 </p:sld>
 </file>
 
@@ -7179,10 +7090,9 @@
           <a:lstStyle/>
           <a:p>
             <a:r>
-              <a:rPr lang="ru-RU" dirty="0" smtClean="0"/>
+              <a:rPr lang="ru-RU" dirty="0"/>
               <a:t>Целостность открытых текстов</a:t>
             </a:r>
-            <a:endParaRPr lang="ru-RU" dirty="0"/>
           </a:p>
         </p:txBody>
       </p:sp>
@@ -7207,11 +7117,11 @@
                   <a:buNone/>
                 </a:pPr>
                 <a:r>
-                  <a:rPr lang="ru-RU" dirty="0" smtClean="0"/>
+                  <a:rPr lang="ru-RU" dirty="0"/>
                   <a:t>Пусть</a:t>
                 </a:r>
                 <a:r>
-                  <a:rPr lang="en-US" dirty="0" smtClean="0"/>
+                  <a:rPr lang="en-US" dirty="0"/>
                   <a:t> </a:t>
                 </a:r>
                 <a14:m>
@@ -7258,27 +7168,27 @@
                   </m:oMath>
                 </a14:m>
                 <a:r>
-                  <a:rPr lang="en-US" dirty="0" smtClean="0"/>
+                  <a:rPr lang="en-US" dirty="0"/>
                   <a:t> – </a:t>
                 </a:r>
                 <a:r>
-                  <a:rPr lang="ru-RU" b="1" dirty="0" smtClean="0"/>
+                  <a:rPr lang="ru-RU" b="1" dirty="0"/>
                   <a:t>аутентифицированный шифр</a:t>
                 </a:r>
                 <a:r>
-                  <a:rPr lang="ru-RU" dirty="0" smtClean="0"/>
+                  <a:rPr lang="ru-RU" dirty="0"/>
                   <a:t> (</a:t>
                 </a:r>
                 <a:r>
-                  <a:rPr lang="en-US" b="1" dirty="0" smtClean="0"/>
+                  <a:rPr lang="en-US" b="1" dirty="0"/>
                   <a:t>AE</a:t>
                 </a:r>
                 <a:r>
-                  <a:rPr lang="en-US" dirty="0" smtClean="0"/>
+                  <a:rPr lang="en-US" dirty="0"/>
                   <a:t>)</a:t>
                 </a:r>
                 <a:r>
-                  <a:rPr lang="ru-RU" dirty="0" smtClean="0"/>
+                  <a:rPr lang="ru-RU" dirty="0"/>
                   <a:t> на </a:t>
                 </a:r>
                 <a14:m>
@@ -7328,64 +7238,63 @@
                   </m:oMath>
                 </a14:m>
                 <a:r>
-                  <a:rPr lang="ru-RU" dirty="0" smtClean="0"/>
+                  <a:rPr lang="ru-RU" dirty="0"/>
                   <a:t>. Введём игру на </a:t>
                 </a:r>
                 <a:r>
-                  <a:rPr lang="ru-RU" b="1" dirty="0" smtClean="0"/>
+                  <a:rPr lang="ru-RU" b="1" dirty="0"/>
                   <a:t>целостность открытых текстов </a:t>
                 </a:r>
                 <a:r>
-                  <a:rPr lang="en-US" dirty="0" smtClean="0"/>
+                  <a:rPr lang="en-US" dirty="0"/>
                   <a:t>(INT-PTXT)</a:t>
                 </a:r>
               </a:p>
               <a:p>
                 <a:r>
-                  <a:rPr lang="ru-RU" dirty="0" smtClean="0"/>
+                  <a:rPr lang="ru-RU" dirty="0"/>
                   <a:t>Претендент выбирает случайный ключ</a:t>
                 </a:r>
               </a:p>
               <a:p>
                 <a:r>
-                  <a:rPr lang="ru-RU" dirty="0" smtClean="0"/>
+                  <a:rPr lang="ru-RU" dirty="0"/>
                   <a:t>Противник запрашивает </a:t>
                 </a:r>
                 <a:r>
-                  <a:rPr lang="ru-RU" dirty="0" err="1" smtClean="0"/>
+                  <a:rPr lang="ru-RU" dirty="0" err="1"/>
                   <a:t>зашифрование</a:t>
                 </a:r>
                 <a:r>
-                  <a:rPr lang="ru-RU" dirty="0" smtClean="0"/>
+                  <a:rPr lang="ru-RU" dirty="0"/>
                   <a:t> нескольких открытых текстов в адаптивной атаке</a:t>
                 </a:r>
               </a:p>
               <a:p>
                 <a:r>
-                  <a:rPr lang="ru-RU" dirty="0" smtClean="0"/>
+                  <a:rPr lang="ru-RU" dirty="0"/>
                   <a:t>Цель противника – получить </a:t>
                 </a:r>
                 <a:r>
-                  <a:rPr lang="ru-RU" b="1" dirty="0" smtClean="0"/>
+                  <a:rPr lang="ru-RU" b="1" dirty="0"/>
                   <a:t>корректный</a:t>
                 </a:r>
                 <a:r>
-                  <a:rPr lang="ru-RU" dirty="0" smtClean="0"/>
+                  <a:rPr lang="ru-RU" dirty="0"/>
                   <a:t> </a:t>
                 </a:r>
                 <a:r>
-                  <a:rPr lang="ru-RU" dirty="0" err="1" smtClean="0"/>
+                  <a:rPr lang="ru-RU" dirty="0" err="1"/>
                   <a:t>шифртекст</a:t>
                 </a:r>
                 <a:r>
-                  <a:rPr lang="ru-RU" dirty="0" smtClean="0"/>
+                  <a:rPr lang="ru-RU" dirty="0"/>
                   <a:t> для</a:t>
                 </a:r>
                 <a:r>
-                  <a:rPr lang="ru-RU" b="1" dirty="0" smtClean="0"/>
+                  <a:rPr lang="ru-RU" b="1" dirty="0"/>
                   <a:t> нового сообщения</a:t>
                 </a:r>
-                <a:endParaRPr lang="ru-RU" b="1" dirty="0"/>
               </a:p>
             </p:txBody>
           </p:sp>
@@ -8076,7 +7985,7 @@
           <a:lstStyle/>
           <a:p>
             <a:r>
-              <a:rPr lang="en-US" sz="2600" dirty="0" smtClean="0"/>
+              <a:rPr lang="en-US" sz="2600" dirty="0"/>
               <a:t>…</a:t>
             </a:r>
             <a:endParaRPr lang="ru-RU" sz="2600" dirty="0"/>
@@ -8226,7 +8135,7 @@
                     </m:oMath>
                   </m:oMathPara>
                 </a14:m>
-                <a:endParaRPr lang="en-US" sz="2400" b="0" i="1" dirty="0" smtClean="0">
+                <a:endParaRPr lang="en-US" sz="2400" b="0" i="1" dirty="0">
                   <a:latin typeface="Cambria Math" panose="02040503050406030204" pitchFamily="18" charset="0"/>
                 </a:endParaRPr>
               </a:p>
@@ -8383,7 +8292,7 @@
           <a:lstStyle/>
           <a:p>
             <a:r>
-              <a:rPr lang="en-US" sz="2600" dirty="0" smtClean="0"/>
+              <a:rPr lang="en-US" sz="2600" dirty="0"/>
               <a:t>…</a:t>
             </a:r>
             <a:endParaRPr lang="ru-RU" sz="2600" dirty="0"/>
@@ -8424,7 +8333,7 @@
               <a:lstStyle/>
               <a:p>
                 <a:r>
-                  <a:rPr lang="en-US" sz="1600" i="1" dirty="0" smtClean="0"/>
+                  <a:rPr lang="en-US" sz="1600" i="1" dirty="0"/>
                   <a:t>k</a:t>
                 </a:r>
                 <a14:m>
@@ -8523,13 +8432,6 @@
   <p:clrMapOvr>
     <a:masterClrMapping/>
   </p:clrMapOvr>
-  <p:timing>
-    <p:tnLst>
-      <p:par>
-        <p:cTn id="1" dur="indefinite" restart="never" nodeType="tmRoot"/>
-      </p:par>
-    </p:tnLst>
-  </p:timing>
 </p:sld>
 </file>
 
@@ -8593,12 +8495,8 @@
                   <a:buNone/>
                 </a:pPr>
                 <a:r>
-                  <a:rPr lang="ru-RU" dirty="0" smtClean="0"/>
-                  <a:t>Преимущество </a:t>
-                </a:r>
-                <a:r>
                   <a:rPr lang="ru-RU" dirty="0"/>
-                  <a:t>противника </a:t>
+                  <a:t>Преимущество противника </a:t>
                 </a:r>
                 <a14:m>
                   <m:oMath xmlns:m="http://schemas.openxmlformats.org/officeDocument/2006/math">
@@ -8784,19 +8682,11 @@
                 </a:r>
                 <a:r>
                   <a:rPr lang="ru-RU" b="1" dirty="0"/>
-                  <a:t>шифром обеспечивающим целостность </a:t>
-                </a:r>
-                <a:r>
-                  <a:rPr lang="ru-RU" b="1" dirty="0" smtClean="0"/>
-                  <a:t>открытых текстов</a:t>
-                </a:r>
-                <a:r>
-                  <a:rPr lang="ru-RU" dirty="0" smtClean="0"/>
-                  <a:t>, </a:t>
+                  <a:t>шифром обеспечивающим целостность открытых текстов</a:t>
                 </a:r>
                 <a:r>
                   <a:rPr lang="ru-RU" dirty="0"/>
-                  <a:t>если </a:t>
+                  <a:t>, если </a:t>
                 </a:r>
                 <a14:m>
                   <m:oMath xmlns:m="http://schemas.openxmlformats.org/officeDocument/2006/math">
@@ -8919,13 +8809,8 @@
                 </a:r>
                 <a:r>
                   <a:rPr lang="ru-RU" dirty="0"/>
-                  <a:t>пренебрежимо малая </a:t>
+                  <a:t>пренебрежимо малая величина.</a:t>
                 </a:r>
-                <a:r>
-                  <a:rPr lang="ru-RU" dirty="0" smtClean="0"/>
-                  <a:t>величина.</a:t>
-                </a:r>
-                <a:endParaRPr lang="ru-RU" dirty="0"/>
               </a:p>
             </p:txBody>
           </p:sp>
@@ -8997,13 +8882,6 @@
   <p:clrMapOvr>
     <a:masterClrMapping/>
   </p:clrMapOvr>
-  <p:timing>
-    <p:tnLst>
-      <p:par>
-        <p:cTn id="1" dur="indefinite" restart="never" nodeType="tmRoot"/>
-      </p:par>
-    </p:tnLst>
-  </p:timing>
 </p:sld>
 </file>
 
@@ -9040,22 +8918,21 @@
           <a:lstStyle/>
           <a:p>
             <a:r>
-              <a:rPr lang="en-US" dirty="0" smtClean="0"/>
+              <a:rPr lang="en-US" dirty="0"/>
               <a:t>CA </a:t>
             </a:r>
             <a:r>
-              <a:rPr lang="ru-RU" dirty="0" smtClean="0"/>
+              <a:rPr lang="ru-RU" dirty="0"/>
               <a:t>и </a:t>
             </a:r>
             <a:r>
-              <a:rPr lang="en-US" dirty="0" smtClean="0"/>
+              <a:rPr lang="en-US" dirty="0"/>
               <a:t>CI </a:t>
             </a:r>
             <a:r>
-              <a:rPr lang="ru-RU" dirty="0" smtClean="0"/>
+              <a:rPr lang="ru-RU" dirty="0"/>
               <a:t>стойкость</a:t>
             </a:r>
-            <a:endParaRPr lang="ru-RU" dirty="0"/>
           </a:p>
         </p:txBody>
       </p:sp>
@@ -9075,66 +8952,62 @@
           <a:lstStyle/>
           <a:p>
             <a:r>
-              <a:rPr lang="en-US" dirty="0" smtClean="0"/>
+              <a:rPr lang="en-US" dirty="0"/>
               <a:t>CI </a:t>
             </a:r>
             <a:r>
-              <a:rPr lang="ru-RU" dirty="0" smtClean="0"/>
+              <a:rPr lang="ru-RU" dirty="0"/>
               <a:t>более сильное понятие стойкости</a:t>
             </a:r>
-            <a:endParaRPr lang="en-US" dirty="0" smtClean="0"/>
-          </a:p>
-          <a:p>
-            <a:r>
-              <a:rPr lang="en-US" dirty="0" smtClean="0"/>
+            <a:endParaRPr lang="en-US" dirty="0"/>
+          </a:p>
+          <a:p>
+            <a:r>
+              <a:rPr lang="en-US" dirty="0"/>
               <a:t>CI </a:t>
             </a:r>
             <a:r>
-              <a:rPr lang="ru-RU" dirty="0" smtClean="0"/>
+              <a:rPr lang="ru-RU" dirty="0"/>
               <a:t>стойкость говорит, что сложно навязать новый </a:t>
             </a:r>
             <a:r>
-              <a:rPr lang="ru-RU" dirty="0" err="1" smtClean="0"/>
+              <a:rPr lang="ru-RU" dirty="0" err="1"/>
               <a:t>шифртекст</a:t>
             </a:r>
             <a:r>
-              <a:rPr lang="ru-RU" dirty="0" smtClean="0"/>
+              <a:rPr lang="ru-RU" dirty="0"/>
               <a:t> получателю</a:t>
             </a:r>
           </a:p>
           <a:p>
             <a:r>
               <a:rPr lang="en-US" dirty="0"/>
-              <a:t>P</a:t>
-            </a:r>
-            <a:r>
-              <a:rPr lang="en-US" dirty="0" smtClean="0"/>
-              <a:t>I </a:t>
-            </a:r>
-            <a:r>
-              <a:rPr lang="ru-RU" dirty="0" smtClean="0"/>
+              <a:t>PI </a:t>
+            </a:r>
+            <a:r>
+              <a:rPr lang="ru-RU" dirty="0"/>
               <a:t>стойкость говорит, что сложно навязать новые расшифрованные данные получателю</a:t>
             </a:r>
           </a:p>
           <a:p>
             <a:r>
-              <a:rPr lang="ru-RU" dirty="0" smtClean="0"/>
+              <a:rPr lang="ru-RU" dirty="0"/>
               <a:t>Возможно существование шифра </a:t>
             </a:r>
             <a:r>
-              <a:rPr lang="en-US" dirty="0" smtClean="0"/>
+              <a:rPr lang="en-US" dirty="0"/>
               <a:t>PI </a:t>
             </a:r>
             <a:r>
-              <a:rPr lang="ru-RU" dirty="0" smtClean="0"/>
+              <a:rPr lang="ru-RU" dirty="0"/>
               <a:t>стойкого, но не </a:t>
             </a:r>
             <a:r>
-              <a:rPr lang="en-US" dirty="0" smtClean="0"/>
+              <a:rPr lang="en-US" dirty="0"/>
               <a:t>CI </a:t>
             </a:r>
             <a:r>
-              <a:rPr lang="ru-RU" dirty="0" smtClean="0"/>
+              <a:rPr lang="ru-RU" dirty="0"/>
               <a:t>стойкого</a:t>
             </a:r>
           </a:p>
@@ -9143,71 +9016,71 @@
               <a:buNone/>
             </a:pPr>
             <a:r>
-              <a:rPr lang="ru-RU" dirty="0" smtClean="0"/>
+              <a:rPr lang="ru-RU" dirty="0"/>
               <a:t>Например – пусть шифр недетерминированный. Тогда одному </a:t>
             </a:r>
             <a:r>
-              <a:rPr lang="en-US" dirty="0" smtClean="0"/>
+              <a:rPr lang="en-US" dirty="0"/>
               <a:t>PT </a:t>
             </a:r>
             <a:r>
-              <a:rPr lang="ru-RU" dirty="0" smtClean="0"/>
+              <a:rPr lang="ru-RU" dirty="0"/>
               <a:t>соответствует множество </a:t>
             </a:r>
             <a:r>
-              <a:rPr lang="en-US" dirty="0" smtClean="0"/>
+              <a:rPr lang="en-US" dirty="0"/>
               <a:t>CT</a:t>
             </a:r>
             <a:r>
-              <a:rPr lang="ru-RU" dirty="0" smtClean="0"/>
+              <a:rPr lang="ru-RU" dirty="0"/>
               <a:t>. Если противник может создавать </a:t>
             </a:r>
             <a:r>
-              <a:rPr lang="ru-RU" b="1" dirty="0" smtClean="0"/>
+              <a:rPr lang="ru-RU" b="1" dirty="0"/>
               <a:t>новые </a:t>
             </a:r>
             <a:r>
-              <a:rPr lang="en-US" b="1" dirty="0" smtClean="0"/>
+              <a:rPr lang="en-US" b="1" dirty="0"/>
               <a:t>CT </a:t>
             </a:r>
             <a:r>
-              <a:rPr lang="ru-RU" dirty="0" smtClean="0"/>
+              <a:rPr lang="ru-RU" dirty="0"/>
               <a:t>для </a:t>
             </a:r>
             <a:r>
-              <a:rPr lang="ru-RU" b="1" dirty="0" smtClean="0"/>
+              <a:rPr lang="ru-RU" b="1" dirty="0"/>
               <a:t>существующих сообщений</a:t>
             </a:r>
             <a:r>
-              <a:rPr lang="ru-RU" dirty="0" smtClean="0"/>
+              <a:rPr lang="ru-RU" dirty="0"/>
               <a:t>, </a:t>
             </a:r>
             <a:r>
-              <a:rPr lang="ru-RU" b="1" dirty="0" smtClean="0"/>
+              <a:rPr lang="ru-RU" b="1" dirty="0"/>
               <a:t>но не может для новых </a:t>
             </a:r>
             <a:r>
-              <a:rPr lang="ru-RU" dirty="0" smtClean="0"/>
+              <a:rPr lang="ru-RU" dirty="0"/>
               <a:t>то он </a:t>
             </a:r>
             <a:r>
-              <a:rPr lang="en-US" dirty="0" smtClean="0"/>
+              <a:rPr lang="en-US" dirty="0"/>
               <a:t>PI</a:t>
             </a:r>
             <a:r>
-              <a:rPr lang="ru-RU" smtClean="0"/>
+              <a:rPr lang="ru-RU"/>
               <a:t>, </a:t>
             </a:r>
             <a:r>
-              <a:rPr lang="ru-RU" dirty="0" smtClean="0"/>
+              <a:rPr lang="ru-RU" dirty="0"/>
               <a:t>но не </a:t>
             </a:r>
             <a:r>
-              <a:rPr lang="en-US" dirty="0" smtClean="0"/>
+              <a:rPr lang="en-US" dirty="0"/>
               <a:t>CI </a:t>
             </a:r>
             <a:r>
-              <a:rPr lang="ru-RU" dirty="0" smtClean="0"/>
+              <a:rPr lang="ru-RU" dirty="0"/>
               <a:t>стойкий.</a:t>
             </a:r>
           </a:p>
@@ -9282,10 +9155,9 @@
           <a:lstStyle/>
           <a:p>
             <a:r>
-              <a:rPr lang="ru-RU" dirty="0" smtClean="0"/>
+              <a:rPr lang="ru-RU" dirty="0"/>
               <a:t>Аутентифицированное шифрование</a:t>
             </a:r>
-            <a:endParaRPr lang="ru-RU" dirty="0"/>
           </a:p>
         </p:txBody>
       </p:sp>
@@ -9334,28 +9206,24 @@
               <a:t>Целостность </a:t>
             </a:r>
             <a:r>
-              <a:rPr lang="ru-RU" b="1" dirty="0" err="1" smtClean="0"/>
+              <a:rPr lang="ru-RU" b="1" dirty="0" err="1"/>
               <a:t>шифртекстов</a:t>
             </a:r>
             <a:r>
-              <a:rPr lang="ru-RU" b="1" dirty="0" smtClean="0"/>
+              <a:rPr lang="ru-RU" b="1" dirty="0"/>
               <a:t> </a:t>
             </a:r>
             <a:r>
-              <a:rPr lang="ru-RU" dirty="0" smtClean="0"/>
+              <a:rPr lang="ru-RU" dirty="0"/>
               <a:t>(</a:t>
             </a:r>
             <a:r>
-              <a:rPr lang="en-US" dirty="0" smtClean="0"/>
+              <a:rPr lang="en-US" dirty="0"/>
               <a:t>CI)</a:t>
             </a:r>
             <a:r>
-              <a:rPr lang="ru-RU" dirty="0" smtClean="0"/>
-              <a:t> </a:t>
-            </a:r>
-            <a:r>
               <a:rPr lang="ru-RU" dirty="0"/>
-              <a:t>(противник не может получить корректный </a:t>
+              <a:t> (противник не может получить корректный </a:t>
             </a:r>
             <a:r>
               <a:rPr lang="ru-RU" dirty="0" err="1"/>
@@ -9440,10 +9308,9 @@
           <a:lstStyle/>
           <a:p>
             <a:r>
-              <a:rPr lang="ru-RU" dirty="0" smtClean="0"/>
+              <a:rPr lang="ru-RU" dirty="0"/>
               <a:t>Следствия аутентифицированного шифрования</a:t>
             </a:r>
-            <a:endParaRPr lang="ru-RU" dirty="0"/>
           </a:p>
         </p:txBody>
       </p:sp>
@@ -9470,28 +9337,28 @@
           <a:lstStyle/>
           <a:p>
             <a:r>
-              <a:rPr lang="ru-RU" dirty="0" smtClean="0"/>
+              <a:rPr lang="ru-RU" dirty="0"/>
               <a:t>Пассивный противник не может расшифровать сообщения</a:t>
             </a:r>
           </a:p>
           <a:p>
             <a:r>
-              <a:rPr lang="ru-RU" dirty="0" smtClean="0"/>
+              <a:rPr lang="ru-RU" dirty="0"/>
               <a:t>Активный противник не может вставлять или изменять сообщения в канале</a:t>
             </a:r>
-            <a:endParaRPr lang="en-US" dirty="0" smtClean="0"/>
-          </a:p>
-          <a:p>
-            <a:r>
-              <a:rPr lang="ru-RU" dirty="0" smtClean="0"/>
+            <a:endParaRPr lang="en-US" dirty="0"/>
+          </a:p>
+          <a:p>
+            <a:r>
+              <a:rPr lang="ru-RU" dirty="0"/>
               <a:t>Целостность </a:t>
             </a:r>
             <a:r>
-              <a:rPr lang="ru-RU" dirty="0" err="1" smtClean="0"/>
+              <a:rPr lang="ru-RU" dirty="0" err="1"/>
               <a:t>шифртекстов</a:t>
             </a:r>
             <a:r>
-              <a:rPr lang="ru-RU" dirty="0" smtClean="0"/>
+              <a:rPr lang="ru-RU" dirty="0"/>
               <a:t> обеспечивает целостность открытых текстов</a:t>
             </a:r>
           </a:p>
@@ -9590,10 +9457,9 @@
           <a:p>
             <a:pPr algn="ctr"/>
             <a:r>
-              <a:rPr lang="en-US" sz="2400" dirty="0" smtClean="0"/>
+              <a:rPr lang="en-US" sz="2400" dirty="0"/>
               <a:t>Alice</a:t>
             </a:r>
-            <a:endParaRPr lang="en-US" sz="2400" dirty="0"/>
           </a:p>
         </p:txBody>
       </p:sp>
@@ -9632,10 +9498,9 @@
           <a:p>
             <a:pPr algn="ctr"/>
             <a:r>
-              <a:rPr lang="en-US" sz="2400" dirty="0" smtClean="0"/>
+              <a:rPr lang="en-US" sz="2400" dirty="0"/>
               <a:t>Bob</a:t>
             </a:r>
-            <a:endParaRPr lang="en-US" sz="2400" dirty="0"/>
           </a:p>
         </p:txBody>
       </p:sp>
@@ -9662,18 +9527,13 @@
           <a:lstStyle/>
           <a:p>
             <a:r>
-              <a:rPr lang="en-US" sz="2400" b="1" i="1" dirty="0" smtClean="0">
+              <a:rPr lang="en-US" sz="2400" b="1" i="1" dirty="0">
                 <a:solidFill>
                   <a:srgbClr val="FF0000"/>
                 </a:solidFill>
               </a:rPr>
               <a:t>k</a:t>
             </a:r>
-            <a:endParaRPr lang="en-US" sz="2400" b="1" i="1" dirty="0">
-              <a:solidFill>
-                <a:srgbClr val="FF0000"/>
-              </a:solidFill>
-            </a:endParaRPr>
           </a:p>
         </p:txBody>
       </p:sp>
@@ -9700,18 +9560,13 @@
           <a:lstStyle/>
           <a:p>
             <a:r>
-              <a:rPr lang="en-US" sz="2400" b="1" i="1" dirty="0" smtClean="0">
+              <a:rPr lang="en-US" sz="2400" b="1" i="1" dirty="0">
                 <a:solidFill>
                   <a:srgbClr val="FF0000"/>
                 </a:solidFill>
               </a:rPr>
               <a:t>k</a:t>
             </a:r>
-            <a:endParaRPr lang="en-US" sz="2400" b="1" i="1" dirty="0">
-              <a:solidFill>
-                <a:srgbClr val="FF0000"/>
-              </a:solidFill>
-            </a:endParaRPr>
           </a:p>
         </p:txBody>
       </p:sp>
@@ -9851,10 +9706,9 @@
             <a:lstStyle/>
             <a:p>
               <a:r>
-                <a:rPr lang="en-US" sz="2400" i="1" dirty="0" smtClean="0"/>
+                <a:rPr lang="en-US" sz="2400" i="1" dirty="0"/>
                 <a:t>c</a:t>
               </a:r>
-              <a:endParaRPr lang="en-US" sz="2400" i="1" dirty="0"/>
             </a:p>
           </p:txBody>
         </p:sp>
@@ -9899,76 +9753,72 @@
                 <a:p>
                   <a:pPr algn="ctr"/>
                   <a:r>
-                    <a:rPr lang="ru-RU" sz="2400" dirty="0" smtClean="0"/>
+                    <a:rPr lang="ru-RU" sz="2400" dirty="0"/>
                     <a:t>Не может создать</a:t>
                   </a:r>
                   <a:r>
-                    <a:rPr lang="en-US" sz="2400" dirty="0" smtClean="0"/>
+                    <a:rPr lang="en-US" sz="2400" dirty="0"/>
                     <a:t> </a:t>
                   </a:r>
                   <a:r>
-                    <a:rPr lang="ru-RU" sz="2400" dirty="0" smtClean="0"/>
+                    <a:rPr lang="ru-RU" sz="2400" dirty="0"/>
                     <a:t>корректный</a:t>
                   </a:r>
-                  <a:r>
-                    <a:rPr lang="en-US" sz="2400" dirty="0" smtClean="0"/>
-                    <a:t/>
-                  </a:r>
                   <a:br>
-                    <a:rPr lang="en-US" sz="2400" dirty="0" smtClean="0"/>
+                    <a:rPr lang="en-US" sz="2400" dirty="0"/>
                   </a:br>
                   <a:r>
-                    <a:rPr lang="en-US" sz="2400" i="1" dirty="0" smtClean="0"/>
+                    <a:rPr lang="en-US" sz="2400" i="1" dirty="0"/>
                     <a:t>c</a:t>
                   </a:r>
                   <a:r>
-                    <a:rPr lang="en-US" sz="2400" dirty="0" smtClean="0"/>
+                    <a:rPr lang="en-US" sz="2400" dirty="0"/>
                     <a:t> ∉ { </a:t>
                   </a:r>
                   <a:r>
-                    <a:rPr lang="en-US" sz="2400" i="1" dirty="0" smtClean="0"/>
+                    <a:rPr lang="en-US" sz="2400" i="1" dirty="0"/>
                     <a:t>c</a:t>
                   </a:r>
                   <a:r>
-                    <a:rPr lang="en-US" sz="2400" baseline="-25000" dirty="0" smtClean="0"/>
+                    <a:rPr lang="en-US" sz="2400" baseline="-25000" dirty="0"/>
                     <a:t>1</a:t>
                   </a:r>
                   <a:r>
-                    <a:rPr lang="en-US" sz="2400" dirty="0" smtClean="0"/>
+                    <a:rPr lang="en-US" sz="2400" dirty="0"/>
                     <a:t>, …, </a:t>
                   </a:r>
                   <a:r>
-                    <a:rPr lang="en-US" sz="2400" i="1" dirty="0" err="1" smtClean="0"/>
+                    <a:rPr lang="en-US" sz="2400" i="1" dirty="0" err="1"/>
                     <a:t>c</a:t>
                   </a:r>
                   <a:r>
-                    <a:rPr lang="en-US" sz="2400" i="1" baseline="-25000" dirty="0" err="1" smtClean="0"/>
+                    <a:rPr lang="en-US" sz="2400" i="1" baseline="-25000" dirty="0" err="1"/>
                     <a:t>q</a:t>
                   </a:r>
                   <a:r>
-                    <a:rPr lang="en-US" sz="2400" dirty="0" smtClean="0"/>
+                    <a:rPr lang="en-US" sz="2400" dirty="0"/>
                     <a:t>}</a:t>
                   </a:r>
                 </a:p>
                 <a:p>
                   <a:pPr algn="ctr"/>
                   <a:r>
-                    <a:rPr lang="ru-RU" sz="2400" dirty="0" smtClean="0"/>
+                    <a:rPr lang="ru-RU" sz="2400" dirty="0"/>
                     <a:t>Не может различить</a:t>
                   </a:r>
                 </a:p>
                 <a:p>
                   <a:pPr algn="ctr"/>
                   <a:r>
-                    <a:rPr lang="ru-RU" sz="2400" dirty="0" smtClean="0"/>
+                    <a:rPr lang="ru-RU" sz="2400" dirty="0"/>
                     <a:t> </a:t>
                   </a:r>
                   <a:r>
-                    <a:rPr lang="ru-RU" sz="2400" dirty="0" err="1" smtClean="0"/>
+                    <a:rPr lang="ru-RU" sz="2400" dirty="0" err="1"/>
                     <a:t>зашифрования</a:t>
                   </a:r>
                   <a:r>
-                    <a:rPr lang="ru-RU" sz="2400" dirty="0" smtClean="0"/>
+                    <a:rPr lang="ru-RU" sz="2400" dirty="0"/>
                     <a:t> </a:t>
                   </a:r>
                   <a14:m>
@@ -10043,15 +9893,15 @@
                       </m:sSub>
                     </m:oMath>
                   </a14:m>
-                  <a:endParaRPr lang="en-US" sz="2400" dirty="0" smtClean="0"/>
+                  <a:endParaRPr lang="en-US" sz="2400" dirty="0"/>
                 </a:p>
                 <a:p>
                   <a:pPr algn="ctr"/>
                   <a:r>
-                    <a:rPr lang="ru-RU" sz="2400" dirty="0" smtClean="0"/>
+                    <a:rPr lang="ru-RU" sz="2400" dirty="0"/>
                     <a:t>Не может расшифровать</a:t>
                   </a:r>
-                  <a:endParaRPr lang="en-US" sz="2400" dirty="0" smtClean="0"/>
+                  <a:endParaRPr lang="en-US" sz="2400" dirty="0"/>
                 </a:p>
                 <a:p>
                   <a:pPr algn="ctr"/>
@@ -10085,7 +9935,7 @@
                     </m:oMath>
                   </a14:m>
                   <a:r>
-                    <a:rPr lang="ru-RU" sz="2400" dirty="0" smtClean="0"/>
+                    <a:rPr lang="ru-RU" sz="2400" dirty="0"/>
                     <a:t> </a:t>
                   </a:r>
                   <a:endParaRPr lang="en-US" sz="2400" dirty="0"/>
@@ -10448,7 +10298,7 @@
                     </m:oMath>
                   </m:oMathPara>
                 </a14:m>
-                <a:endParaRPr lang="en-US" sz="2400" b="0" dirty="0" smtClean="0"/>
+                <a:endParaRPr lang="en-US" sz="2400" b="0" dirty="0"/>
               </a:p>
             </p:txBody>
           </p:sp>
@@ -10502,13 +10352,6 @@
   <p:clrMapOvr>
     <a:masterClrMapping/>
   </p:clrMapOvr>
-  <p:timing>
-    <p:tnLst>
-      <p:par>
-        <p:cTn id="1" dur="indefinite" restart="never" nodeType="tmRoot"/>
-      </p:par>
-    </p:tnLst>
-  </p:timing>
 </p:sld>
 </file>
 
@@ -10545,10 +10388,9 @@
           <a:lstStyle/>
           <a:p>
             <a:r>
-              <a:rPr lang="ru-RU" dirty="0" smtClean="0"/>
+              <a:rPr lang="ru-RU" dirty="0"/>
               <a:t>Пример</a:t>
             </a:r>
-            <a:endParaRPr lang="ru-RU" dirty="0"/>
           </a:p>
         </p:txBody>
       </p:sp>
@@ -10571,51 +10413,51 @@
               <a:buNone/>
             </a:pPr>
             <a:r>
-              <a:rPr lang="ru-RU" dirty="0" smtClean="0"/>
+              <a:rPr lang="ru-RU" dirty="0"/>
               <a:t>Пусть </a:t>
             </a:r>
             <a:r>
-              <a:rPr lang="en-US" dirty="0" smtClean="0"/>
+              <a:rPr lang="en-US" dirty="0"/>
               <a:t>Alice </a:t>
             </a:r>
             <a:r>
-              <a:rPr lang="ru-RU" dirty="0" smtClean="0"/>
+              <a:rPr lang="ru-RU" dirty="0"/>
               <a:t>отправляет сообщение </a:t>
             </a:r>
             <a:r>
-              <a:rPr lang="en-US" dirty="0" smtClean="0"/>
+              <a:rPr lang="en-US" dirty="0"/>
               <a:t>Bob</a:t>
             </a:r>
             <a:r>
-              <a:rPr lang="ru-RU" dirty="0" smtClean="0"/>
+              <a:rPr lang="ru-RU" dirty="0"/>
               <a:t>. Для простоты рассмотрим </a:t>
             </a:r>
             <a:r>
-              <a:rPr lang="en-US" dirty="0" smtClean="0"/>
+              <a:rPr lang="en-US" dirty="0"/>
               <a:t>email </a:t>
             </a:r>
             <a:r>
-              <a:rPr lang="ru-RU" dirty="0" smtClean="0"/>
+              <a:rPr lang="ru-RU" dirty="0"/>
               <a:t>с фиксированным заголовком</a:t>
             </a:r>
             <a:r>
-              <a:rPr lang="en-US" dirty="0" smtClean="0"/>
+              <a:rPr lang="en-US" dirty="0"/>
               <a:t> “To:”.</a:t>
             </a:r>
             <a:r>
-              <a:rPr lang="ru-RU" dirty="0" smtClean="0"/>
+              <a:rPr lang="ru-RU" dirty="0"/>
               <a:t> (пример – </a:t>
             </a:r>
             <a:r>
-              <a:rPr lang="en-US" dirty="0" err="1" smtClean="0"/>
+              <a:rPr lang="en-US" dirty="0" err="1"/>
               <a:t>To:Bob@SecretNet.gov</a:t>
             </a:r>
             <a:r>
-              <a:rPr lang="en-US" dirty="0" smtClean="0"/>
+              <a:rPr lang="en-US" dirty="0"/>
               <a:t>) </a:t>
             </a:r>
             <a:r>
-              <a:rPr lang="ru-RU" dirty="0" smtClean="0"/>
+              <a:rPr lang="ru-RU" dirty="0"/>
               <a:t>Сообщения зашифровываются в сторону почтового сервера, расшифровываются им, и отправляются нужному адресату.</a:t>
             </a:r>
           </a:p>
@@ -10624,7 +10466,7 @@
               <a:buNone/>
             </a:pPr>
             <a:r>
-              <a:rPr lang="ru-RU" dirty="0" smtClean="0"/>
+              <a:rPr lang="ru-RU" dirty="0"/>
               <a:t>Идея атаки – модифицировать сообщения сервера так, чтобы адресатом выступал адрес противника.</a:t>
             </a:r>
           </a:p>
@@ -10663,13 +10505,6 @@
   <p:clrMapOvr>
     <a:masterClrMapping/>
   </p:clrMapOvr>
-  <p:timing>
-    <p:tnLst>
-      <p:par>
-        <p:cTn id="1" dur="indefinite" restart="never" nodeType="tmRoot"/>
-      </p:par>
-    </p:tnLst>
-  </p:timing>
 </p:sld>
 </file>
 
@@ -10706,10 +10541,9 @@
           <a:lstStyle/>
           <a:p>
             <a:r>
-              <a:rPr lang="ru-RU" dirty="0" smtClean="0"/>
+              <a:rPr lang="ru-RU" dirty="0"/>
               <a:t>Тест.</a:t>
             </a:r>
-            <a:endParaRPr lang="ru-RU" dirty="0"/>
           </a:p>
         </p:txBody>
       </p:sp>
@@ -10734,41 +10568,40 @@
           <a:lstStyle/>
           <a:p>
             <a:r>
-              <a:rPr lang="ru-RU" dirty="0" smtClean="0"/>
+              <a:rPr lang="ru-RU" dirty="0"/>
               <a:t>Положить телефон экраном вниз справа от себя</a:t>
             </a:r>
           </a:p>
           <a:p>
             <a:r>
-              <a:rPr lang="ru-RU" dirty="0" smtClean="0"/>
+              <a:rPr lang="ru-RU" dirty="0"/>
               <a:t>Не разговаривать с соседями</a:t>
             </a:r>
           </a:p>
           <a:p>
             <a:r>
-              <a:rPr lang="ru-RU" dirty="0" smtClean="0"/>
+              <a:rPr lang="ru-RU" dirty="0"/>
               <a:t>Не пользоваться конспектами и электронными устройствами</a:t>
             </a:r>
           </a:p>
           <a:p>
             <a:r>
-              <a:rPr lang="ru-RU" dirty="0" smtClean="0"/>
+              <a:rPr lang="ru-RU" dirty="0"/>
               <a:t>Написать номер (по таблице) и ФИО на листочке</a:t>
             </a:r>
           </a:p>
           <a:p>
             <a:r>
-              <a:rPr lang="ru-RU" dirty="0" smtClean="0"/>
+              <a:rPr lang="ru-RU" dirty="0"/>
               <a:t>Написать краткий ответ на вопрос</a:t>
             </a:r>
-            <a:endParaRPr lang="en-US" dirty="0" smtClean="0"/>
-          </a:p>
-          <a:p>
-            <a:r>
-              <a:rPr lang="ru-RU" dirty="0" smtClean="0"/>
+            <a:endParaRPr lang="en-US" dirty="0"/>
+          </a:p>
+          <a:p>
+            <a:r>
+              <a:rPr lang="ru-RU" dirty="0"/>
               <a:t>Дождаться окончания теста</a:t>
             </a:r>
-            <a:endParaRPr lang="ru-RU" dirty="0"/>
           </a:p>
         </p:txBody>
       </p:sp>
@@ -10955,14 +10788,14 @@
           <a:lstStyle/>
           <a:p>
             <a:r>
-              <a:rPr lang="en-US" sz="2600" dirty="0" smtClean="0"/>
+              <a:rPr lang="en-US" sz="2600" dirty="0"/>
               <a:t>1 </a:t>
             </a:r>
             <a:r>
-              <a:rPr lang="ru-RU" sz="2600" dirty="0" smtClean="0"/>
+              <a:rPr lang="ru-RU" sz="2600" dirty="0"/>
               <a:t>вопрос. </a:t>
             </a:r>
-            <a:endParaRPr lang="en-US" sz="2600" dirty="0" smtClean="0"/>
+            <a:endParaRPr lang="en-US" sz="2600" dirty="0"/>
           </a:p>
           <a:p>
             <a:endParaRPr lang="en-US" sz="2600" dirty="0"/>
@@ -10979,13 +10812,6 @@
   <p:clrMapOvr>
     <a:masterClrMapping/>
   </p:clrMapOvr>
-  <p:timing>
-    <p:tnLst>
-      <p:par>
-        <p:cTn id="1" dur="indefinite" restart="never" nodeType="tmRoot"/>
-      </p:par>
-    </p:tnLst>
-  </p:timing>
 </p:sld>
 </file>
 
@@ -11189,10 +11015,10 @@
                   </m:oMath>
                 </a14:m>
                 <a:r>
-                  <a:rPr lang="ru-RU" dirty="0" smtClean="0"/>
+                  <a:rPr lang="ru-RU" dirty="0"/>
                   <a:t>.</a:t>
                 </a:r>
-                <a:endParaRPr lang="en-US" dirty="0" smtClean="0"/>
+                <a:endParaRPr lang="en-US" dirty="0"/>
               </a:p>
               <a:p>
                 <a:pPr marL="0" indent="0">
@@ -11205,29 +11031,29 @@
                   <a:buNone/>
                 </a:pPr>
                 <a:r>
-                  <a:rPr lang="ru-RU" dirty="0" smtClean="0"/>
+                  <a:rPr lang="ru-RU" dirty="0"/>
                   <a:t>Даная задача может быть легко решена для </a:t>
                 </a:r>
                 <a:r>
-                  <a:rPr lang="en-US" dirty="0" smtClean="0"/>
+                  <a:rPr lang="en-US" dirty="0"/>
                   <a:t>CPA </a:t>
                 </a:r>
                 <a:r>
-                  <a:rPr lang="ru-RU" dirty="0" smtClean="0"/>
+                  <a:rPr lang="ru-RU" dirty="0"/>
                   <a:t>стойких шифров</a:t>
                 </a:r>
               </a:p>
               <a:p>
                 <a:r>
-                  <a:rPr lang="ru-RU" dirty="0" err="1" smtClean="0"/>
+                  <a:rPr lang="ru-RU" dirty="0" err="1"/>
                   <a:t>Рандомизированный</a:t>
                 </a:r>
                 <a:r>
-                  <a:rPr lang="ru-RU" dirty="0" smtClean="0"/>
+                  <a:rPr lang="ru-RU" dirty="0"/>
                   <a:t> </a:t>
                 </a:r>
                 <a:r>
-                  <a:rPr lang="en-US" dirty="0" smtClean="0"/>
+                  <a:rPr lang="en-US" dirty="0"/>
                   <a:t>CTR: </a:t>
                 </a:r>
                 <a14:m>
@@ -11333,19 +11159,19 @@
                     </m:r>
                   </m:oMath>
                 </a14:m>
-                <a:endParaRPr lang="en-US" dirty="0" smtClean="0"/>
+                <a:endParaRPr lang="en-US" dirty="0"/>
               </a:p>
               <a:p>
                 <a:r>
-                  <a:rPr lang="ru-RU" dirty="0" err="1" smtClean="0"/>
+                  <a:rPr lang="ru-RU" dirty="0" err="1"/>
                   <a:t>Рандомизированный</a:t>
                 </a:r>
                 <a:r>
-                  <a:rPr lang="ru-RU" dirty="0" smtClean="0"/>
+                  <a:rPr lang="ru-RU" dirty="0"/>
                   <a:t> </a:t>
                 </a:r>
                 <a:r>
-                  <a:rPr lang="en-US" dirty="0" smtClean="0"/>
+                  <a:rPr lang="en-US" dirty="0"/>
                   <a:t>CBC: </a:t>
                 </a:r>
                 <a14:m>
@@ -11451,33 +11277,33 @@
                     </m:r>
                   </m:oMath>
                 </a14:m>
-                <a:endParaRPr lang="en-US" dirty="0" smtClean="0"/>
+                <a:endParaRPr lang="en-US" dirty="0"/>
               </a:p>
               <a:p>
                 <a:pPr marL="0" indent="0">
                   <a:buNone/>
                 </a:pPr>
                 <a:r>
-                  <a:rPr lang="ru-RU" dirty="0" smtClean="0"/>
+                  <a:rPr lang="ru-RU" dirty="0"/>
                   <a:t>Т.е. если противник может расшифровывать </a:t>
                 </a:r>
                 <a:r>
-                  <a:rPr lang="ru-RU" dirty="0" err="1" smtClean="0"/>
+                  <a:rPr lang="ru-RU" dirty="0" err="1"/>
                   <a:t>шифртексты</a:t>
                 </a:r>
                 <a:r>
-                  <a:rPr lang="ru-RU" dirty="0" smtClean="0"/>
+                  <a:rPr lang="ru-RU" dirty="0"/>
                   <a:t>, </a:t>
                 </a:r>
                 <a:r>
-                  <a:rPr lang="en-US" dirty="0" smtClean="0"/>
+                  <a:rPr lang="en-US" dirty="0"/>
                   <a:t>CPA </a:t>
                 </a:r>
                 <a:r>
-                  <a:rPr lang="ru-RU" dirty="0" smtClean="0"/>
+                  <a:rPr lang="ru-RU" dirty="0"/>
                   <a:t>стойкости недостаточно</a:t>
                 </a:r>
-                <a:endParaRPr lang="en-US" dirty="0" smtClean="0"/>
+                <a:endParaRPr lang="en-US" dirty="0"/>
               </a:p>
               <a:p>
                 <a:endParaRPr lang="en-US" dirty="0"/>
@@ -11552,13 +11378,6 @@
   <p:clrMapOvr>
     <a:masterClrMapping/>
   </p:clrMapOvr>
-  <p:timing>
-    <p:tnLst>
-      <p:par>
-        <p:cTn id="1" dur="indefinite" restart="never" nodeType="tmRoot"/>
-      </p:par>
-    </p:tnLst>
-  </p:timing>
 </p:sld>
 </file>
 
@@ -11595,7 +11414,7 @@
           <a:lstStyle/>
           <a:p>
             <a:r>
-              <a:rPr lang="en-US" dirty="0" smtClean="0"/>
+              <a:rPr lang="en-US" dirty="0"/>
               <a:t>CCA</a:t>
             </a:r>
             <a:endParaRPr lang="ru-RU" dirty="0"/>
@@ -11627,33 +11446,33 @@
                   <a:t>Данная задача является частным случает атаки по выбранным </a:t>
                 </a:r>
                 <a:r>
-                  <a:rPr lang="ru-RU" dirty="0" err="1" smtClean="0"/>
+                  <a:rPr lang="ru-RU" dirty="0" err="1"/>
                   <a:t>шифртекстам</a:t>
                 </a:r>
-                <a:endParaRPr lang="ru-RU" dirty="0" smtClean="0"/>
+                <a:endParaRPr lang="ru-RU" dirty="0"/>
               </a:p>
               <a:p>
                 <a:pPr marL="0" indent="0">
                   <a:buNone/>
                 </a:pPr>
                 <a:r>
-                  <a:rPr lang="ru-RU" dirty="0" smtClean="0"/>
+                  <a:rPr lang="ru-RU" dirty="0"/>
                   <a:t>Для</a:t>
                 </a:r>
                 <a:r>
-                  <a:rPr lang="en-US" dirty="0" smtClean="0"/>
+                  <a:rPr lang="en-US" dirty="0"/>
                   <a:t> AE </a:t>
                 </a:r>
                 <a:r>
-                  <a:rPr lang="ru-RU" dirty="0" smtClean="0"/>
+                  <a:rPr lang="ru-RU" dirty="0"/>
                   <a:t>шифров данная атака невозможна, т.к. шифр гарантирует невозможность получения корректного </a:t>
                 </a:r>
                 <a:r>
-                  <a:rPr lang="ru-RU" dirty="0" err="1" smtClean="0"/>
+                  <a:rPr lang="ru-RU" dirty="0" err="1"/>
                   <a:t>шифртекста</a:t>
                 </a:r>
                 <a:r>
-                  <a:rPr lang="ru-RU" dirty="0" smtClean="0"/>
+                  <a:rPr lang="ru-RU" dirty="0"/>
                   <a:t> </a:t>
                 </a:r>
                 <a14:m>
@@ -11673,10 +11492,9 @@
                   </m:oMath>
                 </a14:m>
                 <a:r>
-                  <a:rPr lang="ru-RU" dirty="0" smtClean="0"/>
+                  <a:rPr lang="ru-RU" dirty="0"/>
                   <a:t> без знания секретного ключа.</a:t>
                 </a:r>
-                <a:endParaRPr lang="ru-RU" dirty="0"/>
               </a:p>
             </p:txBody>
           </p:sp>
@@ -11748,13 +11566,6 @@
   <p:clrMapOvr>
     <a:masterClrMapping/>
   </p:clrMapOvr>
-  <p:timing>
-    <p:tnLst>
-      <p:par>
-        <p:cTn id="1" dur="indefinite" restart="never" nodeType="tmRoot"/>
-      </p:par>
-    </p:tnLst>
-  </p:timing>
 </p:sld>
 </file>
 
@@ -11791,7 +11602,7 @@
           <a:lstStyle/>
           <a:p>
             <a:r>
-              <a:rPr lang="en-US" dirty="0" smtClean="0"/>
+              <a:rPr lang="en-US" dirty="0"/>
               <a:t>CCA</a:t>
             </a:r>
             <a:endParaRPr lang="ru-RU" dirty="0"/>
@@ -11819,7 +11630,7 @@
                   <a:buNone/>
                 </a:pPr>
                 <a:r>
-                  <a:rPr lang="ru-RU" dirty="0" smtClean="0"/>
+                  <a:rPr lang="ru-RU" dirty="0"/>
                   <a:t>Пусть </a:t>
                 </a:r>
                 <a14:m>
@@ -11866,11 +11677,11 @@
                   </m:oMath>
                 </a14:m>
                 <a:r>
-                  <a:rPr lang="en-US" dirty="0" smtClean="0"/>
+                  <a:rPr lang="en-US" dirty="0"/>
                   <a:t> – </a:t>
                 </a:r>
                 <a:r>
-                  <a:rPr lang="ru-RU" dirty="0" smtClean="0"/>
+                  <a:rPr lang="ru-RU" dirty="0"/>
                   <a:t>шифр на </a:t>
                 </a:r>
                 <a14:m>
@@ -11925,59 +11736,58 @@
                   </m:oMath>
                 </a14:m>
                 <a:r>
-                  <a:rPr lang="en-US" dirty="0" smtClean="0"/>
+                  <a:rPr lang="en-US" dirty="0"/>
                   <a:t> </a:t>
                 </a:r>
                 <a:r>
-                  <a:rPr lang="ru-RU" dirty="0" smtClean="0"/>
+                  <a:rPr lang="ru-RU" dirty="0"/>
                   <a:t>Рассмотрим игру</a:t>
                 </a:r>
               </a:p>
               <a:p>
                 <a:r>
-                  <a:rPr lang="ru-RU" dirty="0" smtClean="0"/>
+                  <a:rPr lang="ru-RU" dirty="0"/>
                   <a:t>Претендент выбирает случайный ключ</a:t>
                 </a:r>
               </a:p>
               <a:p>
                 <a:r>
-                  <a:rPr lang="ru-RU" dirty="0" smtClean="0"/>
+                  <a:rPr lang="ru-RU" dirty="0"/>
                   <a:t>Противник может запрашивать </a:t>
                 </a:r>
                 <a:r>
-                  <a:rPr lang="ru-RU" dirty="0" err="1" smtClean="0"/>
+                  <a:rPr lang="ru-RU" dirty="0" err="1"/>
                   <a:t>зашифрование</a:t>
                 </a:r>
                 <a:r>
-                  <a:rPr lang="ru-RU" dirty="0" smtClean="0"/>
+                  <a:rPr lang="ru-RU" dirty="0"/>
                   <a:t> произвольных сообщений</a:t>
                 </a:r>
               </a:p>
               <a:p>
                 <a:r>
-                  <a:rPr lang="ru-RU" dirty="0" smtClean="0"/>
+                  <a:rPr lang="ru-RU" dirty="0"/>
                   <a:t>Противник может запрашивать </a:t>
                 </a:r>
                 <a:r>
-                  <a:rPr lang="ru-RU" dirty="0" err="1" smtClean="0"/>
+                  <a:rPr lang="ru-RU" dirty="0" err="1"/>
                   <a:t>расшифрования</a:t>
                 </a:r>
                 <a:r>
-                  <a:rPr lang="ru-RU" dirty="0" smtClean="0"/>
+                  <a:rPr lang="ru-RU" dirty="0"/>
                   <a:t> произвольных </a:t>
                 </a:r>
                 <a:r>
-                  <a:rPr lang="ru-RU" dirty="0" err="1" smtClean="0"/>
+                  <a:rPr lang="ru-RU" dirty="0" err="1"/>
                   <a:t>шифртекстов</a:t>
                 </a:r>
-                <a:endParaRPr lang="ru-RU" dirty="0" smtClean="0"/>
+                <a:endParaRPr lang="ru-RU" dirty="0"/>
               </a:p>
               <a:p>
                 <a:r>
-                  <a:rPr lang="ru-RU" dirty="0" smtClean="0"/>
+                  <a:rPr lang="ru-RU" dirty="0"/>
                   <a:t>Цель противника – атака на семантическую стойкость</a:t>
                 </a:r>
-                <a:endParaRPr lang="ru-RU" dirty="0"/>
               </a:p>
             </p:txBody>
           </p:sp>
@@ -12049,13 +11859,6 @@
   <p:clrMapOvr>
     <a:masterClrMapping/>
   </p:clrMapOvr>
-  <p:timing>
-    <p:tnLst>
-      <p:par>
-        <p:cTn id="1" dur="indefinite" restart="never" nodeType="tmRoot"/>
-      </p:par>
-    </p:tnLst>
-  </p:timing>
 </p:sld>
 </file>
 
@@ -12433,7 +12236,7 @@
                     </m:oMath>
                   </a14:m>
                   <a:r>
-                    <a:rPr lang="en-US" sz="2000" dirty="0" smtClean="0">
+                    <a:rPr lang="en-US" sz="2000" dirty="0">
                       <a:sym typeface="Symbol" pitchFamily="18" charset="2"/>
                     </a:rPr>
                     <a:t>|=</a:t>
@@ -12840,7 +12643,7 @@
           <a:lstStyle/>
           <a:p>
             <a:r>
-              <a:rPr lang="en-US" sz="2600" dirty="0" smtClean="0"/>
+              <a:rPr lang="en-US" sz="2600" dirty="0"/>
               <a:t>…</a:t>
             </a:r>
             <a:endParaRPr lang="ru-RU" sz="2600" dirty="0"/>
@@ -13030,7 +12833,7 @@
           <a:lstStyle/>
           <a:p>
             <a:r>
-              <a:rPr lang="en-US" sz="2600" dirty="0" smtClean="0"/>
+              <a:rPr lang="en-US" sz="2600" dirty="0"/>
               <a:t>…</a:t>
             </a:r>
             <a:endParaRPr lang="ru-RU" sz="2600" dirty="0"/>
@@ -13101,23 +12904,23 @@
           <a:lstStyle/>
           <a:p>
             <a:r>
-              <a:rPr lang="en-US" dirty="0" smtClean="0"/>
+              <a:rPr lang="en-US" dirty="0"/>
               <a:t>For </a:t>
             </a:r>
             <a:r>
-              <a:rPr lang="en-US" i="1" dirty="0" err="1" smtClean="0"/>
+              <a:rPr lang="en-US" i="1" dirty="0" err="1"/>
               <a:t>i</a:t>
             </a:r>
             <a:r>
-              <a:rPr lang="en-US" dirty="0" smtClean="0"/>
+              <a:rPr lang="en-US" dirty="0"/>
               <a:t>=1..</a:t>
             </a:r>
             <a:r>
-              <a:rPr lang="en-US" i="1" dirty="0" smtClean="0"/>
+              <a:rPr lang="en-US" i="1" dirty="0"/>
               <a:t>q</a:t>
             </a:r>
             <a:r>
-              <a:rPr lang="en-US" dirty="0" smtClean="0"/>
+              <a:rPr lang="en-US" dirty="0"/>
               <a:t>:</a:t>
             </a:r>
             <a:endParaRPr lang="ru-RU" dirty="0"/>
@@ -13135,9 +12938,9 @@
         <p:grpSpPr bwMode="auto">
           <a:xfrm>
             <a:off x="3840598" y="4438969"/>
-            <a:ext cx="3775043" cy="425053"/>
+            <a:ext cx="3771900" cy="425053"/>
             <a:chOff x="1776" y="1783"/>
-            <a:chExt cx="2402" cy="357"/>
+            <a:chExt cx="2400" cy="357"/>
           </a:xfrm>
         </p:grpSpPr>
         <p:sp>
@@ -13175,8 +12978,8 @@
             </a:p>
           </p:txBody>
         </p:sp>
-        <mc:AlternateContent xmlns:mc="http://schemas.openxmlformats.org/markup-compatibility/2006" xmlns:a14="http://schemas.microsoft.com/office/drawing/2010/main">
-          <mc:Choice Requires="a14">
+        <mc:AlternateContent xmlns:mc="http://schemas.openxmlformats.org/markup-compatibility/2006">
+          <mc:Choice xmlns:a14="http://schemas.microsoft.com/office/drawing/2010/main" Requires="a14">
             <p:sp>
               <p:nvSpPr>
                 <p:cNvPr id="22" name="Text Box 11"/>
@@ -13187,7 +12990,7 @@
               </p:nvSpPr>
               <p:spPr bwMode="auto">
                 <a:xfrm>
-                  <a:off x="2325" y="1783"/>
+                  <a:off x="2103" y="1783"/>
                   <a:ext cx="1853" cy="357"/>
                 </a:xfrm>
                 <a:prstGeom prst="rect">
@@ -13386,7 +13189,7 @@
               </p:txBody>
             </p:sp>
           </mc:Choice>
-          <mc:Fallback xmlns="">
+          <mc:Fallback>
             <p:sp>
               <p:nvSpPr>
                 <p:cNvPr id="22" name="Text Box 11"/>
@@ -13397,13 +13200,13 @@
               </p:nvSpPr>
               <p:spPr bwMode="auto">
                 <a:xfrm>
-                  <a:off x="2325" y="1783"/>
+                  <a:off x="2103" y="1783"/>
                   <a:ext cx="1853" cy="357"/>
                 </a:xfrm>
                 <a:prstGeom prst="rect">
                   <a:avLst/>
                 </a:prstGeom>
-                <a:blipFill rotWithShape="0">
+                <a:blipFill>
                   <a:blip r:embed="rId6"/>
                   <a:stretch>
                     <a:fillRect b="-10000"/>
@@ -13806,6 +13609,151 @@
           </p:sp>
         </mc:Fallback>
       </mc:AlternateContent>
+      <mc:AlternateContent xmlns:mc="http://schemas.openxmlformats.org/markup-compatibility/2006">
+        <mc:Choice xmlns:a14="http://schemas.microsoft.com/office/drawing/2010/main" Requires="a14">
+          <p:sp>
+            <p:nvSpPr>
+              <p:cNvPr id="3" name="TextBox 2">
+                <a:extLst>
+                  <a:ext uri="{FF2B5EF4-FFF2-40B4-BE49-F238E27FC236}">
+                    <a16:creationId xmlns:a16="http://schemas.microsoft.com/office/drawing/2014/main" id="{46E30CCE-3E04-4B65-9C6B-82E19159703B}"/>
+                  </a:ext>
+                </a:extLst>
+              </p:cNvPr>
+              <p:cNvSpPr txBox="1"/>
+              <p:nvPr/>
+            </p:nvSpPr>
+            <p:spPr>
+              <a:xfrm>
+                <a:off x="2616064" y="3296490"/>
+                <a:ext cx="987258" cy="369332"/>
+              </a:xfrm>
+              <a:prstGeom prst="rect">
+                <a:avLst/>
+              </a:prstGeom>
+              <a:noFill/>
+            </p:spPr>
+            <p:txBody>
+              <a:bodyPr wrap="none" rtlCol="0">
+                <a:spAutoFit/>
+              </a:bodyPr>
+              <a:lstStyle/>
+              <a:p>
+                <a14:m>
+                  <m:oMathPara xmlns:m="http://schemas.openxmlformats.org/officeDocument/2006/math">
+                    <m:oMathParaPr>
+                      <m:jc m:val="centerGroup"/>
+                    </m:oMathParaPr>
+                    <m:oMath xmlns:m="http://schemas.openxmlformats.org/officeDocument/2006/math">
+                      <m:r>
+                        <a:rPr lang="en-US" b="0" i="1" smtClean="0">
+                          <a:solidFill>
+                            <a:schemeClr val="tx1"/>
+                          </a:solidFill>
+                          <a:latin typeface="Cambria Math" panose="02040503050406030204" pitchFamily="18" charset="0"/>
+                        </a:rPr>
+                        <m:t>𝑘</m:t>
+                      </m:r>
+                      <m:sSub>
+                        <m:sSubPr>
+                          <m:ctrlPr>
+                            <a:rPr lang="en-US" b="0" i="1" smtClean="0">
+                              <a:solidFill>
+                                <a:schemeClr val="tx1"/>
+                              </a:solidFill>
+                              <a:latin typeface="Cambria Math" panose="02040503050406030204" pitchFamily="18" charset="0"/>
+                            </a:rPr>
+                          </m:ctrlPr>
+                        </m:sSubPr>
+                        <m:e>
+                          <m:r>
+                            <a:rPr lang="en-US" b="0" i="1" smtClean="0">
+                              <a:solidFill>
+                                <a:schemeClr val="tx1"/>
+                              </a:solidFill>
+                              <a:latin typeface="Cambria Math" panose="02040503050406030204" pitchFamily="18" charset="0"/>
+                            </a:rPr>
+                            <m:t>←</m:t>
+                          </m:r>
+                        </m:e>
+                        <m:sub>
+                          <m:r>
+                            <a:rPr lang="en-US" b="0" i="1" smtClean="0">
+                              <a:solidFill>
+                                <a:schemeClr val="tx1"/>
+                              </a:solidFill>
+                              <a:latin typeface="Cambria Math" panose="02040503050406030204" pitchFamily="18" charset="0"/>
+                            </a:rPr>
+                            <m:t>𝑅</m:t>
+                          </m:r>
+                        </m:sub>
+                      </m:sSub>
+                      <m:r>
+                        <a:rPr lang="en-US" b="0" i="1" smtClean="0">
+                          <a:solidFill>
+                            <a:schemeClr val="tx1"/>
+                          </a:solidFill>
+                          <a:latin typeface="Cambria Math" panose="02040503050406030204" pitchFamily="18" charset="0"/>
+                        </a:rPr>
+                        <m:t>𝐾</m:t>
+                      </m:r>
+                    </m:oMath>
+                  </m:oMathPara>
+                </a14:m>
+                <a:endParaRPr lang="ru-RU" dirty="0">
+                  <a:solidFill>
+                    <a:schemeClr val="bg1"/>
+                  </a:solidFill>
+                </a:endParaRPr>
+              </a:p>
+            </p:txBody>
+          </p:sp>
+        </mc:Choice>
+        <mc:Fallback>
+          <p:sp>
+            <p:nvSpPr>
+              <p:cNvPr id="3" name="TextBox 2">
+                <a:extLst>
+                  <a:ext uri="{FF2B5EF4-FFF2-40B4-BE49-F238E27FC236}">
+                    <a16:creationId xmlns:a16="http://schemas.microsoft.com/office/drawing/2014/main" id="{46E30CCE-3E04-4B65-9C6B-82E19159703B}"/>
+                  </a:ext>
+                </a:extLst>
+              </p:cNvPr>
+              <p:cNvSpPr txBox="1">
+                <a:spLocks noRot="1" noChangeAspect="1" noMove="1" noResize="1" noEditPoints="1" noAdjustHandles="1" noChangeArrowheads="1" noChangeShapeType="1" noTextEdit="1"/>
+              </p:cNvSpPr>
+              <p:nvPr/>
+            </p:nvSpPr>
+            <p:spPr>
+              <a:xfrm>
+                <a:off x="2616064" y="3296490"/>
+                <a:ext cx="987258" cy="369332"/>
+              </a:xfrm>
+              <a:prstGeom prst="rect">
+                <a:avLst/>
+              </a:prstGeom>
+              <a:blipFill>
+                <a:blip r:embed="rId9"/>
+                <a:stretch>
+                  <a:fillRect/>
+                </a:stretch>
+              </a:blipFill>
+            </p:spPr>
+            <p:txBody>
+              <a:bodyPr/>
+              <a:lstStyle/>
+              <a:p>
+                <a:r>
+                  <a:rPr lang="ru-RU">
+                    <a:noFill/>
+                  </a:rPr>
+                  <a:t> </a:t>
+                </a:r>
+              </a:p>
+            </p:txBody>
+          </p:sp>
+        </mc:Fallback>
+      </mc:AlternateContent>
     </p:spTree>
     <p:extLst>
       <p:ext uri="{BB962C8B-B14F-4D97-AF65-F5344CB8AC3E}">
@@ -13816,13 +13764,6 @@
   <p:clrMapOvr>
     <a:masterClrMapping/>
   </p:clrMapOvr>
-  <p:timing>
-    <p:tnLst>
-      <p:par>
-        <p:cTn id="1" dur="indefinite" restart="never" nodeType="tmRoot"/>
-      </p:par>
-    </p:tnLst>
-  </p:timing>
 </p:sld>
 </file>
 
@@ -13859,14 +13800,13 @@
           <a:lstStyle/>
           <a:p>
             <a:r>
-              <a:rPr lang="en-US" dirty="0" smtClean="0"/>
+              <a:rPr lang="en-US" dirty="0"/>
               <a:t>CCA</a:t>
             </a:r>
             <a:r>
-              <a:rPr lang="ru-RU" dirty="0" smtClean="0"/>
+              <a:rPr lang="ru-RU" dirty="0"/>
               <a:t> стойкость</a:t>
             </a:r>
-            <a:endParaRPr lang="ru-RU" dirty="0"/>
           </a:p>
         </p:txBody>
       </p:sp>
@@ -13893,7 +13833,7 @@
                   <a:buNone/>
                 </a:pPr>
                 <a:r>
-                  <a:rPr lang="ru-RU" dirty="0" smtClean="0"/>
+                  <a:rPr lang="ru-RU" dirty="0"/>
                   <a:t>Пусть </a:t>
                 </a:r>
                 <a14:m>
@@ -13926,11 +13866,11 @@
                   </m:oMath>
                 </a14:m>
                 <a:r>
-                  <a:rPr lang="en-US" dirty="0" smtClean="0"/>
+                  <a:rPr lang="en-US" dirty="0"/>
                   <a:t> - </a:t>
                 </a:r>
                 <a:r>
-                  <a:rPr lang="ru-RU" dirty="0" smtClean="0"/>
+                  <a:rPr lang="ru-RU" dirty="0"/>
                   <a:t>событие того что </a:t>
                 </a:r>
                 <a14:m>
@@ -13969,11 +13909,11 @@
                   </m:oMath>
                 </a14:m>
                 <a:r>
-                  <a:rPr lang="en-US" dirty="0" smtClean="0"/>
+                  <a:rPr lang="en-US" dirty="0"/>
                   <a:t> </a:t>
                 </a:r>
                 <a:r>
-                  <a:rPr lang="ru-RU" dirty="0" smtClean="0"/>
+                  <a:rPr lang="ru-RU" dirty="0"/>
                   <a:t>в игре </a:t>
                 </a:r>
                 <a14:m>
@@ -13987,10 +13927,10 @@
                   </m:oMath>
                 </a14:m>
                 <a:r>
-                  <a:rPr lang="ru-RU" dirty="0" smtClean="0"/>
+                  <a:rPr lang="ru-RU" dirty="0"/>
                   <a:t>.</a:t>
                 </a:r>
-                <a:endParaRPr lang="en-US" dirty="0" smtClean="0"/>
+                <a:endParaRPr lang="en-US" dirty="0"/>
               </a:p>
               <a:p>
                 <a:pPr marL="0" indent="0">
@@ -14003,7 +13943,7 @@
                   <a:buNone/>
                 </a:pPr>
                 <a:r>
-                  <a:rPr lang="ru-RU" dirty="0" smtClean="0"/>
+                  <a:rPr lang="ru-RU" dirty="0"/>
                   <a:t>Введём преимущество </a:t>
                 </a:r>
                 <a14:m>
@@ -14193,7 +14133,7 @@
                     </m:r>
                   </m:oMath>
                 </a14:m>
-                <a:endParaRPr lang="ru-RU" dirty="0" smtClean="0"/>
+                <a:endParaRPr lang="ru-RU" dirty="0"/>
               </a:p>
               <a:p>
                 <a:pPr marL="0" indent="0">
@@ -14206,7 +14146,7 @@
                   <a:buNone/>
                 </a:pPr>
                 <a:r>
-                  <a:rPr lang="ru-RU" dirty="0" smtClean="0"/>
+                  <a:rPr lang="ru-RU" dirty="0"/>
                   <a:t>Шифр </a:t>
                 </a:r>
                 <a14:m>
@@ -14223,40 +14163,28 @@
                   </m:oMath>
                 </a14:m>
                 <a:r>
-                  <a:rPr lang="ru-RU" dirty="0" smtClean="0"/>
+                  <a:rPr lang="ru-RU" dirty="0"/>
                   <a:t> называется </a:t>
                 </a:r>
                 <a:r>
-                  <a:rPr lang="ru-RU" b="1" dirty="0" smtClean="0"/>
+                  <a:rPr lang="ru-RU" b="1" dirty="0"/>
                   <a:t>стойким </a:t>
                 </a:r>
                 <a:r>
-                  <a:rPr lang="en-US" b="1" dirty="0" smtClean="0"/>
+                  <a:rPr lang="en-US" b="1" dirty="0"/>
                   <a:t>CCA </a:t>
                 </a:r>
                 <a:r>
-                  <a:rPr lang="ru-RU" b="1" dirty="0" smtClean="0"/>
+                  <a:rPr lang="ru-RU" b="1" dirty="0"/>
                   <a:t>шифром</a:t>
                 </a:r>
                 <a:r>
-                  <a:rPr lang="en-US" b="1" dirty="0" smtClean="0"/>
+                  <a:rPr lang="en-US" b="1" dirty="0"/>
                   <a:t> </a:t>
                 </a:r>
                 <a:r>
-                  <a:rPr lang="en-US" dirty="0" smtClean="0"/>
+                  <a:rPr lang="en-US" dirty="0"/>
                   <a:t>(</a:t>
-                </a:r>
-                <a:r>
-                  <a:rPr lang="ru-RU" dirty="0" smtClean="0"/>
-                  <a:t>стойким к атаке по выбранным </a:t>
-                </a:r>
-                <a:r>
-                  <a:rPr lang="ru-RU" dirty="0" err="1" smtClean="0"/>
-                  <a:t>шифртекстам</a:t>
-                </a:r>
-                <a:r>
-                  <a:rPr lang="ru-RU" dirty="0" smtClean="0"/>
-                  <a:t>, </a:t>
                 </a:r>
                 <a:r>
                   <a:rPr lang="ru-RU" dirty="0"/>
@@ -14267,20 +14195,16 @@
                   <a:t>шифртекстам</a:t>
                 </a:r>
                 <a:r>
-                  <a:rPr lang="ru-RU" dirty="0" smtClean="0"/>
-                  <a:t> и соответствующим </a:t>
+                  <a:rPr lang="ru-RU" dirty="0"/>
+                  <a:t>, стойким к атаке по выбранным </a:t>
+                </a:r>
+                <a:r>
+                  <a:rPr lang="ru-RU" dirty="0" err="1"/>
+                  <a:t>шифртекстам</a:t>
                 </a:r>
                 <a:r>
                   <a:rPr lang="ru-RU" dirty="0"/>
-                  <a:t>им </a:t>
-                </a:r>
-                <a:r>
-                  <a:rPr lang="ru-RU" dirty="0" smtClean="0"/>
-                  <a:t>открытым </a:t>
-                </a:r>
-                <a:r>
-                  <a:rPr lang="ru-RU" dirty="0"/>
-                  <a:t>текстам, </a:t>
+                  <a:t> и соответствующим им открытым текстам, </a:t>
                 </a:r>
                 <a:r>
                   <a:rPr lang="en-US" dirty="0"/>
@@ -14292,14 +14216,10 @@
                 </a:r>
                 <a:r>
                   <a:rPr lang="en-US" dirty="0"/>
-                  <a:t> Attack</a:t>
+                  <a:t> Attack)</a:t>
                 </a:r>
                 <a:r>
-                  <a:rPr lang="en-US" dirty="0" smtClean="0"/>
-                  <a:t>)</a:t>
-                </a:r>
-                <a:r>
-                  <a:rPr lang="ru-RU" dirty="0" smtClean="0"/>
+                  <a:rPr lang="ru-RU" dirty="0"/>
                   <a:t> если </a:t>
                 </a:r>
                 <a14:m>
@@ -14402,11 +14322,11 @@
                   </m:oMath>
                 </a14:m>
                 <a:r>
-                  <a:rPr lang="en-US" dirty="0" smtClean="0"/>
+                  <a:rPr lang="en-US" dirty="0"/>
                   <a:t>, </a:t>
                 </a:r>
                 <a:r>
-                  <a:rPr lang="ru-RU" dirty="0" smtClean="0"/>
+                  <a:rPr lang="ru-RU" dirty="0"/>
                   <a:t>где </a:t>
                 </a:r>
                 <a14:m>
@@ -14420,10 +14340,10 @@
                   </m:oMath>
                 </a14:m>
                 <a:r>
-                  <a:rPr lang="ru-RU" dirty="0" smtClean="0"/>
+                  <a:rPr lang="ru-RU" dirty="0"/>
                   <a:t> – пренебрежимо малая величина</a:t>
                 </a:r>
-                <a:endParaRPr lang="en-US" dirty="0" smtClean="0"/>
+                <a:endParaRPr lang="en-US" dirty="0"/>
               </a:p>
               <a:p>
                 <a:pPr marL="0" indent="0">
@@ -14436,18 +14356,17 @@
                   <a:buNone/>
                 </a:pPr>
                 <a:r>
-                  <a:rPr lang="ru-RU" dirty="0" smtClean="0"/>
+                  <a:rPr lang="ru-RU" dirty="0"/>
                   <a:t>Более сильное определение, чем </a:t>
                 </a:r>
                 <a:r>
-                  <a:rPr lang="en-US" dirty="0" smtClean="0"/>
+                  <a:rPr lang="en-US" dirty="0"/>
                   <a:t>CPA </a:t>
                 </a:r>
                 <a:r>
-                  <a:rPr lang="ru-RU" dirty="0" smtClean="0"/>
+                  <a:rPr lang="ru-RU" dirty="0"/>
                   <a:t>стойкость</a:t>
                 </a:r>
-                <a:endParaRPr lang="ru-RU" dirty="0"/>
               </a:p>
               <a:p>
                 <a:pPr marL="0" indent="0">
@@ -14525,13 +14444,6 @@
   <p:clrMapOvr>
     <a:masterClrMapping/>
   </p:clrMapOvr>
-  <p:timing>
-    <p:tnLst>
-      <p:par>
-        <p:cTn id="1" dur="indefinite" restart="never" nodeType="tmRoot"/>
-      </p:par>
-    </p:tnLst>
-  </p:timing>
 </p:sld>
 </file>
 
@@ -14606,18 +14518,17 @@
           <a:lstStyle/>
           <a:p>
             <a:r>
-              <a:rPr lang="ru-RU" dirty="0" smtClean="0"/>
+              <a:rPr lang="ru-RU" dirty="0"/>
               <a:t>Аутентифицированное шифрование и </a:t>
             </a:r>
             <a:r>
-              <a:rPr lang="en-US" dirty="0" smtClean="0"/>
+              <a:rPr lang="en-US" dirty="0"/>
               <a:t>CCA </a:t>
             </a:r>
             <a:r>
-              <a:rPr lang="ru-RU" dirty="0" smtClean="0"/>
+              <a:rPr lang="ru-RU" dirty="0"/>
               <a:t>стойкость</a:t>
             </a:r>
-            <a:endParaRPr lang="ru-RU" dirty="0"/>
           </a:p>
         </p:txBody>
       </p:sp>
@@ -14642,11 +14553,11 @@
                   <a:buNone/>
                 </a:pPr>
                 <a:r>
-                  <a:rPr lang="ru-RU" b="1" dirty="0" smtClean="0"/>
+                  <a:rPr lang="ru-RU" b="1" dirty="0"/>
                   <a:t>Теорема 12.1. </a:t>
                 </a:r>
                 <a:r>
-                  <a:rPr lang="ru-RU" dirty="0" smtClean="0"/>
+                  <a:rPr lang="ru-RU" dirty="0"/>
                   <a:t>Пусть </a:t>
                 </a:r>
                 <a14:m>
@@ -14693,27 +14604,27 @@
                   </m:oMath>
                 </a14:m>
                 <a:r>
-                  <a:rPr lang="en-US" dirty="0" smtClean="0"/>
+                  <a:rPr lang="en-US" dirty="0"/>
                   <a:t> – </a:t>
                 </a:r>
                 <a:r>
-                  <a:rPr lang="ru-RU" dirty="0" smtClean="0"/>
+                  <a:rPr lang="ru-RU" dirty="0"/>
                   <a:t>шифр. Если он </a:t>
                 </a:r>
                 <a:r>
-                  <a:rPr lang="en-US" dirty="0" smtClean="0"/>
+                  <a:rPr lang="en-US" dirty="0"/>
                   <a:t>AE </a:t>
                 </a:r>
                 <a:r>
-                  <a:rPr lang="ru-RU" dirty="0" smtClean="0"/>
+                  <a:rPr lang="ru-RU" dirty="0"/>
                   <a:t>стойкий, то он </a:t>
                 </a:r>
                 <a:r>
-                  <a:rPr lang="en-US" dirty="0" smtClean="0"/>
+                  <a:rPr lang="en-US" dirty="0"/>
                   <a:t>CCA </a:t>
                 </a:r>
                 <a:r>
-                  <a:rPr lang="ru-RU" dirty="0" smtClean="0"/>
+                  <a:rPr lang="ru-RU" dirty="0"/>
                   <a:t>стойкий, причём</a:t>
                 </a:r>
               </a:p>
@@ -14738,19 +14649,19 @@
                   </m:oMath>
                 </a14:m>
                 <a:r>
-                  <a:rPr lang="en-US" dirty="0" smtClean="0"/>
+                  <a:rPr lang="en-US" dirty="0"/>
                   <a:t> </a:t>
                 </a:r>
                 <a:r>
-                  <a:rPr lang="ru-RU" dirty="0" smtClean="0"/>
+                  <a:rPr lang="ru-RU" dirty="0"/>
                   <a:t>в игре на </a:t>
                 </a:r>
                 <a:r>
-                  <a:rPr lang="en-US" dirty="0" smtClean="0"/>
+                  <a:rPr lang="en-US" dirty="0"/>
                   <a:t>CCA</a:t>
                 </a:r>
                 <a:r>
-                  <a:rPr lang="ru-RU" dirty="0" smtClean="0"/>
+                  <a:rPr lang="ru-RU" dirty="0"/>
                   <a:t> против </a:t>
                 </a:r>
                 <a14:m>
@@ -14767,7 +14678,7 @@
                   </m:oMath>
                 </a14:m>
                 <a:r>
-                  <a:rPr lang="ru-RU" dirty="0" smtClean="0"/>
+                  <a:rPr lang="ru-RU" dirty="0"/>
                   <a:t>, делающего не более </a:t>
                 </a:r>
                 <a14:m>
@@ -14800,11 +14711,11 @@
                   </m:oMath>
                 </a14:m>
                 <a:r>
-                  <a:rPr lang="en-US" dirty="0" smtClean="0"/>
+                  <a:rPr lang="en-US" dirty="0"/>
                   <a:t> </a:t>
                 </a:r>
                 <a:r>
-                  <a:rPr lang="ru-RU" dirty="0" smtClean="0"/>
+                  <a:rPr lang="ru-RU" dirty="0"/>
                   <a:t>запросов на шифрование и не более </a:t>
                 </a:r>
                 <a14:m>
@@ -14837,19 +14748,19 @@
                   </m:oMath>
                 </a14:m>
                 <a:r>
-                  <a:rPr lang="en-US" dirty="0" smtClean="0"/>
+                  <a:rPr lang="en-US" dirty="0"/>
                   <a:t> </a:t>
                 </a:r>
                 <a:r>
-                  <a:rPr lang="ru-RU" dirty="0" smtClean="0"/>
+                  <a:rPr lang="ru-RU" dirty="0"/>
                   <a:t>запросов на </a:t>
                 </a:r>
                 <a:r>
-                  <a:rPr lang="ru-RU" dirty="0" err="1" smtClean="0"/>
+                  <a:rPr lang="ru-RU" dirty="0" err="1"/>
                   <a:t>расшифрование</a:t>
                 </a:r>
                 <a:r>
-                  <a:rPr lang="ru-RU" dirty="0" smtClean="0"/>
+                  <a:rPr lang="ru-RU" dirty="0"/>
                   <a:t> существует противник </a:t>
                 </a:r>
                 <a14:m>
@@ -14882,7 +14793,7 @@
                   </m:oMath>
                 </a14:m>
                 <a:r>
-                  <a:rPr lang="ru-RU" dirty="0" smtClean="0"/>
+                  <a:rPr lang="ru-RU" dirty="0"/>
                   <a:t> в игре на </a:t>
                 </a:r>
                 <a14:m>
@@ -14896,11 +14807,11 @@
                   </m:oMath>
                 </a14:m>
                 <a:r>
-                  <a:rPr lang="en-US" dirty="0" smtClean="0"/>
+                  <a:rPr lang="en-US" dirty="0"/>
                   <a:t> </a:t>
                 </a:r>
                 <a:r>
-                  <a:rPr lang="ru-RU" dirty="0" smtClean="0"/>
+                  <a:rPr lang="ru-RU" dirty="0"/>
                   <a:t>и </a:t>
                 </a:r>
                 <a14:m>
@@ -14933,19 +14844,19 @@
                   </m:oMath>
                 </a14:m>
                 <a:r>
-                  <a:rPr lang="en-US" dirty="0" smtClean="0"/>
+                  <a:rPr lang="en-US" dirty="0"/>
                   <a:t> </a:t>
                 </a:r>
                 <a:r>
-                  <a:rPr lang="ru-RU" dirty="0" smtClean="0"/>
+                  <a:rPr lang="ru-RU" dirty="0"/>
                   <a:t>в игре на целостность </a:t>
                 </a:r>
                 <a:r>
-                  <a:rPr lang="ru-RU" dirty="0" err="1" smtClean="0"/>
+                  <a:rPr lang="ru-RU" dirty="0" err="1"/>
                   <a:t>шифртекстов</a:t>
                 </a:r>
                 <a:r>
-                  <a:rPr lang="ru-RU" dirty="0" smtClean="0"/>
+                  <a:rPr lang="ru-RU" dirty="0"/>
                   <a:t>, делающих не более </a:t>
                 </a:r>
                 <a14:m>
@@ -14978,11 +14889,11 @@
                   </m:oMath>
                 </a14:m>
                 <a:r>
-                  <a:rPr lang="ru-RU" dirty="0" smtClean="0"/>
+                  <a:rPr lang="ru-RU" dirty="0"/>
                   <a:t> запросов</a:t>
                 </a:r>
                 <a:r>
-                  <a:rPr lang="en-US" dirty="0" smtClean="0"/>
+                  <a:rPr lang="en-US" dirty="0"/>
                   <a:t>:</a:t>
                 </a:r>
               </a:p>
@@ -15268,7 +15179,7 @@
                     </m:oMath>
                   </m:oMathPara>
                 </a14:m>
-                <a:endParaRPr lang="ru-RU" b="0" dirty="0" smtClean="0"/>
+                <a:endParaRPr lang="ru-RU" b="0" dirty="0"/>
               </a:p>
               <a:p>
                 <a:pPr marL="0" indent="0">
@@ -15296,7 +15207,7 @@
                   <a:t> </a:t>
                 </a:r>
                 <a:r>
-                  <a:rPr lang="ru-RU" dirty="0" smtClean="0"/>
+                  <a:rPr lang="ru-RU" dirty="0"/>
                   <a:t>б</a:t>
                 </a:r>
                 <a14:m>
@@ -15323,13 +15234,13 @@
                 <a:pPr marL="0" indent="0">
                   <a:buNone/>
                 </a:pPr>
-                <a:endParaRPr lang="en-US" b="0" dirty="0" smtClean="0"/>
+                <a:endParaRPr lang="en-US" b="0" dirty="0"/>
               </a:p>
               <a:p>
                 <a:pPr marL="0" indent="0">
                   <a:buNone/>
                 </a:pPr>
-                <a:endParaRPr lang="en-US" b="0" dirty="0" smtClean="0"/>
+                <a:endParaRPr lang="en-US" b="0" dirty="0"/>
               </a:p>
             </p:txBody>
           </p:sp>
@@ -15401,13 +15312,6 @@
   <p:clrMapOvr>
     <a:masterClrMapping/>
   </p:clrMapOvr>
-  <p:timing>
-    <p:tnLst>
-      <p:par>
-        <p:cTn id="1" dur="indefinite" restart="never" nodeType="tmRoot"/>
-      </p:par>
-    </p:tnLst>
-  </p:timing>
 </p:sld>
 </file>
 
@@ -15449,10 +15353,9 @@
           <a:lstStyle/>
           <a:p>
             <a:r>
-              <a:rPr lang="en-US" dirty="0" smtClean="0"/>
+              <a:rPr lang="en-US" dirty="0"/>
               <a:t>Proof by pictures</a:t>
             </a:r>
-            <a:endParaRPr lang="en-US" dirty="0"/>
           </a:p>
         </p:txBody>
       </p:sp>
@@ -18160,14 +18063,10 @@
                 </a:pPr>
                 <a:r>
                   <a:rPr lang="ru-RU" b="1" dirty="0"/>
-                  <a:t>Теорема </a:t>
+                  <a:t>Теорема 12.2. </a:t>
                 </a:r>
                 <a:r>
-                  <a:rPr lang="ru-RU" b="1" dirty="0" smtClean="0"/>
-                  <a:t>12.2. </a:t>
-                </a:r>
-                <a:r>
-                  <a:rPr lang="ru-RU" dirty="0" smtClean="0"/>
+                  <a:rPr lang="ru-RU" dirty="0"/>
                   <a:t>Пусть </a:t>
                 </a:r>
                 <a14:m>
@@ -18219,42 +18118,30 @@
                 </a:r>
                 <a:r>
                   <a:rPr lang="ru-RU" dirty="0"/>
-                  <a:t>шифр. Если </a:t>
-                </a:r>
-                <a:r>
-                  <a:rPr lang="ru-RU" dirty="0" smtClean="0"/>
-                  <a:t>он </a:t>
+                  <a:t>шифр. Если он </a:t>
                 </a:r>
                 <a:r>
                   <a:rPr lang="en-US" dirty="0"/>
                   <a:t>CCA</a:t>
                 </a:r>
                 <a:r>
-                  <a:rPr lang="ru-RU" dirty="0" smtClean="0"/>
+                  <a:rPr lang="ru-RU" dirty="0"/>
                   <a:t> стойкий </a:t>
                 </a:r>
                 <a:r>
-                  <a:rPr lang="ru-RU" b="1" dirty="0" smtClean="0"/>
+                  <a:rPr lang="ru-RU" b="1" dirty="0"/>
                   <a:t>и обеспечивает целостность открытых текстов</a:t>
                 </a:r>
                 <a:r>
-                  <a:rPr lang="ru-RU" dirty="0" smtClean="0"/>
-                  <a:t>, </a:t>
+                  <a:rPr lang="ru-RU" dirty="0"/>
+                  <a:t>, то он </a:t>
+                </a:r>
+                <a:r>
+                  <a:rPr lang="en-US" dirty="0"/>
+                  <a:t>AE</a:t>
                 </a:r>
                 <a:r>
                   <a:rPr lang="ru-RU" dirty="0"/>
-                  <a:t>то </a:t>
-                </a:r>
-                <a:r>
-                  <a:rPr lang="ru-RU" dirty="0" smtClean="0"/>
-                  <a:t>он </a:t>
-                </a:r>
-                <a:r>
-                  <a:rPr lang="en-US" dirty="0" smtClean="0"/>
-                  <a:t>AE</a:t>
-                </a:r>
-                <a:r>
-                  <a:rPr lang="ru-RU" dirty="0" smtClean="0"/>
                   <a:t> стойкий</a:t>
                 </a:r>
               </a:p>
@@ -18262,7 +18149,7 @@
                 <a:pPr marL="0" indent="0">
                   <a:buNone/>
                 </a:pPr>
-                <a:endParaRPr lang="en-US" dirty="0" smtClean="0"/>
+                <a:endParaRPr lang="en-US" dirty="0"/>
               </a:p>
               <a:p>
                 <a:pPr marL="0" indent="0">
@@ -18317,70 +18204,70 @@
                 <a:pPr marL="0" indent="0">
                   <a:buNone/>
                 </a:pPr>
-                <a:endParaRPr lang="ru-RU" dirty="0" smtClean="0"/>
+                <a:endParaRPr lang="ru-RU" dirty="0"/>
               </a:p>
               <a:p>
                 <a:pPr marL="0" indent="0">
                   <a:buNone/>
                 </a:pPr>
                 <a:r>
-                  <a:rPr lang="ru-RU" dirty="0" smtClean="0"/>
+                  <a:rPr lang="ru-RU" dirty="0"/>
                   <a:t>Т.е. </a:t>
                 </a:r>
                 <a:r>
-                  <a:rPr lang="en-US" dirty="0" smtClean="0"/>
+                  <a:rPr lang="en-US" dirty="0"/>
                   <a:t>AE </a:t>
                 </a:r>
                 <a:r>
-                  <a:rPr lang="ru-RU" dirty="0" smtClean="0"/>
+                  <a:rPr lang="ru-RU" dirty="0"/>
                   <a:t>стойкость </a:t>
                 </a:r>
                 <a:r>
-                  <a:rPr lang="en-US" dirty="0" smtClean="0"/>
+                  <a:rPr lang="en-US" dirty="0"/>
                   <a:t>&lt;</a:t>
                 </a:r>
                 <a:r>
-                  <a:rPr lang="ru-RU" dirty="0" smtClean="0"/>
+                  <a:rPr lang="ru-RU" dirty="0"/>
                   <a:t>=</a:t>
                 </a:r>
                 <a:r>
-                  <a:rPr lang="en-US" dirty="0" smtClean="0"/>
+                  <a:rPr lang="en-US" dirty="0"/>
                   <a:t>&gt; CPA +</a:t>
                 </a:r>
                 <a:r>
-                  <a:rPr lang="ru-RU" dirty="0" smtClean="0"/>
+                  <a:rPr lang="ru-RU" dirty="0"/>
                   <a:t> </a:t>
                 </a:r>
                 <a:r>
-                  <a:rPr lang="en-US" dirty="0" smtClean="0"/>
+                  <a:rPr lang="en-US" dirty="0"/>
                   <a:t>CI (</a:t>
                 </a:r>
                 <a:r>
-                  <a:rPr lang="ru-RU" dirty="0" smtClean="0"/>
+                  <a:rPr lang="ru-RU" dirty="0"/>
                   <a:t>целостность</a:t>
                 </a:r>
                 <a:r>
-                  <a:rPr lang="en-US" dirty="0" smtClean="0"/>
+                  <a:rPr lang="en-US" dirty="0"/>
                   <a:t> </a:t>
                 </a:r>
                 <a:r>
-                  <a:rPr lang="en-US" b="1" dirty="0" smtClean="0"/>
+                  <a:rPr lang="en-US" b="1" dirty="0"/>
                   <a:t>CT</a:t>
                 </a:r>
                 <a:r>
-                  <a:rPr lang="en-US" dirty="0" smtClean="0"/>
+                  <a:rPr lang="en-US" dirty="0"/>
                   <a:t>) =&gt;</a:t>
                 </a:r>
                 <a:r>
-                  <a:rPr lang="ru-RU" dirty="0" smtClean="0"/>
+                  <a:rPr lang="ru-RU" dirty="0"/>
                   <a:t> </a:t>
                 </a:r>
                 <a:r>
-                  <a:rPr lang="en-US" dirty="0" smtClean="0"/>
+                  <a:rPr lang="en-US" dirty="0"/>
                   <a:t>CCA </a:t>
                 </a:r>
                 <a:r>
-                  <a:rPr lang="ru-RU" dirty="0" smtClean="0"/>
+                  <a:rPr lang="ru-RU" dirty="0"/>
                   <a:t>стойкость</a:t>
                 </a:r>
               </a:p>
@@ -18389,39 +18276,35 @@
                   <a:buNone/>
                 </a:pPr>
                 <a:r>
-                  <a:rPr lang="en-US" dirty="0" smtClean="0"/>
+                  <a:rPr lang="en-US" dirty="0"/>
                   <a:t>CCA </a:t>
                 </a:r>
                 <a:r>
-                  <a:rPr lang="ru-RU" dirty="0" smtClean="0"/>
-                  <a:t>стойкость </a:t>
+                  <a:rPr lang="ru-RU" dirty="0"/>
+                  <a:t>стойкость + </a:t>
+                </a:r>
+                <a:r>
+                  <a:rPr lang="en-US" dirty="0"/>
+                  <a:t> PI (</a:t>
                 </a:r>
                 <a:r>
                   <a:rPr lang="ru-RU" dirty="0"/>
-                  <a:t>+ </a:t>
-                </a:r>
-                <a:r>
-                  <a:rPr lang="en-US" dirty="0" smtClean="0"/>
-                  <a:t> PI (</a:t>
-                </a:r>
-                <a:r>
-                  <a:rPr lang="ru-RU" dirty="0" smtClean="0"/>
                   <a:t>целостность</a:t>
                 </a:r>
                 <a:r>
-                  <a:rPr lang="en-US" dirty="0" smtClean="0"/>
+                  <a:rPr lang="en-US" dirty="0"/>
                   <a:t> </a:t>
                 </a:r>
                 <a:r>
-                  <a:rPr lang="en-US" b="1" dirty="0" smtClean="0"/>
+                  <a:rPr lang="en-US" b="1" dirty="0"/>
                   <a:t>PT</a:t>
                 </a:r>
                 <a:r>
-                  <a:rPr lang="en-US" dirty="0" smtClean="0"/>
+                  <a:rPr lang="en-US" dirty="0"/>
                   <a:t>) =&gt; AE </a:t>
                 </a:r>
                 <a:r>
-                  <a:rPr lang="ru-RU" dirty="0" smtClean="0"/>
+                  <a:rPr lang="ru-RU" dirty="0"/>
                   <a:t>стойкость</a:t>
                 </a:r>
               </a:p>
@@ -18430,32 +18313,32 @@
                   <a:buNone/>
                 </a:pPr>
                 <a:r>
-                  <a:rPr lang="en-US" dirty="0" smtClean="0"/>
+                  <a:rPr lang="en-US" dirty="0"/>
                   <a:t>CCA </a:t>
                 </a:r>
                 <a:r>
-                  <a:rPr lang="ru-RU" dirty="0" smtClean="0"/>
+                  <a:rPr lang="ru-RU" dirty="0"/>
                   <a:t>стойкость =</a:t>
                 </a:r>
                 <a:r>
-                  <a:rPr lang="en-US" dirty="0" smtClean="0"/>
+                  <a:rPr lang="en-US" dirty="0"/>
                   <a:t>&gt; CPA </a:t>
                 </a:r>
                 <a:r>
-                  <a:rPr lang="ru-RU" dirty="0" smtClean="0"/>
+                  <a:rPr lang="ru-RU" dirty="0"/>
                   <a:t>стойкость</a:t>
                 </a:r>
-                <a:endParaRPr lang="en-US" dirty="0" smtClean="0"/>
+                <a:endParaRPr lang="en-US" dirty="0"/>
               </a:p>
               <a:p>
                 <a:pPr marL="0" indent="0">
                   <a:buNone/>
                 </a:pPr>
                 <a:r>
-                  <a:rPr lang="en-US" dirty="0" smtClean="0"/>
+                  <a:rPr lang="en-US" dirty="0"/>
                   <a:t>CI =&gt; PI</a:t>
                 </a:r>
-                <a:endParaRPr lang="ru-RU" dirty="0" smtClean="0"/>
+                <a:endParaRPr lang="ru-RU" dirty="0"/>
               </a:p>
               <a:p>
                 <a:pPr marL="0" indent="0">
@@ -18537,13 +18420,6 @@
   <p:clrMapOvr>
     <a:masterClrMapping/>
   </p:clrMapOvr>
-  <p:timing>
-    <p:tnLst>
-      <p:par>
-        <p:cTn id="1" dur="indefinite" restart="never" nodeType="tmRoot"/>
-      </p:par>
-    </p:tnLst>
-  </p:timing>
 </p:sld>
 </file>
 
@@ -18580,10 +18456,9 @@
           <a:lstStyle/>
           <a:p>
             <a:r>
-              <a:rPr lang="ru-RU" dirty="0" smtClean="0"/>
+              <a:rPr lang="ru-RU" dirty="0"/>
               <a:t>Аутентифицированное шифрование</a:t>
             </a:r>
-            <a:endParaRPr lang="ru-RU" dirty="0"/>
           </a:p>
         </p:txBody>
       </p:sp>
@@ -18603,65 +18478,64 @@
           <a:lstStyle/>
           <a:p>
             <a:r>
-              <a:rPr lang="ru-RU" dirty="0" smtClean="0"/>
+              <a:rPr lang="ru-RU" dirty="0"/>
               <a:t>Использует модель </a:t>
             </a:r>
             <a:r>
-              <a:rPr lang="en-US" dirty="0" smtClean="0"/>
+              <a:rPr lang="en-US" dirty="0"/>
               <a:t>CPA + CI</a:t>
             </a:r>
-            <a:endParaRPr lang="ru-RU" dirty="0" smtClean="0"/>
-          </a:p>
-          <a:p>
-            <a:r>
-              <a:rPr lang="ru-RU" dirty="0" smtClean="0"/>
+            <a:endParaRPr lang="ru-RU" dirty="0"/>
+          </a:p>
+          <a:p>
+            <a:r>
+              <a:rPr lang="ru-RU" dirty="0"/>
               <a:t>Обеспечивает целостность сообщений и </a:t>
             </a:r>
             <a:r>
-              <a:rPr lang="ru-RU" dirty="0" err="1" smtClean="0"/>
+              <a:rPr lang="ru-RU" dirty="0" err="1"/>
               <a:t>шифртекстов</a:t>
             </a:r>
-            <a:endParaRPr lang="ru-RU" dirty="0" smtClean="0"/>
-          </a:p>
-          <a:p>
-            <a:r>
-              <a:rPr lang="ru-RU" dirty="0" smtClean="0"/>
+            <a:endParaRPr lang="ru-RU" dirty="0"/>
+          </a:p>
+          <a:p>
+            <a:r>
+              <a:rPr lang="ru-RU" dirty="0"/>
               <a:t>Обеспечивает конфиденциальность</a:t>
             </a:r>
           </a:p>
           <a:p>
             <a:r>
-              <a:rPr lang="ru-RU" dirty="0" smtClean="0"/>
+              <a:rPr lang="ru-RU" dirty="0"/>
               <a:t>Защита от активных противников</a:t>
             </a:r>
           </a:p>
           <a:p>
             <a:r>
-              <a:rPr lang="ru-RU" dirty="0" smtClean="0"/>
+              <a:rPr lang="ru-RU" dirty="0"/>
               <a:t>В общем случае не защищает от атак повтором (повторная пересылка пакетов)</a:t>
             </a:r>
           </a:p>
           <a:p>
             <a:pPr lvl="1"/>
             <a:r>
-              <a:rPr lang="ru-RU" dirty="0" smtClean="0"/>
+              <a:rPr lang="ru-RU" dirty="0"/>
               <a:t>Можно решить введя специальный формат сообщений, включающих счётчики или идентификаторы</a:t>
             </a:r>
-            <a:endParaRPr lang="en-US" dirty="0" smtClean="0"/>
+            <a:endParaRPr lang="en-US" dirty="0"/>
           </a:p>
           <a:p>
             <a:pPr lvl="1"/>
             <a:r>
-              <a:rPr lang="ru-RU" dirty="0" smtClean="0"/>
+              <a:rPr lang="ru-RU" dirty="0"/>
               <a:t>Вообще говоря это задача протоколов, а не конструкций (примитивов)</a:t>
             </a:r>
           </a:p>
           <a:p>
             <a:r>
-              <a:rPr lang="ru-RU" dirty="0" smtClean="0"/>
+              <a:rPr lang="ru-RU" dirty="0"/>
               <a:t>Возможны атаки по побочным каналам (например, атаки по времени)</a:t>
             </a:r>
-            <a:endParaRPr lang="ru-RU" dirty="0"/>
           </a:p>
         </p:txBody>
       </p:sp>
@@ -18698,13 +18572,6 @@
   <p:clrMapOvr>
     <a:masterClrMapping/>
   </p:clrMapOvr>
-  <p:timing>
-    <p:tnLst>
-      <p:par>
-        <p:cTn id="1" dur="indefinite" restart="never" nodeType="tmRoot"/>
-      </p:par>
-    </p:tnLst>
-  </p:timing>
 </p:sld>
 </file>
 
@@ -18785,7 +18652,7 @@
           <a:p>
             <a:pPr algn="ctr" eaLnBrk="1" hangingPunct="1"/>
             <a:r>
-              <a:rPr lang="en-US" dirty="0" smtClean="0"/>
+              <a:rPr lang="en-US" dirty="0"/>
               <a:t>Combining MAC and ENC</a:t>
             </a:r>
           </a:p>
@@ -20294,10 +20161,9 @@
           <a:lstStyle/>
           <a:p>
             <a:r>
-              <a:rPr lang="ru-RU" dirty="0" smtClean="0"/>
+              <a:rPr lang="ru-RU" dirty="0"/>
               <a:t>Тест.</a:t>
             </a:r>
-            <a:endParaRPr lang="ru-RU" dirty="0"/>
           </a:p>
         </p:txBody>
       </p:sp>
@@ -20485,10 +20351,9 @@
           <a:lstStyle/>
           <a:p>
             <a:r>
-              <a:rPr lang="ru-RU" sz="2800" dirty="0" smtClean="0"/>
+              <a:rPr lang="ru-RU" sz="2800" dirty="0"/>
               <a:t>4 модели криптографических хэш-функций. Их взаимосвязь.</a:t>
             </a:r>
-            <a:endParaRPr lang="ru-RU" sz="2800" dirty="0"/>
           </a:p>
         </p:txBody>
       </p:sp>
@@ -20745,7 +20610,7 @@
                   <a:buNone/>
                 </a:pPr>
                 <a:r>
-                  <a:rPr lang="ru-RU" dirty="0" smtClean="0"/>
+                  <a:rPr lang="ru-RU" dirty="0"/>
                   <a:t>Пусть </a:t>
                 </a:r>
                 <a14:m>
@@ -20792,11 +20657,11 @@
                   </m:oMath>
                 </a14:m>
                 <a:r>
-                  <a:rPr lang="en-US" dirty="0" smtClean="0"/>
+                  <a:rPr lang="en-US" dirty="0"/>
                   <a:t> </a:t>
                 </a:r>
                 <a:r>
-                  <a:rPr lang="ru-RU" dirty="0" smtClean="0"/>
+                  <a:rPr lang="ru-RU" dirty="0"/>
                   <a:t>шифр на </a:t>
                 </a:r>
                 <a14:m>
@@ -20865,7 +20730,7 @@
                   </m:oMath>
                 </a14:m>
                 <a:r>
-                  <a:rPr lang="en-US" dirty="0" smtClean="0"/>
+                  <a:rPr lang="en-US" dirty="0"/>
                   <a:t>, </a:t>
                 </a:r>
                 <a14:m>
@@ -20909,11 +20774,11 @@
                   </m:oMath>
                 </a14:m>
                 <a:r>
-                  <a:rPr lang="en-US" dirty="0" smtClean="0"/>
+                  <a:rPr lang="en-US" dirty="0"/>
                   <a:t> – MAC </a:t>
                 </a:r>
                 <a:r>
-                  <a:rPr lang="ru-RU" dirty="0" smtClean="0"/>
+                  <a:rPr lang="ru-RU" dirty="0"/>
                   <a:t>на </a:t>
                 </a:r>
                 <a14:m>
@@ -20982,7 +20847,7 @@
                   </m:oMath>
                 </a14:m>
                 <a:r>
-                  <a:rPr lang="ru-RU" dirty="0" smtClean="0"/>
+                  <a:rPr lang="ru-RU" dirty="0"/>
                   <a:t>.</a:t>
                 </a:r>
               </a:p>
@@ -21096,11 +20961,11 @@
                   </m:oMath>
                 </a14:m>
                 <a:r>
-                  <a:rPr lang="en-US" dirty="0" smtClean="0"/>
+                  <a:rPr lang="en-US" dirty="0"/>
                   <a:t> </a:t>
                 </a:r>
                 <a:r>
-                  <a:rPr lang="ru-RU" dirty="0" smtClean="0"/>
+                  <a:rPr lang="ru-RU" dirty="0"/>
                   <a:t>на </a:t>
                 </a:r>
                 <a14:m>
@@ -21212,7 +21077,7 @@
                   </m:oMath>
                 </a14:m>
                 <a:r>
-                  <a:rPr lang="en-US" dirty="0" smtClean="0"/>
+                  <a:rPr lang="en-US" dirty="0"/>
                   <a:t>:</a:t>
                 </a:r>
               </a:p>
@@ -21544,7 +21409,7 @@
                     </m:r>
                   </m:oMath>
                 </a14:m>
-                <a:endParaRPr lang="en-US" dirty="0" smtClean="0"/>
+                <a:endParaRPr lang="en-US" dirty="0"/>
               </a:p>
               <a:p>
                 <a14:m>
@@ -21850,7 +21715,7 @@
                     </m:r>
                   </m:oMath>
                 </a14:m>
-                <a:endParaRPr lang="en-US" b="0" dirty="0" smtClean="0"/>
+                <a:endParaRPr lang="en-US" b="0" dirty="0"/>
               </a:p>
               <a:p>
                 <a:pPr marL="0" indent="0">
@@ -21952,13 +21817,6 @@
   <p:clrMapOvr>
     <a:masterClrMapping/>
   </p:clrMapOvr>
-  <p:timing>
-    <p:tnLst>
-      <p:par>
-        <p:cTn id="1" dur="indefinite" restart="never" nodeType="tmRoot"/>
-      </p:par>
-    </p:tnLst>
-  </p:timing>
 </p:sld>
 </file>
 
@@ -22572,96 +22430,95 @@
               </a:p>
               <a:p>
                 <a:r>
-                  <a:rPr lang="ru-RU" dirty="0" smtClean="0"/>
+                  <a:rPr lang="ru-RU" dirty="0"/>
                   <a:t>Необходимо использование </a:t>
                 </a:r>
                 <a:r>
-                  <a:rPr lang="ru-RU" b="1" dirty="0" smtClean="0"/>
+                  <a:rPr lang="ru-RU" b="1" dirty="0"/>
                   <a:t>различных, независимых ключей</a:t>
                 </a:r>
                 <a:r>
-                  <a:rPr lang="ru-RU" dirty="0" smtClean="0"/>
+                  <a:rPr lang="ru-RU" dirty="0"/>
                   <a:t> для </a:t>
                 </a:r>
                 <a:r>
-                  <a:rPr lang="en-US" dirty="0" smtClean="0"/>
+                  <a:rPr lang="en-US" dirty="0"/>
                   <a:t>MAC </a:t>
                 </a:r>
                 <a:r>
-                  <a:rPr lang="ru-RU" dirty="0" smtClean="0"/>
+                  <a:rPr lang="ru-RU" dirty="0"/>
                   <a:t>и шифрования (использование одинаковых ключей может вести к реальным атакам, например при использовании </a:t>
                 </a:r>
                 <a:r>
-                  <a:rPr lang="en-US" dirty="0" smtClean="0"/>
+                  <a:rPr lang="en-US" dirty="0"/>
                   <a:t>CBC </a:t>
                 </a:r>
                 <a:r>
-                  <a:rPr lang="ru-RU" dirty="0" smtClean="0"/>
+                  <a:rPr lang="ru-RU" dirty="0"/>
                   <a:t>шифрования и </a:t>
                 </a:r>
                 <a:r>
-                  <a:rPr lang="en-US" dirty="0" smtClean="0"/>
+                  <a:rPr lang="en-US" dirty="0"/>
                   <a:t>CBC MAC)</a:t>
                 </a:r>
-                <a:endParaRPr lang="ru-RU" dirty="0" smtClean="0"/>
+                <a:endParaRPr lang="ru-RU" dirty="0"/>
               </a:p>
               <a:p>
                 <a:r>
-                  <a:rPr lang="en-US" dirty="0" smtClean="0"/>
+                  <a:rPr lang="en-US" dirty="0"/>
                   <a:t>MAC </a:t>
                 </a:r>
                 <a:r>
-                  <a:rPr lang="ru-RU" dirty="0" smtClean="0"/>
+                  <a:rPr lang="ru-RU" dirty="0"/>
                   <a:t>должны вычисляться для </a:t>
                 </a:r>
                 <a:r>
-                  <a:rPr lang="ru-RU" b="1" dirty="0" smtClean="0"/>
+                  <a:rPr lang="ru-RU" b="1" dirty="0"/>
                   <a:t>всего</a:t>
                 </a:r>
                 <a:r>
-                  <a:rPr lang="ru-RU" dirty="0" smtClean="0"/>
+                  <a:rPr lang="ru-RU" dirty="0"/>
                   <a:t> </a:t>
                 </a:r>
                 <a:r>
-                  <a:rPr lang="ru-RU" dirty="0" err="1" smtClean="0"/>
+                  <a:rPr lang="ru-RU" dirty="0" err="1"/>
                   <a:t>шифртекста</a:t>
                 </a:r>
                 <a:r>
-                  <a:rPr lang="ru-RU" dirty="0" smtClean="0"/>
+                  <a:rPr lang="ru-RU" dirty="0"/>
                   <a:t> (</a:t>
                 </a:r>
                 <a:r>
-                  <a:rPr lang="ru-RU" b="1" dirty="0" smtClean="0"/>
+                  <a:rPr lang="ru-RU" b="1" dirty="0"/>
                   <a:t>включая</a:t>
                 </a:r>
                 <a:r>
-                  <a:rPr lang="ru-RU" dirty="0" smtClean="0"/>
+                  <a:rPr lang="ru-RU" dirty="0"/>
                   <a:t> </a:t>
                 </a:r>
                 <a:r>
-                  <a:rPr lang="en-US" dirty="0" smtClean="0"/>
+                  <a:rPr lang="en-US" dirty="0"/>
                   <a:t>IV)</a:t>
                 </a:r>
-                <a:endParaRPr lang="en-US" dirty="0"/>
               </a:p>
               <a:p>
                 <a:r>
-                  <a:rPr lang="ru-RU" dirty="0" smtClean="0"/>
+                  <a:rPr lang="ru-RU" dirty="0"/>
                   <a:t>Проверка целостности осуществляется </a:t>
                 </a:r>
                 <a:r>
-                  <a:rPr lang="ru-RU" b="1" dirty="0" smtClean="0"/>
+                  <a:rPr lang="ru-RU" b="1" dirty="0"/>
                   <a:t>строго до</a:t>
                 </a:r>
                 <a:r>
-                  <a:rPr lang="ru-RU" dirty="0" smtClean="0"/>
+                  <a:rPr lang="ru-RU" dirty="0"/>
                   <a:t> </a:t>
                 </a:r>
                 <a:r>
-                  <a:rPr lang="ru-RU" dirty="0" err="1" smtClean="0"/>
+                  <a:rPr lang="ru-RU" dirty="0" err="1"/>
                   <a:t>расшифрования</a:t>
                 </a:r>
-                <a:endParaRPr lang="en-US" dirty="0" smtClean="0"/>
+                <a:endParaRPr lang="en-US" dirty="0"/>
               </a:p>
               <a:p>
                 <a:pPr marL="0" indent="0">
@@ -22739,13 +22596,6 @@
   <p:clrMapOvr>
     <a:masterClrMapping/>
   </p:clrMapOvr>
-  <p:timing>
-    <p:tnLst>
-      <p:par>
-        <p:cTn id="1" dur="indefinite" restart="never" nodeType="tmRoot"/>
-      </p:par>
-    </p:tnLst>
-  </p:timing>
 </p:sld>
 </file>
 
@@ -22782,7 +22632,7 @@
           <a:lstStyle/>
           <a:p>
             <a:r>
-              <a:rPr lang="en-US" dirty="0" smtClean="0"/>
+              <a:rPr lang="en-US" dirty="0"/>
               <a:t>MAC-then-encrypt</a:t>
             </a:r>
             <a:endParaRPr lang="ru-RU" dirty="0"/>
@@ -22812,7 +22662,7 @@
                   <a:buNone/>
                 </a:pPr>
                 <a:r>
-                  <a:rPr lang="ru-RU" dirty="0" smtClean="0"/>
+                  <a:rPr lang="ru-RU" dirty="0"/>
                   <a:t>Пусть </a:t>
                 </a:r>
                 <a14:m>
@@ -23828,7 +23678,7 @@
                     </m:r>
                   </m:oMath>
                 </a14:m>
-                <a:endParaRPr lang="en-US" b="0" i="1" dirty="0" smtClean="0">
+                <a:endParaRPr lang="en-US" b="0" i="1" dirty="0">
                   <a:latin typeface="Cambria Math" panose="02040503050406030204" pitchFamily="18" charset="0"/>
                 </a:endParaRPr>
               </a:p>
@@ -23977,13 +23827,13 @@
                     </m:oMath>
                   </m:oMathPara>
                 </a14:m>
-                <a:endParaRPr lang="en-US" dirty="0" smtClean="0"/>
+                <a:endParaRPr lang="en-US" dirty="0"/>
               </a:p>
               <a:p>
                 <a:pPr marL="0" indent="0">
                   <a:buNone/>
                 </a:pPr>
-                <a:endParaRPr lang="ru-RU" dirty="0" smtClean="0"/>
+                <a:endParaRPr lang="ru-RU" dirty="0"/>
               </a:p>
             </p:txBody>
           </p:sp>
@@ -24079,13 +23929,6 @@
   <p:clrMapOvr>
     <a:masterClrMapping/>
   </p:clrMapOvr>
-  <p:timing>
-    <p:tnLst>
-      <p:par>
-        <p:cTn id="1" dur="indefinite" restart="never" nodeType="tmRoot"/>
-      </p:par>
-    </p:tnLst>
-  </p:timing>
 </p:sld>
 </file>
 
@@ -24162,21 +24005,13 @@
             </a:r>
             <a:r>
               <a:rPr lang="ru-RU" dirty="0"/>
-              <a:t>и </a:t>
-            </a:r>
-            <a:r>
-              <a:rPr lang="ru-RU" dirty="0" smtClean="0"/>
-              <a:t>шифрования</a:t>
-            </a:r>
-          </a:p>
-          <a:p>
-            <a:r>
-              <a:rPr lang="ru-RU" b="1" dirty="0" smtClean="0"/>
-              <a:t>Не </a:t>
-            </a:r>
+              <a:t>и шифрования</a:t>
+            </a:r>
+          </a:p>
+          <a:p>
             <a:r>
               <a:rPr lang="ru-RU" b="1" dirty="0"/>
-              <a:t>является </a:t>
+              <a:t>Не является </a:t>
             </a:r>
             <a:r>
               <a:rPr lang="en-US" b="1" dirty="0"/>
@@ -24213,16 +24048,12 @@
               <a:t>Является </a:t>
             </a:r>
             <a:r>
-              <a:rPr lang="en-US" dirty="0" smtClean="0"/>
+              <a:rPr lang="en-US" dirty="0"/>
               <a:t>AE </a:t>
             </a:r>
             <a:r>
-              <a:rPr lang="ru-RU" dirty="0" smtClean="0"/>
-              <a:t>стойким </a:t>
-            </a:r>
-            <a:r>
               <a:rPr lang="ru-RU" dirty="0"/>
-              <a:t>для </a:t>
+              <a:t>стойким для </a:t>
             </a:r>
             <a:r>
               <a:rPr lang="ru-RU" b="1" dirty="0"/>
@@ -24254,27 +24085,22 @@
             </a:r>
             <a:r>
               <a:rPr lang="ru-RU" dirty="0"/>
-              <a:t> без дополнения сообщений</a:t>
-            </a:r>
-            <a:r>
-              <a:rPr lang="ru-RU" dirty="0" smtClean="0"/>
-              <a:t>).</a:t>
-            </a:r>
-          </a:p>
-          <a:p>
-            <a:r>
-              <a:rPr lang="ru-RU" dirty="0" smtClean="0"/>
+              <a:t> без дополнения сообщений).</a:t>
+            </a:r>
+          </a:p>
+          <a:p>
+            <a:r>
+              <a:rPr lang="ru-RU" dirty="0"/>
               <a:t>Проверка аутентичности происходит после </a:t>
             </a:r>
             <a:r>
-              <a:rPr lang="ru-RU" dirty="0" err="1" smtClean="0"/>
+              <a:rPr lang="ru-RU" dirty="0" err="1"/>
               <a:t>расширования</a:t>
             </a:r>
             <a:r>
-              <a:rPr lang="ru-RU" dirty="0" smtClean="0"/>
+              <a:rPr lang="ru-RU" dirty="0"/>
               <a:t> (что и ведёт к ряду атак, в том числе по времени)</a:t>
             </a:r>
-            <a:endParaRPr lang="ru-RU" dirty="0"/>
           </a:p>
           <a:p>
             <a:endParaRPr lang="ru-RU" dirty="0"/>
@@ -24314,13 +24140,6 @@
   <p:clrMapOvr>
     <a:masterClrMapping/>
   </p:clrMapOvr>
-  <p:timing>
-    <p:tnLst>
-      <p:par>
-        <p:cTn id="1" dur="indefinite" restart="never" nodeType="tmRoot"/>
-      </p:par>
-    </p:tnLst>
-  </p:timing>
 </p:sld>
 </file>
 
@@ -24357,7 +24176,7 @@
           <a:lstStyle/>
           <a:p>
             <a:r>
-              <a:rPr lang="en-US" dirty="0" smtClean="0"/>
+              <a:rPr lang="en-US" dirty="0"/>
               <a:t>Encrypt-and-MAC</a:t>
             </a:r>
             <a:endParaRPr lang="ru-RU" dirty="0"/>
@@ -24385,7 +24204,7 @@
                   <a:buNone/>
                 </a:pPr>
                 <a:r>
-                  <a:rPr lang="ru-RU" dirty="0" smtClean="0"/>
+                  <a:rPr lang="ru-RU" dirty="0"/>
                   <a:t>Пусть </a:t>
                 </a:r>
                 <a14:m>
@@ -25612,13 +25431,6 @@
   <p:clrMapOvr>
     <a:masterClrMapping/>
   </p:clrMapOvr>
-  <p:timing>
-    <p:tnLst>
-      <p:par>
-        <p:cTn id="1" dur="indefinite" restart="never" nodeType="tmRoot"/>
-      </p:par>
-    </p:tnLst>
-  </p:timing>
 </p:sld>
 </file>
 
@@ -25695,15 +25507,11 @@
             </a:r>
             <a:r>
               <a:rPr lang="ru-RU" dirty="0"/>
-              <a:t>и </a:t>
-            </a:r>
-            <a:r>
-              <a:rPr lang="ru-RU" dirty="0" smtClean="0"/>
-              <a:t>шифрования</a:t>
-            </a:r>
-          </a:p>
-          <a:p>
-            <a:endParaRPr lang="ru-RU" dirty="0" smtClean="0"/>
+              <a:t>и шифрования</a:t>
+            </a:r>
+          </a:p>
+          <a:p>
+            <a:endParaRPr lang="ru-RU" dirty="0"/>
           </a:p>
           <a:p>
             <a:r>
@@ -25724,11 +25532,7 @@
             </a:r>
             <a:r>
               <a:rPr lang="ru-RU" dirty="0"/>
-              <a:t>в общем </a:t>
-            </a:r>
-            <a:r>
-              <a:rPr lang="ru-RU" dirty="0" smtClean="0"/>
-              <a:t>случае</a:t>
+              <a:t>в общем случае</a:t>
             </a:r>
           </a:p>
           <a:p>
@@ -25736,23 +25540,23 @@
           </a:p>
           <a:p>
             <a:r>
-              <a:rPr lang="ru-RU" dirty="0" smtClean="0"/>
+              <a:rPr lang="ru-RU" dirty="0"/>
               <a:t>Вообще говоря, из </a:t>
             </a:r>
             <a:r>
-              <a:rPr lang="en-US" dirty="0" smtClean="0"/>
+              <a:rPr lang="en-US" dirty="0"/>
               <a:t>MAC </a:t>
             </a:r>
             <a:r>
-              <a:rPr lang="ru-RU" dirty="0" smtClean="0"/>
+              <a:rPr lang="ru-RU" dirty="0"/>
               <a:t>можно восстановить часть сообщения (на стойкий </a:t>
             </a:r>
             <a:r>
-              <a:rPr lang="en-US" dirty="0" smtClean="0"/>
+              <a:rPr lang="en-US" dirty="0"/>
               <a:t>MAC </a:t>
             </a:r>
             <a:r>
-              <a:rPr lang="ru-RU" dirty="0" smtClean="0"/>
+              <a:rPr lang="ru-RU" dirty="0"/>
               <a:t>не накладывается требования не раскрывать биты сообщения)</a:t>
             </a:r>
           </a:p>
@@ -25797,13 +25601,6 @@
   <p:clrMapOvr>
     <a:masterClrMapping/>
   </p:clrMapOvr>
-  <p:timing>
-    <p:tnLst>
-      <p:par>
-        <p:cTn id="1" dur="indefinite" restart="never" nodeType="tmRoot"/>
-      </p:par>
-    </p:tnLst>
-  </p:timing>
 </p:sld>
 </file>
 
@@ -25840,10 +25637,9 @@
           <a:lstStyle/>
           <a:p>
             <a:r>
-              <a:rPr lang="ru-RU" dirty="0" smtClean="0"/>
+              <a:rPr lang="ru-RU" dirty="0"/>
               <a:t>Режимы аутентифицированного шифрования</a:t>
             </a:r>
-            <a:endParaRPr lang="ru-RU" dirty="0"/>
           </a:p>
         </p:txBody>
       </p:sp>
@@ -25866,15 +25662,15 @@
               <a:buNone/>
             </a:pPr>
             <a:r>
-              <a:rPr lang="ru-RU" dirty="0" smtClean="0"/>
+              <a:rPr lang="ru-RU" dirty="0"/>
               <a:t>Можем ли мы построить режимы, при которых будет обеспечивать </a:t>
             </a:r>
             <a:r>
-              <a:rPr lang="en-US" dirty="0" smtClean="0"/>
+              <a:rPr lang="en-US" dirty="0"/>
               <a:t>AE </a:t>
             </a:r>
             <a:r>
-              <a:rPr lang="ru-RU" dirty="0" smtClean="0"/>
+              <a:rPr lang="ru-RU" dirty="0"/>
               <a:t>стойкость изначально?</a:t>
             </a:r>
           </a:p>
@@ -25883,11 +25679,11 @@
               <a:buNone/>
             </a:pPr>
             <a:r>
-              <a:rPr lang="ru-RU" dirty="0" smtClean="0"/>
+              <a:rPr lang="ru-RU" dirty="0"/>
               <a:t>Можем –</a:t>
             </a:r>
             <a:r>
-              <a:rPr lang="en-US" dirty="0" smtClean="0"/>
+              <a:rPr lang="en-US" dirty="0"/>
               <a:t>GCM, CCM, EAX, OCB</a:t>
             </a:r>
           </a:p>
@@ -25902,64 +25698,48 @@
               <a:buNone/>
             </a:pPr>
             <a:r>
-              <a:rPr lang="ru-RU" dirty="0" smtClean="0"/>
+              <a:rPr lang="ru-RU" dirty="0"/>
               <a:t>Описанные режимы являются не только </a:t>
             </a:r>
             <a:r>
-              <a:rPr lang="en-US" dirty="0" smtClean="0"/>
+              <a:rPr lang="en-US" dirty="0"/>
               <a:t>AE </a:t>
             </a:r>
             <a:r>
-              <a:rPr lang="ru-RU" dirty="0" smtClean="0"/>
+              <a:rPr lang="ru-RU" dirty="0"/>
               <a:t>шифрованием, но и </a:t>
             </a:r>
             <a:r>
-              <a:rPr lang="en-US" dirty="0" smtClean="0"/>
+              <a:rPr lang="en-US" dirty="0"/>
               <a:t>AEAD</a:t>
             </a:r>
             <a:r>
-              <a:rPr lang="ru-RU" dirty="0" smtClean="0"/>
+              <a:rPr lang="ru-RU" dirty="0"/>
               <a:t> </a:t>
             </a:r>
             <a:r>
-              <a:rPr lang="en-US" dirty="0" smtClean="0"/>
+              <a:rPr lang="en-US" dirty="0"/>
               <a:t>(</a:t>
             </a:r>
             <a:r>
-              <a:rPr lang="en-US" b="1" dirty="0" smtClean="0"/>
-              <a:t>authenticated </a:t>
-            </a:r>
-            <a:r>
               <a:rPr lang="en-US" b="1" dirty="0"/>
-              <a:t>encryption with associated </a:t>
-            </a:r>
-            <a:r>
-              <a:rPr lang="en-US" b="1" dirty="0" smtClean="0"/>
-              <a:t>data)</a:t>
-            </a:r>
-            <a:r>
-              <a:rPr lang="ru-RU" dirty="0" smtClean="0"/>
+              <a:t>authenticated encryption with associated data)</a:t>
+            </a:r>
+            <a:r>
+              <a:rPr lang="ru-RU" dirty="0"/>
               <a:t>, когда часть данных шифруется и аутентифицируется, а часть только аутентифицируется (</a:t>
             </a:r>
             <a:r>
               <a:rPr lang="en-US" b="1" dirty="0"/>
-              <a:t>associated </a:t>
-            </a:r>
-            <a:r>
-              <a:rPr lang="en-US" b="1" dirty="0" smtClean="0"/>
-              <a:t>data</a:t>
-            </a:r>
-            <a:r>
-              <a:rPr lang="ru-RU" b="1" dirty="0" smtClean="0"/>
+              <a:t>associated data</a:t>
+            </a:r>
+            <a:r>
+              <a:rPr lang="ru-RU" b="1" dirty="0"/>
               <a:t>)</a:t>
             </a:r>
             <a:r>
-              <a:rPr lang="ru-RU" dirty="0" smtClean="0"/>
-              <a:t>. Все режимы </a:t>
-            </a:r>
-            <a:r>
               <a:rPr lang="ru-RU" dirty="0"/>
-              <a:t>используют </a:t>
+              <a:t>. Все режимы используют </a:t>
             </a:r>
             <a:r>
               <a:rPr lang="en-US" dirty="0"/>
@@ -26042,13 +25822,6 @@
   <p:clrMapOvr>
     <a:masterClrMapping/>
   </p:clrMapOvr>
-  <p:timing>
-    <p:tnLst>
-      <p:par>
-        <p:cTn id="1" dur="indefinite" restart="never" nodeType="tmRoot"/>
-      </p:par>
-    </p:tnLst>
-  </p:timing>
 </p:sld>
 </file>
 
@@ -26093,7 +25866,7 @@
           <a:p>
             <a:pPr eaLnBrk="1" hangingPunct="1"/>
             <a:r>
-              <a:rPr lang="en-US" dirty="0" smtClean="0"/>
+              <a:rPr lang="en-US" dirty="0"/>
               <a:t>OCB</a:t>
             </a:r>
           </a:p>
@@ -26133,16 +25906,10 @@
               </a:spcBef>
             </a:pPr>
             <a:r>
-              <a:rPr lang="en-US" sz="2667" dirty="0" smtClean="0">
-                <a:latin typeface="Arial" charset="0"/>
-              </a:rPr>
-              <a:t>One </a:t>
-            </a:r>
-            <a:r>
               <a:rPr lang="en-US" sz="2667" dirty="0">
                 <a:latin typeface="Arial" charset="0"/>
               </a:rPr>
-              <a:t>E() op. per block. </a:t>
+              <a:t>One E() op. per block. </a:t>
             </a:r>
           </a:p>
         </p:txBody>
@@ -28821,13 +28588,6 @@
   <p:clrMapOvr>
     <a:masterClrMapping/>
   </p:clrMapOvr>
-  <p:timing>
-    <p:tnLst>
-      <p:par>
-        <p:cTn id="1" dur="indefinite" restart="never" nodeType="tmRoot"/>
-      </p:par>
-    </p:tnLst>
-  </p:timing>
 </p:sld>
 </file>
 
@@ -28935,34 +28695,34 @@
           <a:lstStyle/>
           <a:p>
             <a:r>
-              <a:rPr lang="ru-RU" dirty="0" smtClean="0"/>
+              <a:rPr lang="ru-RU" dirty="0"/>
               <a:t>Полностью </a:t>
             </a:r>
             <a:r>
-              <a:rPr lang="ru-RU" dirty="0" err="1" smtClean="0"/>
+              <a:rPr lang="ru-RU" dirty="0" err="1"/>
               <a:t>параллелизуется</a:t>
             </a:r>
-            <a:endParaRPr lang="ru-RU" dirty="0" smtClean="0"/>
-          </a:p>
-          <a:p>
-            <a:r>
-              <a:rPr lang="ru-RU" dirty="0" smtClean="0"/>
+            <a:endParaRPr lang="ru-RU" dirty="0"/>
+          </a:p>
+          <a:p>
+            <a:r>
+              <a:rPr lang="ru-RU" dirty="0"/>
               <a:t>Патентовано</a:t>
             </a:r>
             <a:r>
-              <a:rPr lang="en-US" dirty="0" smtClean="0"/>
+              <a:rPr lang="en-US" dirty="0"/>
               <a:t> (</a:t>
             </a:r>
             <a:r>
-              <a:rPr lang="ru-RU" dirty="0" smtClean="0"/>
+              <a:rPr lang="ru-RU" dirty="0"/>
               <a:t>спасибо </a:t>
             </a:r>
             <a:r>
-              <a:rPr lang="en-US" dirty="0" err="1" smtClean="0"/>
+              <a:rPr lang="en-US" dirty="0" err="1"/>
               <a:t>Rogaway</a:t>
             </a:r>
             <a:r>
-              <a:rPr lang="en-US" dirty="0" smtClean="0"/>
+              <a:rPr lang="en-US" dirty="0"/>
               <a:t>!)</a:t>
             </a:r>
             <a:endParaRPr lang="ru-RU" dirty="0"/>
@@ -28979,13 +28739,6 @@
   <p:clrMapOvr>
     <a:masterClrMapping/>
   </p:clrMapOvr>
-  <p:timing>
-    <p:tnLst>
-      <p:par>
-        <p:cTn id="1" dur="indefinite" restart="never" nodeType="tmRoot"/>
-      </p:par>
-    </p:tnLst>
-  </p:timing>
 </p:sld>
 </file>
 
@@ -29022,7 +28775,7 @@
           <a:lstStyle/>
           <a:p>
             <a:r>
-              <a:rPr lang="en-US" dirty="0" smtClean="0"/>
+              <a:rPr lang="en-US" dirty="0"/>
               <a:t>GCM</a:t>
             </a:r>
             <a:endParaRPr lang="ru-RU" dirty="0"/>
@@ -29050,46 +28803,46 @@
           <a:lstStyle/>
           <a:p>
             <a:r>
-              <a:rPr lang="en-US" dirty="0" smtClean="0"/>
+              <a:rPr lang="en-US" dirty="0"/>
               <a:t>CTR-mode-then-CW-MAC</a:t>
             </a:r>
-            <a:endParaRPr lang="ru-RU" dirty="0" smtClean="0"/>
-          </a:p>
-          <a:p>
-            <a:r>
-              <a:rPr lang="ru-RU" dirty="0" err="1" smtClean="0"/>
+            <a:endParaRPr lang="ru-RU" dirty="0"/>
+          </a:p>
+          <a:p>
+            <a:r>
+              <a:rPr lang="ru-RU" dirty="0" err="1"/>
               <a:t>Параллелизуется</a:t>
             </a:r>
             <a:r>
-              <a:rPr lang="ru-RU" dirty="0" smtClean="0"/>
+              <a:rPr lang="ru-RU" dirty="0"/>
               <a:t> только шифрование</a:t>
             </a:r>
           </a:p>
           <a:p>
             <a:r>
-              <a:rPr lang="en-US" dirty="0" smtClean="0"/>
+              <a:rPr lang="en-US" dirty="0"/>
               <a:t>MAC </a:t>
             </a:r>
             <a:r>
-              <a:rPr lang="ru-RU" dirty="0" smtClean="0"/>
+              <a:rPr lang="ru-RU" dirty="0"/>
               <a:t>последовательный, не требует вычисления </a:t>
             </a:r>
             <a:r>
-              <a:rPr lang="en-US" dirty="0" smtClean="0"/>
+              <a:rPr lang="en-US" dirty="0"/>
               <a:t>PRP</a:t>
             </a:r>
           </a:p>
           <a:p>
             <a:r>
-              <a:rPr lang="ru-RU" dirty="0" err="1" smtClean="0"/>
+              <a:rPr lang="ru-RU" dirty="0" err="1"/>
               <a:t>Стандрат</a:t>
             </a:r>
             <a:r>
-              <a:rPr lang="ru-RU" dirty="0" smtClean="0"/>
+              <a:rPr lang="ru-RU" dirty="0"/>
               <a:t> </a:t>
             </a:r>
             <a:r>
-              <a:rPr lang="en-US" dirty="0" smtClean="0"/>
+              <a:rPr lang="en-US" dirty="0"/>
               <a:t>NIST</a:t>
             </a:r>
             <a:endParaRPr lang="ru-RU" dirty="0"/>
@@ -29153,13 +28906,6 @@
   <p:clrMapOvr>
     <a:masterClrMapping/>
   </p:clrMapOvr>
-  <p:timing>
-    <p:tnLst>
-      <p:par>
-        <p:cTn id="1" dur="indefinite" restart="never" nodeType="tmRoot"/>
-      </p:par>
-    </p:tnLst>
-  </p:timing>
 </p:sld>
 </file>
 
@@ -29243,7 +28989,7 @@
           <a:lstStyle/>
           <a:p>
             <a:r>
-              <a:rPr lang="en-US" sz="20000" dirty="0" smtClean="0">
+              <a:rPr lang="en-US" sz="20000" dirty="0">
                 <a:solidFill>
                   <a:schemeClr val="bg1"/>
                 </a:solidFill>
@@ -29252,7 +28998,7 @@
               <a:t>TIME</a:t>
             </a:r>
             <a:r>
-              <a:rPr lang="en-US" sz="15000" dirty="0" smtClean="0">
+              <a:rPr lang="en-US" sz="15000" dirty="0">
                 <a:solidFill>
                   <a:schemeClr val="bg1"/>
                 </a:solidFill>
@@ -29293,7 +29039,7 @@
               <a:buNone/>
             </a:pPr>
             <a:r>
-              <a:rPr lang="en-US" sz="20000" dirty="0" smtClean="0">
+              <a:rPr lang="en-US" sz="20000" dirty="0">
                 <a:solidFill>
                   <a:schemeClr val="bg1"/>
                 </a:solidFill>
@@ -29375,7 +29121,7 @@
           </a:lstStyle>
           <a:p>
             <a:r>
-              <a:rPr lang="en-US" sz="20000" dirty="0" smtClean="0">
+              <a:rPr lang="en-US" sz="20000" dirty="0">
                 <a:solidFill>
                   <a:schemeClr val="bg1"/>
                 </a:solidFill>
@@ -29384,7 +29130,7 @@
               <a:t>IS</a:t>
             </a:r>
             <a:r>
-              <a:rPr lang="en-US" sz="20000" dirty="0" smtClean="0">
+              <a:rPr lang="en-US" sz="20000" dirty="0">
                 <a:solidFill>
                   <a:schemeClr val="bg1"/>
                 </a:solidFill>
@@ -29604,7 +29350,7 @@
           <a:lstStyle/>
           <a:p>
             <a:r>
-              <a:rPr lang="en-US" dirty="0" smtClean="0"/>
+              <a:rPr lang="en-US" dirty="0"/>
               <a:t>CCM</a:t>
             </a:r>
             <a:endParaRPr lang="ru-RU" dirty="0"/>
@@ -29632,14 +29378,9 @@
           <a:lstStyle/>
           <a:p>
             <a:r>
-              <a:rPr lang="en-US" dirty="0" smtClean="0"/>
-              <a:t>CTR-mode-and-</a:t>
-            </a:r>
-            <a:r>
               <a:rPr lang="en-US" dirty="0"/>
-              <a:t>CBC-MAC</a:t>
-            </a:r>
-            <a:endParaRPr lang="en-US" dirty="0" smtClean="0"/>
+              <a:t>CTR-mode-and-CBC-MAC</a:t>
+            </a:r>
           </a:p>
           <a:p>
             <a:r>
@@ -29710,13 +29451,6 @@
   <p:clrMapOvr>
     <a:masterClrMapping/>
   </p:clrMapOvr>
-  <p:timing>
-    <p:tnLst>
-      <p:par>
-        <p:cTn id="1" dur="indefinite" restart="never" nodeType="tmRoot"/>
-      </p:par>
-    </p:tnLst>
-  </p:timing>
 </p:sld>
 </file>
 
@@ -29753,7 +29487,7 @@
           <a:lstStyle/>
           <a:p>
             <a:r>
-              <a:rPr lang="en-US" dirty="0" smtClean="0"/>
+              <a:rPr lang="en-US" dirty="0"/>
               <a:t>EAX</a:t>
             </a:r>
             <a:endParaRPr lang="ru-RU" dirty="0"/>
@@ -29796,15 +29530,7 @@
             </a:r>
             <a:r>
               <a:rPr lang="ru-RU" dirty="0"/>
-              <a:t>последовательный, </a:t>
-            </a:r>
-            <a:r>
-              <a:rPr lang="ru-RU" dirty="0" smtClean="0"/>
-              <a:t>требует </a:t>
-            </a:r>
-            <a:r>
-              <a:rPr lang="ru-RU" dirty="0"/>
-              <a:t>вычисления </a:t>
+              <a:t>последовательный, требует вычисления </a:t>
             </a:r>
             <a:r>
               <a:rPr lang="en-US" dirty="0"/>
@@ -29871,13 +29597,6 @@
   <p:clrMapOvr>
     <a:masterClrMapping/>
   </p:clrMapOvr>
-  <p:timing>
-    <p:tnLst>
-      <p:par>
-        <p:cTn id="1" dur="indefinite" restart="never" nodeType="tmRoot"/>
-      </p:par>
-    </p:tnLst>
-  </p:timing>
 </p:sld>
 </file>
 
@@ -30020,27 +29739,19 @@
           <a:lstStyle/>
           <a:p>
             <a:r>
-              <a:rPr lang="ru-RU" dirty="0" smtClean="0"/>
-              <a:t>Построение аутентифицированного шифровани</a:t>
-            </a:r>
-            <a:r>
               <a:rPr lang="ru-RU" dirty="0"/>
-              <a:t>я</a:t>
-            </a:r>
-            <a:r>
-              <a:rPr lang="ru-RU" dirty="0" smtClean="0"/>
-              <a:t> с помощью </a:t>
-            </a:r>
-            <a:r>
-              <a:rPr lang="en-US" dirty="0" smtClean="0"/>
+              <a:t>Построение аутентифицированного шифрования с помощью </a:t>
+            </a:r>
+            <a:r>
+              <a:rPr lang="en-US" dirty="0"/>
               <a:t>SHA-3 </a:t>
             </a:r>
             <a:r>
-              <a:rPr lang="ru-RU" dirty="0" smtClean="0"/>
+              <a:rPr lang="ru-RU" dirty="0"/>
               <a:t>(</a:t>
             </a:r>
             <a:r>
-              <a:rPr lang="en-US" dirty="0" smtClean="0"/>
+              <a:rPr lang="en-US" dirty="0"/>
               <a:t>Strobe)</a:t>
             </a:r>
             <a:endParaRPr lang="ru-RU" dirty="0"/>
@@ -30123,13 +29834,6 @@
   <p:clrMapOvr>
     <a:masterClrMapping/>
   </p:clrMapOvr>
-  <p:timing>
-    <p:tnLst>
-      <p:par>
-        <p:cTn id="1" dur="indefinite" restart="never" nodeType="tmRoot"/>
-      </p:par>
-    </p:tnLst>
-  </p:timing>
 </p:sld>
 </file>
 
@@ -30166,10 +29870,9 @@
           <a:lstStyle/>
           <a:p>
             <a:r>
-              <a:rPr lang="ru-RU" dirty="0" smtClean="0"/>
+              <a:rPr lang="ru-RU" dirty="0"/>
               <a:t>Выводы</a:t>
             </a:r>
-            <a:endParaRPr lang="ru-RU" dirty="0"/>
           </a:p>
         </p:txBody>
       </p:sp>
@@ -30189,46 +29892,45 @@
           <a:lstStyle/>
           <a:p>
             <a:r>
-              <a:rPr lang="ru-RU" dirty="0" smtClean="0"/>
+              <a:rPr lang="ru-RU" dirty="0"/>
               <a:t>Для построения защищенных каналов необходимо использовать </a:t>
             </a:r>
             <a:r>
-              <a:rPr lang="en-US" dirty="0" smtClean="0"/>
+              <a:rPr lang="en-US" dirty="0"/>
               <a:t>AE </a:t>
             </a:r>
             <a:r>
-              <a:rPr lang="ru-RU" dirty="0" smtClean="0"/>
+              <a:rPr lang="ru-RU" dirty="0"/>
               <a:t>шифрование</a:t>
             </a:r>
           </a:p>
           <a:p>
             <a:r>
-              <a:rPr lang="ru-RU" dirty="0" smtClean="0"/>
+              <a:rPr lang="ru-RU" dirty="0"/>
               <a:t>Лучше использовать </a:t>
             </a:r>
             <a:r>
-              <a:rPr lang="en-US" dirty="0" smtClean="0"/>
+              <a:rPr lang="en-US" dirty="0"/>
               <a:t>Encrypt-Then-MAC </a:t>
             </a:r>
             <a:r>
-              <a:rPr lang="ru-RU" dirty="0" smtClean="0"/>
+              <a:rPr lang="ru-RU" dirty="0"/>
               <a:t>или один из стандартов </a:t>
             </a:r>
             <a:r>
-              <a:rPr lang="en-US" dirty="0" smtClean="0"/>
+              <a:rPr lang="en-US" dirty="0"/>
               <a:t>AEAD </a:t>
             </a:r>
             <a:r>
-              <a:rPr lang="ru-RU" dirty="0" smtClean="0"/>
+              <a:rPr lang="ru-RU" dirty="0"/>
               <a:t>шифрования</a:t>
             </a:r>
           </a:p>
           <a:p>
             <a:r>
-              <a:rPr lang="ru-RU" dirty="0" smtClean="0"/>
+              <a:rPr lang="ru-RU" dirty="0"/>
               <a:t>Никогда не реализовывать криптографию!</a:t>
             </a:r>
-            <a:endParaRPr lang="ru-RU" dirty="0"/>
           </a:p>
         </p:txBody>
       </p:sp>
@@ -30265,13 +29967,6 @@
   <p:clrMapOvr>
     <a:masterClrMapping/>
   </p:clrMapOvr>
-  <p:timing>
-    <p:tnLst>
-      <p:par>
-        <p:cTn id="1" dur="indefinite" restart="never" nodeType="tmRoot"/>
-      </p:par>
-    </p:tnLst>
-  </p:timing>
 </p:sld>
 </file>
 
@@ -30308,10 +30003,9 @@
           <a:lstStyle/>
           <a:p>
             <a:r>
-              <a:rPr lang="ru-RU" dirty="0" smtClean="0"/>
+              <a:rPr lang="ru-RU" dirty="0"/>
               <a:t>Криптографическая защита информации</a:t>
             </a:r>
-            <a:endParaRPr lang="ru-RU" dirty="0"/>
           </a:p>
         </p:txBody>
       </p:sp>
@@ -30334,58 +30028,57 @@
               <a:buNone/>
             </a:pPr>
             <a:r>
-              <a:rPr lang="ru-RU" dirty="0" smtClean="0"/>
+              <a:rPr lang="ru-RU" dirty="0"/>
               <a:t>Обеспечение конфиденциальности</a:t>
             </a:r>
+          </a:p>
+          <a:p>
+            <a:r>
+              <a:rPr lang="ru-RU" dirty="0"/>
+              <a:t>семантическая стойкость против </a:t>
+            </a:r>
+            <a:r>
+              <a:rPr lang="en-US" dirty="0"/>
+              <a:t>CPA </a:t>
+            </a:r>
+            <a:r>
+              <a:rPr lang="ru-RU" dirty="0"/>
+              <a:t>атаки</a:t>
+            </a:r>
+          </a:p>
+          <a:p>
+            <a:r>
+              <a:rPr lang="ru-RU" dirty="0"/>
+              <a:t>Зашита только против пассивных противников (не вносящих изменения в канал связи)</a:t>
+            </a:r>
+          </a:p>
+          <a:p>
+            <a:r>
+              <a:rPr lang="ru-RU" dirty="0"/>
+              <a:t>Поточные и блочные шифры</a:t>
+            </a:r>
+          </a:p>
+          <a:p>
             <a:endParaRPr lang="ru-RU" dirty="0"/>
-          </a:p>
-          <a:p>
-            <a:r>
-              <a:rPr lang="ru-RU" dirty="0" smtClean="0"/>
-              <a:t>семантическая стойкость против </a:t>
-            </a:r>
-            <a:r>
-              <a:rPr lang="en-US" dirty="0" smtClean="0"/>
-              <a:t>CPA </a:t>
-            </a:r>
-            <a:r>
-              <a:rPr lang="ru-RU" dirty="0" smtClean="0"/>
-              <a:t>атаки</a:t>
-            </a:r>
-          </a:p>
-          <a:p>
-            <a:r>
-              <a:rPr lang="ru-RU" dirty="0" smtClean="0"/>
-              <a:t>Зашита только против пассивных противников (не вносящих изменения в канал связи)</a:t>
-            </a:r>
-          </a:p>
-          <a:p>
-            <a:r>
-              <a:rPr lang="ru-RU" dirty="0" smtClean="0"/>
-              <a:t>Поточные и блочные шифры</a:t>
-            </a:r>
-          </a:p>
-          <a:p>
-            <a:endParaRPr lang="ru-RU" dirty="0" smtClean="0"/>
           </a:p>
           <a:p>
             <a:pPr marL="0" indent="0">
               <a:buNone/>
             </a:pPr>
             <a:r>
-              <a:rPr lang="ru-RU" dirty="0" smtClean="0"/>
+              <a:rPr lang="ru-RU" dirty="0"/>
               <a:t>Обеспечение целостности</a:t>
             </a:r>
           </a:p>
           <a:p>
             <a:r>
-              <a:rPr lang="ru-RU" dirty="0" smtClean="0"/>
+              <a:rPr lang="ru-RU" dirty="0"/>
               <a:t>Защита от подделки при атаке по выбранным сообщениям</a:t>
             </a:r>
           </a:p>
           <a:p>
             <a:r>
-              <a:rPr lang="en-US" dirty="0" smtClean="0"/>
+              <a:rPr lang="en-US" dirty="0"/>
               <a:t>CBC-MAC, HMAC, CW-MAC</a:t>
             </a:r>
             <a:endParaRPr lang="ru-RU" dirty="0"/>
@@ -30425,13 +30118,6 @@
   <p:clrMapOvr>
     <a:masterClrMapping/>
   </p:clrMapOvr>
-  <p:timing>
-    <p:tnLst>
-      <p:par>
-        <p:cTn id="1" dur="indefinite" restart="never" nodeType="tmRoot"/>
-      </p:par>
-    </p:tnLst>
-  </p:timing>
 </p:sld>
 </file>
 
@@ -30468,10 +30154,9 @@
           <a:lstStyle/>
           <a:p>
             <a:r>
-              <a:rPr lang="ru-RU" dirty="0" smtClean="0"/>
+              <a:rPr lang="ru-RU" dirty="0"/>
               <a:t>Криптографическая защита информации</a:t>
             </a:r>
-            <a:endParaRPr lang="ru-RU" dirty="0"/>
           </a:p>
         </p:txBody>
       </p:sp>
@@ -30494,27 +30179,27 @@
               <a:buNone/>
             </a:pPr>
             <a:r>
-              <a:rPr lang="ru-RU" dirty="0" smtClean="0"/>
+              <a:rPr lang="ru-RU" dirty="0"/>
               <a:t>Аутентифицированное шифрование</a:t>
             </a:r>
           </a:p>
           <a:p>
             <a:r>
-              <a:rPr lang="ru-RU" dirty="0" smtClean="0"/>
+              <a:rPr lang="ru-RU" dirty="0"/>
               <a:t>Шифрование с защитой от подделки </a:t>
             </a:r>
             <a:r>
-              <a:rPr lang="ru-RU" dirty="0" err="1" smtClean="0"/>
+              <a:rPr lang="ru-RU" dirty="0" err="1"/>
               <a:t>шифртекстов</a:t>
             </a:r>
             <a:r>
-              <a:rPr lang="ru-RU" dirty="0" smtClean="0"/>
+              <a:rPr lang="ru-RU" dirty="0"/>
               <a:t> (т.е. обеспечение аутентичности и конфиденциальности)</a:t>
             </a:r>
           </a:p>
           <a:p>
             <a:r>
-              <a:rPr lang="ru-RU" dirty="0" smtClean="0"/>
+              <a:rPr lang="ru-RU" dirty="0"/>
               <a:t>Защита от активных и пассивных противников</a:t>
             </a:r>
           </a:p>
@@ -30553,13 +30238,6 @@
   <p:clrMapOvr>
     <a:masterClrMapping/>
   </p:clrMapOvr>
-  <p:timing>
-    <p:tnLst>
-      <p:par>
-        <p:cTn id="1" dur="indefinite" restart="never" nodeType="tmRoot"/>
-      </p:par>
-    </p:tnLst>
-  </p:timing>
 </p:sld>
 </file>
 
@@ -30598,7 +30276,7 @@
           <a:lstStyle/>
           <a:p>
             <a:r>
-              <a:rPr lang="ru-RU" dirty="0" smtClean="0"/>
+              <a:rPr lang="ru-RU" dirty="0"/>
               <a:t>Пример перехвата сообщений</a:t>
             </a:r>
             <a:endParaRPr lang="en-US" dirty="0"/>
@@ -30629,7 +30307,7 @@
               <a:buNone/>
             </a:pPr>
             <a:r>
-              <a:rPr lang="en-US" dirty="0" smtClean="0"/>
+              <a:rPr lang="en-US" dirty="0"/>
               <a:t>TCP/IP:   (highly abstracted)</a:t>
             </a:r>
           </a:p>
@@ -31249,16 +30927,12 @@
               </a:lnSpc>
             </a:pPr>
             <a:r>
-              <a:rPr lang="ru-RU" sz="2933" dirty="0" smtClean="0"/>
+              <a:rPr lang="ru-RU" sz="2933" dirty="0"/>
               <a:t>Противник получает любые пакеты, имеющие заголовок</a:t>
             </a:r>
             <a:r>
-              <a:rPr lang="en-US" sz="2933" dirty="0" smtClean="0"/>
-              <a:t> </a:t>
-            </a:r>
-            <a:r>
               <a:rPr lang="en-US" sz="2933" dirty="0"/>
-              <a:t>“</a:t>
+              <a:t> “</a:t>
             </a:r>
             <a:r>
               <a:rPr lang="en-US" sz="2933" dirty="0" err="1"/>
@@ -31284,13 +30958,6 @@
   <p:clrMapOvr>
     <a:masterClrMapping/>
   </p:clrMapOvr>
-  <p:timing>
-    <p:tnLst>
-      <p:par>
-        <p:cTn id="1" dur="indefinite" restart="never" nodeType="tmRoot"/>
-      </p:par>
-    </p:tnLst>
-  </p:timing>
 </p:sld>
 </file>
 
@@ -31360,11 +31027,11 @@
               <a:buNone/>
             </a:pPr>
             <a:r>
-              <a:rPr lang="en-US" dirty="0" err="1" smtClean="0"/>
+              <a:rPr lang="en-US" dirty="0" err="1"/>
               <a:t>IPsec</a:t>
             </a:r>
             <a:r>
-              <a:rPr lang="en-US" dirty="0" smtClean="0"/>
+              <a:rPr lang="en-US" dirty="0"/>
               <a:t>:  (highly abstracted)</a:t>
             </a:r>
           </a:p>
